--- a/text/Diaporama_Soutenance_projet_tutore_Bernouy_Deloison_Dewilde_Malet_Selle.pptx
+++ b/text/Diaporama_Soutenance_projet_tutore_Bernouy_Deloison_Dewilde_Malet_Selle.pptx
@@ -5,7 +5,7 @@
     <p:sldMasterId id="2147483648" r:id="rId1"/>
   </p:sldMasterIdLst>
   <p:notesMasterIdLst>
-    <p:notesMasterId r:id="rId11"/>
+    <p:notesMasterId r:id="rId17"/>
   </p:notesMasterIdLst>
   <p:sldIdLst>
     <p:sldId id="257" r:id="rId2"/>
@@ -15,8 +15,14 @@
     <p:sldId id="271" r:id="rId6"/>
     <p:sldId id="270" r:id="rId7"/>
     <p:sldId id="260" r:id="rId8"/>
-    <p:sldId id="269" r:id="rId9"/>
-    <p:sldId id="268" r:id="rId10"/>
+    <p:sldId id="272" r:id="rId9"/>
+    <p:sldId id="273" r:id="rId10"/>
+    <p:sldId id="274" r:id="rId11"/>
+    <p:sldId id="275" r:id="rId12"/>
+    <p:sldId id="276" r:id="rId13"/>
+    <p:sldId id="277" r:id="rId14"/>
+    <p:sldId id="269" r:id="rId15"/>
+    <p:sldId id="268" r:id="rId16"/>
   </p:sldIdLst>
   <p:sldSz cx="12192000" cy="6858000"/>
   <p:notesSz cx="6858000" cy="9144000"/>
@@ -273,38 +279,37 @@
           <a:p>
             <a:pPr lvl="0"/>
             <a:r>
-              <a:rPr lang="fr-FR" smtClean="0"/>
+              <a:rPr lang="fr-FR"/>
               <a:t>Modifiez les styles du texte du masque</a:t>
             </a:r>
           </a:p>
           <a:p>
             <a:pPr lvl="1"/>
             <a:r>
-              <a:rPr lang="fr-FR" smtClean="0"/>
+              <a:rPr lang="fr-FR"/>
               <a:t>Deuxième niveau</a:t>
             </a:r>
           </a:p>
           <a:p>
             <a:pPr lvl="2"/>
             <a:r>
-              <a:rPr lang="fr-FR" smtClean="0"/>
+              <a:rPr lang="fr-FR"/>
               <a:t>Troisième niveau</a:t>
             </a:r>
           </a:p>
           <a:p>
             <a:pPr lvl="3"/>
             <a:r>
-              <a:rPr lang="fr-FR" smtClean="0"/>
+              <a:rPr lang="fr-FR"/>
               <a:t>Quatrième niveau</a:t>
             </a:r>
           </a:p>
           <a:p>
             <a:pPr lvl="4"/>
             <a:r>
-              <a:rPr lang="fr-FR" smtClean="0"/>
+              <a:rPr lang="fr-FR"/>
               <a:t>Cinquième niveau</a:t>
             </a:r>
-            <a:endParaRPr lang="fr-FR"/>
           </a:p>
         </p:txBody>
       </p:sp>
@@ -539,7 +544,7 @@
               <a:defRPr/>
             </a:pPr>
             <a:r>
-              <a:rPr lang="fr-FR" dirty="0" smtClean="0">
+              <a:rPr lang="fr-FR" dirty="0">
                 <a:ea typeface="DejaVu Sans Condensed" panose="020B0606030804020204" pitchFamily="34" charset="0"/>
                 <a:cs typeface="DejaVu Sans Condensed" panose="020B0606030804020204" pitchFamily="34" charset="0"/>
               </a:rPr>
@@ -565,7 +570,7 @@
               <a:defRPr/>
             </a:pPr>
             <a:r>
-              <a:rPr lang="fr-FR" dirty="0" smtClean="0">
+              <a:rPr lang="fr-FR" dirty="0">
                 <a:ea typeface="DejaVu Sans Condensed" panose="020B0606030804020204" pitchFamily="34" charset="0"/>
                 <a:cs typeface="DejaVu Sans Condensed" panose="020B0606030804020204" pitchFamily="34" charset="0"/>
               </a:rPr>
@@ -591,7 +596,7 @@
               <a:defRPr/>
             </a:pPr>
             <a:r>
-              <a:rPr lang="fr-FR" dirty="0" smtClean="0">
+              <a:rPr lang="fr-FR" dirty="0">
                 <a:ea typeface="DejaVu Sans Condensed" panose="020B0606030804020204" pitchFamily="34" charset="0"/>
                 <a:cs typeface="DejaVu Sans Condensed" panose="020B0606030804020204" pitchFamily="34" charset="0"/>
               </a:rPr>
@@ -600,7 +605,7 @@
           </a:p>
           <a:p>
             <a:r>
-              <a:rPr lang="fr-FR" dirty="0" smtClean="0">
+              <a:rPr lang="fr-FR" dirty="0">
                 <a:ea typeface="DejaVu Sans Condensed" panose="020B0606030804020204" pitchFamily="34" charset="0"/>
                 <a:cs typeface="DejaVu Sans Condensed" panose="020B0606030804020204" pitchFamily="34" charset="0"/>
               </a:rPr>
@@ -613,14 +618,14 @@
               <a:buChar char="§"/>
             </a:pPr>
             <a:r>
-              <a:rPr lang="fr-FR" dirty="0" smtClean="0">
+              <a:rPr lang="fr-FR" dirty="0">
                 <a:ea typeface="DejaVu Sans Condensed" panose="020B0606030804020204" pitchFamily="34" charset="0"/>
                 <a:cs typeface="DejaVu Sans Condensed" panose="020B0606030804020204" pitchFamily="34" charset="0"/>
               </a:rPr>
               <a:t>Matières informatiques</a:t>
             </a:r>
             <a:r>
-              <a:rPr lang="fr-FR" baseline="0" dirty="0" smtClean="0">
+              <a:rPr lang="fr-FR" baseline="0" dirty="0">
                 <a:ea typeface="DejaVu Sans Condensed" panose="020B0606030804020204" pitchFamily="34" charset="0"/>
                 <a:cs typeface="DejaVu Sans Condensed" panose="020B0606030804020204" pitchFamily="34" charset="0"/>
               </a:rPr>
@@ -633,7 +638,7 @@
               <a:buChar char="Ø"/>
             </a:pPr>
             <a:r>
-              <a:rPr lang="fr-FR" baseline="0" dirty="0" smtClean="0">
+              <a:rPr lang="fr-FR" baseline="0" dirty="0">
                 <a:ea typeface="DejaVu Sans Condensed" panose="020B0606030804020204" pitchFamily="34" charset="0"/>
                 <a:cs typeface="DejaVu Sans Condensed" panose="020B0606030804020204" pitchFamily="34" charset="0"/>
               </a:rPr>
@@ -646,7 +651,7 @@
               <a:buChar char="Ø"/>
             </a:pPr>
             <a:r>
-              <a:rPr lang="fr-FR" baseline="0" dirty="0" smtClean="0">
+              <a:rPr lang="fr-FR" baseline="0" dirty="0">
                 <a:ea typeface="DejaVu Sans Condensed" panose="020B0606030804020204" pitchFamily="34" charset="0"/>
                 <a:cs typeface="DejaVu Sans Condensed" panose="020B0606030804020204" pitchFamily="34" charset="0"/>
               </a:rPr>
@@ -659,7 +664,7 @@
               <a:buChar char="Ø"/>
             </a:pPr>
             <a:r>
-              <a:rPr lang="fr-FR" baseline="0" dirty="0" smtClean="0">
+              <a:rPr lang="fr-FR" baseline="0" dirty="0">
                 <a:ea typeface="DejaVu Sans Condensed" panose="020B0606030804020204" pitchFamily="34" charset="0"/>
                 <a:cs typeface="DejaVu Sans Condensed" panose="020B0606030804020204" pitchFamily="34" charset="0"/>
               </a:rPr>
@@ -750,23 +755,23 @@
           <a:lstStyle/>
           <a:p>
             <a:r>
-              <a:rPr lang="fr-FR" dirty="0" err="1" smtClean="0"/>
+              <a:rPr lang="fr-FR" dirty="0" err="1"/>
               <a:t>SublimeText</a:t>
             </a:r>
             <a:r>
-              <a:rPr lang="fr-FR" dirty="0" smtClean="0"/>
+              <a:rPr lang="fr-FR" dirty="0"/>
               <a:t> et</a:t>
             </a:r>
             <a:r>
-              <a:rPr lang="fr-FR" baseline="0" dirty="0" smtClean="0"/>
+              <a:rPr lang="fr-FR" baseline="0" dirty="0"/>
               <a:t> </a:t>
             </a:r>
             <a:r>
-              <a:rPr lang="fr-FR" baseline="0" dirty="0" err="1" smtClean="0"/>
+              <a:rPr lang="fr-FR" baseline="0" dirty="0" err="1"/>
               <a:t>Atom</a:t>
             </a:r>
             <a:r>
-              <a:rPr lang="fr-FR" baseline="0" dirty="0" smtClean="0"/>
+              <a:rPr lang="fr-FR" baseline="0" dirty="0"/>
               <a:t> sont très proches tant visuellement qu’au niveau des fonctionnalités, MAIS</a:t>
             </a:r>
           </a:p>
@@ -776,35 +781,35 @@
               <a:buChar char="→"/>
             </a:pPr>
             <a:r>
-              <a:rPr lang="fr-FR" baseline="0" dirty="0" err="1" smtClean="0"/>
+              <a:rPr lang="fr-FR" baseline="0" dirty="0" err="1"/>
               <a:t>Atom</a:t>
             </a:r>
             <a:r>
-              <a:rPr lang="fr-FR" baseline="0" dirty="0" smtClean="0"/>
+              <a:rPr lang="fr-FR" baseline="0" dirty="0"/>
               <a:t> est développé par l’équipe de </a:t>
             </a:r>
             <a:r>
-              <a:rPr lang="fr-FR" baseline="0" dirty="0" err="1" smtClean="0"/>
+              <a:rPr lang="fr-FR" baseline="0" dirty="0" err="1"/>
               <a:t>GitHub</a:t>
             </a:r>
             <a:r>
-              <a:rPr lang="fr-FR" baseline="0" dirty="0" smtClean="0"/>
+              <a:rPr lang="fr-FR" baseline="0" dirty="0"/>
               <a:t> </a:t>
             </a:r>
             <a:r>
-              <a:rPr lang="fr-FR" baseline="0" dirty="0" smtClean="0">
+              <a:rPr lang="fr-FR" baseline="0" dirty="0">
                 <a:sym typeface="Wingdings" panose="05000000000000000000" pitchFamily="2" charset="2"/>
               </a:rPr>
               <a:t> Plugin </a:t>
             </a:r>
             <a:r>
-              <a:rPr lang="fr-FR" baseline="0" dirty="0" err="1" smtClean="0">
+              <a:rPr lang="fr-FR" baseline="0" dirty="0" err="1">
                 <a:sym typeface="Wingdings" panose="05000000000000000000" pitchFamily="2" charset="2"/>
               </a:rPr>
               <a:t>GitHub</a:t>
             </a:r>
             <a:r>
-              <a:rPr lang="fr-FR" baseline="0" dirty="0" smtClean="0">
+              <a:rPr lang="fr-FR" baseline="0" dirty="0">
                 <a:sym typeface="Wingdings" panose="05000000000000000000" pitchFamily="2" charset="2"/>
               </a:rPr>
               <a:t> intégrable, pratique pour ce genre de projets</a:t>
@@ -816,7 +821,7 @@
               <a:buChar char="→"/>
             </a:pPr>
             <a:r>
-              <a:rPr lang="fr-FR" baseline="0" dirty="0" smtClean="0">
+              <a:rPr lang="fr-FR" baseline="0" dirty="0">
                 <a:sym typeface="Wingdings" panose="05000000000000000000" pitchFamily="2" charset="2"/>
               </a:rPr>
               <a:t>Notepad++  Editeur de texte très puissant, bien que peu adapté à la programmation, mais Adam &lt;est chiant et borné&gt;</a:t>
@@ -828,7 +833,7 @@
               <a:buChar char="→"/>
             </a:pPr>
             <a:r>
-              <a:rPr lang="fr-FR" baseline="0" dirty="0" smtClean="0">
+              <a:rPr lang="fr-FR" baseline="0" dirty="0">
                 <a:sym typeface="Wingdings" panose="05000000000000000000" pitchFamily="2" charset="2"/>
               </a:rPr>
               <a:t>Tous nos outils étaient déjà choisis avant même de commencer le projet  déjà utilisés lors de projets précédents  GAIN DE TEMPS</a:t>
@@ -918,11 +923,11 @@
           <a:lstStyle/>
           <a:p>
             <a:r>
-              <a:rPr lang="fr-FR" dirty="0" smtClean="0"/>
+              <a:rPr lang="fr-FR" dirty="0"/>
               <a:t>On a utilisé nos propres outils déjà développés</a:t>
             </a:r>
             <a:r>
-              <a:rPr lang="fr-FR" baseline="0" dirty="0" smtClean="0"/>
+              <a:rPr lang="fr-FR" baseline="0" dirty="0"/>
               <a:t> pendant / pour des projets précédents</a:t>
             </a:r>
           </a:p>
@@ -932,35 +937,35 @@
               <a:buChar char="→"/>
             </a:pPr>
             <a:r>
-              <a:rPr lang="fr-FR" baseline="0" dirty="0" err="1" smtClean="0"/>
+              <a:rPr lang="fr-FR" baseline="0" dirty="0" err="1"/>
               <a:t>Atom</a:t>
             </a:r>
             <a:r>
-              <a:rPr lang="fr-FR" baseline="0" dirty="0" smtClean="0"/>
+              <a:rPr lang="fr-FR" baseline="0" dirty="0"/>
               <a:t> est développé par l’équipe de </a:t>
             </a:r>
             <a:r>
-              <a:rPr lang="fr-FR" baseline="0" dirty="0" err="1" smtClean="0"/>
+              <a:rPr lang="fr-FR" baseline="0" dirty="0" err="1"/>
               <a:t>GitHub</a:t>
             </a:r>
             <a:r>
-              <a:rPr lang="fr-FR" baseline="0" dirty="0" smtClean="0"/>
+              <a:rPr lang="fr-FR" baseline="0" dirty="0"/>
               <a:t> </a:t>
             </a:r>
             <a:r>
-              <a:rPr lang="fr-FR" baseline="0" dirty="0" smtClean="0">
+              <a:rPr lang="fr-FR" baseline="0" dirty="0">
                 <a:sym typeface="Wingdings" panose="05000000000000000000" pitchFamily="2" charset="2"/>
               </a:rPr>
               <a:t> Plugin </a:t>
             </a:r>
             <a:r>
-              <a:rPr lang="fr-FR" baseline="0" dirty="0" err="1" smtClean="0">
+              <a:rPr lang="fr-FR" baseline="0" dirty="0" err="1">
                 <a:sym typeface="Wingdings" panose="05000000000000000000" pitchFamily="2" charset="2"/>
               </a:rPr>
               <a:t>GitHub</a:t>
             </a:r>
             <a:r>
-              <a:rPr lang="fr-FR" baseline="0" dirty="0" smtClean="0">
+              <a:rPr lang="fr-FR" baseline="0" dirty="0">
                 <a:sym typeface="Wingdings" panose="05000000000000000000" pitchFamily="2" charset="2"/>
               </a:rPr>
               <a:t> intégrable, pratique pour ce genre de projets</a:t>
@@ -972,7 +977,7 @@
               <a:buChar char="→"/>
             </a:pPr>
             <a:r>
-              <a:rPr lang="fr-FR" baseline="0" dirty="0" smtClean="0">
+              <a:rPr lang="fr-FR" baseline="0" dirty="0">
                 <a:sym typeface="Wingdings" panose="05000000000000000000" pitchFamily="2" charset="2"/>
               </a:rPr>
               <a:t>Notepad++  Editeur de texte très puissant, bien que peu adapté à la programmation, mais Adam &lt;est chiant et borné&gt;</a:t>
@@ -984,7 +989,7 @@
               <a:buChar char="→"/>
             </a:pPr>
             <a:r>
-              <a:rPr lang="fr-FR" baseline="0" dirty="0" smtClean="0">
+              <a:rPr lang="fr-FR" baseline="0" dirty="0">
                 <a:sym typeface="Wingdings" panose="05000000000000000000" pitchFamily="2" charset="2"/>
               </a:rPr>
               <a:t>Tous nos outils étaient déjà choisis avant même de commencer le projet  déjà utilisés lors de projets précédents  GAIN DE TEMPS</a:t>
@@ -1074,22 +1079,22 @@
           <a:lstStyle/>
           <a:p>
             <a:r>
-              <a:rPr lang="fr-FR" dirty="0" smtClean="0"/>
+              <a:rPr lang="fr-FR" dirty="0"/>
               <a:t>Commencer par une </a:t>
             </a:r>
             <a:r>
-              <a:rPr lang="fr-FR" dirty="0" err="1" smtClean="0"/>
+              <a:rPr lang="fr-FR" dirty="0" err="1"/>
               <a:t>une</a:t>
             </a:r>
             <a:r>
-              <a:rPr lang="fr-FR" baseline="0" dirty="0" smtClean="0"/>
+              <a:rPr lang="fr-FR" baseline="0" dirty="0"/>
               <a:t> ébauche de XML sur le logiciel </a:t>
             </a:r>
             <a:r>
-              <a:rPr lang="fr-FR" baseline="0" dirty="0" err="1" smtClean="0"/>
+              <a:rPr lang="fr-FR" baseline="0" dirty="0" err="1"/>
               <a:t>ArgoUML</a:t>
             </a:r>
-            <a:endParaRPr lang="fr-FR" baseline="0" dirty="0" smtClean="0"/>
+            <a:endParaRPr lang="fr-FR" baseline="0" dirty="0"/>
           </a:p>
           <a:p>
             <a:pPr marL="628650" lvl="1" indent="-171450">
@@ -1097,15 +1102,15 @@
               <a:buChar char="Ø"/>
             </a:pPr>
             <a:r>
-              <a:rPr lang="fr-FR" baseline="0" dirty="0" smtClean="0"/>
+              <a:rPr lang="fr-FR" baseline="0" dirty="0"/>
               <a:t>Quelques noms de classes, avec leur fonctionnalités de base (on a commencé par le gestionnaire d’erreurs, par la Frame et sa </a:t>
             </a:r>
             <a:r>
-              <a:rPr lang="fr-FR" baseline="0" dirty="0" err="1" smtClean="0"/>
+              <a:rPr lang="fr-FR" baseline="0" dirty="0" err="1"/>
               <a:t>Factory</a:t>
             </a:r>
             <a:r>
-              <a:rPr lang="fr-FR" baseline="0" dirty="0" smtClean="0"/>
+              <a:rPr lang="fr-FR" baseline="0" dirty="0"/>
               <a:t>, et par les Control (avec leur classe mère abstraite, qu’on va montrer juste après))</a:t>
             </a:r>
             <a:endParaRPr lang="fr-FR" dirty="0"/>
@@ -1179,7 +1184,7 @@
       </p:sp>
       <p:sp>
         <p:nvSpPr>
-          <p:cNvPr id="3" name="Espace réservé des commentaires 2"/>
+          <p:cNvPr id="3" name="Espace réservé des notes 2"/>
           <p:cNvSpPr>
             <a:spLocks noGrp="1"/>
           </p:cNvSpPr>
@@ -1192,40 +1197,7 @@
           <a:bodyPr/>
           <a:lstStyle/>
           <a:p>
-            <a:r>
-              <a:rPr lang="fr-FR" dirty="0" smtClean="0"/>
-              <a:t>Un souci rencontré pendant les derniers jours du </a:t>
-            </a:r>
-            <a:r>
-              <a:rPr lang="fr-FR" dirty="0" smtClean="0"/>
-              <a:t>projet (Là ça va, mais à un moment donné =&gt;</a:t>
-            </a:r>
-            <a:r>
-              <a:rPr lang="fr-FR" baseline="0" dirty="0" smtClean="0"/>
-              <a:t> MASSE IMAGES)</a:t>
-            </a:r>
-            <a:endParaRPr lang="fr-FR" dirty="0" smtClean="0"/>
-          </a:p>
-          <a:p>
-            <a:pPr marL="628650" lvl="1" indent="-171450">
-              <a:buFont typeface="Calibri" panose="020F0502020204030204" pitchFamily="34" charset="0"/>
-              <a:buChar char="→"/>
-            </a:pPr>
-            <a:r>
-              <a:rPr lang="fr-FR" baseline="0" dirty="0" smtClean="0"/>
-              <a:t>Difficile de retrouver certains fichier</a:t>
-            </a:r>
-          </a:p>
-          <a:p>
-            <a:pPr marL="1085850" lvl="2" indent="-171450">
-              <a:buFont typeface="Calibri" panose="020F0502020204030204" pitchFamily="34" charset="0"/>
-              <a:buChar char="→"/>
-            </a:pPr>
-            <a:r>
-              <a:rPr lang="fr-FR" baseline="0" dirty="0" smtClean="0"/>
-              <a:t>Compléter l’arborescence pour séparer les documents écrits, etc... Pour que tout soit organisé</a:t>
-            </a:r>
-            <a:endParaRPr lang="fr-FR" dirty="0" smtClean="0"/>
+            <a:endParaRPr lang="fr-FR" dirty="0"/>
           </a:p>
         </p:txBody>
       </p:sp>
@@ -1246,7 +1218,7 @@
           <a:p>
             <a:fld id="{38BE3736-3490-47E8-A842-ABB51172A8C6}" type="slidenum">
               <a:rPr lang="fr-FR" smtClean="0"/>
-              <a:t>8</a:t>
+              <a:t>10</a:t>
             </a:fld>
             <a:endParaRPr lang="fr-FR"/>
           </a:p>
@@ -1255,7 +1227,7 @@
     </p:spTree>
     <p:extLst>
       <p:ext uri="{BB962C8B-B14F-4D97-AF65-F5344CB8AC3E}">
-        <p14:creationId xmlns:p14="http://schemas.microsoft.com/office/powerpoint/2010/main" val="4294962232"/>
+        <p14:creationId xmlns:p14="http://schemas.microsoft.com/office/powerpoint/2010/main" val="721298000"/>
       </p:ext>
     </p:extLst>
   </p:cSld>
@@ -1309,6 +1281,119 @@
           <a:bodyPr/>
           <a:lstStyle/>
           <a:p>
+            <a:r>
+              <a:rPr lang="fr-FR" dirty="0"/>
+              <a:t>Un souci rencontré pendant les derniers jours du projet (Là ça va, mais à un moment donné =&gt;</a:t>
+            </a:r>
+            <a:r>
+              <a:rPr lang="fr-FR" baseline="0" dirty="0"/>
+              <a:t> MASSE IMAGES)</a:t>
+            </a:r>
+            <a:endParaRPr lang="fr-FR" dirty="0"/>
+          </a:p>
+          <a:p>
+            <a:pPr marL="628650" lvl="1" indent="-171450">
+              <a:buFont typeface="Calibri" panose="020F0502020204030204" pitchFamily="34" charset="0"/>
+              <a:buChar char="→"/>
+            </a:pPr>
+            <a:r>
+              <a:rPr lang="fr-FR" baseline="0" dirty="0"/>
+              <a:t>Difficile de retrouver certains fichier</a:t>
+            </a:r>
+          </a:p>
+          <a:p>
+            <a:pPr marL="1085850" lvl="2" indent="-171450">
+              <a:buFont typeface="Calibri" panose="020F0502020204030204" pitchFamily="34" charset="0"/>
+              <a:buChar char="→"/>
+            </a:pPr>
+            <a:r>
+              <a:rPr lang="fr-FR" baseline="0" dirty="0"/>
+              <a:t>Compléter l’arborescence pour séparer les documents écrits, etc... Pour que tout soit organisé</a:t>
+            </a:r>
+            <a:endParaRPr lang="fr-FR" dirty="0"/>
+          </a:p>
+        </p:txBody>
+      </p:sp>
+      <p:sp>
+        <p:nvSpPr>
+          <p:cNvPr id="4" name="Espace réservé du numéro de diapositive 3"/>
+          <p:cNvSpPr>
+            <a:spLocks noGrp="1"/>
+          </p:cNvSpPr>
+          <p:nvPr>
+            <p:ph type="sldNum" sz="quarter" idx="10"/>
+          </p:nvPr>
+        </p:nvSpPr>
+        <p:spPr/>
+        <p:txBody>
+          <a:bodyPr/>
+          <a:lstStyle/>
+          <a:p>
+            <a:fld id="{38BE3736-3490-47E8-A842-ABB51172A8C6}" type="slidenum">
+              <a:rPr lang="fr-FR" smtClean="0"/>
+              <a:t>14</a:t>
+            </a:fld>
+            <a:endParaRPr lang="fr-FR"/>
+          </a:p>
+        </p:txBody>
+      </p:sp>
+    </p:spTree>
+    <p:extLst>
+      <p:ext uri="{BB962C8B-B14F-4D97-AF65-F5344CB8AC3E}">
+        <p14:creationId xmlns:p14="http://schemas.microsoft.com/office/powerpoint/2010/main" val="4294962232"/>
+      </p:ext>
+    </p:extLst>
+  </p:cSld>
+  <p:clrMapOvr>
+    <a:masterClrMapping/>
+  </p:clrMapOvr>
+</p:notes>
+</file>
+
+<file path=ppt/notesSlides/notesSlide7.xml><?xml version="1.0" encoding="utf-8"?>
+<p:notes xmlns:a="http://schemas.openxmlformats.org/drawingml/2006/main" xmlns:r="http://schemas.openxmlformats.org/officeDocument/2006/relationships" xmlns:p="http://schemas.openxmlformats.org/presentationml/2006/main">
+  <p:cSld>
+    <p:spTree>
+      <p:nvGrpSpPr>
+        <p:cNvPr id="1" name=""/>
+        <p:cNvGrpSpPr/>
+        <p:nvPr/>
+      </p:nvGrpSpPr>
+      <p:grpSpPr>
+        <a:xfrm>
+          <a:off x="0" y="0"/>
+          <a:ext cx="0" cy="0"/>
+          <a:chOff x="0" y="0"/>
+          <a:chExt cx="0" cy="0"/>
+        </a:xfrm>
+      </p:grpSpPr>
+      <p:sp>
+        <p:nvSpPr>
+          <p:cNvPr id="2" name="Espace réservé de l'image des diapositives 1"/>
+          <p:cNvSpPr>
+            <a:spLocks noGrp="1" noRot="1" noChangeAspect="1"/>
+          </p:cNvSpPr>
+          <p:nvPr>
+            <p:ph type="sldImg"/>
+          </p:nvPr>
+        </p:nvSpPr>
+        <p:spPr/>
+      </p:sp>
+      <p:sp>
+        <p:nvSpPr>
+          <p:cNvPr id="3" name="Espace réservé des commentaires 2"/>
+          <p:cNvSpPr>
+            <a:spLocks noGrp="1"/>
+          </p:cNvSpPr>
+          <p:nvPr>
+            <p:ph type="body" idx="1"/>
+          </p:nvPr>
+        </p:nvSpPr>
+        <p:spPr/>
+        <p:txBody>
+          <a:bodyPr/>
+          <a:lstStyle/>
+          <a:p>
             <a:pPr marL="0" marR="0" lvl="1" indent="0" algn="l" defTabSz="914400" rtl="0" eaLnBrk="1" fontAlgn="auto" latinLnBrk="0" hangingPunct="1">
               <a:lnSpc>
                 <a:spcPct val="100000"/>
@@ -1327,7 +1412,7 @@
               <a:defRPr/>
             </a:pPr>
             <a:r>
-              <a:rPr lang="fr-FR" dirty="0" smtClean="0">
+              <a:rPr lang="fr-FR" dirty="0">
                 <a:ea typeface="DejaVu Sans Condensed" panose="020B0606030804020204" pitchFamily="34" charset="0"/>
                 <a:cs typeface="DejaVu Sans Condensed" panose="020B0606030804020204" pitchFamily="34" charset="0"/>
               </a:rPr>
@@ -1354,7 +1439,7 @@
           <a:p>
             <a:fld id="{38BE3736-3490-47E8-A842-ABB51172A8C6}" type="slidenum">
               <a:rPr lang="fr-FR" smtClean="0"/>
-              <a:t>9</a:t>
+              <a:t>15</a:t>
             </a:fld>
             <a:endParaRPr lang="fr-FR"/>
           </a:p>
@@ -1395,7 +1480,7 @@
           <p:cNvPr id="4" name="Espace réservé de la date 3">
             <a:extLst>
               <a:ext uri="{FF2B5EF4-FFF2-40B4-BE49-F238E27FC236}">
-                <a16:creationId xmlns="" xmlns:a16="http://schemas.microsoft.com/office/drawing/2014/main" id="{DFF81F03-D6B4-45DC-A179-F9E4A55E48E1}"/>
+                <a16:creationId xmlns:a16="http://schemas.microsoft.com/office/drawing/2014/main" id="{DFF81F03-D6B4-45DC-A179-F9E4A55E48E1}"/>
               </a:ext>
             </a:extLst>
           </p:cNvPr>
@@ -1429,7 +1514,7 @@
           <p:cNvPr id="5" name="Espace réservé du pied de page 4">
             <a:extLst>
               <a:ext uri="{FF2B5EF4-FFF2-40B4-BE49-F238E27FC236}">
-                <a16:creationId xmlns="" xmlns:a16="http://schemas.microsoft.com/office/drawing/2014/main" id="{D84D890F-35B6-4D80-B050-081AC5B25D46}"/>
+                <a16:creationId xmlns:a16="http://schemas.microsoft.com/office/drawing/2014/main" id="{D84D890F-35B6-4D80-B050-081AC5B25D46}"/>
               </a:ext>
             </a:extLst>
           </p:cNvPr>
@@ -1465,7 +1550,7 @@
           <p:cNvPr id="6" name="Espace réservé du numéro de diapositive 5">
             <a:extLst>
               <a:ext uri="{FF2B5EF4-FFF2-40B4-BE49-F238E27FC236}">
-                <a16:creationId xmlns="" xmlns:a16="http://schemas.microsoft.com/office/drawing/2014/main" id="{CE66E153-DF38-496A-8B90-86A64890DAF0}"/>
+                <a16:creationId xmlns:a16="http://schemas.microsoft.com/office/drawing/2014/main" id="{CE66E153-DF38-496A-8B90-86A64890DAF0}"/>
               </a:ext>
             </a:extLst>
           </p:cNvPr>
@@ -1503,7 +1588,7 @@
           <p:cNvPr id="7" name="Rectangle 6">
             <a:extLst>
               <a:ext uri="{FF2B5EF4-FFF2-40B4-BE49-F238E27FC236}">
-                <a16:creationId xmlns="" xmlns:a16="http://schemas.microsoft.com/office/drawing/2014/main" id="{1BC936FC-C89E-4443-8FA8-E90209FAE32B}"/>
+                <a16:creationId xmlns:a16="http://schemas.microsoft.com/office/drawing/2014/main" id="{1BC936FC-C89E-4443-8FA8-E90209FAE32B}"/>
               </a:ext>
             </a:extLst>
           </p:cNvPr>
@@ -1557,7 +1642,7 @@
           <p:cNvPr id="8" name="Rectangle 7">
             <a:extLst>
               <a:ext uri="{FF2B5EF4-FFF2-40B4-BE49-F238E27FC236}">
-                <a16:creationId xmlns="" xmlns:a16="http://schemas.microsoft.com/office/drawing/2014/main" id="{A139B998-626D-412A-A229-7CC6BBAF5B47}"/>
+                <a16:creationId xmlns:a16="http://schemas.microsoft.com/office/drawing/2014/main" id="{A139B998-626D-412A-A229-7CC6BBAF5B47}"/>
               </a:ext>
             </a:extLst>
           </p:cNvPr>
@@ -1611,7 +1696,7 @@
           <p:cNvPr id="10" name="Image 9">
             <a:extLst>
               <a:ext uri="{FF2B5EF4-FFF2-40B4-BE49-F238E27FC236}">
-                <a16:creationId xmlns="" xmlns:a16="http://schemas.microsoft.com/office/drawing/2014/main" id="{C77E8DFE-6461-4973-8EB1-61FCF4B2354F}"/>
+                <a16:creationId xmlns:a16="http://schemas.microsoft.com/office/drawing/2014/main" id="{C77E8DFE-6461-4973-8EB1-61FCF4B2354F}"/>
               </a:ext>
             </a:extLst>
           </p:cNvPr>
@@ -1650,13 +1735,6 @@
   <p:clrMapOvr>
     <a:masterClrMapping/>
   </p:clrMapOvr>
-  <p:timing>
-    <p:tnLst>
-      <p:par>
-        <p:cTn id="1" dur="indefinite" restart="never" nodeType="tmRoot"/>
-      </p:par>
-    </p:tnLst>
-  </p:timing>
 </p:sldLayout>
 </file>
 
@@ -1682,7 +1760,7 @@
           <p:cNvPr id="4" name="Espace réservé de la date 3">
             <a:extLst>
               <a:ext uri="{FF2B5EF4-FFF2-40B4-BE49-F238E27FC236}">
-                <a16:creationId xmlns="" xmlns:a16="http://schemas.microsoft.com/office/drawing/2014/main" id="{DFF81F03-D6B4-45DC-A179-F9E4A55E48E1}"/>
+                <a16:creationId xmlns:a16="http://schemas.microsoft.com/office/drawing/2014/main" id="{DFF81F03-D6B4-45DC-A179-F9E4A55E48E1}"/>
               </a:ext>
             </a:extLst>
           </p:cNvPr>
@@ -1716,7 +1794,7 @@
           <p:cNvPr id="5" name="Espace réservé du pied de page 4">
             <a:extLst>
               <a:ext uri="{FF2B5EF4-FFF2-40B4-BE49-F238E27FC236}">
-                <a16:creationId xmlns="" xmlns:a16="http://schemas.microsoft.com/office/drawing/2014/main" id="{D84D890F-35B6-4D80-B050-081AC5B25D46}"/>
+                <a16:creationId xmlns:a16="http://schemas.microsoft.com/office/drawing/2014/main" id="{D84D890F-35B6-4D80-B050-081AC5B25D46}"/>
               </a:ext>
             </a:extLst>
           </p:cNvPr>
@@ -1752,7 +1830,7 @@
           <p:cNvPr id="6" name="Espace réservé du numéro de diapositive 5">
             <a:extLst>
               <a:ext uri="{FF2B5EF4-FFF2-40B4-BE49-F238E27FC236}">
-                <a16:creationId xmlns="" xmlns:a16="http://schemas.microsoft.com/office/drawing/2014/main" id="{CE66E153-DF38-496A-8B90-86A64890DAF0}"/>
+                <a16:creationId xmlns:a16="http://schemas.microsoft.com/office/drawing/2014/main" id="{CE66E153-DF38-496A-8B90-86A64890DAF0}"/>
               </a:ext>
             </a:extLst>
           </p:cNvPr>
@@ -1790,7 +1868,7 @@
           <p:cNvPr id="7" name="Rectangle 6">
             <a:extLst>
               <a:ext uri="{FF2B5EF4-FFF2-40B4-BE49-F238E27FC236}">
-                <a16:creationId xmlns="" xmlns:a16="http://schemas.microsoft.com/office/drawing/2014/main" id="{1BC936FC-C89E-4443-8FA8-E90209FAE32B}"/>
+                <a16:creationId xmlns:a16="http://schemas.microsoft.com/office/drawing/2014/main" id="{1BC936FC-C89E-4443-8FA8-E90209FAE32B}"/>
               </a:ext>
             </a:extLst>
           </p:cNvPr>
@@ -1844,7 +1922,7 @@
           <p:cNvPr id="8" name="Rectangle 7">
             <a:extLst>
               <a:ext uri="{FF2B5EF4-FFF2-40B4-BE49-F238E27FC236}">
-                <a16:creationId xmlns="" xmlns:a16="http://schemas.microsoft.com/office/drawing/2014/main" id="{A139B998-626D-412A-A229-7CC6BBAF5B47}"/>
+                <a16:creationId xmlns:a16="http://schemas.microsoft.com/office/drawing/2014/main" id="{A139B998-626D-412A-A229-7CC6BBAF5B47}"/>
               </a:ext>
             </a:extLst>
           </p:cNvPr>
@@ -1895,14 +1973,20 @@
       </p:sp>
       <p:sp>
         <p:nvSpPr>
-          <p:cNvPr id="9" name="Rectangle à coins arrondis 8"/>
+          <p:cNvPr id="10" name="Rectangle à coins arrondis 5">
+            <a:extLst>
+              <a:ext uri="{FF2B5EF4-FFF2-40B4-BE49-F238E27FC236}">
+                <a16:creationId xmlns:a16="http://schemas.microsoft.com/office/drawing/2014/main" id="{1783E5D5-2049-40D1-A8CD-5D5FFC6B6DB4}"/>
+              </a:ext>
+            </a:extLst>
+          </p:cNvPr>
           <p:cNvSpPr/>
           <p:nvPr userDrawn="1"/>
         </p:nvSpPr>
         <p:spPr>
           <a:xfrm>
-            <a:off x="346640" y="392772"/>
-            <a:ext cx="2788446" cy="1705450"/>
+            <a:off x="346639" y="392772"/>
+            <a:ext cx="3413964" cy="2466338"/>
           </a:xfrm>
           <a:prstGeom prst="roundRect">
             <a:avLst/>
@@ -2013,14 +2097,14 @@
           <a:p>
             <a:pPr lvl="0"/>
             <a:r>
-              <a:rPr lang="fr-FR" dirty="0" smtClean="0"/>
+              <a:rPr lang="fr-FR" dirty="0"/>
               <a:t>Modifiez les styles du texte du masque</a:t>
             </a:r>
           </a:p>
           <a:p>
             <a:pPr lvl="1"/>
             <a:r>
-              <a:rPr lang="fr-FR" dirty="0" smtClean="0"/>
+              <a:rPr lang="fr-FR" dirty="0"/>
               <a:t>Deuxième niveau</a:t>
             </a:r>
           </a:p>
@@ -2031,7 +2115,7 @@
           <p:cNvPr id="13" name="Image 12">
             <a:extLst>
               <a:ext uri="{FF2B5EF4-FFF2-40B4-BE49-F238E27FC236}">
-                <a16:creationId xmlns="" xmlns:a16="http://schemas.microsoft.com/office/drawing/2014/main" id="{C77E8DFE-6461-4973-8EB1-61FCF4B2354F}"/>
+                <a16:creationId xmlns:a16="http://schemas.microsoft.com/office/drawing/2014/main" id="{C77E8DFE-6461-4973-8EB1-61FCF4B2354F}"/>
               </a:ext>
             </a:extLst>
           </p:cNvPr>
@@ -2070,13 +2154,6 @@
   <p:clrMapOvr>
     <a:masterClrMapping/>
   </p:clrMapOvr>
-  <p:timing>
-    <p:tnLst>
-      <p:par>
-        <p:cTn id="1" dur="indefinite" restart="never" nodeType="tmRoot"/>
-      </p:par>
-    </p:tnLst>
-  </p:timing>
 </p:sldLayout>
 </file>
 
@@ -2102,7 +2179,7 @@
           <p:cNvPr id="3" name="Espace réservé de la date 2">
             <a:extLst>
               <a:ext uri="{FF2B5EF4-FFF2-40B4-BE49-F238E27FC236}">
-                <a16:creationId xmlns="" xmlns:a16="http://schemas.microsoft.com/office/drawing/2014/main" id="{8BB639F2-0AD5-488F-A94E-66AAF50B2935}"/>
+                <a16:creationId xmlns:a16="http://schemas.microsoft.com/office/drawing/2014/main" id="{8BB639F2-0AD5-488F-A94E-66AAF50B2935}"/>
               </a:ext>
             </a:extLst>
           </p:cNvPr>
@@ -2131,7 +2208,7 @@
           <p:cNvPr id="4" name="Espace réservé du pied de page 3">
             <a:extLst>
               <a:ext uri="{FF2B5EF4-FFF2-40B4-BE49-F238E27FC236}">
-                <a16:creationId xmlns="" xmlns:a16="http://schemas.microsoft.com/office/drawing/2014/main" id="{16D6B8D5-423F-4F0E-AB5D-2EF97A52543D}"/>
+                <a16:creationId xmlns:a16="http://schemas.microsoft.com/office/drawing/2014/main" id="{16D6B8D5-423F-4F0E-AB5D-2EF97A52543D}"/>
               </a:ext>
             </a:extLst>
           </p:cNvPr>
@@ -2156,7 +2233,7 @@
           <p:cNvPr id="5" name="Espace réservé du numéro de diapositive 4">
             <a:extLst>
               <a:ext uri="{FF2B5EF4-FFF2-40B4-BE49-F238E27FC236}">
-                <a16:creationId xmlns="" xmlns:a16="http://schemas.microsoft.com/office/drawing/2014/main" id="{4D078436-6953-474F-A27F-4AF18911DD63}"/>
+                <a16:creationId xmlns:a16="http://schemas.microsoft.com/office/drawing/2014/main" id="{4D078436-6953-474F-A27F-4AF18911DD63}"/>
               </a:ext>
             </a:extLst>
           </p:cNvPr>
@@ -2199,13 +2276,6 @@
   <p:clrMapOvr>
     <a:masterClrMapping/>
   </p:clrMapOvr>
-  <p:timing>
-    <p:tnLst>
-      <p:par>
-        <p:cTn id="1" dur="indefinite" restart="never" nodeType="tmRoot"/>
-      </p:par>
-    </p:tnLst>
-  </p:timing>
 </p:sldLayout>
 </file>
 
@@ -2239,7 +2309,7 @@
           <p:cNvPr id="2" name="Espace réservé du titre 1">
             <a:extLst>
               <a:ext uri="{FF2B5EF4-FFF2-40B4-BE49-F238E27FC236}">
-                <a16:creationId xmlns="" xmlns:a16="http://schemas.microsoft.com/office/drawing/2014/main" id="{B45F67B7-8EAD-4708-B0A3-E6BCA6B397DC}"/>
+                <a16:creationId xmlns:a16="http://schemas.microsoft.com/office/drawing/2014/main" id="{B45F67B7-8EAD-4708-B0A3-E6BCA6B397DC}"/>
               </a:ext>
             </a:extLst>
           </p:cNvPr>
@@ -2277,7 +2347,7 @@
           <p:cNvPr id="3" name="Espace réservé du texte 2">
             <a:extLst>
               <a:ext uri="{FF2B5EF4-FFF2-40B4-BE49-F238E27FC236}">
-                <a16:creationId xmlns="" xmlns:a16="http://schemas.microsoft.com/office/drawing/2014/main" id="{9C6EF0F7-22B4-4B90-A986-19441FDDA050}"/>
+                <a16:creationId xmlns:a16="http://schemas.microsoft.com/office/drawing/2014/main" id="{9C6EF0F7-22B4-4B90-A986-19441FDDA050}"/>
               </a:ext>
             </a:extLst>
           </p:cNvPr>
@@ -2344,7 +2414,7 @@
           <p:cNvPr id="4" name="Espace réservé de la date 3">
             <a:extLst>
               <a:ext uri="{FF2B5EF4-FFF2-40B4-BE49-F238E27FC236}">
-                <a16:creationId xmlns="" xmlns:a16="http://schemas.microsoft.com/office/drawing/2014/main" id="{3B5DEB9C-E26B-4EA6-BF6D-65414BACF12D}"/>
+                <a16:creationId xmlns:a16="http://schemas.microsoft.com/office/drawing/2014/main" id="{3B5DEB9C-E26B-4EA6-BF6D-65414BACF12D}"/>
               </a:ext>
             </a:extLst>
           </p:cNvPr>
@@ -2390,7 +2460,7 @@
           <p:cNvPr id="5" name="Espace réservé du pied de page 4">
             <a:extLst>
               <a:ext uri="{FF2B5EF4-FFF2-40B4-BE49-F238E27FC236}">
-                <a16:creationId xmlns="" xmlns:a16="http://schemas.microsoft.com/office/drawing/2014/main" id="{7968CF05-988E-4322-985C-A2A352614E94}"/>
+                <a16:creationId xmlns:a16="http://schemas.microsoft.com/office/drawing/2014/main" id="{7968CF05-988E-4322-985C-A2A352614E94}"/>
               </a:ext>
             </a:extLst>
           </p:cNvPr>
@@ -2434,7 +2504,7 @@
           <p:cNvPr id="8" name="Rectangle 7">
             <a:extLst>
               <a:ext uri="{FF2B5EF4-FFF2-40B4-BE49-F238E27FC236}">
-                <a16:creationId xmlns="" xmlns:a16="http://schemas.microsoft.com/office/drawing/2014/main" id="{4CAD9996-C1E2-4B5C-8A1B-A6269110EC7C}"/>
+                <a16:creationId xmlns:a16="http://schemas.microsoft.com/office/drawing/2014/main" id="{4CAD9996-C1E2-4B5C-8A1B-A6269110EC7C}"/>
               </a:ext>
             </a:extLst>
           </p:cNvPr>
@@ -2488,7 +2558,7 @@
           <p:cNvPr id="9" name="Image 8">
             <a:extLst>
               <a:ext uri="{FF2B5EF4-FFF2-40B4-BE49-F238E27FC236}">
-                <a16:creationId xmlns="" xmlns:a16="http://schemas.microsoft.com/office/drawing/2014/main" id="{C77E8DFE-6461-4973-8EB1-61FCF4B2354F}"/>
+                <a16:creationId xmlns:a16="http://schemas.microsoft.com/office/drawing/2014/main" id="{C77E8DFE-6461-4973-8EB1-61FCF4B2354F}"/>
               </a:ext>
             </a:extLst>
           </p:cNvPr>
@@ -2522,7 +2592,7 @@
           <p:cNvPr id="17" name="Rectangle 16">
             <a:extLst>
               <a:ext uri="{FF2B5EF4-FFF2-40B4-BE49-F238E27FC236}">
-                <a16:creationId xmlns="" xmlns:a16="http://schemas.microsoft.com/office/drawing/2014/main" id="{677A05F5-B1D7-47F9-91A2-D8D33E699EDB}"/>
+                <a16:creationId xmlns:a16="http://schemas.microsoft.com/office/drawing/2014/main" id="{677A05F5-B1D7-47F9-91A2-D8D33E699EDB}"/>
               </a:ext>
             </a:extLst>
           </p:cNvPr>
@@ -2576,7 +2646,7 @@
           <p:cNvPr id="18" name="Rectangle 1">
             <a:extLst>
               <a:ext uri="{FF2B5EF4-FFF2-40B4-BE49-F238E27FC236}">
-                <a16:creationId xmlns="" xmlns:a16="http://schemas.microsoft.com/office/drawing/2014/main" id="{20BE3FBB-7B2A-4F4C-94A2-D322A2FE42B4}"/>
+                <a16:creationId xmlns:a16="http://schemas.microsoft.com/office/drawing/2014/main" id="{20BE3FBB-7B2A-4F4C-94A2-D322A2FE42B4}"/>
               </a:ext>
             </a:extLst>
           </p:cNvPr>
@@ -2653,7 +2723,7 @@
               <a:tabLst/>
             </a:pPr>
             <a:r>
-              <a:rPr kumimoji="0" lang="fr-FR" altLang="fr-FR" sz="4000" b="1" i="0" u="none" strike="noStrike" cap="small" normalizeH="0" baseline="0" dirty="0" smtClean="0">
+              <a:rPr kumimoji="0" lang="fr-FR" altLang="fr-FR" sz="4000" b="1" i="0" u="none" strike="noStrike" cap="small" normalizeH="0" baseline="0" dirty="0">
                 <a:ln>
                   <a:noFill/>
                 </a:ln>
@@ -2686,7 +2756,7 @@
               <a:tabLst/>
             </a:pPr>
             <a:r>
-              <a:rPr lang="fr-FR" sz="2400" kern="1200" dirty="0" smtClean="0">
+              <a:rPr lang="fr-FR" sz="2400" kern="1200" dirty="0">
                 <a:solidFill>
                   <a:schemeClr val="bg1">
                     <a:lumMod val="50000"/>
@@ -2719,7 +2789,7 @@
           <p:cNvPr id="19" name="Image 18">
             <a:extLst>
               <a:ext uri="{FF2B5EF4-FFF2-40B4-BE49-F238E27FC236}">
-                <a16:creationId xmlns="" xmlns:a16="http://schemas.microsoft.com/office/drawing/2014/main" id="{055B544F-8206-4A18-A02C-A0A3C099C523}"/>
+                <a16:creationId xmlns:a16="http://schemas.microsoft.com/office/drawing/2014/main" id="{055B544F-8206-4A18-A02C-A0A3C099C523}"/>
               </a:ext>
             </a:extLst>
           </p:cNvPr>
@@ -2772,7 +2842,7 @@
           <p:cNvPr id="20" name="Image 19" descr="Une image contenant capture d’écran&#10;&#10;Description générée avec un niveau de confiance très élevé">
             <a:extLst>
               <a:ext uri="{FF2B5EF4-FFF2-40B4-BE49-F238E27FC236}">
-                <a16:creationId xmlns="" xmlns:a16="http://schemas.microsoft.com/office/drawing/2014/main" id="{8681F1B1-CED1-4795-A017-A315AB3A7C4B}"/>
+                <a16:creationId xmlns:a16="http://schemas.microsoft.com/office/drawing/2014/main" id="{8681F1B1-CED1-4795-A017-A315AB3A7C4B}"/>
               </a:ext>
             </a:extLst>
           </p:cNvPr>
@@ -2806,7 +2876,7 @@
           <p:cNvPr id="21" name="Image 20">
             <a:extLst>
               <a:ext uri="{FF2B5EF4-FFF2-40B4-BE49-F238E27FC236}">
-                <a16:creationId xmlns="" xmlns:a16="http://schemas.microsoft.com/office/drawing/2014/main" id="{C54521C9-5AC3-4EFC-9A48-BD7A1A199554}"/>
+                <a16:creationId xmlns:a16="http://schemas.microsoft.com/office/drawing/2014/main" id="{C54521C9-5AC3-4EFC-9A48-BD7A1A199554}"/>
               </a:ext>
             </a:extLst>
           </p:cNvPr>
@@ -2848,13 +2918,6 @@
     <p:sldLayoutId id="2147483649" r:id="rId2"/>
     <p:sldLayoutId id="2147483650" r:id="rId3"/>
   </p:sldLayoutIdLst>
-  <p:timing>
-    <p:tnLst>
-      <p:par>
-        <p:cTn id="1" dur="indefinite" restart="never" nodeType="tmRoot"/>
-      </p:par>
-    </p:tnLst>
-  </p:timing>
   <p:txStyles>
     <p:titleStyle>
       <a:lvl1pPr algn="l" defTabSz="914400" rtl="0" eaLnBrk="1" latinLnBrk="0" hangingPunct="1">
@@ -3160,7 +3223,7 @@
           <p:cNvPr id="2" name="ZoneTexte 1">
             <a:extLst>
               <a:ext uri="{FF2B5EF4-FFF2-40B4-BE49-F238E27FC236}">
-                <a16:creationId xmlns="" xmlns:a16="http://schemas.microsoft.com/office/drawing/2014/main" id="{D54B309A-EBEB-4278-B898-FCE884E8855E}"/>
+                <a16:creationId xmlns:a16="http://schemas.microsoft.com/office/drawing/2014/main" id="{D54B309A-EBEB-4278-B898-FCE884E8855E}"/>
               </a:ext>
             </a:extLst>
           </p:cNvPr>
@@ -3185,7 +3248,7 @@
           <a:p>
             <a:r>
               <a:rPr lang="fr-FR" dirty="0"/>
-              <a:t>1/10</a:t>
+              <a:t>1/15</a:t>
             </a:r>
           </a:p>
         </p:txBody>
@@ -3200,13 +3263,1927 @@
   <p:clrMapOvr>
     <a:masterClrMapping/>
   </p:clrMapOvr>
-  <p:timing>
-    <p:tnLst>
-      <p:par>
-        <p:cTn id="1" dur="indefinite" restart="never" nodeType="tmRoot"/>
-      </p:par>
-    </p:tnLst>
-  </p:timing>
+</p:sld>
+</file>
+
+<file path=ppt/slides/slide10.xml><?xml version="1.0" encoding="utf-8"?>
+<p:sld xmlns:a="http://schemas.openxmlformats.org/drawingml/2006/main" xmlns:r="http://schemas.openxmlformats.org/officeDocument/2006/relationships" xmlns:p="http://schemas.openxmlformats.org/presentationml/2006/main">
+  <p:cSld>
+    <p:spTree>
+      <p:nvGrpSpPr>
+        <p:cNvPr id="1" name=""/>
+        <p:cNvGrpSpPr/>
+        <p:nvPr/>
+      </p:nvGrpSpPr>
+      <p:grpSpPr>
+        <a:xfrm>
+          <a:off x="0" y="0"/>
+          <a:ext cx="0" cy="0"/>
+          <a:chOff x="0" y="0"/>
+          <a:chExt cx="0" cy="0"/>
+        </a:xfrm>
+      </p:grpSpPr>
+      <p:sp>
+        <p:nvSpPr>
+          <p:cNvPr id="4" name="ZoneTexte 3">
+            <a:extLst>
+              <a:ext uri="{FF2B5EF4-FFF2-40B4-BE49-F238E27FC236}">
+                <a16:creationId xmlns:a16="http://schemas.microsoft.com/office/drawing/2014/main" id="{9B3A3BBC-CC4C-46FD-9BB3-211D575AB5BB}"/>
+              </a:ext>
+            </a:extLst>
+          </p:cNvPr>
+          <p:cNvSpPr txBox="1"/>
+          <p:nvPr/>
+        </p:nvSpPr>
+        <p:spPr>
+          <a:xfrm>
+            <a:off x="4422112" y="574158"/>
+            <a:ext cx="5281301" cy="523220"/>
+          </a:xfrm>
+          <a:prstGeom prst="rect">
+            <a:avLst/>
+          </a:prstGeom>
+          <a:noFill/>
+        </p:spPr>
+        <p:txBody>
+          <a:bodyPr wrap="square" rtlCol="0">
+            <a:spAutoFit/>
+          </a:bodyPr>
+          <a:lstStyle/>
+          <a:p>
+            <a:pPr algn="ctr"/>
+            <a:r>
+              <a:rPr lang="fr-FR" sz="2800" b="1" cap="small" dirty="0">
+                <a:solidFill>
+                  <a:srgbClr val="EA0000"/>
+                </a:solidFill>
+              </a:rPr>
+              <a:t>Un programme « user-</a:t>
+            </a:r>
+            <a:r>
+              <a:rPr lang="fr-FR" sz="2800" b="1" cap="small" dirty="0" err="1">
+                <a:solidFill>
+                  <a:srgbClr val="EA0000"/>
+                </a:solidFill>
+              </a:rPr>
+              <a:t>friendly</a:t>
+            </a:r>
+            <a:r>
+              <a:rPr lang="fr-FR" sz="2800" b="1" cap="small" dirty="0">
+                <a:solidFill>
+                  <a:srgbClr val="EA0000"/>
+                </a:solidFill>
+              </a:rPr>
+              <a:t> »</a:t>
+            </a:r>
+          </a:p>
+        </p:txBody>
+      </p:sp>
+      <p:sp>
+        <p:nvSpPr>
+          <p:cNvPr id="9" name="ZoneTexte 8">
+            <a:extLst>
+              <a:ext uri="{FF2B5EF4-FFF2-40B4-BE49-F238E27FC236}">
+                <a16:creationId xmlns:a16="http://schemas.microsoft.com/office/drawing/2014/main" id="{7280DBF1-285B-4268-A10E-432CB1335E64}"/>
+              </a:ext>
+            </a:extLst>
+          </p:cNvPr>
+          <p:cNvSpPr txBox="1"/>
+          <p:nvPr/>
+        </p:nvSpPr>
+        <p:spPr>
+          <a:xfrm>
+            <a:off x="371762" y="574158"/>
+            <a:ext cx="3208566" cy="1277273"/>
+          </a:xfrm>
+          <a:prstGeom prst="rect">
+            <a:avLst/>
+          </a:prstGeom>
+          <a:noFill/>
+        </p:spPr>
+        <p:txBody>
+          <a:bodyPr wrap="square" rtlCol="0">
+            <a:spAutoFit/>
+          </a:bodyPr>
+          <a:lstStyle/>
+          <a:p>
+            <a:pPr marL="285750" indent="-285750">
+              <a:buFont typeface="+mj-lt"/>
+              <a:buAutoNum type="romanUcPeriod"/>
+            </a:pPr>
+            <a:r>
+              <a:rPr lang="fr-FR" sz="1100" dirty="0">
+                <a:latin typeface="DejaVu Sans Condensed" panose="020B0606030804020204" pitchFamily="34" charset="0"/>
+                <a:ea typeface="DejaVu Sans Condensed" panose="020B0606030804020204" pitchFamily="34" charset="0"/>
+                <a:cs typeface="DejaVu Sans Condensed" panose="020B0606030804020204" pitchFamily="34" charset="0"/>
+              </a:rPr>
+              <a:t>Une démarche bien huilé</a:t>
+            </a:r>
+          </a:p>
+          <a:p>
+            <a:pPr marL="285750" indent="-285750">
+              <a:buFont typeface="+mj-lt"/>
+              <a:buAutoNum type="romanUcPeriod"/>
+            </a:pPr>
+            <a:r>
+              <a:rPr lang="fr-FR" sz="1100" dirty="0">
+                <a:solidFill>
+                  <a:srgbClr val="FF0000"/>
+                </a:solidFill>
+                <a:latin typeface="DejaVu Sans Condensed" panose="020B0606030804020204" pitchFamily="34" charset="0"/>
+                <a:ea typeface="DejaVu Sans Condensed" panose="020B0606030804020204" pitchFamily="34" charset="0"/>
+                <a:cs typeface="DejaVu Sans Condensed" panose="020B0606030804020204" pitchFamily="34" charset="0"/>
+              </a:rPr>
+              <a:t>Un projet professionnalisant</a:t>
+            </a:r>
+          </a:p>
+          <a:p>
+            <a:pPr marL="685800" lvl="1" indent="-228600">
+              <a:buFont typeface="+mj-lt"/>
+              <a:buAutoNum type="arabicPeriod"/>
+            </a:pPr>
+            <a:r>
+              <a:rPr lang="fr-FR" sz="1100" dirty="0">
+                <a:latin typeface="DejaVu Sans Condensed" panose="020B0606030804020204" pitchFamily="34" charset="0"/>
+                <a:ea typeface="DejaVu Sans Condensed" panose="020B0606030804020204" pitchFamily="34" charset="0"/>
+                <a:cs typeface="DejaVu Sans Condensed" panose="020B0606030804020204" pitchFamily="34" charset="0"/>
+              </a:rPr>
+              <a:t> Nos premières rencontres professionnelles</a:t>
+            </a:r>
+          </a:p>
+          <a:p>
+            <a:pPr marL="685800" lvl="1" indent="-228600">
+              <a:buFont typeface="+mj-lt"/>
+              <a:buAutoNum type="arabicPeriod"/>
+            </a:pPr>
+            <a:r>
+              <a:rPr lang="fr-FR" sz="1100" dirty="0">
+                <a:latin typeface="DejaVu Sans Condensed" panose="020B0606030804020204" pitchFamily="34" charset="0"/>
+                <a:ea typeface="DejaVu Sans Condensed" panose="020B0606030804020204" pitchFamily="34" charset="0"/>
+                <a:cs typeface="DejaVu Sans Condensed" panose="020B0606030804020204" pitchFamily="34" charset="0"/>
+              </a:rPr>
+              <a:t>Notre premier cahier des charges</a:t>
+            </a:r>
+          </a:p>
+          <a:p>
+            <a:pPr marL="685800" lvl="1" indent="-228600">
+              <a:buFont typeface="+mj-lt"/>
+              <a:buAutoNum type="arabicPeriod"/>
+            </a:pPr>
+            <a:r>
+              <a:rPr lang="fr-FR" sz="1100" dirty="0">
+                <a:solidFill>
+                  <a:srgbClr val="FF0000"/>
+                </a:solidFill>
+                <a:latin typeface="DejaVu Sans Condensed" panose="020B0606030804020204" pitchFamily="34" charset="0"/>
+                <a:ea typeface="DejaVu Sans Condensed" panose="020B0606030804020204" pitchFamily="34" charset="0"/>
+                <a:cs typeface="DejaVu Sans Condensed" panose="020B0606030804020204" pitchFamily="34" charset="0"/>
+              </a:rPr>
+              <a:t>Un programme « user-</a:t>
+            </a:r>
+            <a:r>
+              <a:rPr lang="fr-FR" sz="1100" dirty="0" err="1">
+                <a:solidFill>
+                  <a:srgbClr val="FF0000"/>
+                </a:solidFill>
+                <a:latin typeface="DejaVu Sans Condensed" panose="020B0606030804020204" pitchFamily="34" charset="0"/>
+                <a:ea typeface="DejaVu Sans Condensed" panose="020B0606030804020204" pitchFamily="34" charset="0"/>
+                <a:cs typeface="DejaVu Sans Condensed" panose="020B0606030804020204" pitchFamily="34" charset="0"/>
+              </a:rPr>
+              <a:t>friendly</a:t>
+            </a:r>
+            <a:r>
+              <a:rPr lang="fr-FR" sz="1100" dirty="0">
+                <a:solidFill>
+                  <a:srgbClr val="FF0000"/>
+                </a:solidFill>
+                <a:latin typeface="DejaVu Sans Condensed" panose="020B0606030804020204" pitchFamily="34" charset="0"/>
+                <a:ea typeface="DejaVu Sans Condensed" panose="020B0606030804020204" pitchFamily="34" charset="0"/>
+                <a:cs typeface="DejaVu Sans Condensed" panose="020B0606030804020204" pitchFamily="34" charset="0"/>
+              </a:rPr>
+              <a:t> »</a:t>
+            </a:r>
+          </a:p>
+          <a:p>
+            <a:pPr marL="285750" indent="-285750">
+              <a:buFont typeface="+mj-lt"/>
+              <a:buAutoNum type="romanUcPeriod"/>
+            </a:pPr>
+            <a:r>
+              <a:rPr lang="fr-FR" sz="1100" dirty="0">
+                <a:latin typeface="DejaVu Sans Condensed" panose="020B0606030804020204" pitchFamily="34" charset="0"/>
+                <a:ea typeface="DejaVu Sans Condensed" panose="020B0606030804020204" pitchFamily="34" charset="0"/>
+                <a:cs typeface="DejaVu Sans Condensed" panose="020B0606030804020204" pitchFamily="34" charset="0"/>
+              </a:rPr>
+              <a:t>Une organisation naissante</a:t>
+            </a:r>
+          </a:p>
+        </p:txBody>
+      </p:sp>
+      <p:sp>
+        <p:nvSpPr>
+          <p:cNvPr id="10" name="ZoneTexte 9">
+            <a:extLst>
+              <a:ext uri="{FF2B5EF4-FFF2-40B4-BE49-F238E27FC236}">
+                <a16:creationId xmlns:a16="http://schemas.microsoft.com/office/drawing/2014/main" id="{C2DB2E6D-7060-459D-A388-602541CAF851}"/>
+              </a:ext>
+            </a:extLst>
+          </p:cNvPr>
+          <p:cNvSpPr txBox="1"/>
+          <p:nvPr/>
+        </p:nvSpPr>
+        <p:spPr>
+          <a:xfrm>
+            <a:off x="10858500" y="6429375"/>
+            <a:ext cx="758244" cy="369332"/>
+          </a:xfrm>
+          <a:prstGeom prst="rect">
+            <a:avLst/>
+          </a:prstGeom>
+          <a:noFill/>
+        </p:spPr>
+        <p:txBody>
+          <a:bodyPr wrap="square" rtlCol="0">
+            <a:spAutoFit/>
+          </a:bodyPr>
+          <a:lstStyle/>
+          <a:p>
+            <a:r>
+              <a:rPr lang="fr-FR" dirty="0"/>
+              <a:t>10/15</a:t>
+            </a:r>
+          </a:p>
+        </p:txBody>
+      </p:sp>
+    </p:spTree>
+    <p:extLst>
+      <p:ext uri="{BB962C8B-B14F-4D97-AF65-F5344CB8AC3E}">
+        <p14:creationId xmlns:p14="http://schemas.microsoft.com/office/powerpoint/2010/main" val="1728638107"/>
+      </p:ext>
+    </p:extLst>
+  </p:cSld>
+  <p:clrMapOvr>
+    <a:masterClrMapping/>
+  </p:clrMapOvr>
+</p:sld>
+</file>
+
+<file path=ppt/slides/slide11.xml><?xml version="1.0" encoding="utf-8"?>
+<p:sld xmlns:a="http://schemas.openxmlformats.org/drawingml/2006/main" xmlns:r="http://schemas.openxmlformats.org/officeDocument/2006/relationships" xmlns:p="http://schemas.openxmlformats.org/presentationml/2006/main">
+  <p:cSld>
+    <p:spTree>
+      <p:nvGrpSpPr>
+        <p:cNvPr id="1" name=""/>
+        <p:cNvGrpSpPr/>
+        <p:nvPr/>
+      </p:nvGrpSpPr>
+      <p:grpSpPr>
+        <a:xfrm>
+          <a:off x="0" y="0"/>
+          <a:ext cx="0" cy="0"/>
+          <a:chOff x="0" y="0"/>
+          <a:chExt cx="0" cy="0"/>
+        </a:xfrm>
+      </p:grpSpPr>
+      <p:sp>
+        <p:nvSpPr>
+          <p:cNvPr id="3" name="ZoneTexte 2">
+            <a:extLst>
+              <a:ext uri="{FF2B5EF4-FFF2-40B4-BE49-F238E27FC236}">
+                <a16:creationId xmlns:a16="http://schemas.microsoft.com/office/drawing/2014/main" id="{6718B649-0E5B-4959-9995-75C778BE0659}"/>
+              </a:ext>
+            </a:extLst>
+          </p:cNvPr>
+          <p:cNvSpPr txBox="1"/>
+          <p:nvPr/>
+        </p:nvSpPr>
+        <p:spPr>
+          <a:xfrm>
+            <a:off x="449034" y="574158"/>
+            <a:ext cx="3695915" cy="2292935"/>
+          </a:xfrm>
+          <a:prstGeom prst="rect">
+            <a:avLst/>
+          </a:prstGeom>
+          <a:noFill/>
+        </p:spPr>
+        <p:txBody>
+          <a:bodyPr wrap="square" rtlCol="0">
+            <a:spAutoFit/>
+          </a:bodyPr>
+          <a:lstStyle/>
+          <a:p>
+            <a:pPr marL="285750" indent="-285750">
+              <a:buFont typeface="+mj-lt"/>
+              <a:buAutoNum type="romanUcPeriod"/>
+            </a:pPr>
+            <a:r>
+              <a:rPr lang="fr-FR" sz="1100" dirty="0">
+                <a:latin typeface="DejaVu Sans Condensed" panose="020B0606030804020204" pitchFamily="34" charset="0"/>
+                <a:ea typeface="DejaVu Sans Condensed" panose="020B0606030804020204" pitchFamily="34" charset="0"/>
+                <a:cs typeface="DejaVu Sans Condensed" panose="020B0606030804020204" pitchFamily="34" charset="0"/>
+              </a:rPr>
+              <a:t>Une démarche bien huilé</a:t>
+            </a:r>
+          </a:p>
+          <a:p>
+            <a:pPr marL="285750" indent="-285750">
+              <a:buFont typeface="+mj-lt"/>
+              <a:buAutoNum type="romanUcPeriod"/>
+            </a:pPr>
+            <a:r>
+              <a:rPr lang="fr-FR" sz="1100" dirty="0">
+                <a:latin typeface="DejaVu Sans Condensed" panose="020B0606030804020204" pitchFamily="34" charset="0"/>
+                <a:ea typeface="DejaVu Sans Condensed" panose="020B0606030804020204" pitchFamily="34" charset="0"/>
+                <a:cs typeface="DejaVu Sans Condensed" panose="020B0606030804020204" pitchFamily="34" charset="0"/>
+              </a:rPr>
+              <a:t>Un projet professionnalisant</a:t>
+            </a:r>
+          </a:p>
+          <a:p>
+            <a:pPr marL="285750" indent="-285750">
+              <a:buFont typeface="+mj-lt"/>
+              <a:buAutoNum type="romanUcPeriod"/>
+            </a:pPr>
+            <a:r>
+              <a:rPr lang="fr-FR" sz="1100" dirty="0">
+                <a:solidFill>
+                  <a:srgbClr val="FF0000"/>
+                </a:solidFill>
+                <a:latin typeface="DejaVu Sans Condensed" panose="020B0606030804020204" pitchFamily="34" charset="0"/>
+                <a:ea typeface="DejaVu Sans Condensed" panose="020B0606030804020204" pitchFamily="34" charset="0"/>
+                <a:cs typeface="DejaVu Sans Condensed" panose="020B0606030804020204" pitchFamily="34" charset="0"/>
+              </a:rPr>
+              <a:t>Une organisation naissante</a:t>
+            </a:r>
+          </a:p>
+          <a:p>
+            <a:pPr marL="685800" lvl="1" indent="-228600">
+              <a:buFont typeface="+mj-lt"/>
+              <a:buAutoNum type="arabicPeriod"/>
+            </a:pPr>
+            <a:r>
+              <a:rPr lang="fr-FR" sz="1100" dirty="0">
+                <a:solidFill>
+                  <a:srgbClr val="FF0000"/>
+                </a:solidFill>
+                <a:latin typeface="DejaVu Sans Condensed" panose="020B0606030804020204" pitchFamily="34" charset="0"/>
+                <a:ea typeface="DejaVu Sans Condensed" panose="020B0606030804020204" pitchFamily="34" charset="0"/>
+                <a:cs typeface="DejaVu Sans Condensed" panose="020B0606030804020204" pitchFamily="34" charset="0"/>
+              </a:rPr>
+              <a:t>Des difficultés peu impactantes</a:t>
+            </a:r>
+          </a:p>
+          <a:p>
+            <a:pPr marL="1143000" lvl="2" indent="-228600">
+              <a:buFont typeface="+mj-lt"/>
+              <a:buAutoNum type="alphaLcParenR"/>
+            </a:pPr>
+            <a:r>
+              <a:rPr lang="fr-FR" sz="1100" dirty="0">
+                <a:solidFill>
+                  <a:srgbClr val="FF0000"/>
+                </a:solidFill>
+                <a:latin typeface="DejaVu Sans Condensed" panose="020B0606030804020204" pitchFamily="34" charset="0"/>
+                <a:ea typeface="DejaVu Sans Condensed" panose="020B0606030804020204" pitchFamily="34" charset="0"/>
+                <a:cs typeface="DejaVu Sans Condensed" panose="020B0606030804020204" pitchFamily="34" charset="0"/>
+              </a:rPr>
+              <a:t>La connexion WIFI</a:t>
+            </a:r>
+          </a:p>
+          <a:p>
+            <a:pPr marL="1143000" lvl="2" indent="-228600">
+              <a:buFont typeface="+mj-lt"/>
+              <a:buAutoNum type="alphaLcParenR"/>
+            </a:pPr>
+            <a:r>
+              <a:rPr lang="fr-FR" sz="1100" dirty="0">
+                <a:solidFill>
+                  <a:srgbClr val="FF0000"/>
+                </a:solidFill>
+                <a:latin typeface="DejaVu Sans Condensed" panose="020B0606030804020204" pitchFamily="34" charset="0"/>
+                <a:ea typeface="DejaVu Sans Condensed" panose="020B0606030804020204" pitchFamily="34" charset="0"/>
+                <a:cs typeface="DejaVu Sans Condensed" panose="020B0606030804020204" pitchFamily="34" charset="0"/>
+              </a:rPr>
+              <a:t> </a:t>
+            </a:r>
+            <a:r>
+              <a:rPr lang="fr-FR" sz="1100" dirty="0" err="1">
+                <a:solidFill>
+                  <a:srgbClr val="FF0000"/>
+                </a:solidFill>
+                <a:latin typeface="DejaVu Sans Condensed" panose="020B0606030804020204" pitchFamily="34" charset="0"/>
+                <a:ea typeface="DejaVu Sans Condensed" panose="020B0606030804020204" pitchFamily="34" charset="0"/>
+                <a:cs typeface="DejaVu Sans Condensed" panose="020B0606030804020204" pitchFamily="34" charset="0"/>
+              </a:rPr>
+              <a:t>ArgoUML</a:t>
+            </a:r>
+            <a:r>
+              <a:rPr lang="fr-FR" sz="1100" dirty="0">
+                <a:solidFill>
+                  <a:srgbClr val="FF0000"/>
+                </a:solidFill>
+                <a:latin typeface="DejaVu Sans Condensed" panose="020B0606030804020204" pitchFamily="34" charset="0"/>
+                <a:ea typeface="DejaVu Sans Condensed" panose="020B0606030804020204" pitchFamily="34" charset="0"/>
+                <a:cs typeface="DejaVu Sans Condensed" panose="020B0606030804020204" pitchFamily="34" charset="0"/>
+              </a:rPr>
+              <a:t>, un logiciel instable</a:t>
+            </a:r>
+          </a:p>
+          <a:p>
+            <a:pPr marL="685800" lvl="1" indent="-228600">
+              <a:buFont typeface="+mj-lt"/>
+              <a:buAutoNum type="arabicPeriod"/>
+            </a:pPr>
+            <a:r>
+              <a:rPr lang="fr-FR" sz="1100" dirty="0">
+                <a:latin typeface="DejaVu Sans Condensed" panose="020B0606030804020204" pitchFamily="34" charset="0"/>
+                <a:ea typeface="DejaVu Sans Condensed" panose="020B0606030804020204" pitchFamily="34" charset="0"/>
+                <a:cs typeface="DejaVu Sans Condensed" panose="020B0606030804020204" pitchFamily="34" charset="0"/>
+              </a:rPr>
+              <a:t>Une équipe qui se connait</a:t>
+            </a:r>
+          </a:p>
+          <a:p>
+            <a:pPr marL="685800" lvl="1" indent="-228600">
+              <a:buFont typeface="+mj-lt"/>
+              <a:buAutoNum type="arabicPeriod"/>
+            </a:pPr>
+            <a:r>
+              <a:rPr lang="fr-FR" sz="1100" dirty="0">
+                <a:latin typeface="DejaVu Sans Condensed" panose="020B0606030804020204" pitchFamily="34" charset="0"/>
+                <a:ea typeface="DejaVu Sans Condensed" panose="020B0606030804020204" pitchFamily="34" charset="0"/>
+                <a:cs typeface="DejaVu Sans Condensed" panose="020B0606030804020204" pitchFamily="34" charset="0"/>
+              </a:rPr>
+              <a:t>Pour la prochaine fois</a:t>
+            </a:r>
+          </a:p>
+          <a:p>
+            <a:pPr marL="1143000" lvl="2" indent="-228600">
+              <a:buFont typeface="+mj-lt"/>
+              <a:buAutoNum type="alphaLcParenR"/>
+            </a:pPr>
+            <a:r>
+              <a:rPr lang="fr-FR" sz="1100" dirty="0">
+                <a:latin typeface="DejaVu Sans Condensed" panose="020B0606030804020204" pitchFamily="34" charset="0"/>
+                <a:ea typeface="DejaVu Sans Condensed" panose="020B0606030804020204" pitchFamily="34" charset="0"/>
+                <a:cs typeface="DejaVu Sans Condensed" panose="020B0606030804020204" pitchFamily="34" charset="0"/>
+              </a:rPr>
+              <a:t>Des outils pour gagner du temps</a:t>
+            </a:r>
+          </a:p>
+          <a:p>
+            <a:pPr marL="1143000" lvl="2" indent="-228600">
+              <a:buFont typeface="+mj-lt"/>
+              <a:buAutoNum type="alphaLcParenR"/>
+            </a:pPr>
+            <a:r>
+              <a:rPr lang="fr-FR" sz="1100" dirty="0">
+                <a:latin typeface="DejaVu Sans Condensed" panose="020B0606030804020204" pitchFamily="34" charset="0"/>
+                <a:ea typeface="DejaVu Sans Condensed" panose="020B0606030804020204" pitchFamily="34" charset="0"/>
+                <a:cs typeface="DejaVu Sans Condensed" panose="020B0606030804020204" pitchFamily="34" charset="0"/>
+              </a:rPr>
+              <a:t>Une organisation encore plus poussée</a:t>
+            </a:r>
+          </a:p>
+          <a:p>
+            <a:pPr marL="1143000" lvl="2" indent="-228600">
+              <a:buFont typeface="+mj-lt"/>
+              <a:buAutoNum type="alphaLcParenR"/>
+            </a:pPr>
+            <a:endParaRPr lang="fr-FR" sz="1100" dirty="0">
+              <a:latin typeface="DejaVu Sans Condensed" panose="020B0606030804020204" pitchFamily="34" charset="0"/>
+              <a:ea typeface="DejaVu Sans Condensed" panose="020B0606030804020204" pitchFamily="34" charset="0"/>
+              <a:cs typeface="DejaVu Sans Condensed" panose="020B0606030804020204" pitchFamily="34" charset="0"/>
+            </a:endParaRPr>
+          </a:p>
+          <a:p>
+            <a:pPr marL="685800" lvl="1" indent="-228600">
+              <a:buFont typeface="+mj-lt"/>
+              <a:buAutoNum type="arabicPeriod"/>
+            </a:pPr>
+            <a:endParaRPr lang="fr-FR" sz="1100" dirty="0">
+              <a:solidFill>
+                <a:srgbClr val="FF0000"/>
+              </a:solidFill>
+              <a:latin typeface="DejaVu Sans Condensed" panose="020B0606030804020204" pitchFamily="34" charset="0"/>
+              <a:ea typeface="DejaVu Sans Condensed" panose="020B0606030804020204" pitchFamily="34" charset="0"/>
+              <a:cs typeface="DejaVu Sans Condensed" panose="020B0606030804020204" pitchFamily="34" charset="0"/>
+            </a:endParaRPr>
+          </a:p>
+        </p:txBody>
+      </p:sp>
+      <p:sp>
+        <p:nvSpPr>
+          <p:cNvPr id="4" name="ZoneTexte 3">
+            <a:extLst>
+              <a:ext uri="{FF2B5EF4-FFF2-40B4-BE49-F238E27FC236}">
+                <a16:creationId xmlns:a16="http://schemas.microsoft.com/office/drawing/2014/main" id="{88F9A226-A2F3-4EA2-B610-F4C4A8CF0880}"/>
+              </a:ext>
+            </a:extLst>
+          </p:cNvPr>
+          <p:cNvSpPr txBox="1"/>
+          <p:nvPr/>
+        </p:nvSpPr>
+        <p:spPr>
+          <a:xfrm>
+            <a:off x="4422112" y="574158"/>
+            <a:ext cx="5281301" cy="523220"/>
+          </a:xfrm>
+          <a:prstGeom prst="rect">
+            <a:avLst/>
+          </a:prstGeom>
+          <a:noFill/>
+        </p:spPr>
+        <p:txBody>
+          <a:bodyPr wrap="square" rtlCol="0">
+            <a:spAutoFit/>
+          </a:bodyPr>
+          <a:lstStyle/>
+          <a:p>
+            <a:pPr algn="ctr"/>
+            <a:r>
+              <a:rPr lang="fr-FR" sz="2800" b="1" cap="small" dirty="0">
+                <a:solidFill>
+                  <a:srgbClr val="EA0000"/>
+                </a:solidFill>
+              </a:rPr>
+              <a:t>Des difficultés peu impactantes</a:t>
+            </a:r>
+          </a:p>
+        </p:txBody>
+      </p:sp>
+      <p:sp>
+        <p:nvSpPr>
+          <p:cNvPr id="5" name="ZoneTexte 4">
+            <a:extLst>
+              <a:ext uri="{FF2B5EF4-FFF2-40B4-BE49-F238E27FC236}">
+                <a16:creationId xmlns:a16="http://schemas.microsoft.com/office/drawing/2014/main" id="{544BDE9E-6C92-4EBA-AAB2-6AF912592FBB}"/>
+              </a:ext>
+            </a:extLst>
+          </p:cNvPr>
+          <p:cNvSpPr txBox="1"/>
+          <p:nvPr/>
+        </p:nvSpPr>
+        <p:spPr>
+          <a:xfrm>
+            <a:off x="10858499" y="6429375"/>
+            <a:ext cx="771123" cy="369332"/>
+          </a:xfrm>
+          <a:prstGeom prst="rect">
+            <a:avLst/>
+          </a:prstGeom>
+          <a:noFill/>
+        </p:spPr>
+        <p:txBody>
+          <a:bodyPr wrap="square" rtlCol="0">
+            <a:spAutoFit/>
+          </a:bodyPr>
+          <a:lstStyle/>
+          <a:p>
+            <a:r>
+              <a:rPr lang="fr-FR" dirty="0"/>
+              <a:t>11/15</a:t>
+            </a:r>
+          </a:p>
+        </p:txBody>
+      </p:sp>
+    </p:spTree>
+    <p:extLst>
+      <p:ext uri="{BB962C8B-B14F-4D97-AF65-F5344CB8AC3E}">
+        <p14:creationId xmlns:p14="http://schemas.microsoft.com/office/powerpoint/2010/main" val="4164548776"/>
+      </p:ext>
+    </p:extLst>
+  </p:cSld>
+  <p:clrMapOvr>
+    <a:masterClrMapping/>
+  </p:clrMapOvr>
+</p:sld>
+</file>
+
+<file path=ppt/slides/slide12.xml><?xml version="1.0" encoding="utf-8"?>
+<p:sld xmlns:a="http://schemas.openxmlformats.org/drawingml/2006/main" xmlns:r="http://schemas.openxmlformats.org/officeDocument/2006/relationships" xmlns:p="http://schemas.openxmlformats.org/presentationml/2006/main">
+  <p:cSld>
+    <p:spTree>
+      <p:nvGrpSpPr>
+        <p:cNvPr id="1" name=""/>
+        <p:cNvGrpSpPr/>
+        <p:nvPr/>
+      </p:nvGrpSpPr>
+      <p:grpSpPr>
+        <a:xfrm>
+          <a:off x="0" y="0"/>
+          <a:ext cx="0" cy="0"/>
+          <a:chOff x="0" y="0"/>
+          <a:chExt cx="0" cy="0"/>
+        </a:xfrm>
+      </p:grpSpPr>
+      <p:sp>
+        <p:nvSpPr>
+          <p:cNvPr id="3" name="ZoneTexte 2">
+            <a:extLst>
+              <a:ext uri="{FF2B5EF4-FFF2-40B4-BE49-F238E27FC236}">
+                <a16:creationId xmlns:a16="http://schemas.microsoft.com/office/drawing/2014/main" id="{77673893-1BDF-4484-BF5B-BC030EAC68EB}"/>
+              </a:ext>
+            </a:extLst>
+          </p:cNvPr>
+          <p:cNvSpPr txBox="1"/>
+          <p:nvPr/>
+        </p:nvSpPr>
+        <p:spPr>
+          <a:xfrm>
+            <a:off x="449034" y="574158"/>
+            <a:ext cx="3695915" cy="2292935"/>
+          </a:xfrm>
+          <a:prstGeom prst="rect">
+            <a:avLst/>
+          </a:prstGeom>
+          <a:noFill/>
+        </p:spPr>
+        <p:txBody>
+          <a:bodyPr wrap="square" rtlCol="0">
+            <a:spAutoFit/>
+          </a:bodyPr>
+          <a:lstStyle/>
+          <a:p>
+            <a:pPr marL="285750" indent="-285750">
+              <a:buFont typeface="+mj-lt"/>
+              <a:buAutoNum type="romanUcPeriod"/>
+            </a:pPr>
+            <a:r>
+              <a:rPr lang="fr-FR" sz="1100" dirty="0">
+                <a:latin typeface="DejaVu Sans Condensed" panose="020B0606030804020204" pitchFamily="34" charset="0"/>
+                <a:ea typeface="DejaVu Sans Condensed" panose="020B0606030804020204" pitchFamily="34" charset="0"/>
+                <a:cs typeface="DejaVu Sans Condensed" panose="020B0606030804020204" pitchFamily="34" charset="0"/>
+              </a:rPr>
+              <a:t>Une démarche bien huilé</a:t>
+            </a:r>
+          </a:p>
+          <a:p>
+            <a:pPr marL="285750" indent="-285750">
+              <a:buFont typeface="+mj-lt"/>
+              <a:buAutoNum type="romanUcPeriod"/>
+            </a:pPr>
+            <a:r>
+              <a:rPr lang="fr-FR" sz="1100" dirty="0">
+                <a:latin typeface="DejaVu Sans Condensed" panose="020B0606030804020204" pitchFamily="34" charset="0"/>
+                <a:ea typeface="DejaVu Sans Condensed" panose="020B0606030804020204" pitchFamily="34" charset="0"/>
+                <a:cs typeface="DejaVu Sans Condensed" panose="020B0606030804020204" pitchFamily="34" charset="0"/>
+              </a:rPr>
+              <a:t>Un projet professionnalisant</a:t>
+            </a:r>
+          </a:p>
+          <a:p>
+            <a:pPr marL="285750" indent="-285750">
+              <a:buFont typeface="+mj-lt"/>
+              <a:buAutoNum type="romanUcPeriod"/>
+            </a:pPr>
+            <a:r>
+              <a:rPr lang="fr-FR" sz="1100" dirty="0">
+                <a:solidFill>
+                  <a:srgbClr val="FF0000"/>
+                </a:solidFill>
+                <a:latin typeface="DejaVu Sans Condensed" panose="020B0606030804020204" pitchFamily="34" charset="0"/>
+                <a:ea typeface="DejaVu Sans Condensed" panose="020B0606030804020204" pitchFamily="34" charset="0"/>
+                <a:cs typeface="DejaVu Sans Condensed" panose="020B0606030804020204" pitchFamily="34" charset="0"/>
+              </a:rPr>
+              <a:t>Une organisation naissante</a:t>
+            </a:r>
+          </a:p>
+          <a:p>
+            <a:pPr marL="685800" lvl="1" indent="-228600">
+              <a:buFont typeface="+mj-lt"/>
+              <a:buAutoNum type="arabicPeriod"/>
+            </a:pPr>
+            <a:r>
+              <a:rPr lang="fr-FR" sz="1100" dirty="0">
+                <a:latin typeface="DejaVu Sans Condensed" panose="020B0606030804020204" pitchFamily="34" charset="0"/>
+                <a:ea typeface="DejaVu Sans Condensed" panose="020B0606030804020204" pitchFamily="34" charset="0"/>
+                <a:cs typeface="DejaVu Sans Condensed" panose="020B0606030804020204" pitchFamily="34" charset="0"/>
+              </a:rPr>
+              <a:t>Des difficultés peu impactantes</a:t>
+            </a:r>
+          </a:p>
+          <a:p>
+            <a:pPr marL="1143000" lvl="2" indent="-228600">
+              <a:buFont typeface="+mj-lt"/>
+              <a:buAutoNum type="alphaLcParenR"/>
+            </a:pPr>
+            <a:r>
+              <a:rPr lang="fr-FR" sz="1100" dirty="0">
+                <a:latin typeface="DejaVu Sans Condensed" panose="020B0606030804020204" pitchFamily="34" charset="0"/>
+                <a:ea typeface="DejaVu Sans Condensed" panose="020B0606030804020204" pitchFamily="34" charset="0"/>
+                <a:cs typeface="DejaVu Sans Condensed" panose="020B0606030804020204" pitchFamily="34" charset="0"/>
+              </a:rPr>
+              <a:t>La connexion WIFI</a:t>
+            </a:r>
+          </a:p>
+          <a:p>
+            <a:pPr marL="1143000" lvl="2" indent="-228600">
+              <a:buFont typeface="+mj-lt"/>
+              <a:buAutoNum type="alphaLcParenR"/>
+            </a:pPr>
+            <a:r>
+              <a:rPr lang="fr-FR" sz="1100" dirty="0">
+                <a:latin typeface="DejaVu Sans Condensed" panose="020B0606030804020204" pitchFamily="34" charset="0"/>
+                <a:ea typeface="DejaVu Sans Condensed" panose="020B0606030804020204" pitchFamily="34" charset="0"/>
+                <a:cs typeface="DejaVu Sans Condensed" panose="020B0606030804020204" pitchFamily="34" charset="0"/>
+              </a:rPr>
+              <a:t> </a:t>
+            </a:r>
+            <a:r>
+              <a:rPr lang="fr-FR" sz="1100" dirty="0" err="1">
+                <a:latin typeface="DejaVu Sans Condensed" panose="020B0606030804020204" pitchFamily="34" charset="0"/>
+                <a:ea typeface="DejaVu Sans Condensed" panose="020B0606030804020204" pitchFamily="34" charset="0"/>
+                <a:cs typeface="DejaVu Sans Condensed" panose="020B0606030804020204" pitchFamily="34" charset="0"/>
+              </a:rPr>
+              <a:t>ArgoUML</a:t>
+            </a:r>
+            <a:r>
+              <a:rPr lang="fr-FR" sz="1100" dirty="0">
+                <a:latin typeface="DejaVu Sans Condensed" panose="020B0606030804020204" pitchFamily="34" charset="0"/>
+                <a:ea typeface="DejaVu Sans Condensed" panose="020B0606030804020204" pitchFamily="34" charset="0"/>
+                <a:cs typeface="DejaVu Sans Condensed" panose="020B0606030804020204" pitchFamily="34" charset="0"/>
+              </a:rPr>
+              <a:t>, un logiciel instable</a:t>
+            </a:r>
+          </a:p>
+          <a:p>
+            <a:pPr marL="685800" lvl="1" indent="-228600">
+              <a:buFont typeface="+mj-lt"/>
+              <a:buAutoNum type="arabicPeriod"/>
+            </a:pPr>
+            <a:r>
+              <a:rPr lang="fr-FR" sz="1100" dirty="0">
+                <a:solidFill>
+                  <a:srgbClr val="FF0000"/>
+                </a:solidFill>
+                <a:latin typeface="DejaVu Sans Condensed" panose="020B0606030804020204" pitchFamily="34" charset="0"/>
+                <a:ea typeface="DejaVu Sans Condensed" panose="020B0606030804020204" pitchFamily="34" charset="0"/>
+                <a:cs typeface="DejaVu Sans Condensed" panose="020B0606030804020204" pitchFamily="34" charset="0"/>
+              </a:rPr>
+              <a:t>Une équipe qui se connait</a:t>
+            </a:r>
+          </a:p>
+          <a:p>
+            <a:pPr marL="685800" lvl="1" indent="-228600">
+              <a:buFont typeface="+mj-lt"/>
+              <a:buAutoNum type="arabicPeriod"/>
+            </a:pPr>
+            <a:r>
+              <a:rPr lang="fr-FR" sz="1100" dirty="0">
+                <a:latin typeface="DejaVu Sans Condensed" panose="020B0606030804020204" pitchFamily="34" charset="0"/>
+                <a:ea typeface="DejaVu Sans Condensed" panose="020B0606030804020204" pitchFamily="34" charset="0"/>
+                <a:cs typeface="DejaVu Sans Condensed" panose="020B0606030804020204" pitchFamily="34" charset="0"/>
+              </a:rPr>
+              <a:t>Pour la prochaine fois</a:t>
+            </a:r>
+          </a:p>
+          <a:p>
+            <a:pPr marL="1143000" lvl="2" indent="-228600">
+              <a:buFont typeface="+mj-lt"/>
+              <a:buAutoNum type="alphaLcParenR"/>
+            </a:pPr>
+            <a:r>
+              <a:rPr lang="fr-FR" sz="1100" dirty="0">
+                <a:latin typeface="DejaVu Sans Condensed" panose="020B0606030804020204" pitchFamily="34" charset="0"/>
+                <a:ea typeface="DejaVu Sans Condensed" panose="020B0606030804020204" pitchFamily="34" charset="0"/>
+                <a:cs typeface="DejaVu Sans Condensed" panose="020B0606030804020204" pitchFamily="34" charset="0"/>
+              </a:rPr>
+              <a:t>Des outils pour gagner du temps</a:t>
+            </a:r>
+          </a:p>
+          <a:p>
+            <a:pPr marL="1143000" lvl="2" indent="-228600">
+              <a:buFont typeface="+mj-lt"/>
+              <a:buAutoNum type="alphaLcParenR"/>
+            </a:pPr>
+            <a:r>
+              <a:rPr lang="fr-FR" sz="1100" dirty="0">
+                <a:latin typeface="DejaVu Sans Condensed" panose="020B0606030804020204" pitchFamily="34" charset="0"/>
+                <a:ea typeface="DejaVu Sans Condensed" panose="020B0606030804020204" pitchFamily="34" charset="0"/>
+                <a:cs typeface="DejaVu Sans Condensed" panose="020B0606030804020204" pitchFamily="34" charset="0"/>
+              </a:rPr>
+              <a:t>Une organisation encore plus poussée</a:t>
+            </a:r>
+          </a:p>
+          <a:p>
+            <a:pPr marL="1143000" lvl="2" indent="-228600">
+              <a:buFont typeface="+mj-lt"/>
+              <a:buAutoNum type="alphaLcParenR"/>
+            </a:pPr>
+            <a:endParaRPr lang="fr-FR" sz="1100" dirty="0">
+              <a:latin typeface="DejaVu Sans Condensed" panose="020B0606030804020204" pitchFamily="34" charset="0"/>
+              <a:ea typeface="DejaVu Sans Condensed" panose="020B0606030804020204" pitchFamily="34" charset="0"/>
+              <a:cs typeface="DejaVu Sans Condensed" panose="020B0606030804020204" pitchFamily="34" charset="0"/>
+            </a:endParaRPr>
+          </a:p>
+          <a:p>
+            <a:pPr marL="685800" lvl="1" indent="-228600">
+              <a:buFont typeface="+mj-lt"/>
+              <a:buAutoNum type="arabicPeriod"/>
+            </a:pPr>
+            <a:endParaRPr lang="fr-FR" sz="1100" dirty="0">
+              <a:solidFill>
+                <a:srgbClr val="FF0000"/>
+              </a:solidFill>
+              <a:latin typeface="DejaVu Sans Condensed" panose="020B0606030804020204" pitchFamily="34" charset="0"/>
+              <a:ea typeface="DejaVu Sans Condensed" panose="020B0606030804020204" pitchFamily="34" charset="0"/>
+              <a:cs typeface="DejaVu Sans Condensed" panose="020B0606030804020204" pitchFamily="34" charset="0"/>
+            </a:endParaRPr>
+          </a:p>
+        </p:txBody>
+      </p:sp>
+      <p:sp>
+        <p:nvSpPr>
+          <p:cNvPr id="4" name="ZoneTexte 3">
+            <a:extLst>
+              <a:ext uri="{FF2B5EF4-FFF2-40B4-BE49-F238E27FC236}">
+                <a16:creationId xmlns:a16="http://schemas.microsoft.com/office/drawing/2014/main" id="{ADBFDD3E-169C-43BF-9510-F9C4B8A9BD3A}"/>
+              </a:ext>
+            </a:extLst>
+          </p:cNvPr>
+          <p:cNvSpPr txBox="1"/>
+          <p:nvPr/>
+        </p:nvSpPr>
+        <p:spPr>
+          <a:xfrm>
+            <a:off x="4422112" y="574158"/>
+            <a:ext cx="5281301" cy="523220"/>
+          </a:xfrm>
+          <a:prstGeom prst="rect">
+            <a:avLst/>
+          </a:prstGeom>
+          <a:noFill/>
+        </p:spPr>
+        <p:txBody>
+          <a:bodyPr wrap="square" rtlCol="0">
+            <a:spAutoFit/>
+          </a:bodyPr>
+          <a:lstStyle/>
+          <a:p>
+            <a:pPr algn="ctr"/>
+            <a:r>
+              <a:rPr lang="fr-FR" sz="2800" b="1" cap="small" dirty="0">
+                <a:solidFill>
+                  <a:srgbClr val="EA0000"/>
+                </a:solidFill>
+              </a:rPr>
+              <a:t>Une équipe que se connait</a:t>
+            </a:r>
+          </a:p>
+        </p:txBody>
+      </p:sp>
+      <p:sp>
+        <p:nvSpPr>
+          <p:cNvPr id="5" name="ZoneTexte 4">
+            <a:extLst>
+              <a:ext uri="{FF2B5EF4-FFF2-40B4-BE49-F238E27FC236}">
+                <a16:creationId xmlns:a16="http://schemas.microsoft.com/office/drawing/2014/main" id="{3F1CBE41-6E98-494A-9134-8169F5DA1CB6}"/>
+              </a:ext>
+            </a:extLst>
+          </p:cNvPr>
+          <p:cNvSpPr txBox="1"/>
+          <p:nvPr/>
+        </p:nvSpPr>
+        <p:spPr>
+          <a:xfrm>
+            <a:off x="10858499" y="6429375"/>
+            <a:ext cx="771123" cy="369332"/>
+          </a:xfrm>
+          <a:prstGeom prst="rect">
+            <a:avLst/>
+          </a:prstGeom>
+          <a:noFill/>
+        </p:spPr>
+        <p:txBody>
+          <a:bodyPr wrap="square" rtlCol="0">
+            <a:spAutoFit/>
+          </a:bodyPr>
+          <a:lstStyle/>
+          <a:p>
+            <a:r>
+              <a:rPr lang="fr-FR" dirty="0"/>
+              <a:t>12/15</a:t>
+            </a:r>
+          </a:p>
+        </p:txBody>
+      </p:sp>
+    </p:spTree>
+    <p:extLst>
+      <p:ext uri="{BB962C8B-B14F-4D97-AF65-F5344CB8AC3E}">
+        <p14:creationId xmlns:p14="http://schemas.microsoft.com/office/powerpoint/2010/main" val="1753699226"/>
+      </p:ext>
+    </p:extLst>
+  </p:cSld>
+  <p:clrMapOvr>
+    <a:masterClrMapping/>
+  </p:clrMapOvr>
+</p:sld>
+</file>
+
+<file path=ppt/slides/slide13.xml><?xml version="1.0" encoding="utf-8"?>
+<p:sld xmlns:a="http://schemas.openxmlformats.org/drawingml/2006/main" xmlns:r="http://schemas.openxmlformats.org/officeDocument/2006/relationships" xmlns:p="http://schemas.openxmlformats.org/presentationml/2006/main">
+  <p:cSld>
+    <p:spTree>
+      <p:nvGrpSpPr>
+        <p:cNvPr id="1" name=""/>
+        <p:cNvGrpSpPr/>
+        <p:nvPr/>
+      </p:nvGrpSpPr>
+      <p:grpSpPr>
+        <a:xfrm>
+          <a:off x="0" y="0"/>
+          <a:ext cx="0" cy="0"/>
+          <a:chOff x="0" y="0"/>
+          <a:chExt cx="0" cy="0"/>
+        </a:xfrm>
+      </p:grpSpPr>
+      <p:sp>
+        <p:nvSpPr>
+          <p:cNvPr id="3" name="ZoneTexte 2">
+            <a:extLst>
+              <a:ext uri="{FF2B5EF4-FFF2-40B4-BE49-F238E27FC236}">
+                <a16:creationId xmlns:a16="http://schemas.microsoft.com/office/drawing/2014/main" id="{246BF17F-E6C6-4072-BA70-450C373D3CCB}"/>
+              </a:ext>
+            </a:extLst>
+          </p:cNvPr>
+          <p:cNvSpPr txBox="1"/>
+          <p:nvPr/>
+        </p:nvSpPr>
+        <p:spPr>
+          <a:xfrm>
+            <a:off x="449034" y="574158"/>
+            <a:ext cx="3695915" cy="2292935"/>
+          </a:xfrm>
+          <a:prstGeom prst="rect">
+            <a:avLst/>
+          </a:prstGeom>
+          <a:noFill/>
+        </p:spPr>
+        <p:txBody>
+          <a:bodyPr wrap="square" rtlCol="0">
+            <a:spAutoFit/>
+          </a:bodyPr>
+          <a:lstStyle/>
+          <a:p>
+            <a:pPr marL="285750" indent="-285750">
+              <a:buFont typeface="+mj-lt"/>
+              <a:buAutoNum type="romanUcPeriod"/>
+            </a:pPr>
+            <a:r>
+              <a:rPr lang="fr-FR" sz="1100" dirty="0">
+                <a:latin typeface="DejaVu Sans Condensed" panose="020B0606030804020204" pitchFamily="34" charset="0"/>
+                <a:ea typeface="DejaVu Sans Condensed" panose="020B0606030804020204" pitchFamily="34" charset="0"/>
+                <a:cs typeface="DejaVu Sans Condensed" panose="020B0606030804020204" pitchFamily="34" charset="0"/>
+              </a:rPr>
+              <a:t>Une démarche bien huilé</a:t>
+            </a:r>
+          </a:p>
+          <a:p>
+            <a:pPr marL="285750" indent="-285750">
+              <a:buFont typeface="+mj-lt"/>
+              <a:buAutoNum type="romanUcPeriod"/>
+            </a:pPr>
+            <a:r>
+              <a:rPr lang="fr-FR" sz="1100" dirty="0">
+                <a:latin typeface="DejaVu Sans Condensed" panose="020B0606030804020204" pitchFamily="34" charset="0"/>
+                <a:ea typeface="DejaVu Sans Condensed" panose="020B0606030804020204" pitchFamily="34" charset="0"/>
+                <a:cs typeface="DejaVu Sans Condensed" panose="020B0606030804020204" pitchFamily="34" charset="0"/>
+              </a:rPr>
+              <a:t>Un projet professionnalisant</a:t>
+            </a:r>
+          </a:p>
+          <a:p>
+            <a:pPr marL="285750" indent="-285750">
+              <a:buFont typeface="+mj-lt"/>
+              <a:buAutoNum type="romanUcPeriod"/>
+            </a:pPr>
+            <a:r>
+              <a:rPr lang="fr-FR" sz="1100" dirty="0">
+                <a:solidFill>
+                  <a:srgbClr val="FF0000"/>
+                </a:solidFill>
+                <a:latin typeface="DejaVu Sans Condensed" panose="020B0606030804020204" pitchFamily="34" charset="0"/>
+                <a:ea typeface="DejaVu Sans Condensed" panose="020B0606030804020204" pitchFamily="34" charset="0"/>
+                <a:cs typeface="DejaVu Sans Condensed" panose="020B0606030804020204" pitchFamily="34" charset="0"/>
+              </a:rPr>
+              <a:t>Une organisation naissante</a:t>
+            </a:r>
+          </a:p>
+          <a:p>
+            <a:pPr marL="685800" lvl="1" indent="-228600">
+              <a:buFont typeface="+mj-lt"/>
+              <a:buAutoNum type="arabicPeriod"/>
+            </a:pPr>
+            <a:r>
+              <a:rPr lang="fr-FR" sz="1100" dirty="0">
+                <a:latin typeface="DejaVu Sans Condensed" panose="020B0606030804020204" pitchFamily="34" charset="0"/>
+                <a:ea typeface="DejaVu Sans Condensed" panose="020B0606030804020204" pitchFamily="34" charset="0"/>
+                <a:cs typeface="DejaVu Sans Condensed" panose="020B0606030804020204" pitchFamily="34" charset="0"/>
+              </a:rPr>
+              <a:t>Des difficultés peu impactantes</a:t>
+            </a:r>
+          </a:p>
+          <a:p>
+            <a:pPr marL="1143000" lvl="2" indent="-228600">
+              <a:buFont typeface="+mj-lt"/>
+              <a:buAutoNum type="alphaLcParenR"/>
+            </a:pPr>
+            <a:r>
+              <a:rPr lang="fr-FR" sz="1100" dirty="0">
+                <a:latin typeface="DejaVu Sans Condensed" panose="020B0606030804020204" pitchFamily="34" charset="0"/>
+                <a:ea typeface="DejaVu Sans Condensed" panose="020B0606030804020204" pitchFamily="34" charset="0"/>
+                <a:cs typeface="DejaVu Sans Condensed" panose="020B0606030804020204" pitchFamily="34" charset="0"/>
+              </a:rPr>
+              <a:t>La connexion WIFI</a:t>
+            </a:r>
+          </a:p>
+          <a:p>
+            <a:pPr marL="1143000" lvl="2" indent="-228600">
+              <a:buFont typeface="+mj-lt"/>
+              <a:buAutoNum type="alphaLcParenR"/>
+            </a:pPr>
+            <a:r>
+              <a:rPr lang="fr-FR" sz="1100" dirty="0">
+                <a:latin typeface="DejaVu Sans Condensed" panose="020B0606030804020204" pitchFamily="34" charset="0"/>
+                <a:ea typeface="DejaVu Sans Condensed" panose="020B0606030804020204" pitchFamily="34" charset="0"/>
+                <a:cs typeface="DejaVu Sans Condensed" panose="020B0606030804020204" pitchFamily="34" charset="0"/>
+              </a:rPr>
+              <a:t> </a:t>
+            </a:r>
+            <a:r>
+              <a:rPr lang="fr-FR" sz="1100" dirty="0" err="1">
+                <a:latin typeface="DejaVu Sans Condensed" panose="020B0606030804020204" pitchFamily="34" charset="0"/>
+                <a:ea typeface="DejaVu Sans Condensed" panose="020B0606030804020204" pitchFamily="34" charset="0"/>
+                <a:cs typeface="DejaVu Sans Condensed" panose="020B0606030804020204" pitchFamily="34" charset="0"/>
+              </a:rPr>
+              <a:t>ArgoUML</a:t>
+            </a:r>
+            <a:r>
+              <a:rPr lang="fr-FR" sz="1100" dirty="0">
+                <a:latin typeface="DejaVu Sans Condensed" panose="020B0606030804020204" pitchFamily="34" charset="0"/>
+                <a:ea typeface="DejaVu Sans Condensed" panose="020B0606030804020204" pitchFamily="34" charset="0"/>
+                <a:cs typeface="DejaVu Sans Condensed" panose="020B0606030804020204" pitchFamily="34" charset="0"/>
+              </a:rPr>
+              <a:t>, un logiciel instable</a:t>
+            </a:r>
+          </a:p>
+          <a:p>
+            <a:pPr marL="685800" lvl="1" indent="-228600">
+              <a:buFont typeface="+mj-lt"/>
+              <a:buAutoNum type="arabicPeriod"/>
+            </a:pPr>
+            <a:r>
+              <a:rPr lang="fr-FR" sz="1100" dirty="0">
+                <a:latin typeface="DejaVu Sans Condensed" panose="020B0606030804020204" pitchFamily="34" charset="0"/>
+                <a:ea typeface="DejaVu Sans Condensed" panose="020B0606030804020204" pitchFamily="34" charset="0"/>
+                <a:cs typeface="DejaVu Sans Condensed" panose="020B0606030804020204" pitchFamily="34" charset="0"/>
+              </a:rPr>
+              <a:t>Une équipe qui se connait</a:t>
+            </a:r>
+          </a:p>
+          <a:p>
+            <a:pPr marL="685800" lvl="1" indent="-228600">
+              <a:buFont typeface="+mj-lt"/>
+              <a:buAutoNum type="arabicPeriod"/>
+            </a:pPr>
+            <a:r>
+              <a:rPr lang="fr-FR" sz="1100" dirty="0">
+                <a:solidFill>
+                  <a:srgbClr val="FF0000"/>
+                </a:solidFill>
+                <a:latin typeface="DejaVu Sans Condensed" panose="020B0606030804020204" pitchFamily="34" charset="0"/>
+                <a:ea typeface="DejaVu Sans Condensed" panose="020B0606030804020204" pitchFamily="34" charset="0"/>
+                <a:cs typeface="DejaVu Sans Condensed" panose="020B0606030804020204" pitchFamily="34" charset="0"/>
+              </a:rPr>
+              <a:t>Pour la prochaine fois</a:t>
+            </a:r>
+          </a:p>
+          <a:p>
+            <a:pPr marL="1143000" lvl="2" indent="-228600">
+              <a:buFont typeface="+mj-lt"/>
+              <a:buAutoNum type="alphaLcParenR"/>
+            </a:pPr>
+            <a:r>
+              <a:rPr lang="fr-FR" sz="1100" dirty="0">
+                <a:solidFill>
+                  <a:srgbClr val="FF0000"/>
+                </a:solidFill>
+                <a:latin typeface="DejaVu Sans Condensed" panose="020B0606030804020204" pitchFamily="34" charset="0"/>
+                <a:ea typeface="DejaVu Sans Condensed" panose="020B0606030804020204" pitchFamily="34" charset="0"/>
+                <a:cs typeface="DejaVu Sans Condensed" panose="020B0606030804020204" pitchFamily="34" charset="0"/>
+              </a:rPr>
+              <a:t>Des outils pour gagner du temps</a:t>
+            </a:r>
+          </a:p>
+          <a:p>
+            <a:pPr marL="1143000" lvl="2" indent="-228600">
+              <a:buFont typeface="+mj-lt"/>
+              <a:buAutoNum type="alphaLcParenR"/>
+            </a:pPr>
+            <a:r>
+              <a:rPr lang="fr-FR" sz="1100" dirty="0">
+                <a:latin typeface="DejaVu Sans Condensed" panose="020B0606030804020204" pitchFamily="34" charset="0"/>
+                <a:ea typeface="DejaVu Sans Condensed" panose="020B0606030804020204" pitchFamily="34" charset="0"/>
+                <a:cs typeface="DejaVu Sans Condensed" panose="020B0606030804020204" pitchFamily="34" charset="0"/>
+              </a:rPr>
+              <a:t>Une organisation encore plus poussée</a:t>
+            </a:r>
+          </a:p>
+          <a:p>
+            <a:pPr marL="1143000" lvl="2" indent="-228600">
+              <a:buFont typeface="+mj-lt"/>
+              <a:buAutoNum type="alphaLcParenR"/>
+            </a:pPr>
+            <a:endParaRPr lang="fr-FR" sz="1100" dirty="0">
+              <a:latin typeface="DejaVu Sans Condensed" panose="020B0606030804020204" pitchFamily="34" charset="0"/>
+              <a:ea typeface="DejaVu Sans Condensed" panose="020B0606030804020204" pitchFamily="34" charset="0"/>
+              <a:cs typeface="DejaVu Sans Condensed" panose="020B0606030804020204" pitchFamily="34" charset="0"/>
+            </a:endParaRPr>
+          </a:p>
+          <a:p>
+            <a:pPr marL="685800" lvl="1" indent="-228600">
+              <a:buFont typeface="+mj-lt"/>
+              <a:buAutoNum type="arabicPeriod"/>
+            </a:pPr>
+            <a:endParaRPr lang="fr-FR" sz="1100" dirty="0">
+              <a:solidFill>
+                <a:srgbClr val="FF0000"/>
+              </a:solidFill>
+              <a:latin typeface="DejaVu Sans Condensed" panose="020B0606030804020204" pitchFamily="34" charset="0"/>
+              <a:ea typeface="DejaVu Sans Condensed" panose="020B0606030804020204" pitchFamily="34" charset="0"/>
+              <a:cs typeface="DejaVu Sans Condensed" panose="020B0606030804020204" pitchFamily="34" charset="0"/>
+            </a:endParaRPr>
+          </a:p>
+        </p:txBody>
+      </p:sp>
+      <p:sp>
+        <p:nvSpPr>
+          <p:cNvPr id="4" name="ZoneTexte 3">
+            <a:extLst>
+              <a:ext uri="{FF2B5EF4-FFF2-40B4-BE49-F238E27FC236}">
+                <a16:creationId xmlns:a16="http://schemas.microsoft.com/office/drawing/2014/main" id="{0FF85951-9CC0-4C03-BC44-9765D0A8A49A}"/>
+              </a:ext>
+            </a:extLst>
+          </p:cNvPr>
+          <p:cNvSpPr txBox="1"/>
+          <p:nvPr/>
+        </p:nvSpPr>
+        <p:spPr>
+          <a:xfrm>
+            <a:off x="4422112" y="574158"/>
+            <a:ext cx="5281301" cy="523220"/>
+          </a:xfrm>
+          <a:prstGeom prst="rect">
+            <a:avLst/>
+          </a:prstGeom>
+          <a:noFill/>
+        </p:spPr>
+        <p:txBody>
+          <a:bodyPr wrap="square" rtlCol="0">
+            <a:spAutoFit/>
+          </a:bodyPr>
+          <a:lstStyle/>
+          <a:p>
+            <a:pPr algn="ctr"/>
+            <a:r>
+              <a:rPr lang="fr-FR" sz="2800" b="1" cap="small" dirty="0">
+                <a:solidFill>
+                  <a:srgbClr val="EA0000"/>
+                </a:solidFill>
+              </a:rPr>
+              <a:t>Des outils pour gagner du temps</a:t>
+            </a:r>
+          </a:p>
+        </p:txBody>
+      </p:sp>
+      <p:sp>
+        <p:nvSpPr>
+          <p:cNvPr id="5" name="ZoneTexte 4">
+            <a:extLst>
+              <a:ext uri="{FF2B5EF4-FFF2-40B4-BE49-F238E27FC236}">
+                <a16:creationId xmlns:a16="http://schemas.microsoft.com/office/drawing/2014/main" id="{CF2C4D7A-3E2E-43D3-ADDF-40A834A366CC}"/>
+              </a:ext>
+            </a:extLst>
+          </p:cNvPr>
+          <p:cNvSpPr txBox="1"/>
+          <p:nvPr/>
+        </p:nvSpPr>
+        <p:spPr>
+          <a:xfrm>
+            <a:off x="10858499" y="6429375"/>
+            <a:ext cx="771123" cy="369332"/>
+          </a:xfrm>
+          <a:prstGeom prst="rect">
+            <a:avLst/>
+          </a:prstGeom>
+          <a:noFill/>
+        </p:spPr>
+        <p:txBody>
+          <a:bodyPr wrap="square" rtlCol="0">
+            <a:spAutoFit/>
+          </a:bodyPr>
+          <a:lstStyle/>
+          <a:p>
+            <a:r>
+              <a:rPr lang="fr-FR" dirty="0"/>
+              <a:t>13/15</a:t>
+            </a:r>
+          </a:p>
+        </p:txBody>
+      </p:sp>
+    </p:spTree>
+    <p:extLst>
+      <p:ext uri="{BB962C8B-B14F-4D97-AF65-F5344CB8AC3E}">
+        <p14:creationId xmlns:p14="http://schemas.microsoft.com/office/powerpoint/2010/main" val="4292556008"/>
+      </p:ext>
+    </p:extLst>
+  </p:cSld>
+  <p:clrMapOvr>
+    <a:masterClrMapping/>
+  </p:clrMapOvr>
+</p:sld>
+</file>
+
+<file path=ppt/slides/slide14.xml><?xml version="1.0" encoding="utf-8"?>
+<p:sld xmlns:a="http://schemas.openxmlformats.org/drawingml/2006/main" xmlns:r="http://schemas.openxmlformats.org/officeDocument/2006/relationships" xmlns:p="http://schemas.openxmlformats.org/presentationml/2006/main">
+  <p:cSld>
+    <p:spTree>
+      <p:nvGrpSpPr>
+        <p:cNvPr id="1" name=""/>
+        <p:cNvGrpSpPr/>
+        <p:nvPr/>
+      </p:nvGrpSpPr>
+      <p:grpSpPr>
+        <a:xfrm>
+          <a:off x="0" y="0"/>
+          <a:ext cx="0" cy="0"/>
+          <a:chOff x="0" y="0"/>
+          <a:chExt cx="0" cy="0"/>
+        </a:xfrm>
+      </p:grpSpPr>
+      <p:sp>
+        <p:nvSpPr>
+          <p:cNvPr id="11" name="ZoneTexte 10">
+            <a:extLst>
+              <a:ext uri="{FF2B5EF4-FFF2-40B4-BE49-F238E27FC236}">
+                <a16:creationId xmlns:a16="http://schemas.microsoft.com/office/drawing/2014/main" id="{F3ADFA8B-9444-49C0-B723-BB0A8C5F043A}"/>
+              </a:ext>
+            </a:extLst>
+          </p:cNvPr>
+          <p:cNvSpPr txBox="1"/>
+          <p:nvPr/>
+        </p:nvSpPr>
+        <p:spPr>
+          <a:xfrm>
+            <a:off x="449035" y="574158"/>
+            <a:ext cx="2686051" cy="1107996"/>
+          </a:xfrm>
+          <a:prstGeom prst="rect">
+            <a:avLst/>
+          </a:prstGeom>
+          <a:noFill/>
+        </p:spPr>
+        <p:txBody>
+          <a:bodyPr wrap="square" rtlCol="0">
+            <a:spAutoFit/>
+          </a:bodyPr>
+          <a:lstStyle/>
+          <a:p>
+            <a:pPr marL="285750" indent="-285750">
+              <a:buFont typeface="+mj-lt"/>
+              <a:buAutoNum type="romanUcPeriod"/>
+            </a:pPr>
+            <a:r>
+              <a:rPr lang="fr-FR" sz="1100" dirty="0" err="1">
+                <a:solidFill>
+                  <a:srgbClr val="FF0000"/>
+                </a:solidFill>
+                <a:latin typeface="DejaVu Sans Condensed" panose="020B0606030804020204" pitchFamily="34" charset="0"/>
+                <a:ea typeface="DejaVu Sans Condensed" panose="020B0606030804020204" pitchFamily="34" charset="0"/>
+                <a:cs typeface="DejaVu Sans Condensed" panose="020B0606030804020204" pitchFamily="34" charset="0"/>
+              </a:rPr>
+              <a:t>Rétroconception</a:t>
+            </a:r>
+            <a:endParaRPr lang="fr-FR" sz="1100" dirty="0">
+              <a:solidFill>
+                <a:srgbClr val="FF0000"/>
+              </a:solidFill>
+              <a:latin typeface="DejaVu Sans Condensed" panose="020B0606030804020204" pitchFamily="34" charset="0"/>
+              <a:ea typeface="DejaVu Sans Condensed" panose="020B0606030804020204" pitchFamily="34" charset="0"/>
+              <a:cs typeface="DejaVu Sans Condensed" panose="020B0606030804020204" pitchFamily="34" charset="0"/>
+            </a:endParaRPr>
+          </a:p>
+          <a:p>
+            <a:pPr marL="685800" lvl="1" indent="-228600">
+              <a:buFont typeface="+mj-lt"/>
+              <a:buAutoNum type="alphaLcPeriod"/>
+            </a:pPr>
+            <a:r>
+              <a:rPr lang="fr-FR" sz="1100" dirty="0">
+                <a:solidFill>
+                  <a:srgbClr val="FF0000"/>
+                </a:solidFill>
+                <a:latin typeface="DejaVu Sans Condensed" panose="020B0606030804020204" pitchFamily="34" charset="0"/>
+                <a:ea typeface="DejaVu Sans Condensed" panose="020B0606030804020204" pitchFamily="34" charset="0"/>
+                <a:cs typeface="DejaVu Sans Condensed" panose="020B0606030804020204" pitchFamily="34" charset="0"/>
+              </a:rPr>
+              <a:t>La gestion des erreurs XML</a:t>
+            </a:r>
+          </a:p>
+          <a:p>
+            <a:pPr marL="685800" lvl="1" indent="-228600">
+              <a:buFont typeface="+mj-lt"/>
+              <a:buAutoNum type="alphaLcPeriod"/>
+            </a:pPr>
+            <a:r>
+              <a:rPr lang="fr-FR" sz="1100" dirty="0">
+                <a:latin typeface="DejaVu Sans Condensed" panose="020B0606030804020204" pitchFamily="34" charset="0"/>
+                <a:ea typeface="DejaVu Sans Condensed" panose="020B0606030804020204" pitchFamily="34" charset="0"/>
+                <a:cs typeface="DejaVu Sans Condensed" panose="020B0606030804020204" pitchFamily="34" charset="0"/>
+              </a:rPr>
+              <a:t>L’élément « Tableau »</a:t>
+            </a:r>
+            <a:endParaRPr lang="fr-FR" sz="1100" dirty="0">
+              <a:solidFill>
+                <a:srgbClr val="FF0000"/>
+              </a:solidFill>
+              <a:latin typeface="DejaVu Sans Condensed" panose="020B0606030804020204" pitchFamily="34" charset="0"/>
+              <a:ea typeface="DejaVu Sans Condensed" panose="020B0606030804020204" pitchFamily="34" charset="0"/>
+              <a:cs typeface="DejaVu Sans Condensed" panose="020B0606030804020204" pitchFamily="34" charset="0"/>
+            </a:endParaRPr>
+          </a:p>
+          <a:p>
+            <a:pPr marL="285750" indent="-285750">
+              <a:buFont typeface="+mj-lt"/>
+              <a:buAutoNum type="romanUcPeriod"/>
+            </a:pPr>
+            <a:r>
+              <a:rPr lang="fr-FR" sz="1100" dirty="0">
+                <a:latin typeface="DejaVu Sans Condensed" panose="020B0606030804020204" pitchFamily="34" charset="0"/>
+                <a:ea typeface="DejaVu Sans Condensed" panose="020B0606030804020204" pitchFamily="34" charset="0"/>
+                <a:cs typeface="DejaVu Sans Condensed" panose="020B0606030804020204" pitchFamily="34" charset="0"/>
+              </a:rPr>
+              <a:t>Suivi du projet</a:t>
+            </a:r>
+          </a:p>
+          <a:p>
+            <a:pPr marL="285750" indent="-285750">
+              <a:buFont typeface="+mj-lt"/>
+              <a:buAutoNum type="romanUcPeriod"/>
+            </a:pPr>
+            <a:r>
+              <a:rPr lang="fr-FR" sz="1100" dirty="0">
+                <a:latin typeface="DejaVu Sans Condensed" panose="020B0606030804020204" pitchFamily="34" charset="0"/>
+                <a:ea typeface="DejaVu Sans Condensed" panose="020B0606030804020204" pitchFamily="34" charset="0"/>
+                <a:cs typeface="DejaVu Sans Condensed" panose="020B0606030804020204" pitchFamily="34" charset="0"/>
+              </a:rPr>
+              <a:t>Apports du projets</a:t>
+            </a:r>
+          </a:p>
+          <a:p>
+            <a:pPr marL="285750" indent="-285750">
+              <a:buFont typeface="+mj-lt"/>
+              <a:buAutoNum type="romanUcPeriod"/>
+            </a:pPr>
+            <a:r>
+              <a:rPr lang="fr-FR" sz="1100" dirty="0">
+                <a:latin typeface="DejaVu Sans Condensed" panose="020B0606030804020204" pitchFamily="34" charset="0"/>
+                <a:ea typeface="DejaVu Sans Condensed" panose="020B0606030804020204" pitchFamily="34" charset="0"/>
+                <a:cs typeface="DejaVu Sans Condensed" panose="020B0606030804020204" pitchFamily="34" charset="0"/>
+              </a:rPr>
+              <a:t>Difficultés rencontrés</a:t>
+            </a:r>
+          </a:p>
+        </p:txBody>
+      </p:sp>
+      <p:sp>
+        <p:nvSpPr>
+          <p:cNvPr id="12" name="ZoneTexte 11">
+            <a:extLst>
+              <a:ext uri="{FF2B5EF4-FFF2-40B4-BE49-F238E27FC236}">
+                <a16:creationId xmlns:a16="http://schemas.microsoft.com/office/drawing/2014/main" id="{8630A28E-7049-4BB1-BDCE-9CDFA0BE5C53}"/>
+              </a:ext>
+            </a:extLst>
+          </p:cNvPr>
+          <p:cNvSpPr txBox="1"/>
+          <p:nvPr/>
+        </p:nvSpPr>
+        <p:spPr>
+          <a:xfrm>
+            <a:off x="4393811" y="351393"/>
+            <a:ext cx="5281301" cy="954107"/>
+          </a:xfrm>
+          <a:prstGeom prst="rect">
+            <a:avLst/>
+          </a:prstGeom>
+          <a:noFill/>
+        </p:spPr>
+        <p:txBody>
+          <a:bodyPr wrap="square" rtlCol="0">
+            <a:spAutoFit/>
+          </a:bodyPr>
+          <a:lstStyle/>
+          <a:p>
+            <a:pPr algn="ctr"/>
+            <a:r>
+              <a:rPr lang="fr-FR" sz="2800" b="1" cap="small" dirty="0">
+                <a:solidFill>
+                  <a:srgbClr val="EA0000"/>
+                </a:solidFill>
+              </a:rPr>
+              <a:t>Une organisation encore plus poussée</a:t>
+            </a:r>
+          </a:p>
+        </p:txBody>
+      </p:sp>
+      <p:pic>
+        <p:nvPicPr>
+          <p:cNvPr id="2" name="Image 1"/>
+          <p:cNvPicPr>
+            <a:picLocks noChangeAspect="1"/>
+          </p:cNvPicPr>
+          <p:nvPr/>
+        </p:nvPicPr>
+        <p:blipFill>
+          <a:blip r:embed="rId3"/>
+          <a:stretch>
+            <a:fillRect/>
+          </a:stretch>
+        </p:blipFill>
+        <p:spPr>
+          <a:xfrm>
+            <a:off x="4009465" y="1844885"/>
+            <a:ext cx="3283802" cy="4059645"/>
+          </a:xfrm>
+          <a:prstGeom prst="rect">
+            <a:avLst/>
+          </a:prstGeom>
+          <a:ln w="19050">
+            <a:solidFill>
+              <a:schemeClr val="tx1"/>
+            </a:solidFill>
+          </a:ln>
+        </p:spPr>
+      </p:pic>
+      <p:sp>
+        <p:nvSpPr>
+          <p:cNvPr id="3" name="ZoneTexte 2"/>
+          <p:cNvSpPr txBox="1"/>
+          <p:nvPr/>
+        </p:nvSpPr>
+        <p:spPr>
+          <a:xfrm>
+            <a:off x="7542129" y="2247421"/>
+            <a:ext cx="3659271" cy="461665"/>
+          </a:xfrm>
+          <a:prstGeom prst="rect">
+            <a:avLst/>
+          </a:prstGeom>
+          <a:noFill/>
+        </p:spPr>
+        <p:txBody>
+          <a:bodyPr wrap="none" rtlCol="0">
+            <a:spAutoFit/>
+          </a:bodyPr>
+          <a:lstStyle/>
+          <a:p>
+            <a:r>
+              <a:rPr lang="fr-FR" sz="2400" dirty="0">
+                <a:ea typeface="DejaVu Sans Condensed" panose="020B0606030804020204" pitchFamily="34" charset="0"/>
+                <a:cs typeface="DejaVu Sans Condensed" panose="020B0606030804020204" pitchFamily="34" charset="0"/>
+              </a:rPr>
+              <a:t>  =   Difficile de s’y retrouver</a:t>
+            </a:r>
+          </a:p>
+        </p:txBody>
+      </p:sp>
+      <p:sp>
+        <p:nvSpPr>
+          <p:cNvPr id="7" name="Rectangle à coins arrondis 5">
+            <a:extLst>
+              <a:ext uri="{FF2B5EF4-FFF2-40B4-BE49-F238E27FC236}">
+                <a16:creationId xmlns:a16="http://schemas.microsoft.com/office/drawing/2014/main" id="{AEBCFA2D-080A-44F2-BDD0-3E9535D74C13}"/>
+              </a:ext>
+            </a:extLst>
+          </p:cNvPr>
+          <p:cNvSpPr/>
+          <p:nvPr/>
+        </p:nvSpPr>
+        <p:spPr>
+          <a:xfrm>
+            <a:off x="346639" y="392772"/>
+            <a:ext cx="3413964" cy="2466338"/>
+          </a:xfrm>
+          <a:prstGeom prst="roundRect">
+            <a:avLst/>
+          </a:prstGeom>
+          <a:effectLst>
+            <a:glow rad="101600">
+              <a:schemeClr val="accent3">
+                <a:satMod val="175000"/>
+                <a:alpha val="40000"/>
+              </a:schemeClr>
+            </a:glow>
+            <a:innerShdw blurRad="114300">
+              <a:prstClr val="black"/>
+            </a:innerShdw>
+            <a:softEdge rad="12700"/>
+          </a:effectLst>
+        </p:spPr>
+        <p:style>
+          <a:lnRef idx="2">
+            <a:schemeClr val="dk1"/>
+          </a:lnRef>
+          <a:fillRef idx="1">
+            <a:schemeClr val="lt1"/>
+          </a:fillRef>
+          <a:effectRef idx="0">
+            <a:schemeClr val="dk1"/>
+          </a:effectRef>
+          <a:fontRef idx="minor">
+            <a:schemeClr val="dk1"/>
+          </a:fontRef>
+        </p:style>
+        <p:txBody>
+          <a:bodyPr rtlCol="0" anchor="ctr"/>
+          <a:lstStyle/>
+          <a:p>
+            <a:pPr algn="ctr"/>
+            <a:endParaRPr lang="fr-FR"/>
+          </a:p>
+        </p:txBody>
+      </p:sp>
+      <p:sp>
+        <p:nvSpPr>
+          <p:cNvPr id="8" name="ZoneTexte 7">
+            <a:extLst>
+              <a:ext uri="{FF2B5EF4-FFF2-40B4-BE49-F238E27FC236}">
+                <a16:creationId xmlns:a16="http://schemas.microsoft.com/office/drawing/2014/main" id="{58650EFD-1B2F-41C9-B7BD-E3879033A79F}"/>
+              </a:ext>
+            </a:extLst>
+          </p:cNvPr>
+          <p:cNvSpPr txBox="1"/>
+          <p:nvPr/>
+        </p:nvSpPr>
+        <p:spPr>
+          <a:xfrm>
+            <a:off x="449034" y="574158"/>
+            <a:ext cx="3695915" cy="2292935"/>
+          </a:xfrm>
+          <a:prstGeom prst="rect">
+            <a:avLst/>
+          </a:prstGeom>
+          <a:noFill/>
+        </p:spPr>
+        <p:txBody>
+          <a:bodyPr wrap="square" rtlCol="0">
+            <a:spAutoFit/>
+          </a:bodyPr>
+          <a:lstStyle/>
+          <a:p>
+            <a:pPr marL="285750" indent="-285750">
+              <a:buFont typeface="+mj-lt"/>
+              <a:buAutoNum type="romanUcPeriod"/>
+            </a:pPr>
+            <a:r>
+              <a:rPr lang="fr-FR" sz="1100" dirty="0">
+                <a:latin typeface="DejaVu Sans Condensed" panose="020B0606030804020204" pitchFamily="34" charset="0"/>
+                <a:ea typeface="DejaVu Sans Condensed" panose="020B0606030804020204" pitchFamily="34" charset="0"/>
+                <a:cs typeface="DejaVu Sans Condensed" panose="020B0606030804020204" pitchFamily="34" charset="0"/>
+              </a:rPr>
+              <a:t>Une démarche bien huilé</a:t>
+            </a:r>
+          </a:p>
+          <a:p>
+            <a:pPr marL="285750" indent="-285750">
+              <a:buFont typeface="+mj-lt"/>
+              <a:buAutoNum type="romanUcPeriod"/>
+            </a:pPr>
+            <a:r>
+              <a:rPr lang="fr-FR" sz="1100" dirty="0">
+                <a:latin typeface="DejaVu Sans Condensed" panose="020B0606030804020204" pitchFamily="34" charset="0"/>
+                <a:ea typeface="DejaVu Sans Condensed" panose="020B0606030804020204" pitchFamily="34" charset="0"/>
+                <a:cs typeface="DejaVu Sans Condensed" panose="020B0606030804020204" pitchFamily="34" charset="0"/>
+              </a:rPr>
+              <a:t>Un projet professionnalisant</a:t>
+            </a:r>
+          </a:p>
+          <a:p>
+            <a:pPr marL="285750" indent="-285750">
+              <a:buFont typeface="+mj-lt"/>
+              <a:buAutoNum type="romanUcPeriod"/>
+            </a:pPr>
+            <a:r>
+              <a:rPr lang="fr-FR" sz="1100" dirty="0">
+                <a:solidFill>
+                  <a:srgbClr val="FF0000"/>
+                </a:solidFill>
+                <a:latin typeface="DejaVu Sans Condensed" panose="020B0606030804020204" pitchFamily="34" charset="0"/>
+                <a:ea typeface="DejaVu Sans Condensed" panose="020B0606030804020204" pitchFamily="34" charset="0"/>
+                <a:cs typeface="DejaVu Sans Condensed" panose="020B0606030804020204" pitchFamily="34" charset="0"/>
+              </a:rPr>
+              <a:t>Une organisation naissante</a:t>
+            </a:r>
+          </a:p>
+          <a:p>
+            <a:pPr marL="685800" lvl="1" indent="-228600">
+              <a:buFont typeface="+mj-lt"/>
+              <a:buAutoNum type="arabicPeriod"/>
+            </a:pPr>
+            <a:r>
+              <a:rPr lang="fr-FR" sz="1100" dirty="0">
+                <a:latin typeface="DejaVu Sans Condensed" panose="020B0606030804020204" pitchFamily="34" charset="0"/>
+                <a:ea typeface="DejaVu Sans Condensed" panose="020B0606030804020204" pitchFamily="34" charset="0"/>
+                <a:cs typeface="DejaVu Sans Condensed" panose="020B0606030804020204" pitchFamily="34" charset="0"/>
+              </a:rPr>
+              <a:t>Des difficultés peu impactantes</a:t>
+            </a:r>
+          </a:p>
+          <a:p>
+            <a:pPr marL="1143000" lvl="2" indent="-228600">
+              <a:buFont typeface="+mj-lt"/>
+              <a:buAutoNum type="alphaLcParenR"/>
+            </a:pPr>
+            <a:r>
+              <a:rPr lang="fr-FR" sz="1100" dirty="0">
+                <a:latin typeface="DejaVu Sans Condensed" panose="020B0606030804020204" pitchFamily="34" charset="0"/>
+                <a:ea typeface="DejaVu Sans Condensed" panose="020B0606030804020204" pitchFamily="34" charset="0"/>
+                <a:cs typeface="DejaVu Sans Condensed" panose="020B0606030804020204" pitchFamily="34" charset="0"/>
+              </a:rPr>
+              <a:t>La connexion WIFI</a:t>
+            </a:r>
+          </a:p>
+          <a:p>
+            <a:pPr marL="1143000" lvl="2" indent="-228600">
+              <a:buFont typeface="+mj-lt"/>
+              <a:buAutoNum type="alphaLcParenR"/>
+            </a:pPr>
+            <a:r>
+              <a:rPr lang="fr-FR" sz="1100" dirty="0">
+                <a:latin typeface="DejaVu Sans Condensed" panose="020B0606030804020204" pitchFamily="34" charset="0"/>
+                <a:ea typeface="DejaVu Sans Condensed" panose="020B0606030804020204" pitchFamily="34" charset="0"/>
+                <a:cs typeface="DejaVu Sans Condensed" panose="020B0606030804020204" pitchFamily="34" charset="0"/>
+              </a:rPr>
+              <a:t> </a:t>
+            </a:r>
+            <a:r>
+              <a:rPr lang="fr-FR" sz="1100" dirty="0" err="1">
+                <a:latin typeface="DejaVu Sans Condensed" panose="020B0606030804020204" pitchFamily="34" charset="0"/>
+                <a:ea typeface="DejaVu Sans Condensed" panose="020B0606030804020204" pitchFamily="34" charset="0"/>
+                <a:cs typeface="DejaVu Sans Condensed" panose="020B0606030804020204" pitchFamily="34" charset="0"/>
+              </a:rPr>
+              <a:t>ArgoUML</a:t>
+            </a:r>
+            <a:r>
+              <a:rPr lang="fr-FR" sz="1100" dirty="0">
+                <a:latin typeface="DejaVu Sans Condensed" panose="020B0606030804020204" pitchFamily="34" charset="0"/>
+                <a:ea typeface="DejaVu Sans Condensed" panose="020B0606030804020204" pitchFamily="34" charset="0"/>
+                <a:cs typeface="DejaVu Sans Condensed" panose="020B0606030804020204" pitchFamily="34" charset="0"/>
+              </a:rPr>
+              <a:t>, un logiciel instable</a:t>
+            </a:r>
+          </a:p>
+          <a:p>
+            <a:pPr marL="685800" lvl="1" indent="-228600">
+              <a:buFont typeface="+mj-lt"/>
+              <a:buAutoNum type="arabicPeriod"/>
+            </a:pPr>
+            <a:r>
+              <a:rPr lang="fr-FR" sz="1100" dirty="0">
+                <a:latin typeface="DejaVu Sans Condensed" panose="020B0606030804020204" pitchFamily="34" charset="0"/>
+                <a:ea typeface="DejaVu Sans Condensed" panose="020B0606030804020204" pitchFamily="34" charset="0"/>
+                <a:cs typeface="DejaVu Sans Condensed" panose="020B0606030804020204" pitchFamily="34" charset="0"/>
+              </a:rPr>
+              <a:t>Une équipe qui se connait</a:t>
+            </a:r>
+          </a:p>
+          <a:p>
+            <a:pPr marL="685800" lvl="1" indent="-228600">
+              <a:buFont typeface="+mj-lt"/>
+              <a:buAutoNum type="arabicPeriod"/>
+            </a:pPr>
+            <a:r>
+              <a:rPr lang="fr-FR" sz="1100" dirty="0">
+                <a:solidFill>
+                  <a:srgbClr val="FF0000"/>
+                </a:solidFill>
+                <a:latin typeface="DejaVu Sans Condensed" panose="020B0606030804020204" pitchFamily="34" charset="0"/>
+                <a:ea typeface="DejaVu Sans Condensed" panose="020B0606030804020204" pitchFamily="34" charset="0"/>
+                <a:cs typeface="DejaVu Sans Condensed" panose="020B0606030804020204" pitchFamily="34" charset="0"/>
+              </a:rPr>
+              <a:t>Pour la prochaine fois</a:t>
+            </a:r>
+          </a:p>
+          <a:p>
+            <a:pPr marL="1143000" lvl="2" indent="-228600">
+              <a:buFont typeface="+mj-lt"/>
+              <a:buAutoNum type="alphaLcParenR"/>
+            </a:pPr>
+            <a:r>
+              <a:rPr lang="fr-FR" sz="1100" dirty="0">
+                <a:latin typeface="DejaVu Sans Condensed" panose="020B0606030804020204" pitchFamily="34" charset="0"/>
+                <a:ea typeface="DejaVu Sans Condensed" panose="020B0606030804020204" pitchFamily="34" charset="0"/>
+                <a:cs typeface="DejaVu Sans Condensed" panose="020B0606030804020204" pitchFamily="34" charset="0"/>
+              </a:rPr>
+              <a:t>Des outils pour gagner du temps</a:t>
+            </a:r>
+          </a:p>
+          <a:p>
+            <a:pPr marL="1143000" lvl="2" indent="-228600">
+              <a:buFont typeface="+mj-lt"/>
+              <a:buAutoNum type="alphaLcParenR"/>
+            </a:pPr>
+            <a:r>
+              <a:rPr lang="fr-FR" sz="1100" dirty="0">
+                <a:solidFill>
+                  <a:srgbClr val="FF0000"/>
+                </a:solidFill>
+                <a:latin typeface="DejaVu Sans Condensed" panose="020B0606030804020204" pitchFamily="34" charset="0"/>
+                <a:ea typeface="DejaVu Sans Condensed" panose="020B0606030804020204" pitchFamily="34" charset="0"/>
+                <a:cs typeface="DejaVu Sans Condensed" panose="020B0606030804020204" pitchFamily="34" charset="0"/>
+              </a:rPr>
+              <a:t>Une organisation encore plus poussée</a:t>
+            </a:r>
+          </a:p>
+          <a:p>
+            <a:pPr marL="1143000" lvl="2" indent="-228600">
+              <a:buFont typeface="+mj-lt"/>
+              <a:buAutoNum type="alphaLcParenR"/>
+            </a:pPr>
+            <a:endParaRPr lang="fr-FR" sz="1100" dirty="0">
+              <a:latin typeface="DejaVu Sans Condensed" panose="020B0606030804020204" pitchFamily="34" charset="0"/>
+              <a:ea typeface="DejaVu Sans Condensed" panose="020B0606030804020204" pitchFamily="34" charset="0"/>
+              <a:cs typeface="DejaVu Sans Condensed" panose="020B0606030804020204" pitchFamily="34" charset="0"/>
+            </a:endParaRPr>
+          </a:p>
+          <a:p>
+            <a:pPr marL="685800" lvl="1" indent="-228600">
+              <a:buFont typeface="+mj-lt"/>
+              <a:buAutoNum type="arabicPeriod"/>
+            </a:pPr>
+            <a:endParaRPr lang="fr-FR" sz="1100" dirty="0">
+              <a:solidFill>
+                <a:srgbClr val="FF0000"/>
+              </a:solidFill>
+              <a:latin typeface="DejaVu Sans Condensed" panose="020B0606030804020204" pitchFamily="34" charset="0"/>
+              <a:ea typeface="DejaVu Sans Condensed" panose="020B0606030804020204" pitchFamily="34" charset="0"/>
+              <a:cs typeface="DejaVu Sans Condensed" panose="020B0606030804020204" pitchFamily="34" charset="0"/>
+            </a:endParaRPr>
+          </a:p>
+        </p:txBody>
+      </p:sp>
+      <p:sp>
+        <p:nvSpPr>
+          <p:cNvPr id="9" name="ZoneTexte 8">
+            <a:extLst>
+              <a:ext uri="{FF2B5EF4-FFF2-40B4-BE49-F238E27FC236}">
+                <a16:creationId xmlns:a16="http://schemas.microsoft.com/office/drawing/2014/main" id="{DFC0D305-5A64-483E-BAFE-82DA239972AE}"/>
+              </a:ext>
+            </a:extLst>
+          </p:cNvPr>
+          <p:cNvSpPr txBox="1"/>
+          <p:nvPr/>
+        </p:nvSpPr>
+        <p:spPr>
+          <a:xfrm>
+            <a:off x="10858499" y="6429375"/>
+            <a:ext cx="771123" cy="369332"/>
+          </a:xfrm>
+          <a:prstGeom prst="rect">
+            <a:avLst/>
+          </a:prstGeom>
+          <a:noFill/>
+        </p:spPr>
+        <p:txBody>
+          <a:bodyPr wrap="square" rtlCol="0">
+            <a:spAutoFit/>
+          </a:bodyPr>
+          <a:lstStyle/>
+          <a:p>
+            <a:r>
+              <a:rPr lang="fr-FR" dirty="0"/>
+              <a:t>14/15</a:t>
+            </a:r>
+          </a:p>
+        </p:txBody>
+      </p:sp>
+    </p:spTree>
+    <p:extLst>
+      <p:ext uri="{BB962C8B-B14F-4D97-AF65-F5344CB8AC3E}">
+        <p14:creationId xmlns:p14="http://schemas.microsoft.com/office/powerpoint/2010/main" val="3747935093"/>
+      </p:ext>
+    </p:extLst>
+  </p:cSld>
+  <p:clrMapOvr>
+    <a:masterClrMapping/>
+  </p:clrMapOvr>
+</p:sld>
+</file>
+
+<file path=ppt/slides/slide15.xml><?xml version="1.0" encoding="utf-8"?>
+<p:sld xmlns:a="http://schemas.openxmlformats.org/drawingml/2006/main" xmlns:r="http://schemas.openxmlformats.org/officeDocument/2006/relationships" xmlns:p="http://schemas.openxmlformats.org/presentationml/2006/main">
+  <p:cSld>
+    <p:spTree>
+      <p:nvGrpSpPr>
+        <p:cNvPr id="1" name=""/>
+        <p:cNvGrpSpPr/>
+        <p:nvPr/>
+      </p:nvGrpSpPr>
+      <p:grpSpPr>
+        <a:xfrm>
+          <a:off x="0" y="0"/>
+          <a:ext cx="0" cy="0"/>
+          <a:chOff x="0" y="0"/>
+          <a:chExt cx="0" cy="0"/>
+        </a:xfrm>
+      </p:grpSpPr>
+      <p:sp>
+        <p:nvSpPr>
+          <p:cNvPr id="3" name="ZoneTexte 2">
+            <a:extLst>
+              <a:ext uri="{FF2B5EF4-FFF2-40B4-BE49-F238E27FC236}">
+                <a16:creationId xmlns:a16="http://schemas.microsoft.com/office/drawing/2014/main" id="{8630A28E-7049-4BB1-BDCE-9CDFA0BE5C53}"/>
+              </a:ext>
+            </a:extLst>
+          </p:cNvPr>
+          <p:cNvSpPr txBox="1"/>
+          <p:nvPr/>
+        </p:nvSpPr>
+        <p:spPr>
+          <a:xfrm>
+            <a:off x="3187581" y="544125"/>
+            <a:ext cx="5281301" cy="523220"/>
+          </a:xfrm>
+          <a:prstGeom prst="rect">
+            <a:avLst/>
+          </a:prstGeom>
+          <a:noFill/>
+        </p:spPr>
+        <p:txBody>
+          <a:bodyPr wrap="square" rtlCol="0">
+            <a:spAutoFit/>
+          </a:bodyPr>
+          <a:lstStyle/>
+          <a:p>
+            <a:pPr algn="ctr"/>
+            <a:r>
+              <a:rPr lang="fr-FR" sz="2800" b="1" cap="small" dirty="0">
+                <a:solidFill>
+                  <a:srgbClr val="EA0000"/>
+                </a:solidFill>
+              </a:rPr>
+              <a:t>Conclusion</a:t>
+            </a:r>
+          </a:p>
+        </p:txBody>
+      </p:sp>
+      <p:sp>
+        <p:nvSpPr>
+          <p:cNvPr id="4" name="ZoneTexte 3">
+            <a:extLst>
+              <a:ext uri="{FF2B5EF4-FFF2-40B4-BE49-F238E27FC236}">
+                <a16:creationId xmlns:a16="http://schemas.microsoft.com/office/drawing/2014/main" id="{D38545B6-2492-439C-A9D1-6EBE1FFCBD26}"/>
+              </a:ext>
+            </a:extLst>
+          </p:cNvPr>
+          <p:cNvSpPr txBox="1"/>
+          <p:nvPr/>
+        </p:nvSpPr>
+        <p:spPr>
+          <a:xfrm>
+            <a:off x="10858499" y="6429375"/>
+            <a:ext cx="771123" cy="369332"/>
+          </a:xfrm>
+          <a:prstGeom prst="rect">
+            <a:avLst/>
+          </a:prstGeom>
+          <a:noFill/>
+        </p:spPr>
+        <p:txBody>
+          <a:bodyPr wrap="square" rtlCol="0">
+            <a:spAutoFit/>
+          </a:bodyPr>
+          <a:lstStyle/>
+          <a:p>
+            <a:r>
+              <a:rPr lang="fr-FR" dirty="0"/>
+              <a:t>15/15</a:t>
+            </a:r>
+          </a:p>
+        </p:txBody>
+      </p:sp>
+    </p:spTree>
+    <p:extLst>
+      <p:ext uri="{BB962C8B-B14F-4D97-AF65-F5344CB8AC3E}">
+        <p14:creationId xmlns:p14="http://schemas.microsoft.com/office/powerpoint/2010/main" val="1063936555"/>
+      </p:ext>
+    </p:extLst>
+  </p:cSld>
+  <p:clrMapOvr>
+    <a:masterClrMapping/>
+  </p:clrMapOvr>
 </p:sld>
 </file>
 
@@ -3232,7 +5209,7 @@
           <p:cNvPr id="3" name="ZoneTexte 2">
             <a:extLst>
               <a:ext uri="{FF2B5EF4-FFF2-40B4-BE49-F238E27FC236}">
-                <a16:creationId xmlns="" xmlns:a16="http://schemas.microsoft.com/office/drawing/2014/main" id="{8630A28E-7049-4BB1-BDCE-9CDFA0BE5C53}"/>
+                <a16:creationId xmlns:a16="http://schemas.microsoft.com/office/drawing/2014/main" id="{8630A28E-7049-4BB1-BDCE-9CDFA0BE5C53}"/>
               </a:ext>
             </a:extLst>
           </p:cNvPr>
@@ -3257,18 +5234,13 @@
           <a:p>
             <a:pPr algn="ctr"/>
             <a:r>
-              <a:rPr lang="fr-FR" sz="2800" b="1" cap="small" dirty="0" smtClean="0">
+              <a:rPr lang="fr-FR" sz="2800" b="1" cap="small" dirty="0">
                 <a:solidFill>
                   <a:srgbClr val="EA0000"/>
                 </a:solidFill>
               </a:rPr>
               <a:t>Sommaire</a:t>
             </a:r>
-            <a:endParaRPr lang="fr-FR" sz="2800" b="1" cap="small" dirty="0">
-              <a:solidFill>
-                <a:srgbClr val="EA0000"/>
-              </a:solidFill>
-            </a:endParaRPr>
           </a:p>
         </p:txBody>
       </p:sp>
@@ -3277,7 +5249,7 @@
           <p:cNvPr id="4" name="ZoneTexte 3">
             <a:extLst>
               <a:ext uri="{FF2B5EF4-FFF2-40B4-BE49-F238E27FC236}">
-                <a16:creationId xmlns="" xmlns:a16="http://schemas.microsoft.com/office/drawing/2014/main" id="{64B2A95B-D010-400C-ADB6-07D5F29DE351}"/>
+                <a16:creationId xmlns:a16="http://schemas.microsoft.com/office/drawing/2014/main" id="{64B2A95B-D010-400C-ADB6-07D5F29DE351}"/>
               </a:ext>
             </a:extLst>
           </p:cNvPr>
@@ -3286,8 +5258,8 @@
         </p:nvSpPr>
         <p:spPr>
           <a:xfrm>
-            <a:off x="3471014" y="1412617"/>
-            <a:ext cx="4714434" cy="5293757"/>
+            <a:off x="973507" y="2021340"/>
+            <a:ext cx="5402530" cy="3662541"/>
           </a:xfrm>
           <a:prstGeom prst="rect">
             <a:avLst/>
@@ -3305,103 +5277,186 @@
               <a:buAutoNum type="romanUcPeriod"/>
             </a:pPr>
             <a:r>
-              <a:rPr lang="fr-FR" sz="2400" b="1" cap="small" dirty="0" smtClean="0">
+              <a:rPr lang="fr-FR" sz="2400" b="1" cap="small" dirty="0">
                 <a:solidFill>
                   <a:srgbClr val="FF0000"/>
                 </a:solidFill>
               </a:rPr>
               <a:t>Une démarche bien huilée</a:t>
             </a:r>
-            <a:endParaRPr lang="fr-FR" sz="2400" b="1" cap="small" dirty="0">
+          </a:p>
+          <a:p>
+            <a:pPr marL="914400" lvl="1" indent="-457200">
+              <a:buFont typeface="+mj-lt"/>
+              <a:buAutoNum type="arabicPeriod"/>
+            </a:pPr>
+            <a:r>
+              <a:rPr lang="fr-FR" b="1" dirty="0"/>
+              <a:t>Nos outils</a:t>
+            </a:r>
+          </a:p>
+          <a:p>
+            <a:pPr marL="914400" lvl="1" indent="-457200">
+              <a:buFont typeface="+mj-lt"/>
+              <a:buAutoNum type="arabicPeriod"/>
+            </a:pPr>
+            <a:r>
+              <a:rPr lang="fr-FR" b="1" dirty="0"/>
+              <a:t>Retour sur la conception</a:t>
+            </a:r>
+          </a:p>
+          <a:p>
+            <a:pPr marL="1371600" lvl="2" indent="-457200">
+              <a:buFont typeface="+mj-lt"/>
+              <a:buAutoNum type="alphaLcPeriod"/>
+            </a:pPr>
+            <a:r>
+              <a:rPr lang="fr-FR" sz="1600" dirty="0"/>
+              <a:t>La gestion des erreurs XML</a:t>
+            </a:r>
+          </a:p>
+          <a:p>
+            <a:pPr marL="1371600" lvl="2" indent="-457200">
+              <a:buFont typeface="+mj-lt"/>
+              <a:buAutoNum type="alphaLcPeriod"/>
+            </a:pPr>
+            <a:r>
+              <a:rPr lang="fr-FR" sz="1600" dirty="0"/>
+              <a:t>L’élément « Tableau »</a:t>
+            </a:r>
+          </a:p>
+          <a:p>
+            <a:endParaRPr lang="fr-FR" sz="2000" dirty="0"/>
+          </a:p>
+          <a:p>
+            <a:pPr marL="514350" indent="-514350">
+              <a:buAutoNum type="romanUcPeriod" startAt="2"/>
+            </a:pPr>
+            <a:r>
+              <a:rPr lang="fr-FR" sz="2400" b="1" cap="small" dirty="0">
+                <a:solidFill>
+                  <a:srgbClr val="FF0000"/>
+                </a:solidFill>
+              </a:rPr>
+              <a:t>Un Projet professionnalisant</a:t>
+            </a:r>
+          </a:p>
+          <a:p>
+            <a:pPr marL="914400" lvl="1" indent="-457200">
+              <a:buFont typeface="+mj-lt"/>
+              <a:buAutoNum type="arabicPeriod"/>
+            </a:pPr>
+            <a:r>
+              <a:rPr lang="fr-FR" b="1" dirty="0"/>
+              <a:t>Nos premières rencontres professionnelles</a:t>
+            </a:r>
+          </a:p>
+          <a:p>
+            <a:pPr marL="914400" lvl="1" indent="-457200">
+              <a:buFont typeface="+mj-lt"/>
+              <a:buAutoNum type="arabicPeriod"/>
+            </a:pPr>
+            <a:r>
+              <a:rPr lang="fr-FR" b="1" dirty="0"/>
+              <a:t>Notre premier cahier des charges</a:t>
+            </a:r>
+          </a:p>
+          <a:p>
+            <a:pPr marL="914400" lvl="1" indent="-457200">
+              <a:buFont typeface="+mj-lt"/>
+              <a:buAutoNum type="arabicPeriod"/>
+            </a:pPr>
+            <a:r>
+              <a:rPr lang="fr-FR" b="1" dirty="0"/>
+              <a:t>Un programme « user-</a:t>
+            </a:r>
+            <a:r>
+              <a:rPr lang="fr-FR" b="1" dirty="0" err="1"/>
+              <a:t>friendly</a:t>
+            </a:r>
+            <a:r>
+              <a:rPr lang="fr-FR" b="1" dirty="0"/>
+              <a:t> »</a:t>
+            </a:r>
+          </a:p>
+          <a:p>
+            <a:pPr marL="914400" lvl="1" indent="-457200">
+              <a:buFont typeface="+mj-lt"/>
+              <a:buAutoNum type="arabicPeriod"/>
+            </a:pPr>
+            <a:endParaRPr lang="fr-FR" sz="2400" dirty="0">
               <a:solidFill>
                 <a:srgbClr val="FF0000"/>
               </a:solidFill>
             </a:endParaRPr>
           </a:p>
           <a:p>
-            <a:pPr marL="914400" lvl="1" indent="-457200">
-              <a:buFont typeface="+mj-lt"/>
-              <a:buAutoNum type="arabicPeriod"/>
-            </a:pPr>
-            <a:r>
-              <a:rPr lang="fr-FR" b="1" dirty="0" smtClean="0"/>
-              <a:t>Nos outils</a:t>
-            </a:r>
-          </a:p>
-          <a:p>
-            <a:pPr marL="914400" lvl="1" indent="-457200">
-              <a:buFont typeface="+mj-lt"/>
-              <a:buAutoNum type="arabicPeriod"/>
-            </a:pPr>
-            <a:r>
-              <a:rPr lang="fr-FR" b="1" dirty="0" smtClean="0"/>
-              <a:t>Retour sur la conception</a:t>
-            </a:r>
-          </a:p>
-          <a:p>
-            <a:pPr marL="1371600" lvl="2" indent="-457200">
-              <a:buFont typeface="+mj-lt"/>
-              <a:buAutoNum type="alphaLcPeriod"/>
-            </a:pPr>
-            <a:r>
-              <a:rPr lang="fr-FR" sz="1600" dirty="0" smtClean="0"/>
-              <a:t>La gestion des erreurs XML</a:t>
-            </a:r>
-          </a:p>
-          <a:p>
-            <a:pPr marL="1371600" lvl="2" indent="-457200">
-              <a:buFont typeface="+mj-lt"/>
-              <a:buAutoNum type="alphaLcPeriod"/>
-            </a:pPr>
-            <a:r>
-              <a:rPr lang="fr-FR" sz="1600" dirty="0"/>
-              <a:t>L’élément « Tableau </a:t>
-            </a:r>
-            <a:r>
-              <a:rPr lang="fr-FR" sz="1600" dirty="0" smtClean="0"/>
-              <a:t>»</a:t>
-            </a:r>
-          </a:p>
-          <a:p>
-            <a:endParaRPr lang="fr-FR" sz="2000" dirty="0"/>
-          </a:p>
-          <a:p>
-            <a:pPr marL="514350" indent="-514350">
-              <a:buAutoNum type="romanUcPeriod" startAt="2"/>
-            </a:pPr>
-            <a:r>
-              <a:rPr lang="fr-FR" sz="2400" b="1" cap="small" dirty="0" smtClean="0">
-                <a:solidFill>
-                  <a:srgbClr val="FF0000"/>
-                </a:solidFill>
-              </a:rPr>
-              <a:t>Un Projet professionnalisant</a:t>
-            </a:r>
-            <a:endParaRPr lang="fr-FR" sz="2400" b="1" cap="small" dirty="0" smtClean="0">
-              <a:solidFill>
-                <a:srgbClr val="FF0000"/>
-              </a:solidFill>
-            </a:endParaRPr>
-          </a:p>
-          <a:p>
-            <a:pPr marL="914400" lvl="1" indent="-457200">
-              <a:buFont typeface="+mj-lt"/>
-              <a:buAutoNum type="arabicPeriod"/>
-            </a:pPr>
-            <a:r>
-              <a:rPr lang="fr-FR" b="1" dirty="0" smtClean="0"/>
-              <a:t>Notre premier cahier des charges</a:t>
-            </a:r>
-            <a:endParaRPr lang="fr-FR" b="1" dirty="0" smtClean="0"/>
-          </a:p>
-          <a:p>
-            <a:pPr lvl="1"/>
-            <a:endParaRPr lang="fr-FR" sz="2400" dirty="0" smtClean="0">
-              <a:solidFill>
-                <a:srgbClr val="FF0000"/>
-              </a:solidFill>
-            </a:endParaRPr>
-          </a:p>
+            <a:endParaRPr lang="fr-FR" dirty="0"/>
+          </a:p>
+        </p:txBody>
+      </p:sp>
+      <p:sp>
+        <p:nvSpPr>
+          <p:cNvPr id="5" name="ZoneTexte 4">
+            <a:extLst>
+              <a:ext uri="{FF2B5EF4-FFF2-40B4-BE49-F238E27FC236}">
+                <a16:creationId xmlns:a16="http://schemas.microsoft.com/office/drawing/2014/main" id="{9EBD1055-AF6A-4F72-9530-A3095818B3CA}"/>
+              </a:ext>
+            </a:extLst>
+          </p:cNvPr>
+          <p:cNvSpPr txBox="1"/>
+          <p:nvPr/>
+        </p:nvSpPr>
+        <p:spPr>
+          <a:xfrm>
+            <a:off x="10858500" y="6429375"/>
+            <a:ext cx="723900" cy="369332"/>
+          </a:xfrm>
+          <a:prstGeom prst="rect">
+            <a:avLst/>
+          </a:prstGeom>
+          <a:noFill/>
+        </p:spPr>
+        <p:txBody>
+          <a:bodyPr wrap="square" rtlCol="0">
+            <a:spAutoFit/>
+          </a:bodyPr>
+          <a:lstStyle/>
+          <a:p>
+            <a:r>
+              <a:rPr lang="fr-FR" dirty="0"/>
+              <a:t>2/15</a:t>
+            </a:r>
+          </a:p>
+        </p:txBody>
+      </p:sp>
+      <p:sp>
+        <p:nvSpPr>
+          <p:cNvPr id="2" name="ZoneTexte 1">
+            <a:extLst>
+              <a:ext uri="{FF2B5EF4-FFF2-40B4-BE49-F238E27FC236}">
+                <a16:creationId xmlns:a16="http://schemas.microsoft.com/office/drawing/2014/main" id="{147700DF-7B90-43B8-B118-B109B71E04EA}"/>
+              </a:ext>
+            </a:extLst>
+          </p:cNvPr>
+          <p:cNvSpPr txBox="1"/>
+          <p:nvPr/>
+        </p:nvSpPr>
+        <p:spPr>
+          <a:xfrm>
+            <a:off x="6723387" y="2021340"/>
+            <a:ext cx="4859013" cy="2446824"/>
+          </a:xfrm>
+          <a:prstGeom prst="rect">
+            <a:avLst/>
+          </a:prstGeom>
+          <a:noFill/>
+        </p:spPr>
+        <p:txBody>
+          <a:bodyPr wrap="square" rtlCol="0">
+            <a:spAutoFit/>
+          </a:bodyPr>
+          <a:lstStyle/>
           <a:p>
             <a:pPr marL="514350" indent="-514350">
               <a:buAutoNum type="romanUcPeriod" startAt="2"/>
@@ -3412,147 +5467,97 @@
                   <a:srgbClr val="FF0000"/>
                 </a:solidFill>
               </a:rPr>
-              <a:t>Une </a:t>
-            </a:r>
-            <a:r>
-              <a:rPr lang="fr-FR" sz="2400" b="1" cap="small" dirty="0" smtClean="0">
-                <a:solidFill>
-                  <a:srgbClr val="FF0000"/>
-                </a:solidFill>
-              </a:rPr>
-              <a:t>organisation naissante</a:t>
-            </a:r>
-            <a:endParaRPr lang="fr-FR" sz="2400" b="1" cap="small" dirty="0">
+              <a:t>Une organisation naissante</a:t>
+            </a:r>
+          </a:p>
+          <a:p>
+            <a:pPr marL="914400" lvl="1" indent="-457200">
+              <a:buFont typeface="+mj-lt"/>
+              <a:buAutoNum type="arabicPeriod"/>
+            </a:pPr>
+            <a:r>
+              <a:rPr lang="fr-FR" b="1" dirty="0"/>
+              <a:t>Des difficultés peu impactantes</a:t>
+            </a:r>
+          </a:p>
+          <a:p>
+            <a:pPr marL="1371600" lvl="2" indent="-457200">
+              <a:buFont typeface="+mj-lt"/>
+              <a:buAutoNum type="alphaLcPeriod"/>
+            </a:pPr>
+            <a:r>
+              <a:rPr lang="fr-FR" sz="1600" dirty="0"/>
+              <a:t>La connexion Wi-Fi</a:t>
+            </a:r>
+          </a:p>
+          <a:p>
+            <a:pPr marL="1371600" lvl="2" indent="-457200">
+              <a:buFont typeface="+mj-lt"/>
+              <a:buAutoNum type="alphaLcPeriod"/>
+            </a:pPr>
+            <a:r>
+              <a:rPr lang="fr-FR" sz="1600" dirty="0" err="1"/>
+              <a:t>ArgoUML</a:t>
+            </a:r>
+            <a:r>
+              <a:rPr lang="fr-FR" sz="1600" dirty="0"/>
+              <a:t>, un logiciel instable</a:t>
+            </a:r>
+            <a:endParaRPr lang="fr-FR" b="1" dirty="0"/>
+          </a:p>
+          <a:p>
+            <a:pPr marL="914400" lvl="1" indent="-457200">
+              <a:buFont typeface="+mj-lt"/>
+              <a:buAutoNum type="arabicPeriod"/>
+            </a:pPr>
+            <a:r>
+              <a:rPr lang="fr-FR" b="1" dirty="0"/>
+              <a:t>Une équipe qui se connaît</a:t>
+            </a:r>
+          </a:p>
+          <a:p>
+            <a:pPr marL="914400" lvl="1" indent="-457200">
+              <a:buFont typeface="+mj-lt"/>
+              <a:buAutoNum type="arabicPeriod"/>
+            </a:pPr>
+            <a:r>
+              <a:rPr lang="fr-FR" b="1" dirty="0"/>
+              <a:t>Pour la prochaine fois...</a:t>
+            </a:r>
+          </a:p>
+          <a:p>
+            <a:pPr marL="1371600" lvl="2" indent="-457200">
+              <a:buFont typeface="+mj-lt"/>
+              <a:buAutoNum type="alphaLcPeriod"/>
+            </a:pPr>
+            <a:r>
+              <a:rPr lang="fr-FR" sz="1600" dirty="0"/>
+              <a:t>Des outils pour gagner du temps</a:t>
+            </a:r>
+          </a:p>
+          <a:p>
+            <a:pPr marL="1371600" lvl="2" indent="-457200">
+              <a:buFont typeface="+mj-lt"/>
+              <a:buAutoNum type="alphaLcPeriod"/>
+            </a:pPr>
+            <a:r>
+              <a:rPr lang="fr-FR" sz="1600" dirty="0"/>
+              <a:t>Une organisation encore plus poussée</a:t>
+            </a:r>
+          </a:p>
+          <a:p>
+            <a:pPr marL="285750" indent="-285750">
+              <a:buFont typeface="+mj-lt"/>
+              <a:buAutoNum type="romanUcPeriod"/>
+            </a:pPr>
+            <a:endParaRPr lang="fr-FR" sz="1100" dirty="0" err="1">
               <a:solidFill>
                 <a:srgbClr val="FF0000"/>
               </a:solidFill>
+              <a:latin typeface="DejaVu Sans Condensed" panose="020B0606030804020204" pitchFamily="34" charset="0"/>
+              <a:ea typeface="DejaVu Sans Condensed" panose="020B0606030804020204" pitchFamily="34" charset="0"/>
+              <a:cs typeface="DejaVu Sans Condensed" panose="020B0606030804020204" pitchFamily="34" charset="0"/>
             </a:endParaRPr>
-          </a:p>
-          <a:p>
-            <a:pPr marL="914400" lvl="1" indent="-457200">
-              <a:buFont typeface="+mj-lt"/>
-              <a:buAutoNum type="arabicPeriod"/>
-            </a:pPr>
-            <a:r>
-              <a:rPr lang="fr-FR" b="1" dirty="0" smtClean="0"/>
-              <a:t>Des difficultés peu </a:t>
-            </a:r>
-            <a:r>
-              <a:rPr lang="fr-FR" b="1" dirty="0" smtClean="0"/>
-              <a:t>impactantes</a:t>
-            </a:r>
-          </a:p>
-          <a:p>
-            <a:pPr marL="1371600" lvl="2" indent="-457200">
-              <a:buFont typeface="+mj-lt"/>
-              <a:buAutoNum type="alphaLcPeriod"/>
-            </a:pPr>
-            <a:r>
-              <a:rPr lang="fr-FR" sz="1600" dirty="0"/>
-              <a:t>La connexion Wi-Fi</a:t>
-            </a:r>
-          </a:p>
-          <a:p>
-            <a:pPr marL="1371600" lvl="2" indent="-457200">
-              <a:buFont typeface="+mj-lt"/>
-              <a:buAutoNum type="alphaLcPeriod"/>
-            </a:pPr>
-            <a:r>
-              <a:rPr lang="fr-FR" sz="1600" dirty="0" err="1"/>
-              <a:t>ArgoUML</a:t>
-            </a:r>
-            <a:r>
-              <a:rPr lang="fr-FR" sz="1600" dirty="0"/>
-              <a:t>, un logiciel </a:t>
-            </a:r>
-            <a:r>
-              <a:rPr lang="fr-FR" sz="1600" dirty="0" smtClean="0"/>
-              <a:t>instable</a:t>
-            </a:r>
-            <a:endParaRPr lang="fr-FR" b="1" dirty="0" smtClean="0"/>
-          </a:p>
-          <a:p>
-            <a:pPr marL="914400" lvl="1" indent="-457200">
-              <a:buFont typeface="+mj-lt"/>
-              <a:buAutoNum type="arabicPeriod"/>
-            </a:pPr>
-            <a:r>
-              <a:rPr lang="fr-FR" b="1" dirty="0" smtClean="0"/>
-              <a:t>Une équipe qui se connaît</a:t>
-            </a:r>
-            <a:endParaRPr lang="fr-FR" b="1" dirty="0" smtClean="0"/>
-          </a:p>
-          <a:p>
-            <a:pPr marL="914400" lvl="1" indent="-457200">
-              <a:buFont typeface="+mj-lt"/>
-              <a:buAutoNum type="arabicPeriod"/>
-            </a:pPr>
-            <a:r>
-              <a:rPr lang="fr-FR" b="1" dirty="0" smtClean="0"/>
-              <a:t>Pour </a:t>
-            </a:r>
-            <a:r>
-              <a:rPr lang="fr-FR" b="1" dirty="0" smtClean="0"/>
-              <a:t>la prochaine fois...</a:t>
-            </a:r>
-          </a:p>
-          <a:p>
-            <a:pPr marL="1371600" lvl="2" indent="-457200">
-              <a:buFont typeface="+mj-lt"/>
-              <a:buAutoNum type="alphaLcPeriod"/>
-            </a:pPr>
-            <a:r>
-              <a:rPr lang="fr-FR" sz="1600" dirty="0" smtClean="0"/>
-              <a:t>Des outils pour gagner du temps</a:t>
-            </a:r>
-          </a:p>
-          <a:p>
-            <a:pPr marL="1371600" lvl="2" indent="-457200">
-              <a:buFont typeface="+mj-lt"/>
-              <a:buAutoNum type="alphaLcPeriod"/>
-            </a:pPr>
-            <a:r>
-              <a:rPr lang="fr-FR" sz="1600" dirty="0" smtClean="0"/>
-              <a:t>Une organisation encore plus poussée</a:t>
-            </a:r>
-          </a:p>
-          <a:p>
-            <a:endParaRPr lang="fr-FR" dirty="0"/>
-          </a:p>
-        </p:txBody>
-      </p:sp>
-      <p:sp>
-        <p:nvSpPr>
-          <p:cNvPr id="5" name="ZoneTexte 4">
-            <a:extLst>
-              <a:ext uri="{FF2B5EF4-FFF2-40B4-BE49-F238E27FC236}">
-                <a16:creationId xmlns="" xmlns:a16="http://schemas.microsoft.com/office/drawing/2014/main" id="{9EBD1055-AF6A-4F72-9530-A3095818B3CA}"/>
-              </a:ext>
-            </a:extLst>
-          </p:cNvPr>
-          <p:cNvSpPr txBox="1"/>
-          <p:nvPr/>
-        </p:nvSpPr>
-        <p:spPr>
-          <a:xfrm>
-            <a:off x="10858500" y="6429375"/>
-            <a:ext cx="723900" cy="369332"/>
-          </a:xfrm>
-          <a:prstGeom prst="rect">
-            <a:avLst/>
-          </a:prstGeom>
-          <a:noFill/>
-        </p:spPr>
-        <p:txBody>
-          <a:bodyPr wrap="square" rtlCol="0">
-            <a:spAutoFit/>
-          </a:bodyPr>
-          <a:lstStyle/>
-          <a:p>
-            <a:r>
-              <a:rPr lang="fr-FR" dirty="0"/>
-              <a:t>2/10</a:t>
-            </a:r>
           </a:p>
         </p:txBody>
       </p:sp>
@@ -3566,13 +5571,6 @@
   <p:clrMapOvr>
     <a:masterClrMapping/>
   </p:clrMapOvr>
-  <p:timing>
-    <p:tnLst>
-      <p:par>
-        <p:cTn id="1" dur="indefinite" restart="never" nodeType="tmRoot"/>
-      </p:par>
-    </p:tnLst>
-  </p:timing>
 </p:sld>
 </file>
 
@@ -3598,7 +5596,7 @@
           <p:cNvPr id="3" name="ZoneTexte 2">
             <a:extLst>
               <a:ext uri="{FF2B5EF4-FFF2-40B4-BE49-F238E27FC236}">
-                <a16:creationId xmlns="" xmlns:a16="http://schemas.microsoft.com/office/drawing/2014/main" id="{8630A28E-7049-4BB1-BDCE-9CDFA0BE5C53}"/>
+                <a16:creationId xmlns:a16="http://schemas.microsoft.com/office/drawing/2014/main" id="{8630A28E-7049-4BB1-BDCE-9CDFA0BE5C53}"/>
               </a:ext>
             </a:extLst>
           </p:cNvPr>
@@ -3638,7 +5636,7 @@
           <p:cNvPr id="5" name="ZoneTexte 4">
             <a:extLst>
               <a:ext uri="{FF2B5EF4-FFF2-40B4-BE49-F238E27FC236}">
-                <a16:creationId xmlns="" xmlns:a16="http://schemas.microsoft.com/office/drawing/2014/main" id="{9EBD1055-AF6A-4F72-9530-A3095818B3CA}"/>
+                <a16:creationId xmlns:a16="http://schemas.microsoft.com/office/drawing/2014/main" id="{9EBD1055-AF6A-4F72-9530-A3095818B3CA}"/>
               </a:ext>
             </a:extLst>
           </p:cNvPr>
@@ -3663,7 +5661,7 @@
           <a:p>
             <a:r>
               <a:rPr lang="fr-FR" dirty="0"/>
-              <a:t>2/10</a:t>
+              <a:t>3/15</a:t>
             </a:r>
           </a:p>
         </p:txBody>
@@ -3720,7 +5718,7 @@
           <a:lstStyle/>
           <a:p>
             <a:r>
-              <a:rPr lang="fr-FR" sz="1100" b="1" dirty="0" smtClean="0">
+              <a:rPr lang="fr-FR" sz="1100" b="1" dirty="0">
                 <a:solidFill>
                   <a:schemeClr val="bg1">
                     <a:lumMod val="50000"/>
@@ -3763,7 +5761,7 @@
               </a:lnSpc>
             </a:pPr>
             <a:r>
-              <a:rPr lang="fr-FR" sz="2200" b="1" dirty="0" smtClean="0">
+              <a:rPr lang="fr-FR" sz="2200" b="1" dirty="0">
                 <a:ea typeface="DejaVu Sans Condensed" panose="020B0606030804020204" pitchFamily="34" charset="0"/>
                 <a:cs typeface="DejaVu Sans Condensed" panose="020B0606030804020204" pitchFamily="34" charset="0"/>
               </a:rPr>
@@ -3776,7 +5774,7 @@
               <a:buChar char="§"/>
             </a:pPr>
             <a:r>
-              <a:rPr lang="fr-FR" dirty="0" smtClean="0">
+              <a:rPr lang="fr-FR" dirty="0">
                 <a:ea typeface="DejaVu Sans Condensed" panose="020B0606030804020204" pitchFamily="34" charset="0"/>
                 <a:cs typeface="DejaVu Sans Condensed" panose="020B0606030804020204" pitchFamily="34" charset="0"/>
               </a:rPr>
@@ -3789,7 +5787,7 @@
               <a:buChar char="§"/>
             </a:pPr>
             <a:r>
-              <a:rPr lang="fr-FR" dirty="0" smtClean="0">
+              <a:rPr lang="fr-FR" dirty="0">
                 <a:ea typeface="DejaVu Sans Condensed" panose="020B0606030804020204" pitchFamily="34" charset="0"/>
                 <a:cs typeface="DejaVu Sans Condensed" panose="020B0606030804020204" pitchFamily="34" charset="0"/>
               </a:rPr>
@@ -3808,13 +5806,6 @@
   <p:clrMapOvr>
     <a:masterClrMapping/>
   </p:clrMapOvr>
-  <p:timing>
-    <p:tnLst>
-      <p:par>
-        <p:cTn id="1" dur="indefinite" restart="never" nodeType="tmRoot"/>
-      </p:par>
-    </p:tnLst>
-  </p:timing>
 </p:sld>
 </file>
 
@@ -3837,30 +5828,625 @@
       </p:grpSpPr>
       <p:sp>
         <p:nvSpPr>
-          <p:cNvPr id="6" name="Rectangle à coins arrondis 5"/>
+          <p:cNvPr id="5" name="ZoneTexte 4">
+            <a:extLst>
+              <a:ext uri="{FF2B5EF4-FFF2-40B4-BE49-F238E27FC236}">
+                <a16:creationId xmlns:a16="http://schemas.microsoft.com/office/drawing/2014/main" id="{F3ADFA8B-9444-49C0-B723-BB0A8C5F043A}"/>
+              </a:ext>
+            </a:extLst>
+          </p:cNvPr>
+          <p:cNvSpPr txBox="1"/>
+          <p:nvPr/>
+        </p:nvSpPr>
+        <p:spPr>
+          <a:xfrm>
+            <a:off x="449035" y="574158"/>
+            <a:ext cx="3051714" cy="1277273"/>
+          </a:xfrm>
+          <a:prstGeom prst="rect">
+            <a:avLst/>
+          </a:prstGeom>
+          <a:noFill/>
+        </p:spPr>
+        <p:txBody>
+          <a:bodyPr wrap="square" rtlCol="0">
+            <a:spAutoFit/>
+          </a:bodyPr>
+          <a:lstStyle/>
+          <a:p>
+            <a:pPr marL="285750" indent="-285750">
+              <a:buFont typeface="+mj-lt"/>
+              <a:buAutoNum type="romanUcPeriod"/>
+            </a:pPr>
+            <a:r>
+              <a:rPr lang="fr-FR" sz="1100" dirty="0">
+                <a:solidFill>
+                  <a:srgbClr val="EA0000"/>
+                </a:solidFill>
+                <a:latin typeface="DejaVu Sans Condensed" panose="020B0606030804020204" pitchFamily="34" charset="0"/>
+                <a:ea typeface="DejaVu Sans Condensed" panose="020B0606030804020204" pitchFamily="34" charset="0"/>
+                <a:cs typeface="DejaVu Sans Condensed" panose="020B0606030804020204" pitchFamily="34" charset="0"/>
+              </a:rPr>
+              <a:t>Une démarche bien huilé</a:t>
+            </a:r>
+          </a:p>
+          <a:p>
+            <a:pPr marL="685800" lvl="1" indent="-228600">
+              <a:buFont typeface="+mj-lt"/>
+              <a:buAutoNum type="arabicPeriod"/>
+            </a:pPr>
+            <a:r>
+              <a:rPr lang="fr-FR" sz="1100" dirty="0">
+                <a:solidFill>
+                  <a:srgbClr val="EA0000"/>
+                </a:solidFill>
+                <a:latin typeface="DejaVu Sans Condensed" panose="020B0606030804020204" pitchFamily="34" charset="0"/>
+                <a:ea typeface="DejaVu Sans Condensed" panose="020B0606030804020204" pitchFamily="34" charset="0"/>
+                <a:cs typeface="DejaVu Sans Condensed" panose="020B0606030804020204" pitchFamily="34" charset="0"/>
+              </a:rPr>
+              <a:t>Nos outils</a:t>
+            </a:r>
+          </a:p>
+          <a:p>
+            <a:pPr marL="685800" lvl="1" indent="-228600">
+              <a:buFont typeface="+mj-lt"/>
+              <a:buAutoNum type="arabicPeriod"/>
+            </a:pPr>
+            <a:r>
+              <a:rPr lang="fr-FR" sz="1100" dirty="0">
+                <a:latin typeface="DejaVu Sans Condensed" panose="020B0606030804020204" pitchFamily="34" charset="0"/>
+                <a:ea typeface="DejaVu Sans Condensed" panose="020B0606030804020204" pitchFamily="34" charset="0"/>
+                <a:cs typeface="DejaVu Sans Condensed" panose="020B0606030804020204" pitchFamily="34" charset="0"/>
+              </a:rPr>
+              <a:t>Retour sur la conception</a:t>
+            </a:r>
+          </a:p>
+          <a:p>
+            <a:pPr marL="1143000" lvl="2" indent="-228600">
+              <a:buFont typeface="+mj-lt"/>
+              <a:buAutoNum type="alphaLcParenR"/>
+            </a:pPr>
+            <a:r>
+              <a:rPr lang="fr-FR" sz="1100" dirty="0">
+                <a:latin typeface="DejaVu Sans Condensed" panose="020B0606030804020204" pitchFamily="34" charset="0"/>
+                <a:ea typeface="DejaVu Sans Condensed" panose="020B0606030804020204" pitchFamily="34" charset="0"/>
+                <a:cs typeface="DejaVu Sans Condensed" panose="020B0606030804020204" pitchFamily="34" charset="0"/>
+              </a:rPr>
+              <a:t>La gestion des erreurs XML</a:t>
+            </a:r>
+          </a:p>
+          <a:p>
+            <a:pPr marL="1143000" lvl="2" indent="-228600">
+              <a:buFont typeface="+mj-lt"/>
+              <a:buAutoNum type="alphaLcParenR"/>
+            </a:pPr>
+            <a:r>
+              <a:rPr lang="fr-FR" sz="1100" dirty="0">
+                <a:latin typeface="DejaVu Sans Condensed" panose="020B0606030804020204" pitchFamily="34" charset="0"/>
+                <a:ea typeface="DejaVu Sans Condensed" panose="020B0606030804020204" pitchFamily="34" charset="0"/>
+                <a:cs typeface="DejaVu Sans Condensed" panose="020B0606030804020204" pitchFamily="34" charset="0"/>
+              </a:rPr>
+              <a:t>L’élément « Tableau »</a:t>
+            </a:r>
+          </a:p>
+          <a:p>
+            <a:pPr marL="285750" indent="-285750">
+              <a:buFont typeface="+mj-lt"/>
+              <a:buAutoNum type="romanUcPeriod"/>
+            </a:pPr>
+            <a:r>
+              <a:rPr lang="fr-FR" sz="1100" dirty="0">
+                <a:latin typeface="DejaVu Sans Condensed" panose="020B0606030804020204" pitchFamily="34" charset="0"/>
+                <a:ea typeface="DejaVu Sans Condensed" panose="020B0606030804020204" pitchFamily="34" charset="0"/>
+                <a:cs typeface="DejaVu Sans Condensed" panose="020B0606030804020204" pitchFamily="34" charset="0"/>
+              </a:rPr>
+              <a:t>Un projet professionnalisant</a:t>
+            </a:r>
+          </a:p>
+          <a:p>
+            <a:pPr marL="285750" indent="-285750">
+              <a:buFont typeface="+mj-lt"/>
+              <a:buAutoNum type="romanUcPeriod"/>
+            </a:pPr>
+            <a:r>
+              <a:rPr lang="fr-FR" sz="1100" dirty="0">
+                <a:latin typeface="DejaVu Sans Condensed" panose="020B0606030804020204" pitchFamily="34" charset="0"/>
+                <a:ea typeface="DejaVu Sans Condensed" panose="020B0606030804020204" pitchFamily="34" charset="0"/>
+                <a:cs typeface="DejaVu Sans Condensed" panose="020B0606030804020204" pitchFamily="34" charset="0"/>
+              </a:rPr>
+              <a:t>Une organisation naissante</a:t>
+            </a:r>
+          </a:p>
+        </p:txBody>
+      </p:sp>
+      <p:sp>
+        <p:nvSpPr>
+          <p:cNvPr id="9" name="ZoneTexte 8">
+            <a:extLst>
+              <a:ext uri="{FF2B5EF4-FFF2-40B4-BE49-F238E27FC236}">
+                <a16:creationId xmlns:a16="http://schemas.microsoft.com/office/drawing/2014/main" id="{727F412D-145E-41E0-96F7-64D3EB5C1222}"/>
+              </a:ext>
+            </a:extLst>
+          </p:cNvPr>
+          <p:cNvSpPr txBox="1"/>
+          <p:nvPr/>
+        </p:nvSpPr>
+        <p:spPr>
+          <a:xfrm>
+            <a:off x="10858500" y="6429375"/>
+            <a:ext cx="647700" cy="369332"/>
+          </a:xfrm>
+          <a:prstGeom prst="rect">
+            <a:avLst/>
+          </a:prstGeom>
+          <a:noFill/>
+        </p:spPr>
+        <p:txBody>
+          <a:bodyPr wrap="square" rtlCol="0">
+            <a:spAutoFit/>
+          </a:bodyPr>
+          <a:lstStyle/>
+          <a:p>
+            <a:r>
+              <a:rPr lang="fr-FR" dirty="0"/>
+              <a:t>4/15</a:t>
+            </a:r>
+          </a:p>
+        </p:txBody>
+      </p:sp>
+      <p:sp>
+        <p:nvSpPr>
+          <p:cNvPr id="10" name="ZoneTexte 9">
+            <a:extLst>
+              <a:ext uri="{FF2B5EF4-FFF2-40B4-BE49-F238E27FC236}">
+                <a16:creationId xmlns:a16="http://schemas.microsoft.com/office/drawing/2014/main" id="{8630A28E-7049-4BB1-BDCE-9CDFA0BE5C53}"/>
+              </a:ext>
+            </a:extLst>
+          </p:cNvPr>
+          <p:cNvSpPr txBox="1"/>
+          <p:nvPr/>
+        </p:nvSpPr>
+        <p:spPr>
+          <a:xfrm>
+            <a:off x="4396355" y="536840"/>
+            <a:ext cx="5281301" cy="523220"/>
+          </a:xfrm>
+          <a:prstGeom prst="rect">
+            <a:avLst/>
+          </a:prstGeom>
+          <a:noFill/>
+        </p:spPr>
+        <p:txBody>
+          <a:bodyPr wrap="square" rtlCol="0">
+            <a:spAutoFit/>
+          </a:bodyPr>
+          <a:lstStyle/>
+          <a:p>
+            <a:pPr algn="ctr"/>
+            <a:r>
+              <a:rPr lang="fr-FR" sz="2800" b="1" cap="small" dirty="0">
+                <a:solidFill>
+                  <a:srgbClr val="EA0000"/>
+                </a:solidFill>
+              </a:rPr>
+              <a:t>Nos outils</a:t>
+            </a:r>
+          </a:p>
+        </p:txBody>
+      </p:sp>
+      <p:sp>
+        <p:nvSpPr>
+          <p:cNvPr id="8" name="ZoneTexte 7"/>
+          <p:cNvSpPr txBox="1"/>
+          <p:nvPr/>
+        </p:nvSpPr>
+        <p:spPr>
+          <a:xfrm>
+            <a:off x="567118" y="3903705"/>
+            <a:ext cx="2904661" cy="646331"/>
+          </a:xfrm>
+          <a:prstGeom prst="rect">
+            <a:avLst/>
+          </a:prstGeom>
+          <a:noFill/>
+        </p:spPr>
+        <p:txBody>
+          <a:bodyPr wrap="square" rtlCol="0">
+            <a:spAutoFit/>
+          </a:bodyPr>
+          <a:lstStyle/>
+          <a:p>
+            <a:pPr algn="ctr"/>
+            <a:r>
+              <a:rPr lang="fr-FR" b="1" dirty="0" err="1">
+                <a:ea typeface="DejaVu Sans Condensed" panose="020B0606030804020204" pitchFamily="34" charset="0"/>
+                <a:cs typeface="DejaVu Sans Condensed" panose="020B0606030804020204" pitchFamily="34" charset="0"/>
+              </a:rPr>
+              <a:t>GitHub</a:t>
+            </a:r>
+            <a:r>
+              <a:rPr lang="fr-FR" b="1" dirty="0">
+                <a:ea typeface="DejaVu Sans Condensed" panose="020B0606030804020204" pitchFamily="34" charset="0"/>
+                <a:cs typeface="DejaVu Sans Condensed" panose="020B0606030804020204" pitchFamily="34" charset="0"/>
+              </a:rPr>
+              <a:t>, </a:t>
+            </a:r>
+            <a:r>
+              <a:rPr lang="fr-FR" dirty="0">
+                <a:ea typeface="DejaVu Sans Condensed" panose="020B0606030804020204" pitchFamily="34" charset="0"/>
+                <a:cs typeface="DejaVu Sans Condensed" panose="020B0606030804020204" pitchFamily="34" charset="0"/>
+              </a:rPr>
+              <a:t>un outil de partage et de suivi</a:t>
+            </a:r>
+          </a:p>
+        </p:txBody>
+      </p:sp>
+      <p:pic>
+        <p:nvPicPr>
+          <p:cNvPr id="1026" name="Picture 2" descr="Résultat de recherche d'images"/>
+          <p:cNvPicPr>
+            <a:picLocks noChangeAspect="1" noChangeArrowheads="1"/>
+          </p:cNvPicPr>
+          <p:nvPr/>
+        </p:nvPicPr>
+        <p:blipFill>
+          <a:blip r:embed="rId3" cstate="print">
+            <a:extLst>
+              <a:ext uri="{28A0092B-C50C-407E-A947-70E740481C1C}">
+                <a14:useLocalDpi xmlns:a14="http://schemas.microsoft.com/office/drawing/2010/main" val="0"/>
+              </a:ext>
+            </a:extLst>
+          </a:blip>
+          <a:srcRect/>
+          <a:stretch>
+            <a:fillRect/>
+          </a:stretch>
+        </p:blipFill>
+        <p:spPr bwMode="auto">
+          <a:xfrm>
+            <a:off x="834022" y="3040200"/>
+            <a:ext cx="2370854" cy="619386"/>
+          </a:xfrm>
+          <a:prstGeom prst="rect">
+            <a:avLst/>
+          </a:prstGeom>
+          <a:noFill/>
+          <a:extLst>
+            <a:ext uri="{909E8E84-426E-40DD-AFC4-6F175D3DCCD1}">
+              <a14:hiddenFill xmlns:a14="http://schemas.microsoft.com/office/drawing/2010/main">
+                <a:solidFill>
+                  <a:srgbClr val="FFFFFF"/>
+                </a:solidFill>
+              </a14:hiddenFill>
+            </a:ext>
+          </a:extLst>
+        </p:spPr>
+      </p:pic>
+      <p:pic>
+        <p:nvPicPr>
+          <p:cNvPr id="1028" name="Picture 4" descr="Résultat de recherche d'images"/>
+          <p:cNvPicPr>
+            <a:picLocks noChangeAspect="1" noChangeArrowheads="1"/>
+          </p:cNvPicPr>
+          <p:nvPr/>
+        </p:nvPicPr>
+        <p:blipFill>
+          <a:blip r:embed="rId4">
+            <a:extLst>
+              <a:ext uri="{28A0092B-C50C-407E-A947-70E740481C1C}">
+                <a14:useLocalDpi xmlns:a14="http://schemas.microsoft.com/office/drawing/2010/main" val="0"/>
+              </a:ext>
+            </a:extLst>
+          </a:blip>
+          <a:srcRect/>
+          <a:stretch>
+            <a:fillRect/>
+          </a:stretch>
+        </p:blipFill>
+        <p:spPr bwMode="auto">
+          <a:xfrm>
+            <a:off x="9153563" y="2676056"/>
+            <a:ext cx="1169897" cy="1169897"/>
+          </a:xfrm>
+          <a:prstGeom prst="rect">
+            <a:avLst/>
+          </a:prstGeom>
+          <a:noFill/>
+          <a:extLst>
+            <a:ext uri="{909E8E84-426E-40DD-AFC4-6F175D3DCCD1}">
+              <a14:hiddenFill xmlns:a14="http://schemas.microsoft.com/office/drawing/2010/main">
+                <a:solidFill>
+                  <a:srgbClr val="FFFFFF"/>
+                </a:solidFill>
+              </a14:hiddenFill>
+            </a:ext>
+          </a:extLst>
+        </p:spPr>
+      </p:pic>
+      <p:sp>
+        <p:nvSpPr>
+          <p:cNvPr id="11" name="ZoneTexte 10"/>
+          <p:cNvSpPr txBox="1"/>
+          <p:nvPr/>
+        </p:nvSpPr>
+        <p:spPr>
+          <a:xfrm>
+            <a:off x="8286182" y="3835291"/>
+            <a:ext cx="2904661" cy="646331"/>
+          </a:xfrm>
+          <a:prstGeom prst="rect">
+            <a:avLst/>
+          </a:prstGeom>
+          <a:noFill/>
+        </p:spPr>
+        <p:txBody>
+          <a:bodyPr wrap="square" rtlCol="0">
+            <a:spAutoFit/>
+          </a:bodyPr>
+          <a:lstStyle/>
+          <a:p>
+            <a:pPr algn="ctr"/>
+            <a:r>
+              <a:rPr lang="fr-FR" b="1" dirty="0">
+                <a:ea typeface="DejaVu Sans Condensed" panose="020B0606030804020204" pitchFamily="34" charset="0"/>
+                <a:cs typeface="DejaVu Sans Condensed" panose="020B0606030804020204" pitchFamily="34" charset="0"/>
+              </a:rPr>
+              <a:t>Notepad++,</a:t>
+            </a:r>
+          </a:p>
+          <a:p>
+            <a:pPr algn="ctr"/>
+            <a:r>
+              <a:rPr lang="fr-FR" dirty="0">
+                <a:ea typeface="DejaVu Sans Condensed" panose="020B0606030804020204" pitchFamily="34" charset="0"/>
+                <a:cs typeface="DejaVu Sans Condensed" panose="020B0606030804020204" pitchFamily="34" charset="0"/>
+              </a:rPr>
+              <a:t>pour Adam</a:t>
+            </a:r>
+          </a:p>
+        </p:txBody>
+      </p:sp>
+      <p:pic>
+        <p:nvPicPr>
+          <p:cNvPr id="1030" name="Picture 6" descr="Résultat de recherche d'images"/>
+          <p:cNvPicPr>
+            <a:picLocks noChangeAspect="1" noChangeArrowheads="1"/>
+          </p:cNvPicPr>
+          <p:nvPr/>
+        </p:nvPicPr>
+        <p:blipFill>
+          <a:blip r:embed="rId5" cstate="print">
+            <a:extLst>
+              <a:ext uri="{28A0092B-C50C-407E-A947-70E740481C1C}">
+                <a14:useLocalDpi xmlns:a14="http://schemas.microsoft.com/office/drawing/2010/main" val="0"/>
+              </a:ext>
+            </a:extLst>
+          </a:blip>
+          <a:srcRect/>
+          <a:stretch>
+            <a:fillRect/>
+          </a:stretch>
+        </p:blipFill>
+        <p:spPr bwMode="auto">
+          <a:xfrm>
+            <a:off x="6496860" y="3928649"/>
+            <a:ext cx="1789322" cy="596441"/>
+          </a:xfrm>
+          <a:prstGeom prst="rect">
+            <a:avLst/>
+          </a:prstGeom>
+          <a:noFill/>
+          <a:extLst>
+            <a:ext uri="{909E8E84-426E-40DD-AFC4-6F175D3DCCD1}">
+              <a14:hiddenFill xmlns:a14="http://schemas.microsoft.com/office/drawing/2010/main">
+                <a:solidFill>
+                  <a:srgbClr val="FFFFFF"/>
+                </a:solidFill>
+              </a14:hiddenFill>
+            </a:ext>
+          </a:extLst>
+        </p:spPr>
+      </p:pic>
+      <p:sp>
+        <p:nvSpPr>
+          <p:cNvPr id="13" name="ZoneTexte 12"/>
+          <p:cNvSpPr txBox="1"/>
+          <p:nvPr/>
+        </p:nvSpPr>
+        <p:spPr>
+          <a:xfrm>
+            <a:off x="6215114" y="4525090"/>
+            <a:ext cx="2352813" cy="923330"/>
+          </a:xfrm>
+          <a:prstGeom prst="rect">
+            <a:avLst/>
+          </a:prstGeom>
+          <a:noFill/>
+        </p:spPr>
+        <p:txBody>
+          <a:bodyPr wrap="square" rtlCol="0">
+            <a:spAutoFit/>
+          </a:bodyPr>
+          <a:lstStyle/>
+          <a:p>
+            <a:pPr algn="ctr"/>
+            <a:r>
+              <a:rPr lang="fr-FR" b="1" dirty="0" err="1">
+                <a:ea typeface="DejaVu Sans Condensed" panose="020B0606030804020204" pitchFamily="34" charset="0"/>
+                <a:cs typeface="DejaVu Sans Condensed" panose="020B0606030804020204" pitchFamily="34" charset="0"/>
+              </a:rPr>
+              <a:t>Atom</a:t>
+            </a:r>
+            <a:r>
+              <a:rPr lang="fr-FR" b="1" dirty="0">
+                <a:ea typeface="DejaVu Sans Condensed" panose="020B0606030804020204" pitchFamily="34" charset="0"/>
+                <a:cs typeface="DejaVu Sans Condensed" panose="020B0606030804020204" pitchFamily="34" charset="0"/>
+              </a:rPr>
+              <a:t>,</a:t>
+            </a:r>
+          </a:p>
+          <a:p>
+            <a:pPr algn="ctr"/>
+            <a:r>
+              <a:rPr lang="fr-FR" dirty="0">
+                <a:ea typeface="DejaVu Sans Condensed" panose="020B0606030804020204" pitchFamily="34" charset="0"/>
+                <a:cs typeface="DejaVu Sans Condensed" panose="020B0606030804020204" pitchFamily="34" charset="0"/>
+              </a:rPr>
+              <a:t>pour Bryan, Martin et Jonathan</a:t>
+            </a:r>
+          </a:p>
+        </p:txBody>
+      </p:sp>
+      <p:pic>
+        <p:nvPicPr>
+          <p:cNvPr id="1032" name="Picture 8" descr="Résultat de recherche d'images"/>
+          <p:cNvPicPr>
+            <a:picLocks noChangeAspect="1" noChangeArrowheads="1"/>
+          </p:cNvPicPr>
+          <p:nvPr/>
+        </p:nvPicPr>
+        <p:blipFill>
+          <a:blip r:embed="rId6">
+            <a:extLst>
+              <a:ext uri="{28A0092B-C50C-407E-A947-70E740481C1C}">
+                <a14:useLocalDpi xmlns:a14="http://schemas.microsoft.com/office/drawing/2010/main" val="0"/>
+              </a:ext>
+            </a:extLst>
+          </a:blip>
+          <a:srcRect/>
+          <a:stretch>
+            <a:fillRect/>
+          </a:stretch>
+        </p:blipFill>
+        <p:spPr bwMode="auto">
+          <a:xfrm>
+            <a:off x="6834822" y="1889192"/>
+            <a:ext cx="1113401" cy="1113401"/>
+          </a:xfrm>
+          <a:prstGeom prst="rect">
+            <a:avLst/>
+          </a:prstGeom>
+          <a:noFill/>
+          <a:extLst>
+            <a:ext uri="{909E8E84-426E-40DD-AFC4-6F175D3DCCD1}">
+              <a14:hiddenFill xmlns:a14="http://schemas.microsoft.com/office/drawing/2010/main">
+                <a:solidFill>
+                  <a:srgbClr val="FFFFFF"/>
+                </a:solidFill>
+              </a14:hiddenFill>
+            </a:ext>
+          </a:extLst>
+        </p:spPr>
+      </p:pic>
+      <p:sp>
+        <p:nvSpPr>
+          <p:cNvPr id="15" name="ZoneTexte 14"/>
+          <p:cNvSpPr txBox="1"/>
+          <p:nvPr/>
+        </p:nvSpPr>
+        <p:spPr>
+          <a:xfrm>
+            <a:off x="5939191" y="3013255"/>
+            <a:ext cx="2904661" cy="646331"/>
+          </a:xfrm>
+          <a:prstGeom prst="rect">
+            <a:avLst/>
+          </a:prstGeom>
+          <a:noFill/>
+        </p:spPr>
+        <p:txBody>
+          <a:bodyPr wrap="square" rtlCol="0">
+            <a:spAutoFit/>
+          </a:bodyPr>
+          <a:lstStyle/>
+          <a:p>
+            <a:pPr algn="ctr"/>
+            <a:r>
+              <a:rPr lang="fr-FR" b="1" dirty="0">
+                <a:ea typeface="DejaVu Sans Condensed" panose="020B0606030804020204" pitchFamily="34" charset="0"/>
+                <a:cs typeface="DejaVu Sans Condensed" panose="020B0606030804020204" pitchFamily="34" charset="0"/>
+              </a:rPr>
+              <a:t>Sublime </a:t>
+            </a:r>
+            <a:r>
+              <a:rPr lang="fr-FR" b="1" dirty="0" err="1">
+                <a:ea typeface="DejaVu Sans Condensed" panose="020B0606030804020204" pitchFamily="34" charset="0"/>
+                <a:cs typeface="DejaVu Sans Condensed" panose="020B0606030804020204" pitchFamily="34" charset="0"/>
+              </a:rPr>
+              <a:t>Text</a:t>
+            </a:r>
+            <a:r>
+              <a:rPr lang="fr-FR" b="1" dirty="0">
+                <a:ea typeface="DejaVu Sans Condensed" panose="020B0606030804020204" pitchFamily="34" charset="0"/>
+                <a:cs typeface="DejaVu Sans Condensed" panose="020B0606030804020204" pitchFamily="34" charset="0"/>
+              </a:rPr>
+              <a:t>,</a:t>
+            </a:r>
+          </a:p>
+          <a:p>
+            <a:pPr algn="ctr"/>
+            <a:r>
+              <a:rPr lang="fr-FR" dirty="0">
+                <a:ea typeface="DejaVu Sans Condensed" panose="020B0606030804020204" pitchFamily="34" charset="0"/>
+                <a:cs typeface="DejaVu Sans Condensed" panose="020B0606030804020204" pitchFamily="34" charset="0"/>
+              </a:rPr>
+              <a:t>pour Florent</a:t>
+            </a:r>
+          </a:p>
+        </p:txBody>
+      </p:sp>
+      <p:sp>
+        <p:nvSpPr>
+          <p:cNvPr id="16" name="ZoneTexte 15"/>
+          <p:cNvSpPr txBox="1"/>
+          <p:nvPr/>
+        </p:nvSpPr>
+        <p:spPr>
+          <a:xfrm>
+            <a:off x="4396355" y="3305643"/>
+            <a:ext cx="1571806" cy="707886"/>
+          </a:xfrm>
+          <a:prstGeom prst="rect">
+            <a:avLst/>
+          </a:prstGeom>
+          <a:noFill/>
+        </p:spPr>
+        <p:txBody>
+          <a:bodyPr wrap="square" rtlCol="0">
+            <a:spAutoFit/>
+          </a:bodyPr>
+          <a:lstStyle/>
+          <a:p>
+            <a:pPr algn="ctr"/>
+            <a:r>
+              <a:rPr lang="fr-FR" sz="2000" b="1" dirty="0">
+                <a:ea typeface="DejaVu Sans Condensed" panose="020B0606030804020204" pitchFamily="34" charset="0"/>
+                <a:cs typeface="DejaVu Sans Condensed" panose="020B0606030804020204" pitchFamily="34" charset="0"/>
+              </a:rPr>
+              <a:t>Nos éditeurs de texte :</a:t>
+            </a:r>
+            <a:endParaRPr lang="fr-FR" sz="2000" dirty="0">
+              <a:ea typeface="DejaVu Sans Condensed" panose="020B0606030804020204" pitchFamily="34" charset="0"/>
+              <a:cs typeface="DejaVu Sans Condensed" panose="020B0606030804020204" pitchFamily="34" charset="0"/>
+            </a:endParaRPr>
+          </a:p>
+        </p:txBody>
+      </p:sp>
+      <p:sp>
+        <p:nvSpPr>
+          <p:cNvPr id="2" name="Rectangle 1"/>
           <p:cNvSpPr/>
           <p:nvPr/>
         </p:nvSpPr>
         <p:spPr>
           <a:xfrm>
-            <a:off x="346640" y="392772"/>
-            <a:ext cx="2788446" cy="1705450"/>
-          </a:xfrm>
-          <a:prstGeom prst="roundRect">
-            <a:avLst/>
-          </a:prstGeom>
-          <a:effectLst>
-            <a:glow rad="101600">
-              <a:schemeClr val="accent3">
-                <a:satMod val="175000"/>
-                <a:alpha val="40000"/>
-              </a:schemeClr>
-            </a:glow>
-            <a:innerShdw blurRad="114300">
-              <a:prstClr val="black"/>
-            </a:innerShdw>
-            <a:softEdge rad="12700"/>
-          </a:effectLst>
+            <a:off x="5968161" y="1566153"/>
+            <a:ext cx="4749077" cy="4260715"/>
+          </a:xfrm>
+          <a:prstGeom prst="rect">
+            <a:avLst/>
+          </a:prstGeom>
+          <a:noFill/>
         </p:spPr>
         <p:style>
           <a:lnRef idx="2">
@@ -3885,704 +6471,6 @@
           </a:p>
         </p:txBody>
       </p:sp>
-      <p:sp>
-        <p:nvSpPr>
-          <p:cNvPr id="5" name="ZoneTexte 4">
-            <a:extLst>
-              <a:ext uri="{FF2B5EF4-FFF2-40B4-BE49-F238E27FC236}">
-                <a16:creationId xmlns="" xmlns:a16="http://schemas.microsoft.com/office/drawing/2014/main" id="{F3ADFA8B-9444-49C0-B723-BB0A8C5F043A}"/>
-              </a:ext>
-            </a:extLst>
-          </p:cNvPr>
-          <p:cNvSpPr txBox="1"/>
-          <p:nvPr/>
-        </p:nvSpPr>
-        <p:spPr>
-          <a:xfrm>
-            <a:off x="449035" y="574158"/>
-            <a:ext cx="2686051" cy="1107996"/>
-          </a:xfrm>
-          <a:prstGeom prst="rect">
-            <a:avLst/>
-          </a:prstGeom>
-          <a:noFill/>
-        </p:spPr>
-        <p:txBody>
-          <a:bodyPr wrap="square" rtlCol="0">
-            <a:spAutoFit/>
-          </a:bodyPr>
-          <a:lstStyle/>
-          <a:p>
-            <a:pPr marL="285750" indent="-285750">
-              <a:buFont typeface="+mj-lt"/>
-              <a:buAutoNum type="romanUcPeriod"/>
-            </a:pPr>
-            <a:r>
-              <a:rPr lang="fr-FR" sz="1100" dirty="0" smtClean="0">
-                <a:solidFill>
-                  <a:srgbClr val="EA0000"/>
-                </a:solidFill>
-                <a:latin typeface="DejaVu Sans Condensed" panose="020B0606030804020204" pitchFamily="34" charset="0"/>
-                <a:ea typeface="DejaVu Sans Condensed" panose="020B0606030804020204" pitchFamily="34" charset="0"/>
-                <a:cs typeface="DejaVu Sans Condensed" panose="020B0606030804020204" pitchFamily="34" charset="0"/>
-              </a:rPr>
-              <a:t>Retour sur la conception</a:t>
-            </a:r>
-          </a:p>
-          <a:p>
-            <a:pPr marL="685800" lvl="1" indent="-228600">
-              <a:buFont typeface="+mj-lt"/>
-              <a:buAutoNum type="alphaLcPeriod"/>
-            </a:pPr>
-            <a:r>
-              <a:rPr lang="fr-FR" sz="1100" dirty="0">
-                <a:solidFill>
-                  <a:srgbClr val="EA0000"/>
-                </a:solidFill>
-                <a:latin typeface="DejaVu Sans Condensed" panose="020B0606030804020204" pitchFamily="34" charset="0"/>
-                <a:ea typeface="DejaVu Sans Condensed" panose="020B0606030804020204" pitchFamily="34" charset="0"/>
-                <a:cs typeface="DejaVu Sans Condensed" panose="020B0606030804020204" pitchFamily="34" charset="0"/>
-              </a:rPr>
-              <a:t>La gestion des erreurs XML</a:t>
-            </a:r>
-          </a:p>
-          <a:p>
-            <a:pPr marL="685800" lvl="1" indent="-228600">
-              <a:buFont typeface="+mj-lt"/>
-              <a:buAutoNum type="alphaLcPeriod"/>
-            </a:pPr>
-            <a:r>
-              <a:rPr lang="fr-FR" sz="1100" dirty="0" smtClean="0">
-                <a:latin typeface="DejaVu Sans Condensed" panose="020B0606030804020204" pitchFamily="34" charset="0"/>
-                <a:ea typeface="DejaVu Sans Condensed" panose="020B0606030804020204" pitchFamily="34" charset="0"/>
-                <a:cs typeface="DejaVu Sans Condensed" panose="020B0606030804020204" pitchFamily="34" charset="0"/>
-              </a:rPr>
-              <a:t>L’élément « Tableau »</a:t>
-            </a:r>
-            <a:endParaRPr lang="fr-FR" sz="1100" dirty="0">
-              <a:solidFill>
-                <a:srgbClr val="FF0000"/>
-              </a:solidFill>
-              <a:latin typeface="DejaVu Sans Condensed" panose="020B0606030804020204" pitchFamily="34" charset="0"/>
-              <a:ea typeface="DejaVu Sans Condensed" panose="020B0606030804020204" pitchFamily="34" charset="0"/>
-              <a:cs typeface="DejaVu Sans Condensed" panose="020B0606030804020204" pitchFamily="34" charset="0"/>
-            </a:endParaRPr>
-          </a:p>
-          <a:p>
-            <a:pPr marL="285750" indent="-285750">
-              <a:buFont typeface="+mj-lt"/>
-              <a:buAutoNum type="romanUcPeriod"/>
-            </a:pPr>
-            <a:r>
-              <a:rPr lang="fr-FR" sz="1100" dirty="0" smtClean="0">
-                <a:latin typeface="DejaVu Sans Condensed" panose="020B0606030804020204" pitchFamily="34" charset="0"/>
-                <a:ea typeface="DejaVu Sans Condensed" panose="020B0606030804020204" pitchFamily="34" charset="0"/>
-                <a:cs typeface="DejaVu Sans Condensed" panose="020B0606030804020204" pitchFamily="34" charset="0"/>
-              </a:rPr>
-              <a:t>Suivi </a:t>
-            </a:r>
-            <a:r>
-              <a:rPr lang="fr-FR" sz="1100" dirty="0">
-                <a:latin typeface="DejaVu Sans Condensed" panose="020B0606030804020204" pitchFamily="34" charset="0"/>
-                <a:ea typeface="DejaVu Sans Condensed" panose="020B0606030804020204" pitchFamily="34" charset="0"/>
-                <a:cs typeface="DejaVu Sans Condensed" panose="020B0606030804020204" pitchFamily="34" charset="0"/>
-              </a:rPr>
-              <a:t>du projet</a:t>
-            </a:r>
-          </a:p>
-          <a:p>
-            <a:pPr marL="285750" indent="-285750">
-              <a:buFont typeface="+mj-lt"/>
-              <a:buAutoNum type="romanUcPeriod"/>
-            </a:pPr>
-            <a:r>
-              <a:rPr lang="fr-FR" sz="1100" dirty="0" smtClean="0">
-                <a:latin typeface="DejaVu Sans Condensed" panose="020B0606030804020204" pitchFamily="34" charset="0"/>
-                <a:ea typeface="DejaVu Sans Condensed" panose="020B0606030804020204" pitchFamily="34" charset="0"/>
-                <a:cs typeface="DejaVu Sans Condensed" panose="020B0606030804020204" pitchFamily="34" charset="0"/>
-              </a:rPr>
-              <a:t>Apports </a:t>
-            </a:r>
-            <a:r>
-              <a:rPr lang="fr-FR" sz="1100" dirty="0">
-                <a:latin typeface="DejaVu Sans Condensed" panose="020B0606030804020204" pitchFamily="34" charset="0"/>
-                <a:ea typeface="DejaVu Sans Condensed" panose="020B0606030804020204" pitchFamily="34" charset="0"/>
-                <a:cs typeface="DejaVu Sans Condensed" panose="020B0606030804020204" pitchFamily="34" charset="0"/>
-              </a:rPr>
-              <a:t>du projets</a:t>
-            </a:r>
-          </a:p>
-          <a:p>
-            <a:pPr marL="285750" indent="-285750">
-              <a:buFont typeface="+mj-lt"/>
-              <a:buAutoNum type="romanUcPeriod"/>
-            </a:pPr>
-            <a:r>
-              <a:rPr lang="fr-FR" sz="1100" dirty="0" smtClean="0">
-                <a:latin typeface="DejaVu Sans Condensed" panose="020B0606030804020204" pitchFamily="34" charset="0"/>
-                <a:ea typeface="DejaVu Sans Condensed" panose="020B0606030804020204" pitchFamily="34" charset="0"/>
-                <a:cs typeface="DejaVu Sans Condensed" panose="020B0606030804020204" pitchFamily="34" charset="0"/>
-              </a:rPr>
-              <a:t>Difficultés </a:t>
-            </a:r>
-            <a:r>
-              <a:rPr lang="fr-FR" sz="1100" dirty="0">
-                <a:latin typeface="DejaVu Sans Condensed" panose="020B0606030804020204" pitchFamily="34" charset="0"/>
-                <a:ea typeface="DejaVu Sans Condensed" panose="020B0606030804020204" pitchFamily="34" charset="0"/>
-                <a:cs typeface="DejaVu Sans Condensed" panose="020B0606030804020204" pitchFamily="34" charset="0"/>
-              </a:rPr>
-              <a:t>rencontrés</a:t>
-            </a:r>
-          </a:p>
-        </p:txBody>
-      </p:sp>
-      <p:sp>
-        <p:nvSpPr>
-          <p:cNvPr id="9" name="ZoneTexte 8">
-            <a:extLst>
-              <a:ext uri="{FF2B5EF4-FFF2-40B4-BE49-F238E27FC236}">
-                <a16:creationId xmlns="" xmlns:a16="http://schemas.microsoft.com/office/drawing/2014/main" id="{727F412D-145E-41E0-96F7-64D3EB5C1222}"/>
-              </a:ext>
-            </a:extLst>
-          </p:cNvPr>
-          <p:cNvSpPr txBox="1"/>
-          <p:nvPr/>
-        </p:nvSpPr>
-        <p:spPr>
-          <a:xfrm>
-            <a:off x="10858500" y="6429375"/>
-            <a:ext cx="647700" cy="369332"/>
-          </a:xfrm>
-          <a:prstGeom prst="rect">
-            <a:avLst/>
-          </a:prstGeom>
-          <a:noFill/>
-        </p:spPr>
-        <p:txBody>
-          <a:bodyPr wrap="square" rtlCol="0">
-            <a:spAutoFit/>
-          </a:bodyPr>
-          <a:lstStyle/>
-          <a:p>
-            <a:r>
-              <a:rPr lang="fr-FR" dirty="0"/>
-              <a:t>3/10</a:t>
-            </a:r>
-          </a:p>
-        </p:txBody>
-      </p:sp>
-      <p:sp>
-        <p:nvSpPr>
-          <p:cNvPr id="10" name="ZoneTexte 9">
-            <a:extLst>
-              <a:ext uri="{FF2B5EF4-FFF2-40B4-BE49-F238E27FC236}">
-                <a16:creationId xmlns="" xmlns:a16="http://schemas.microsoft.com/office/drawing/2014/main" id="{8630A28E-7049-4BB1-BDCE-9CDFA0BE5C53}"/>
-              </a:ext>
-            </a:extLst>
-          </p:cNvPr>
-          <p:cNvSpPr txBox="1"/>
-          <p:nvPr/>
-        </p:nvSpPr>
-        <p:spPr>
-          <a:xfrm>
-            <a:off x="4396355" y="536840"/>
-            <a:ext cx="5281301" cy="523220"/>
-          </a:xfrm>
-          <a:prstGeom prst="rect">
-            <a:avLst/>
-          </a:prstGeom>
-          <a:noFill/>
-        </p:spPr>
-        <p:txBody>
-          <a:bodyPr wrap="square" rtlCol="0">
-            <a:spAutoFit/>
-          </a:bodyPr>
-          <a:lstStyle/>
-          <a:p>
-            <a:pPr algn="ctr"/>
-            <a:r>
-              <a:rPr lang="fr-FR" sz="2800" b="1" cap="small" dirty="0" smtClean="0">
-                <a:solidFill>
-                  <a:srgbClr val="EA0000"/>
-                </a:solidFill>
-              </a:rPr>
-              <a:t>Nos outils</a:t>
-            </a:r>
-            <a:endParaRPr lang="fr-FR" sz="2800" b="1" cap="small" dirty="0">
-              <a:solidFill>
-                <a:srgbClr val="EA0000"/>
-              </a:solidFill>
-            </a:endParaRPr>
-          </a:p>
-        </p:txBody>
-      </p:sp>
-      <p:sp>
-        <p:nvSpPr>
-          <p:cNvPr id="8" name="ZoneTexte 7"/>
-          <p:cNvSpPr txBox="1"/>
-          <p:nvPr/>
-        </p:nvSpPr>
-        <p:spPr>
-          <a:xfrm>
-            <a:off x="567118" y="3903705"/>
-            <a:ext cx="2904661" cy="646331"/>
-          </a:xfrm>
-          <a:prstGeom prst="rect">
-            <a:avLst/>
-          </a:prstGeom>
-          <a:noFill/>
-        </p:spPr>
-        <p:txBody>
-          <a:bodyPr wrap="square" rtlCol="0">
-            <a:spAutoFit/>
-          </a:bodyPr>
-          <a:lstStyle/>
-          <a:p>
-            <a:pPr algn="ctr"/>
-            <a:r>
-              <a:rPr lang="fr-FR" b="1" dirty="0" err="1" smtClean="0">
-                <a:ea typeface="DejaVu Sans Condensed" panose="020B0606030804020204" pitchFamily="34" charset="0"/>
-                <a:cs typeface="DejaVu Sans Condensed" panose="020B0606030804020204" pitchFamily="34" charset="0"/>
-              </a:rPr>
-              <a:t>GitHub</a:t>
-            </a:r>
-            <a:r>
-              <a:rPr lang="fr-FR" b="1" dirty="0" smtClean="0">
-                <a:ea typeface="DejaVu Sans Condensed" panose="020B0606030804020204" pitchFamily="34" charset="0"/>
-                <a:cs typeface="DejaVu Sans Condensed" panose="020B0606030804020204" pitchFamily="34" charset="0"/>
-              </a:rPr>
-              <a:t>, </a:t>
-            </a:r>
-            <a:r>
-              <a:rPr lang="fr-FR" dirty="0" smtClean="0">
-                <a:ea typeface="DejaVu Sans Condensed" panose="020B0606030804020204" pitchFamily="34" charset="0"/>
-                <a:cs typeface="DejaVu Sans Condensed" panose="020B0606030804020204" pitchFamily="34" charset="0"/>
-              </a:rPr>
-              <a:t>un outil de partage et de suivi</a:t>
-            </a:r>
-            <a:endParaRPr lang="fr-FR" dirty="0" smtClean="0">
-              <a:ea typeface="DejaVu Sans Condensed" panose="020B0606030804020204" pitchFamily="34" charset="0"/>
-              <a:cs typeface="DejaVu Sans Condensed" panose="020B0606030804020204" pitchFamily="34" charset="0"/>
-            </a:endParaRPr>
-          </a:p>
-        </p:txBody>
-      </p:sp>
-      <p:pic>
-        <p:nvPicPr>
-          <p:cNvPr id="1026" name="Picture 2" descr="Résultat de recherche d'images"/>
-          <p:cNvPicPr>
-            <a:picLocks noChangeAspect="1" noChangeArrowheads="1"/>
-          </p:cNvPicPr>
-          <p:nvPr/>
-        </p:nvPicPr>
-        <p:blipFill>
-          <a:blip r:embed="rId3" cstate="print">
-            <a:extLst>
-              <a:ext uri="{28A0092B-C50C-407E-A947-70E740481C1C}">
-                <a14:useLocalDpi xmlns:a14="http://schemas.microsoft.com/office/drawing/2010/main" val="0"/>
-              </a:ext>
-            </a:extLst>
-          </a:blip>
-          <a:srcRect/>
-          <a:stretch>
-            <a:fillRect/>
-          </a:stretch>
-        </p:blipFill>
-        <p:spPr bwMode="auto">
-          <a:xfrm>
-            <a:off x="834022" y="3040200"/>
-            <a:ext cx="2370854" cy="619386"/>
-          </a:xfrm>
-          <a:prstGeom prst="rect">
-            <a:avLst/>
-          </a:prstGeom>
-          <a:noFill/>
-          <a:extLst>
-            <a:ext uri="{909E8E84-426E-40DD-AFC4-6F175D3DCCD1}">
-              <a14:hiddenFill xmlns:a14="http://schemas.microsoft.com/office/drawing/2010/main">
-                <a:solidFill>
-                  <a:srgbClr val="FFFFFF"/>
-                </a:solidFill>
-              </a14:hiddenFill>
-            </a:ext>
-          </a:extLst>
-        </p:spPr>
-      </p:pic>
-      <p:pic>
-        <p:nvPicPr>
-          <p:cNvPr id="1028" name="Picture 4" descr="Résultat de recherche d'images"/>
-          <p:cNvPicPr>
-            <a:picLocks noChangeAspect="1" noChangeArrowheads="1"/>
-          </p:cNvPicPr>
-          <p:nvPr/>
-        </p:nvPicPr>
-        <p:blipFill>
-          <a:blip r:embed="rId4">
-            <a:extLst>
-              <a:ext uri="{28A0092B-C50C-407E-A947-70E740481C1C}">
-                <a14:useLocalDpi xmlns:a14="http://schemas.microsoft.com/office/drawing/2010/main" val="0"/>
-              </a:ext>
-            </a:extLst>
-          </a:blip>
-          <a:srcRect/>
-          <a:stretch>
-            <a:fillRect/>
-          </a:stretch>
-        </p:blipFill>
-        <p:spPr bwMode="auto">
-          <a:xfrm>
-            <a:off x="9153563" y="2676056"/>
-            <a:ext cx="1169897" cy="1169897"/>
-          </a:xfrm>
-          <a:prstGeom prst="rect">
-            <a:avLst/>
-          </a:prstGeom>
-          <a:noFill/>
-          <a:extLst>
-            <a:ext uri="{909E8E84-426E-40DD-AFC4-6F175D3DCCD1}">
-              <a14:hiddenFill xmlns:a14="http://schemas.microsoft.com/office/drawing/2010/main">
-                <a:solidFill>
-                  <a:srgbClr val="FFFFFF"/>
-                </a:solidFill>
-              </a14:hiddenFill>
-            </a:ext>
-          </a:extLst>
-        </p:spPr>
-      </p:pic>
-      <p:sp>
-        <p:nvSpPr>
-          <p:cNvPr id="11" name="ZoneTexte 10"/>
-          <p:cNvSpPr txBox="1"/>
-          <p:nvPr/>
-        </p:nvSpPr>
-        <p:spPr>
-          <a:xfrm>
-            <a:off x="8286182" y="3835291"/>
-            <a:ext cx="2904661" cy="646331"/>
-          </a:xfrm>
-          <a:prstGeom prst="rect">
-            <a:avLst/>
-          </a:prstGeom>
-          <a:noFill/>
-        </p:spPr>
-        <p:txBody>
-          <a:bodyPr wrap="square" rtlCol="0">
-            <a:spAutoFit/>
-          </a:bodyPr>
-          <a:lstStyle/>
-          <a:p>
-            <a:pPr algn="ctr"/>
-            <a:r>
-              <a:rPr lang="fr-FR" b="1" dirty="0" smtClean="0">
-                <a:ea typeface="DejaVu Sans Condensed" panose="020B0606030804020204" pitchFamily="34" charset="0"/>
-                <a:cs typeface="DejaVu Sans Condensed" panose="020B0606030804020204" pitchFamily="34" charset="0"/>
-              </a:rPr>
-              <a:t>Notepad++,</a:t>
-            </a:r>
-          </a:p>
-          <a:p>
-            <a:pPr algn="ctr"/>
-            <a:r>
-              <a:rPr lang="fr-FR" dirty="0" smtClean="0">
-                <a:ea typeface="DejaVu Sans Condensed" panose="020B0606030804020204" pitchFamily="34" charset="0"/>
-                <a:cs typeface="DejaVu Sans Condensed" panose="020B0606030804020204" pitchFamily="34" charset="0"/>
-              </a:rPr>
-              <a:t>pour Adam</a:t>
-            </a:r>
-            <a:endParaRPr lang="fr-FR" dirty="0" smtClean="0">
-              <a:ea typeface="DejaVu Sans Condensed" panose="020B0606030804020204" pitchFamily="34" charset="0"/>
-              <a:cs typeface="DejaVu Sans Condensed" panose="020B0606030804020204" pitchFamily="34" charset="0"/>
-            </a:endParaRPr>
-          </a:p>
-        </p:txBody>
-      </p:sp>
-      <p:pic>
-        <p:nvPicPr>
-          <p:cNvPr id="1030" name="Picture 6" descr="Résultat de recherche d'images"/>
-          <p:cNvPicPr>
-            <a:picLocks noChangeAspect="1" noChangeArrowheads="1"/>
-          </p:cNvPicPr>
-          <p:nvPr/>
-        </p:nvPicPr>
-        <p:blipFill>
-          <a:blip r:embed="rId5" cstate="print">
-            <a:extLst>
-              <a:ext uri="{28A0092B-C50C-407E-A947-70E740481C1C}">
-                <a14:useLocalDpi xmlns:a14="http://schemas.microsoft.com/office/drawing/2010/main" val="0"/>
-              </a:ext>
-            </a:extLst>
-          </a:blip>
-          <a:srcRect/>
-          <a:stretch>
-            <a:fillRect/>
-          </a:stretch>
-        </p:blipFill>
-        <p:spPr bwMode="auto">
-          <a:xfrm>
-            <a:off x="6496860" y="3928649"/>
-            <a:ext cx="1789322" cy="596441"/>
-          </a:xfrm>
-          <a:prstGeom prst="rect">
-            <a:avLst/>
-          </a:prstGeom>
-          <a:noFill/>
-          <a:extLst>
-            <a:ext uri="{909E8E84-426E-40DD-AFC4-6F175D3DCCD1}">
-              <a14:hiddenFill xmlns:a14="http://schemas.microsoft.com/office/drawing/2010/main">
-                <a:solidFill>
-                  <a:srgbClr val="FFFFFF"/>
-                </a:solidFill>
-              </a14:hiddenFill>
-            </a:ext>
-          </a:extLst>
-        </p:spPr>
-      </p:pic>
-      <p:sp>
-        <p:nvSpPr>
-          <p:cNvPr id="13" name="ZoneTexte 12"/>
-          <p:cNvSpPr txBox="1"/>
-          <p:nvPr/>
-        </p:nvSpPr>
-        <p:spPr>
-          <a:xfrm>
-            <a:off x="6215114" y="4525090"/>
-            <a:ext cx="2352813" cy="923330"/>
-          </a:xfrm>
-          <a:prstGeom prst="rect">
-            <a:avLst/>
-          </a:prstGeom>
-          <a:noFill/>
-        </p:spPr>
-        <p:txBody>
-          <a:bodyPr wrap="square" rtlCol="0">
-            <a:spAutoFit/>
-          </a:bodyPr>
-          <a:lstStyle/>
-          <a:p>
-            <a:pPr algn="ctr"/>
-            <a:r>
-              <a:rPr lang="fr-FR" b="1" dirty="0" err="1" smtClean="0">
-                <a:ea typeface="DejaVu Sans Condensed" panose="020B0606030804020204" pitchFamily="34" charset="0"/>
-                <a:cs typeface="DejaVu Sans Condensed" panose="020B0606030804020204" pitchFamily="34" charset="0"/>
-              </a:rPr>
-              <a:t>Atom</a:t>
-            </a:r>
-            <a:r>
-              <a:rPr lang="fr-FR" b="1" dirty="0" smtClean="0">
-                <a:ea typeface="DejaVu Sans Condensed" panose="020B0606030804020204" pitchFamily="34" charset="0"/>
-                <a:cs typeface="DejaVu Sans Condensed" panose="020B0606030804020204" pitchFamily="34" charset="0"/>
-              </a:rPr>
-              <a:t>,</a:t>
-            </a:r>
-          </a:p>
-          <a:p>
-            <a:pPr algn="ctr"/>
-            <a:r>
-              <a:rPr lang="fr-FR" dirty="0" smtClean="0">
-                <a:ea typeface="DejaVu Sans Condensed" panose="020B0606030804020204" pitchFamily="34" charset="0"/>
-                <a:cs typeface="DejaVu Sans Condensed" panose="020B0606030804020204" pitchFamily="34" charset="0"/>
-              </a:rPr>
-              <a:t>pour Bryan, Martin et Jonathan</a:t>
-            </a:r>
-            <a:endParaRPr lang="fr-FR" dirty="0" smtClean="0">
-              <a:ea typeface="DejaVu Sans Condensed" panose="020B0606030804020204" pitchFamily="34" charset="0"/>
-              <a:cs typeface="DejaVu Sans Condensed" panose="020B0606030804020204" pitchFamily="34" charset="0"/>
-            </a:endParaRPr>
-          </a:p>
-        </p:txBody>
-      </p:sp>
-      <p:pic>
-        <p:nvPicPr>
-          <p:cNvPr id="1032" name="Picture 8" descr="Résultat de recherche d'images"/>
-          <p:cNvPicPr>
-            <a:picLocks noChangeAspect="1" noChangeArrowheads="1"/>
-          </p:cNvPicPr>
-          <p:nvPr/>
-        </p:nvPicPr>
-        <p:blipFill>
-          <a:blip r:embed="rId6">
-            <a:extLst>
-              <a:ext uri="{28A0092B-C50C-407E-A947-70E740481C1C}">
-                <a14:useLocalDpi xmlns:a14="http://schemas.microsoft.com/office/drawing/2010/main" val="0"/>
-              </a:ext>
-            </a:extLst>
-          </a:blip>
-          <a:srcRect/>
-          <a:stretch>
-            <a:fillRect/>
-          </a:stretch>
-        </p:blipFill>
-        <p:spPr bwMode="auto">
-          <a:xfrm>
-            <a:off x="6834822" y="1889192"/>
-            <a:ext cx="1113401" cy="1113401"/>
-          </a:xfrm>
-          <a:prstGeom prst="rect">
-            <a:avLst/>
-          </a:prstGeom>
-          <a:noFill/>
-          <a:extLst>
-            <a:ext uri="{909E8E84-426E-40DD-AFC4-6F175D3DCCD1}">
-              <a14:hiddenFill xmlns:a14="http://schemas.microsoft.com/office/drawing/2010/main">
-                <a:solidFill>
-                  <a:srgbClr val="FFFFFF"/>
-                </a:solidFill>
-              </a14:hiddenFill>
-            </a:ext>
-          </a:extLst>
-        </p:spPr>
-      </p:pic>
-      <p:sp>
-        <p:nvSpPr>
-          <p:cNvPr id="15" name="ZoneTexte 14"/>
-          <p:cNvSpPr txBox="1"/>
-          <p:nvPr/>
-        </p:nvSpPr>
-        <p:spPr>
-          <a:xfrm>
-            <a:off x="5939191" y="3013255"/>
-            <a:ext cx="2904661" cy="646331"/>
-          </a:xfrm>
-          <a:prstGeom prst="rect">
-            <a:avLst/>
-          </a:prstGeom>
-          <a:noFill/>
-        </p:spPr>
-        <p:txBody>
-          <a:bodyPr wrap="square" rtlCol="0">
-            <a:spAutoFit/>
-          </a:bodyPr>
-          <a:lstStyle/>
-          <a:p>
-            <a:pPr algn="ctr"/>
-            <a:r>
-              <a:rPr lang="fr-FR" b="1" dirty="0" smtClean="0">
-                <a:ea typeface="DejaVu Sans Condensed" panose="020B0606030804020204" pitchFamily="34" charset="0"/>
-                <a:cs typeface="DejaVu Sans Condensed" panose="020B0606030804020204" pitchFamily="34" charset="0"/>
-              </a:rPr>
-              <a:t>Sublime </a:t>
-            </a:r>
-            <a:r>
-              <a:rPr lang="fr-FR" b="1" dirty="0" err="1" smtClean="0">
-                <a:ea typeface="DejaVu Sans Condensed" panose="020B0606030804020204" pitchFamily="34" charset="0"/>
-                <a:cs typeface="DejaVu Sans Condensed" panose="020B0606030804020204" pitchFamily="34" charset="0"/>
-              </a:rPr>
-              <a:t>Text</a:t>
-            </a:r>
-            <a:r>
-              <a:rPr lang="fr-FR" b="1" dirty="0" smtClean="0">
-                <a:ea typeface="DejaVu Sans Condensed" panose="020B0606030804020204" pitchFamily="34" charset="0"/>
-                <a:cs typeface="DejaVu Sans Condensed" panose="020B0606030804020204" pitchFamily="34" charset="0"/>
-              </a:rPr>
-              <a:t>,</a:t>
-            </a:r>
-          </a:p>
-          <a:p>
-            <a:pPr algn="ctr"/>
-            <a:r>
-              <a:rPr lang="fr-FR" dirty="0" smtClean="0">
-                <a:ea typeface="DejaVu Sans Condensed" panose="020B0606030804020204" pitchFamily="34" charset="0"/>
-                <a:cs typeface="DejaVu Sans Condensed" panose="020B0606030804020204" pitchFamily="34" charset="0"/>
-              </a:rPr>
-              <a:t>pour Florent</a:t>
-            </a:r>
-            <a:endParaRPr lang="fr-FR" dirty="0" smtClean="0">
-              <a:ea typeface="DejaVu Sans Condensed" panose="020B0606030804020204" pitchFamily="34" charset="0"/>
-              <a:cs typeface="DejaVu Sans Condensed" panose="020B0606030804020204" pitchFamily="34" charset="0"/>
-            </a:endParaRPr>
-          </a:p>
-        </p:txBody>
-      </p:sp>
-      <p:sp>
-        <p:nvSpPr>
-          <p:cNvPr id="16" name="ZoneTexte 15"/>
-          <p:cNvSpPr txBox="1"/>
-          <p:nvPr/>
-        </p:nvSpPr>
-        <p:spPr>
-          <a:xfrm>
-            <a:off x="4396355" y="3305643"/>
-            <a:ext cx="1571806" cy="707886"/>
-          </a:xfrm>
-          <a:prstGeom prst="rect">
-            <a:avLst/>
-          </a:prstGeom>
-          <a:noFill/>
-        </p:spPr>
-        <p:txBody>
-          <a:bodyPr wrap="square" rtlCol="0">
-            <a:spAutoFit/>
-          </a:bodyPr>
-          <a:lstStyle/>
-          <a:p>
-            <a:pPr algn="ctr"/>
-            <a:r>
-              <a:rPr lang="fr-FR" sz="2000" b="1" dirty="0" smtClean="0">
-                <a:ea typeface="DejaVu Sans Condensed" panose="020B0606030804020204" pitchFamily="34" charset="0"/>
-                <a:cs typeface="DejaVu Sans Condensed" panose="020B0606030804020204" pitchFamily="34" charset="0"/>
-              </a:rPr>
-              <a:t>Nos éditeurs de texte</a:t>
-            </a:r>
-            <a:r>
-              <a:rPr lang="fr-FR" sz="2000" b="1" dirty="0">
-                <a:ea typeface="DejaVu Sans Condensed" panose="020B0606030804020204" pitchFamily="34" charset="0"/>
-                <a:cs typeface="DejaVu Sans Condensed" panose="020B0606030804020204" pitchFamily="34" charset="0"/>
-              </a:rPr>
-              <a:t> </a:t>
-            </a:r>
-            <a:r>
-              <a:rPr lang="fr-FR" sz="2000" b="1" dirty="0" smtClean="0">
-                <a:ea typeface="DejaVu Sans Condensed" panose="020B0606030804020204" pitchFamily="34" charset="0"/>
-                <a:cs typeface="DejaVu Sans Condensed" panose="020B0606030804020204" pitchFamily="34" charset="0"/>
-              </a:rPr>
-              <a:t>:</a:t>
-            </a:r>
-            <a:endParaRPr lang="fr-FR" sz="2000" dirty="0" smtClean="0">
-              <a:ea typeface="DejaVu Sans Condensed" panose="020B0606030804020204" pitchFamily="34" charset="0"/>
-              <a:cs typeface="DejaVu Sans Condensed" panose="020B0606030804020204" pitchFamily="34" charset="0"/>
-            </a:endParaRPr>
-          </a:p>
-        </p:txBody>
-      </p:sp>
-      <p:sp>
-        <p:nvSpPr>
-          <p:cNvPr id="2" name="Rectangle 1"/>
-          <p:cNvSpPr/>
-          <p:nvPr/>
-        </p:nvSpPr>
-        <p:spPr>
-          <a:xfrm>
-            <a:off x="5968161" y="1566153"/>
-            <a:ext cx="4749077" cy="4260715"/>
-          </a:xfrm>
-          <a:prstGeom prst="rect">
-            <a:avLst/>
-          </a:prstGeom>
-          <a:noFill/>
-        </p:spPr>
-        <p:style>
-          <a:lnRef idx="2">
-            <a:schemeClr val="dk1"/>
-          </a:lnRef>
-          <a:fillRef idx="1">
-            <a:schemeClr val="lt1"/>
-          </a:fillRef>
-          <a:effectRef idx="0">
-            <a:schemeClr val="dk1"/>
-          </a:effectRef>
-          <a:fontRef idx="minor">
-            <a:schemeClr val="dk1"/>
-          </a:fontRef>
-        </p:style>
-        <p:txBody>
-          <a:bodyPr rtlCol="0" anchor="ctr"/>
-          <a:lstStyle/>
-          <a:p>
-            <a:pPr algn="ctr"/>
-            <a:endParaRPr lang="fr-FR"/>
-          </a:p>
-        </p:txBody>
-      </p:sp>
     </p:spTree>
     <p:extLst>
       <p:ext uri="{BB962C8B-B14F-4D97-AF65-F5344CB8AC3E}">
@@ -4593,13 +6481,6 @@
   <p:clrMapOvr>
     <a:masterClrMapping/>
   </p:clrMapOvr>
-  <p:timing>
-    <p:tnLst>
-      <p:par>
-        <p:cTn id="1" dur="indefinite" restart="never" nodeType="tmRoot"/>
-      </p:par>
-    </p:tnLst>
-  </p:timing>
 </p:sld>
 </file>
 
@@ -4622,60 +6503,10 @@
       </p:grpSpPr>
       <p:sp>
         <p:nvSpPr>
-          <p:cNvPr id="6" name="Rectangle à coins arrondis 5"/>
-          <p:cNvSpPr/>
-          <p:nvPr/>
-        </p:nvSpPr>
-        <p:spPr>
-          <a:xfrm>
-            <a:off x="346640" y="392772"/>
-            <a:ext cx="2788446" cy="1705450"/>
-          </a:xfrm>
-          <a:prstGeom prst="roundRect">
-            <a:avLst/>
-          </a:prstGeom>
-          <a:effectLst>
-            <a:glow rad="101600">
-              <a:schemeClr val="accent3">
-                <a:satMod val="175000"/>
-                <a:alpha val="40000"/>
-              </a:schemeClr>
-            </a:glow>
-            <a:innerShdw blurRad="114300">
-              <a:prstClr val="black"/>
-            </a:innerShdw>
-            <a:softEdge rad="12700"/>
-          </a:effectLst>
-        </p:spPr>
-        <p:style>
-          <a:lnRef idx="2">
-            <a:schemeClr val="dk1"/>
-          </a:lnRef>
-          <a:fillRef idx="1">
-            <a:schemeClr val="lt1"/>
-          </a:fillRef>
-          <a:effectRef idx="0">
-            <a:schemeClr val="dk1"/>
-          </a:effectRef>
-          <a:fontRef idx="minor">
-            <a:schemeClr val="dk1"/>
-          </a:fontRef>
-        </p:style>
-        <p:txBody>
-          <a:bodyPr rtlCol="0" anchor="ctr"/>
-          <a:lstStyle/>
-          <a:p>
-            <a:pPr algn="ctr"/>
-            <a:endParaRPr lang="fr-FR"/>
-          </a:p>
-        </p:txBody>
-      </p:sp>
-      <p:sp>
-        <p:nvSpPr>
-          <p:cNvPr id="5" name="ZoneTexte 4">
+          <p:cNvPr id="9" name="ZoneTexte 8">
             <a:extLst>
               <a:ext uri="{FF2B5EF4-FFF2-40B4-BE49-F238E27FC236}">
-                <a16:creationId xmlns="" xmlns:a16="http://schemas.microsoft.com/office/drawing/2014/main" id="{F3ADFA8B-9444-49C0-B723-BB0A8C5F043A}"/>
+                <a16:creationId xmlns:a16="http://schemas.microsoft.com/office/drawing/2014/main" id="{727F412D-145E-41E0-96F7-64D3EB5C1222}"/>
               </a:ext>
             </a:extLst>
           </p:cNvPr>
@@ -4684,8 +6515,8 @@
         </p:nvSpPr>
         <p:spPr>
           <a:xfrm>
-            <a:off x="449035" y="574158"/>
-            <a:ext cx="2686051" cy="1107996"/>
+            <a:off x="10858500" y="6429375"/>
+            <a:ext cx="647700" cy="369332"/>
           </a:xfrm>
           <a:prstGeom prst="rect">
             <a:avLst/>
@@ -4698,145 +6529,63 @@
           </a:bodyPr>
           <a:lstStyle/>
           <a:p>
-            <a:pPr marL="285750" indent="-285750">
-              <a:buFont typeface="+mj-lt"/>
-              <a:buAutoNum type="romanUcPeriod"/>
-            </a:pPr>
-            <a:r>
-              <a:rPr lang="fr-FR" sz="1100" dirty="0" smtClean="0">
+            <a:r>
+              <a:rPr lang="fr-FR" dirty="0"/>
+              <a:t>5/15</a:t>
+            </a:r>
+          </a:p>
+        </p:txBody>
+      </p:sp>
+      <p:sp>
+        <p:nvSpPr>
+          <p:cNvPr id="10" name="ZoneTexte 9">
+            <a:extLst>
+              <a:ext uri="{FF2B5EF4-FFF2-40B4-BE49-F238E27FC236}">
+                <a16:creationId xmlns:a16="http://schemas.microsoft.com/office/drawing/2014/main" id="{8630A28E-7049-4BB1-BDCE-9CDFA0BE5C53}"/>
+              </a:ext>
+            </a:extLst>
+          </p:cNvPr>
+          <p:cNvSpPr txBox="1"/>
+          <p:nvPr/>
+        </p:nvSpPr>
+        <p:spPr>
+          <a:xfrm>
+            <a:off x="4396355" y="536840"/>
+            <a:ext cx="5281301" cy="523220"/>
+          </a:xfrm>
+          <a:prstGeom prst="rect">
+            <a:avLst/>
+          </a:prstGeom>
+          <a:noFill/>
+        </p:spPr>
+        <p:txBody>
+          <a:bodyPr wrap="square" rtlCol="0">
+            <a:spAutoFit/>
+          </a:bodyPr>
+          <a:lstStyle/>
+          <a:p>
+            <a:pPr algn="ctr"/>
+            <a:r>
+              <a:rPr lang="fr-FR" sz="2800" b="1" cap="small" dirty="0">
                 <a:solidFill>
                   <a:srgbClr val="EA0000"/>
                 </a:solidFill>
-                <a:latin typeface="DejaVu Sans Condensed" panose="020B0606030804020204" pitchFamily="34" charset="0"/>
-                <a:ea typeface="DejaVu Sans Condensed" panose="020B0606030804020204" pitchFamily="34" charset="0"/>
-                <a:cs typeface="DejaVu Sans Condensed" panose="020B0606030804020204" pitchFamily="34" charset="0"/>
-              </a:rPr>
-              <a:t>Retour sur la conception</a:t>
-            </a:r>
-          </a:p>
-          <a:p>
-            <a:pPr marL="685800" lvl="1" indent="-228600">
-              <a:buFont typeface="+mj-lt"/>
-              <a:buAutoNum type="alphaLcPeriod"/>
-            </a:pPr>
-            <a:r>
-              <a:rPr lang="fr-FR" sz="1100" dirty="0">
-                <a:solidFill>
-                  <a:srgbClr val="EA0000"/>
-                </a:solidFill>
-                <a:latin typeface="DejaVu Sans Condensed" panose="020B0606030804020204" pitchFamily="34" charset="0"/>
-                <a:ea typeface="DejaVu Sans Condensed" panose="020B0606030804020204" pitchFamily="34" charset="0"/>
-                <a:cs typeface="DejaVu Sans Condensed" panose="020B0606030804020204" pitchFamily="34" charset="0"/>
-              </a:rPr>
-              <a:t>La gestion des erreurs XML</a:t>
-            </a:r>
-          </a:p>
-          <a:p>
-            <a:pPr marL="685800" lvl="1" indent="-228600">
-              <a:buFont typeface="+mj-lt"/>
-              <a:buAutoNum type="alphaLcPeriod"/>
-            </a:pPr>
-            <a:r>
-              <a:rPr lang="fr-FR" sz="1100" dirty="0" smtClean="0">
-                <a:latin typeface="DejaVu Sans Condensed" panose="020B0606030804020204" pitchFamily="34" charset="0"/>
-                <a:ea typeface="DejaVu Sans Condensed" panose="020B0606030804020204" pitchFamily="34" charset="0"/>
-                <a:cs typeface="DejaVu Sans Condensed" panose="020B0606030804020204" pitchFamily="34" charset="0"/>
-              </a:rPr>
-              <a:t>L’élément « Tableau »</a:t>
-            </a:r>
-            <a:endParaRPr lang="fr-FR" sz="1100" dirty="0">
-              <a:solidFill>
-                <a:srgbClr val="FF0000"/>
-              </a:solidFill>
-              <a:latin typeface="DejaVu Sans Condensed" panose="020B0606030804020204" pitchFamily="34" charset="0"/>
-              <a:ea typeface="DejaVu Sans Condensed" panose="020B0606030804020204" pitchFamily="34" charset="0"/>
-              <a:cs typeface="DejaVu Sans Condensed" panose="020B0606030804020204" pitchFamily="34" charset="0"/>
-            </a:endParaRPr>
-          </a:p>
-          <a:p>
-            <a:pPr marL="285750" indent="-285750">
-              <a:buFont typeface="+mj-lt"/>
-              <a:buAutoNum type="romanUcPeriod"/>
-            </a:pPr>
-            <a:r>
-              <a:rPr lang="fr-FR" sz="1100" dirty="0" smtClean="0">
-                <a:latin typeface="DejaVu Sans Condensed" panose="020B0606030804020204" pitchFamily="34" charset="0"/>
-                <a:ea typeface="DejaVu Sans Condensed" panose="020B0606030804020204" pitchFamily="34" charset="0"/>
-                <a:cs typeface="DejaVu Sans Condensed" panose="020B0606030804020204" pitchFamily="34" charset="0"/>
-              </a:rPr>
-              <a:t>Suivi </a:t>
-            </a:r>
-            <a:r>
-              <a:rPr lang="fr-FR" sz="1100" dirty="0">
-                <a:latin typeface="DejaVu Sans Condensed" panose="020B0606030804020204" pitchFamily="34" charset="0"/>
-                <a:ea typeface="DejaVu Sans Condensed" panose="020B0606030804020204" pitchFamily="34" charset="0"/>
-                <a:cs typeface="DejaVu Sans Condensed" panose="020B0606030804020204" pitchFamily="34" charset="0"/>
-              </a:rPr>
-              <a:t>du projet</a:t>
-            </a:r>
-          </a:p>
-          <a:p>
-            <a:pPr marL="285750" indent="-285750">
-              <a:buFont typeface="+mj-lt"/>
-              <a:buAutoNum type="romanUcPeriod"/>
-            </a:pPr>
-            <a:r>
-              <a:rPr lang="fr-FR" sz="1100" dirty="0" smtClean="0">
-                <a:latin typeface="DejaVu Sans Condensed" panose="020B0606030804020204" pitchFamily="34" charset="0"/>
-                <a:ea typeface="DejaVu Sans Condensed" panose="020B0606030804020204" pitchFamily="34" charset="0"/>
-                <a:cs typeface="DejaVu Sans Condensed" panose="020B0606030804020204" pitchFamily="34" charset="0"/>
-              </a:rPr>
-              <a:t>Apports </a:t>
-            </a:r>
-            <a:r>
-              <a:rPr lang="fr-FR" sz="1100" dirty="0">
-                <a:latin typeface="DejaVu Sans Condensed" panose="020B0606030804020204" pitchFamily="34" charset="0"/>
-                <a:ea typeface="DejaVu Sans Condensed" panose="020B0606030804020204" pitchFamily="34" charset="0"/>
-                <a:cs typeface="DejaVu Sans Condensed" panose="020B0606030804020204" pitchFamily="34" charset="0"/>
-              </a:rPr>
-              <a:t>du projets</a:t>
-            </a:r>
-          </a:p>
-          <a:p>
-            <a:pPr marL="285750" indent="-285750">
-              <a:buFont typeface="+mj-lt"/>
-              <a:buAutoNum type="romanUcPeriod"/>
-            </a:pPr>
-            <a:r>
-              <a:rPr lang="fr-FR" sz="1100" dirty="0" smtClean="0">
-                <a:latin typeface="DejaVu Sans Condensed" panose="020B0606030804020204" pitchFamily="34" charset="0"/>
-                <a:ea typeface="DejaVu Sans Condensed" panose="020B0606030804020204" pitchFamily="34" charset="0"/>
-                <a:cs typeface="DejaVu Sans Condensed" panose="020B0606030804020204" pitchFamily="34" charset="0"/>
-              </a:rPr>
-              <a:t>Difficultés </a:t>
-            </a:r>
-            <a:r>
-              <a:rPr lang="fr-FR" sz="1100" dirty="0">
-                <a:latin typeface="DejaVu Sans Condensed" panose="020B0606030804020204" pitchFamily="34" charset="0"/>
-                <a:ea typeface="DejaVu Sans Condensed" panose="020B0606030804020204" pitchFamily="34" charset="0"/>
-                <a:cs typeface="DejaVu Sans Condensed" panose="020B0606030804020204" pitchFamily="34" charset="0"/>
-              </a:rPr>
-              <a:t>rencontrés</a:t>
-            </a:r>
-          </a:p>
-        </p:txBody>
-      </p:sp>
-      <p:sp>
-        <p:nvSpPr>
-          <p:cNvPr id="9" name="ZoneTexte 8">
-            <a:extLst>
-              <a:ext uri="{FF2B5EF4-FFF2-40B4-BE49-F238E27FC236}">
-                <a16:creationId xmlns="" xmlns:a16="http://schemas.microsoft.com/office/drawing/2014/main" id="{727F412D-145E-41E0-96F7-64D3EB5C1222}"/>
-              </a:ext>
-            </a:extLst>
-          </p:cNvPr>
+              </a:rPr>
+              <a:t>Nos outils</a:t>
+            </a:r>
+          </a:p>
+        </p:txBody>
+      </p:sp>
+      <p:sp>
+        <p:nvSpPr>
+          <p:cNvPr id="15" name="ZoneTexte 14"/>
           <p:cNvSpPr txBox="1"/>
           <p:nvPr/>
         </p:nvSpPr>
         <p:spPr>
           <a:xfrm>
-            <a:off x="10858500" y="6429375"/>
-            <a:ext cx="647700" cy="369332"/>
+            <a:off x="823145" y="4384855"/>
+            <a:ext cx="2377958" cy="923330"/>
           </a:xfrm>
           <a:prstGeom prst="rect">
             <a:avLst/>
@@ -4849,29 +6598,44 @@
           </a:bodyPr>
           <a:lstStyle/>
           <a:p>
-            <a:r>
-              <a:rPr lang="fr-FR" dirty="0"/>
-              <a:t>3/10</a:t>
-            </a:r>
-          </a:p>
-        </p:txBody>
-      </p:sp>
-      <p:sp>
-        <p:nvSpPr>
-          <p:cNvPr id="10" name="ZoneTexte 9">
-            <a:extLst>
-              <a:ext uri="{FF2B5EF4-FFF2-40B4-BE49-F238E27FC236}">
-                <a16:creationId xmlns="" xmlns:a16="http://schemas.microsoft.com/office/drawing/2014/main" id="{8630A28E-7049-4BB1-BDCE-9CDFA0BE5C53}"/>
-              </a:ext>
-            </a:extLst>
-          </p:cNvPr>
+            <a:pPr algn="ctr"/>
+            <a:r>
+              <a:rPr lang="fr-FR" b="1" dirty="0" err="1">
+                <a:ea typeface="DejaVu Sans Condensed" panose="020B0606030804020204" pitchFamily="34" charset="0"/>
+                <a:cs typeface="DejaVu Sans Condensed" panose="020B0606030804020204" pitchFamily="34" charset="0"/>
+              </a:rPr>
+              <a:t>ArgoUML</a:t>
+            </a:r>
+            <a:r>
+              <a:rPr lang="fr-FR" b="1" dirty="0">
+                <a:ea typeface="DejaVu Sans Condensed" panose="020B0606030804020204" pitchFamily="34" charset="0"/>
+                <a:cs typeface="DejaVu Sans Condensed" panose="020B0606030804020204" pitchFamily="34" charset="0"/>
+              </a:rPr>
+              <a:t>,</a:t>
+            </a:r>
+          </a:p>
+          <a:p>
+            <a:pPr algn="ctr"/>
+            <a:r>
+              <a:rPr lang="fr-FR" dirty="0">
+                <a:ea typeface="DejaVu Sans Condensed" panose="020B0606030804020204" pitchFamily="34" charset="0"/>
+                <a:cs typeface="DejaVu Sans Condensed" panose="020B0606030804020204" pitchFamily="34" charset="0"/>
+              </a:rPr>
+              <a:t>pour réaliser un diagramme de classes</a:t>
+            </a:r>
+          </a:p>
+        </p:txBody>
+      </p:sp>
+      <p:sp>
+        <p:nvSpPr>
+          <p:cNvPr id="17" name="ZoneTexte 16"/>
           <p:cNvSpPr txBox="1"/>
           <p:nvPr/>
         </p:nvSpPr>
         <p:spPr>
           <a:xfrm>
-            <a:off x="4396355" y="536840"/>
-            <a:ext cx="5281301" cy="523220"/>
+            <a:off x="4396354" y="3305643"/>
+            <a:ext cx="1770981" cy="707886"/>
           </a:xfrm>
           <a:prstGeom prst="rect">
             <a:avLst/>
@@ -4886,106 +6650,13 @@
           <a:p>
             <a:pPr algn="ctr"/>
             <a:r>
-              <a:rPr lang="fr-FR" sz="2800" b="1" cap="small" dirty="0" smtClean="0">
-                <a:solidFill>
-                  <a:srgbClr val="EA0000"/>
-                </a:solidFill>
-              </a:rPr>
-              <a:t>Nos outils</a:t>
-            </a:r>
-            <a:endParaRPr lang="fr-FR" sz="2800" b="1" cap="small" dirty="0">
-              <a:solidFill>
-                <a:srgbClr val="EA0000"/>
-              </a:solidFill>
-            </a:endParaRPr>
-          </a:p>
-        </p:txBody>
-      </p:sp>
-      <p:sp>
-        <p:nvSpPr>
-          <p:cNvPr id="15" name="ZoneTexte 14"/>
-          <p:cNvSpPr txBox="1"/>
-          <p:nvPr/>
-        </p:nvSpPr>
-        <p:spPr>
-          <a:xfrm>
-            <a:off x="823145" y="4384855"/>
-            <a:ext cx="2377958" cy="923330"/>
-          </a:xfrm>
-          <a:prstGeom prst="rect">
-            <a:avLst/>
-          </a:prstGeom>
-          <a:noFill/>
-        </p:spPr>
-        <p:txBody>
-          <a:bodyPr wrap="square" rtlCol="0">
-            <a:spAutoFit/>
-          </a:bodyPr>
-          <a:lstStyle/>
-          <a:p>
-            <a:pPr algn="ctr"/>
-            <a:r>
-              <a:rPr lang="fr-FR" b="1" dirty="0" err="1" smtClean="0">
-                <a:ea typeface="DejaVu Sans Condensed" panose="020B0606030804020204" pitchFamily="34" charset="0"/>
-                <a:cs typeface="DejaVu Sans Condensed" panose="020B0606030804020204" pitchFamily="34" charset="0"/>
-              </a:rPr>
-              <a:t>ArgoUML</a:t>
-            </a:r>
-            <a:r>
-              <a:rPr lang="fr-FR" b="1" dirty="0" smtClean="0">
-                <a:ea typeface="DejaVu Sans Condensed" panose="020B0606030804020204" pitchFamily="34" charset="0"/>
-                <a:cs typeface="DejaVu Sans Condensed" panose="020B0606030804020204" pitchFamily="34" charset="0"/>
-              </a:rPr>
-              <a:t>,</a:t>
-            </a:r>
-          </a:p>
-          <a:p>
-            <a:pPr algn="ctr"/>
-            <a:r>
-              <a:rPr lang="fr-FR" dirty="0" smtClean="0">
-                <a:ea typeface="DejaVu Sans Condensed" panose="020B0606030804020204" pitchFamily="34" charset="0"/>
-                <a:cs typeface="DejaVu Sans Condensed" panose="020B0606030804020204" pitchFamily="34" charset="0"/>
-              </a:rPr>
-              <a:t>pour réaliser un diagramme de classes</a:t>
-            </a:r>
-            <a:endParaRPr lang="fr-FR" dirty="0" smtClean="0">
-              <a:ea typeface="DejaVu Sans Condensed" panose="020B0606030804020204" pitchFamily="34" charset="0"/>
-              <a:cs typeface="DejaVu Sans Condensed" panose="020B0606030804020204" pitchFamily="34" charset="0"/>
-            </a:endParaRPr>
-          </a:p>
-        </p:txBody>
-      </p:sp>
-      <p:sp>
-        <p:nvSpPr>
-          <p:cNvPr id="17" name="ZoneTexte 16"/>
-          <p:cNvSpPr txBox="1"/>
-          <p:nvPr/>
-        </p:nvSpPr>
-        <p:spPr>
-          <a:xfrm>
-            <a:off x="4396354" y="3305643"/>
-            <a:ext cx="1770981" cy="707886"/>
-          </a:xfrm>
-          <a:prstGeom prst="rect">
-            <a:avLst/>
-          </a:prstGeom>
-          <a:noFill/>
-        </p:spPr>
-        <p:txBody>
-          <a:bodyPr wrap="square" rtlCol="0">
-            <a:spAutoFit/>
-          </a:bodyPr>
-          <a:lstStyle/>
-          <a:p>
-            <a:pPr algn="ctr"/>
-            <a:r>
-              <a:rPr lang="fr-FR" sz="2000" b="1" dirty="0" smtClean="0">
+              <a:rPr lang="fr-FR" sz="2000" b="1" dirty="0">
                 <a:ea typeface="DejaVu Sans Condensed" panose="020B0606030804020204" pitchFamily="34" charset="0"/>
                 <a:cs typeface="DejaVu Sans Condensed" panose="020B0606030804020204" pitchFamily="34" charset="0"/>
               </a:rPr>
               <a:t>Nos outils personnalisés :</a:t>
             </a:r>
-            <a:endParaRPr lang="fr-FR" sz="2000" dirty="0" smtClean="0">
+            <a:endParaRPr lang="fr-FR" sz="2000" dirty="0">
               <a:ea typeface="DejaVu Sans Condensed" panose="020B0606030804020204" pitchFamily="34" charset="0"/>
               <a:cs typeface="DejaVu Sans Condensed" panose="020B0606030804020204" pitchFamily="34" charset="0"/>
             </a:endParaRPr>
@@ -5057,16 +6728,149 @@
           <a:p>
             <a:pPr algn="ctr"/>
             <a:r>
-              <a:rPr lang="fr-FR" sz="2000" b="1" dirty="0" smtClean="0">
+              <a:rPr lang="fr-FR" sz="2000" b="1" dirty="0">
                 <a:ea typeface="DejaVu Sans Condensed" panose="020B0606030804020204" pitchFamily="34" charset="0"/>
                 <a:cs typeface="DejaVu Sans Condensed" panose="020B0606030804020204" pitchFamily="34" charset="0"/>
               </a:rPr>
               <a:t>Les .bat, et le chat</a:t>
             </a:r>
-            <a:endParaRPr lang="fr-FR" sz="2000" dirty="0" smtClean="0">
+            <a:endParaRPr lang="fr-FR" sz="2000" dirty="0">
               <a:ea typeface="DejaVu Sans Condensed" panose="020B0606030804020204" pitchFamily="34" charset="0"/>
               <a:cs typeface="DejaVu Sans Condensed" panose="020B0606030804020204" pitchFamily="34" charset="0"/>
             </a:endParaRPr>
+          </a:p>
+        </p:txBody>
+      </p:sp>
+      <p:sp>
+        <p:nvSpPr>
+          <p:cNvPr id="12" name="ZoneTexte 11">
+            <a:extLst>
+              <a:ext uri="{FF2B5EF4-FFF2-40B4-BE49-F238E27FC236}">
+                <a16:creationId xmlns:a16="http://schemas.microsoft.com/office/drawing/2014/main" id="{7C5286A0-7B28-41FC-A231-E18871A62133}"/>
+              </a:ext>
+            </a:extLst>
+          </p:cNvPr>
+          <p:cNvSpPr txBox="1"/>
+          <p:nvPr/>
+        </p:nvSpPr>
+        <p:spPr>
+          <a:xfrm>
+            <a:off x="486267" y="536840"/>
+            <a:ext cx="3051714" cy="1277273"/>
+          </a:xfrm>
+          <a:prstGeom prst="rect">
+            <a:avLst/>
+          </a:prstGeom>
+          <a:noFill/>
+        </p:spPr>
+        <p:txBody>
+          <a:bodyPr wrap="square" rtlCol="0">
+            <a:spAutoFit/>
+          </a:bodyPr>
+          <a:lstStyle/>
+          <a:p>
+            <a:pPr marL="285750" indent="-285750">
+              <a:buFont typeface="+mj-lt"/>
+              <a:buAutoNum type="romanUcPeriod"/>
+            </a:pPr>
+            <a:r>
+              <a:rPr lang="fr-FR" sz="1100" dirty="0">
+                <a:solidFill>
+                  <a:srgbClr val="EA0000"/>
+                </a:solidFill>
+                <a:latin typeface="DejaVu Sans Condensed" panose="020B0606030804020204" pitchFamily="34" charset="0"/>
+                <a:ea typeface="DejaVu Sans Condensed" panose="020B0606030804020204" pitchFamily="34" charset="0"/>
+                <a:cs typeface="DejaVu Sans Condensed" panose="020B0606030804020204" pitchFamily="34" charset="0"/>
+              </a:rPr>
+              <a:t>Une démarche bien huilé</a:t>
+            </a:r>
+          </a:p>
+          <a:p>
+            <a:pPr marL="685800" lvl="1" indent="-228600">
+              <a:buFont typeface="+mj-lt"/>
+              <a:buAutoNum type="arabicPeriod"/>
+            </a:pPr>
+            <a:r>
+              <a:rPr lang="fr-FR" sz="1100" dirty="0">
+                <a:solidFill>
+                  <a:srgbClr val="EA0000"/>
+                </a:solidFill>
+                <a:latin typeface="DejaVu Sans Condensed" panose="020B0606030804020204" pitchFamily="34" charset="0"/>
+                <a:ea typeface="DejaVu Sans Condensed" panose="020B0606030804020204" pitchFamily="34" charset="0"/>
+                <a:cs typeface="DejaVu Sans Condensed" panose="020B0606030804020204" pitchFamily="34" charset="0"/>
+              </a:rPr>
+              <a:t>Nos outils</a:t>
+            </a:r>
+          </a:p>
+          <a:p>
+            <a:pPr marL="685800" lvl="1" indent="-228600">
+              <a:buFont typeface="+mj-lt"/>
+              <a:buAutoNum type="arabicPeriod"/>
+            </a:pPr>
+            <a:r>
+              <a:rPr lang="fr-FR" sz="1100" dirty="0">
+                <a:latin typeface="DejaVu Sans Condensed" panose="020B0606030804020204" pitchFamily="34" charset="0"/>
+                <a:ea typeface="DejaVu Sans Condensed" panose="020B0606030804020204" pitchFamily="34" charset="0"/>
+                <a:cs typeface="DejaVu Sans Condensed" panose="020B0606030804020204" pitchFamily="34" charset="0"/>
+              </a:rPr>
+              <a:t>Retour sur la conception</a:t>
+            </a:r>
+          </a:p>
+          <a:p>
+            <a:pPr marL="1143000" lvl="2" indent="-228600">
+              <a:buFont typeface="+mj-lt"/>
+              <a:buAutoNum type="alphaLcParenR"/>
+            </a:pPr>
+            <a:r>
+              <a:rPr lang="fr-FR" sz="1100" dirty="0">
+                <a:latin typeface="DejaVu Sans Condensed" panose="020B0606030804020204" pitchFamily="34" charset="0"/>
+                <a:ea typeface="DejaVu Sans Condensed" panose="020B0606030804020204" pitchFamily="34" charset="0"/>
+                <a:cs typeface="DejaVu Sans Condensed" panose="020B0606030804020204" pitchFamily="34" charset="0"/>
+              </a:rPr>
+              <a:t>La gestion des erreurs XML</a:t>
+            </a:r>
+          </a:p>
+          <a:p>
+            <a:pPr marL="1143000" lvl="2" indent="-228600">
+              <a:buFont typeface="+mj-lt"/>
+              <a:buAutoNum type="alphaLcParenR"/>
+            </a:pPr>
+            <a:r>
+              <a:rPr lang="fr-FR" sz="1100" dirty="0">
+                <a:latin typeface="DejaVu Sans Condensed" panose="020B0606030804020204" pitchFamily="34" charset="0"/>
+                <a:ea typeface="DejaVu Sans Condensed" panose="020B0606030804020204" pitchFamily="34" charset="0"/>
+                <a:cs typeface="DejaVu Sans Condensed" panose="020B0606030804020204" pitchFamily="34" charset="0"/>
+              </a:rPr>
+              <a:t>L’élément « Tableau »</a:t>
+            </a:r>
+          </a:p>
+          <a:p>
+            <a:pPr marL="285750" indent="-285750">
+              <a:buFont typeface="+mj-lt"/>
+              <a:buAutoNum type="romanUcPeriod"/>
+            </a:pPr>
+            <a:r>
+              <a:rPr lang="fr-FR" sz="1100" dirty="0">
+                <a:latin typeface="DejaVu Sans Condensed" panose="020B0606030804020204" pitchFamily="34" charset="0"/>
+                <a:ea typeface="DejaVu Sans Condensed" panose="020B0606030804020204" pitchFamily="34" charset="0"/>
+                <a:cs typeface="DejaVu Sans Condensed" panose="020B0606030804020204" pitchFamily="34" charset="0"/>
+              </a:rPr>
+              <a:t>Un projet professionnalisant</a:t>
+            </a:r>
+          </a:p>
+          <a:p>
+            <a:pPr marL="285750" indent="-285750">
+              <a:buFont typeface="+mj-lt"/>
+              <a:buAutoNum type="romanUcPeriod"/>
+            </a:pPr>
+            <a:r>
+              <a:rPr lang="fr-FR" sz="1100" dirty="0">
+                <a:latin typeface="DejaVu Sans Condensed" panose="020B0606030804020204" pitchFamily="34" charset="0"/>
+                <a:ea typeface="DejaVu Sans Condensed" panose="020B0606030804020204" pitchFamily="34" charset="0"/>
+                <a:cs typeface="DejaVu Sans Condensed" panose="020B0606030804020204" pitchFamily="34" charset="0"/>
+              </a:rPr>
+              <a:t>Une organisation naissante</a:t>
+            </a:r>
           </a:p>
         </p:txBody>
       </p:sp>
@@ -5080,13 +6884,6 @@
   <p:clrMapOvr>
     <a:masterClrMapping/>
   </p:clrMapOvr>
-  <p:timing>
-    <p:tnLst>
-      <p:par>
-        <p:cTn id="1" dur="indefinite" restart="never" nodeType="tmRoot"/>
-      </p:par>
-    </p:tnLst>
-  </p:timing>
 </p:sld>
 </file>
 
@@ -5107,213 +6904,12 @@
           <a:chExt cx="0" cy="0"/>
         </a:xfrm>
       </p:grpSpPr>
-      <p:sp>
-        <p:nvSpPr>
-          <p:cNvPr id="6" name="Rectangle à coins arrondis 5"/>
-          <p:cNvSpPr/>
-          <p:nvPr/>
-        </p:nvSpPr>
-        <p:spPr>
-          <a:xfrm>
-            <a:off x="346640" y="392772"/>
-            <a:ext cx="2788446" cy="1705450"/>
-          </a:xfrm>
-          <a:prstGeom prst="roundRect">
-            <a:avLst/>
-          </a:prstGeom>
-          <a:effectLst>
-            <a:glow rad="101600">
-              <a:schemeClr val="accent3">
-                <a:satMod val="175000"/>
-                <a:alpha val="40000"/>
-              </a:schemeClr>
-            </a:glow>
-            <a:innerShdw blurRad="114300">
-              <a:prstClr val="black"/>
-            </a:innerShdw>
-            <a:softEdge rad="12700"/>
-          </a:effectLst>
-        </p:spPr>
-        <p:style>
-          <a:lnRef idx="2">
-            <a:schemeClr val="dk1"/>
-          </a:lnRef>
-          <a:fillRef idx="1">
-            <a:schemeClr val="lt1"/>
-          </a:fillRef>
-          <a:effectRef idx="0">
-            <a:schemeClr val="dk1"/>
-          </a:effectRef>
-          <a:fontRef idx="minor">
-            <a:schemeClr val="dk1"/>
-          </a:fontRef>
-        </p:style>
-        <p:txBody>
-          <a:bodyPr rtlCol="0" anchor="ctr"/>
-          <a:lstStyle/>
-          <a:p>
-            <a:pPr algn="ctr"/>
-            <a:endParaRPr lang="fr-FR"/>
-          </a:p>
-        </p:txBody>
-      </p:sp>
-      <p:sp>
-        <p:nvSpPr>
-          <p:cNvPr id="5" name="ZoneTexte 4">
-            <a:extLst>
-              <a:ext uri="{FF2B5EF4-FFF2-40B4-BE49-F238E27FC236}">
-                <a16:creationId xmlns="" xmlns:a16="http://schemas.microsoft.com/office/drawing/2014/main" id="{F3ADFA8B-9444-49C0-B723-BB0A8C5F043A}"/>
-              </a:ext>
-            </a:extLst>
-          </p:cNvPr>
-          <p:cNvSpPr txBox="1"/>
-          <p:nvPr/>
-        </p:nvSpPr>
-        <p:spPr>
-          <a:xfrm>
-            <a:off x="449035" y="574158"/>
-            <a:ext cx="2686051" cy="1107996"/>
-          </a:xfrm>
-          <a:prstGeom prst="rect">
-            <a:avLst/>
-          </a:prstGeom>
-          <a:noFill/>
-        </p:spPr>
-        <p:txBody>
-          <a:bodyPr wrap="square" rtlCol="0">
-            <a:spAutoFit/>
-          </a:bodyPr>
-          <a:lstStyle/>
-          <a:p>
-            <a:pPr marL="285750" indent="-285750">
-              <a:buFont typeface="+mj-lt"/>
-              <a:buAutoNum type="romanUcPeriod"/>
-            </a:pPr>
-            <a:r>
-              <a:rPr lang="fr-FR" sz="1100" dirty="0" smtClean="0">
-                <a:solidFill>
-                  <a:srgbClr val="EA0000"/>
-                </a:solidFill>
-                <a:latin typeface="DejaVu Sans Condensed" panose="020B0606030804020204" pitchFamily="34" charset="0"/>
-                <a:ea typeface="DejaVu Sans Condensed" panose="020B0606030804020204" pitchFamily="34" charset="0"/>
-                <a:cs typeface="DejaVu Sans Condensed" panose="020B0606030804020204" pitchFamily="34" charset="0"/>
-              </a:rPr>
-              <a:t>Retour sur la conception</a:t>
-            </a:r>
-          </a:p>
-          <a:p>
-            <a:pPr marL="685800" lvl="1" indent="-228600">
-              <a:buFont typeface="+mj-lt"/>
-              <a:buAutoNum type="alphaLcPeriod"/>
-            </a:pPr>
-            <a:r>
-              <a:rPr lang="fr-FR" sz="1100" dirty="0">
-                <a:solidFill>
-                  <a:srgbClr val="EA0000"/>
-                </a:solidFill>
-                <a:latin typeface="DejaVu Sans Condensed" panose="020B0606030804020204" pitchFamily="34" charset="0"/>
-                <a:ea typeface="DejaVu Sans Condensed" panose="020B0606030804020204" pitchFamily="34" charset="0"/>
-                <a:cs typeface="DejaVu Sans Condensed" panose="020B0606030804020204" pitchFamily="34" charset="0"/>
-              </a:rPr>
-              <a:t>La gestion des erreurs XML</a:t>
-            </a:r>
-          </a:p>
-          <a:p>
-            <a:pPr marL="685800" lvl="1" indent="-228600">
-              <a:buFont typeface="+mj-lt"/>
-              <a:buAutoNum type="alphaLcPeriod"/>
-            </a:pPr>
-            <a:r>
-              <a:rPr lang="fr-FR" sz="1100" dirty="0" smtClean="0">
-                <a:latin typeface="DejaVu Sans Condensed" panose="020B0606030804020204" pitchFamily="34" charset="0"/>
-                <a:ea typeface="DejaVu Sans Condensed" panose="020B0606030804020204" pitchFamily="34" charset="0"/>
-                <a:cs typeface="DejaVu Sans Condensed" panose="020B0606030804020204" pitchFamily="34" charset="0"/>
-              </a:rPr>
-              <a:t>L’élément « Tableau »</a:t>
-            </a:r>
-            <a:endParaRPr lang="fr-FR" sz="1100" dirty="0">
-              <a:solidFill>
-                <a:srgbClr val="FF0000"/>
-              </a:solidFill>
-              <a:latin typeface="DejaVu Sans Condensed" panose="020B0606030804020204" pitchFamily="34" charset="0"/>
-              <a:ea typeface="DejaVu Sans Condensed" panose="020B0606030804020204" pitchFamily="34" charset="0"/>
-              <a:cs typeface="DejaVu Sans Condensed" panose="020B0606030804020204" pitchFamily="34" charset="0"/>
-            </a:endParaRPr>
-          </a:p>
-          <a:p>
-            <a:pPr marL="285750" indent="-285750">
-              <a:buFont typeface="+mj-lt"/>
-              <a:buAutoNum type="romanUcPeriod"/>
-            </a:pPr>
-            <a:r>
-              <a:rPr lang="fr-FR" sz="1100" dirty="0" smtClean="0">
-                <a:latin typeface="DejaVu Sans Condensed" panose="020B0606030804020204" pitchFamily="34" charset="0"/>
-                <a:ea typeface="DejaVu Sans Condensed" panose="020B0606030804020204" pitchFamily="34" charset="0"/>
-                <a:cs typeface="DejaVu Sans Condensed" panose="020B0606030804020204" pitchFamily="34" charset="0"/>
-              </a:rPr>
-              <a:t>Suivi </a:t>
-            </a:r>
-            <a:r>
-              <a:rPr lang="fr-FR" sz="1100" dirty="0">
-                <a:latin typeface="DejaVu Sans Condensed" panose="020B0606030804020204" pitchFamily="34" charset="0"/>
-                <a:ea typeface="DejaVu Sans Condensed" panose="020B0606030804020204" pitchFamily="34" charset="0"/>
-                <a:cs typeface="DejaVu Sans Condensed" panose="020B0606030804020204" pitchFamily="34" charset="0"/>
-              </a:rPr>
-              <a:t>du projet</a:t>
-            </a:r>
-          </a:p>
-          <a:p>
-            <a:pPr marL="285750" indent="-285750">
-              <a:buFont typeface="+mj-lt"/>
-              <a:buAutoNum type="romanUcPeriod"/>
-            </a:pPr>
-            <a:r>
-              <a:rPr lang="fr-FR" sz="1100" dirty="0" smtClean="0">
-                <a:latin typeface="DejaVu Sans Condensed" panose="020B0606030804020204" pitchFamily="34" charset="0"/>
-                <a:ea typeface="DejaVu Sans Condensed" panose="020B0606030804020204" pitchFamily="34" charset="0"/>
-                <a:cs typeface="DejaVu Sans Condensed" panose="020B0606030804020204" pitchFamily="34" charset="0"/>
-              </a:rPr>
-              <a:t>Apports </a:t>
-            </a:r>
-            <a:r>
-              <a:rPr lang="fr-FR" sz="1100" dirty="0">
-                <a:latin typeface="DejaVu Sans Condensed" panose="020B0606030804020204" pitchFamily="34" charset="0"/>
-                <a:ea typeface="DejaVu Sans Condensed" panose="020B0606030804020204" pitchFamily="34" charset="0"/>
-                <a:cs typeface="DejaVu Sans Condensed" panose="020B0606030804020204" pitchFamily="34" charset="0"/>
-              </a:rPr>
-              <a:t>du projets</a:t>
-            </a:r>
-          </a:p>
-          <a:p>
-            <a:pPr marL="285750" indent="-285750">
-              <a:buFont typeface="+mj-lt"/>
-              <a:buAutoNum type="romanUcPeriod"/>
-            </a:pPr>
-            <a:r>
-              <a:rPr lang="fr-FR" sz="1100" dirty="0" smtClean="0">
-                <a:latin typeface="DejaVu Sans Condensed" panose="020B0606030804020204" pitchFamily="34" charset="0"/>
-                <a:ea typeface="DejaVu Sans Condensed" panose="020B0606030804020204" pitchFamily="34" charset="0"/>
-                <a:cs typeface="DejaVu Sans Condensed" panose="020B0606030804020204" pitchFamily="34" charset="0"/>
-              </a:rPr>
-              <a:t>Difficultés </a:t>
-            </a:r>
-            <a:r>
-              <a:rPr lang="fr-FR" sz="1100" dirty="0">
-                <a:latin typeface="DejaVu Sans Condensed" panose="020B0606030804020204" pitchFamily="34" charset="0"/>
-                <a:ea typeface="DejaVu Sans Condensed" panose="020B0606030804020204" pitchFamily="34" charset="0"/>
-                <a:cs typeface="DejaVu Sans Condensed" panose="020B0606030804020204" pitchFamily="34" charset="0"/>
-              </a:rPr>
-              <a:t>rencontrés</a:t>
-            </a:r>
-          </a:p>
-        </p:txBody>
-      </p:sp>
       <p:pic>
         <p:nvPicPr>
           <p:cNvPr id="3" name="Image 2" descr="Une image contenant capture d’écran&#10;&#10;Description générée avec un niveau de confiance très élevé">
             <a:extLst>
               <a:ext uri="{FF2B5EF4-FFF2-40B4-BE49-F238E27FC236}">
-                <a16:creationId xmlns="" xmlns:a16="http://schemas.microsoft.com/office/drawing/2014/main" id="{0924F2BA-05EC-4F8F-84DC-8C3CFFCD0356}"/>
+                <a16:creationId xmlns:a16="http://schemas.microsoft.com/office/drawing/2014/main" id="{0924F2BA-05EC-4F8F-84DC-8C3CFFCD0356}"/>
               </a:ext>
             </a:extLst>
           </p:cNvPr>
@@ -5336,7 +6932,7 @@
         </p:blipFill>
         <p:spPr>
           <a:xfrm>
-            <a:off x="3340418" y="1670982"/>
+            <a:off x="3799240" y="1618361"/>
             <a:ext cx="3302436" cy="4487227"/>
           </a:xfrm>
           <a:prstGeom prst="rect">
@@ -5349,7 +6945,7 @@
           <p:cNvPr id="9" name="ZoneTexte 8">
             <a:extLst>
               <a:ext uri="{FF2B5EF4-FFF2-40B4-BE49-F238E27FC236}">
-                <a16:creationId xmlns="" xmlns:a16="http://schemas.microsoft.com/office/drawing/2014/main" id="{727F412D-145E-41E0-96F7-64D3EB5C1222}"/>
+                <a16:creationId xmlns:a16="http://schemas.microsoft.com/office/drawing/2014/main" id="{727F412D-145E-41E0-96F7-64D3EB5C1222}"/>
               </a:ext>
             </a:extLst>
           </p:cNvPr>
@@ -5374,7 +6970,7 @@
           <a:p>
             <a:r>
               <a:rPr lang="fr-FR" dirty="0"/>
-              <a:t>3/10</a:t>
+              <a:t>6/15</a:t>
             </a:r>
           </a:p>
         </p:txBody>
@@ -5407,25 +7003,11 @@
               </a:lnSpc>
             </a:pPr>
             <a:r>
-              <a:rPr lang="fr-FR" b="1" dirty="0" smtClean="0">
-                <a:ea typeface="DejaVu Sans Condensed" panose="020B0606030804020204" pitchFamily="34" charset="0"/>
-                <a:cs typeface="DejaVu Sans Condensed" panose="020B0606030804020204" pitchFamily="34" charset="0"/>
-              </a:rPr>
-              <a:t>Plusieurs </a:t>
-            </a:r>
-            <a:r>
-              <a:rPr lang="fr-FR" b="1" dirty="0" smtClean="0">
-                <a:ea typeface="DejaVu Sans Condensed" panose="020B0606030804020204" pitchFamily="34" charset="0"/>
-                <a:cs typeface="DejaVu Sans Condensed" panose="020B0606030804020204" pitchFamily="34" charset="0"/>
-              </a:rPr>
-              <a:t>façons </a:t>
-            </a:r>
-            <a:r>
-              <a:rPr lang="fr-FR" b="1" dirty="0" smtClean="0">
-                <a:ea typeface="DejaVu Sans Condensed" panose="020B0606030804020204" pitchFamily="34" charset="0"/>
-                <a:cs typeface="DejaVu Sans Condensed" panose="020B0606030804020204" pitchFamily="34" charset="0"/>
-              </a:rPr>
-              <a:t>de les gérer :</a:t>
+              <a:rPr lang="fr-FR" b="1" dirty="0">
+                <a:ea typeface="DejaVu Sans Condensed" panose="020B0606030804020204" pitchFamily="34" charset="0"/>
+                <a:cs typeface="DejaVu Sans Condensed" panose="020B0606030804020204" pitchFamily="34" charset="0"/>
+              </a:rPr>
+              <a:t>Plusieurs façons de les gérer :</a:t>
             </a:r>
           </a:p>
           <a:p>
@@ -5434,7 +7016,7 @@
               <a:buChar char="§"/>
             </a:pPr>
             <a:r>
-              <a:rPr lang="fr-FR" dirty="0" smtClean="0">
+              <a:rPr lang="fr-FR" dirty="0">
                 <a:ea typeface="DejaVu Sans Condensed" panose="020B0606030804020204" pitchFamily="34" charset="0"/>
                 <a:cs typeface="DejaVu Sans Condensed" panose="020B0606030804020204" pitchFamily="34" charset="0"/>
               </a:rPr>
@@ -5447,7 +7029,7 @@
               <a:buChar char="§"/>
             </a:pPr>
             <a:r>
-              <a:rPr lang="fr-FR" dirty="0" smtClean="0">
+              <a:rPr lang="fr-FR" dirty="0">
                 <a:ea typeface="DejaVu Sans Condensed" panose="020B0606030804020204" pitchFamily="34" charset="0"/>
                 <a:cs typeface="DejaVu Sans Condensed" panose="020B0606030804020204" pitchFamily="34" charset="0"/>
               </a:rPr>
@@ -5460,7 +7042,7 @@
               <a:buChar char="§"/>
             </a:pPr>
             <a:r>
-              <a:rPr lang="fr-FR" dirty="0" smtClean="0">
+              <a:rPr lang="fr-FR" dirty="0">
                 <a:ea typeface="DejaVu Sans Condensed" panose="020B0606030804020204" pitchFamily="34" charset="0"/>
                 <a:cs typeface="DejaVu Sans Condensed" panose="020B0606030804020204" pitchFamily="34" charset="0"/>
               </a:rPr>
@@ -5474,7 +7056,7 @@
           <p:cNvPr id="10" name="ZoneTexte 9">
             <a:extLst>
               <a:ext uri="{FF2B5EF4-FFF2-40B4-BE49-F238E27FC236}">
-                <a16:creationId xmlns="" xmlns:a16="http://schemas.microsoft.com/office/drawing/2014/main" id="{8630A28E-7049-4BB1-BDCE-9CDFA0BE5C53}"/>
+                <a16:creationId xmlns:a16="http://schemas.microsoft.com/office/drawing/2014/main" id="{8630A28E-7049-4BB1-BDCE-9CDFA0BE5C53}"/>
               </a:ext>
             </a:extLst>
           </p:cNvPr>
@@ -5499,7 +7081,7 @@
           <a:p>
             <a:pPr algn="ctr"/>
             <a:r>
-              <a:rPr lang="fr-FR" sz="2800" b="1" cap="small" dirty="0" smtClean="0">
+              <a:rPr lang="fr-FR" sz="2800" b="1" cap="small" dirty="0">
                 <a:solidFill>
                   <a:srgbClr val="EA0000"/>
                 </a:solidFill>
@@ -5507,7 +7089,7 @@
               <a:t>La gestion des erreurs </a:t>
             </a:r>
             <a:r>
-              <a:rPr lang="fr-FR" sz="2800" b="1" cap="small" dirty="0" err="1" smtClean="0">
+              <a:rPr lang="fr-FR" sz="2800" b="1" cap="small" dirty="0" err="1">
                 <a:solidFill>
                   <a:srgbClr val="EA0000"/>
                 </a:solidFill>
@@ -5519,6 +7101,142 @@
                 <a:srgbClr val="EA0000"/>
               </a:solidFill>
             </a:endParaRPr>
+          </a:p>
+        </p:txBody>
+      </p:sp>
+      <p:sp>
+        <p:nvSpPr>
+          <p:cNvPr id="11" name="ZoneTexte 10">
+            <a:extLst>
+              <a:ext uri="{FF2B5EF4-FFF2-40B4-BE49-F238E27FC236}">
+                <a16:creationId xmlns:a16="http://schemas.microsoft.com/office/drawing/2014/main" id="{652624E1-10E5-490F-9D78-27FA8C66F8E8}"/>
+              </a:ext>
+            </a:extLst>
+          </p:cNvPr>
+          <p:cNvSpPr txBox="1"/>
+          <p:nvPr/>
+        </p:nvSpPr>
+        <p:spPr>
+          <a:xfrm>
+            <a:off x="551430" y="536840"/>
+            <a:ext cx="3051714" cy="1277273"/>
+          </a:xfrm>
+          <a:prstGeom prst="rect">
+            <a:avLst/>
+          </a:prstGeom>
+          <a:noFill/>
+        </p:spPr>
+        <p:txBody>
+          <a:bodyPr wrap="square" rtlCol="0">
+            <a:spAutoFit/>
+          </a:bodyPr>
+          <a:lstStyle/>
+          <a:p>
+            <a:pPr marL="285750" indent="-285750">
+              <a:buFont typeface="+mj-lt"/>
+              <a:buAutoNum type="romanUcPeriod"/>
+            </a:pPr>
+            <a:r>
+              <a:rPr lang="fr-FR" sz="1100" dirty="0">
+                <a:solidFill>
+                  <a:srgbClr val="EA0000"/>
+                </a:solidFill>
+                <a:latin typeface="DejaVu Sans Condensed" panose="020B0606030804020204" pitchFamily="34" charset="0"/>
+                <a:ea typeface="DejaVu Sans Condensed" panose="020B0606030804020204" pitchFamily="34" charset="0"/>
+                <a:cs typeface="DejaVu Sans Condensed" panose="020B0606030804020204" pitchFamily="34" charset="0"/>
+              </a:rPr>
+              <a:t>Une démarche bien huilé</a:t>
+            </a:r>
+          </a:p>
+          <a:p>
+            <a:pPr marL="685800" lvl="1" indent="-228600">
+              <a:buFont typeface="+mj-lt"/>
+              <a:buAutoNum type="arabicPeriod"/>
+            </a:pPr>
+            <a:r>
+              <a:rPr lang="fr-FR" sz="1100" dirty="0">
+                <a:latin typeface="DejaVu Sans Condensed" panose="020B0606030804020204" pitchFamily="34" charset="0"/>
+                <a:ea typeface="DejaVu Sans Condensed" panose="020B0606030804020204" pitchFamily="34" charset="0"/>
+                <a:cs typeface="DejaVu Sans Condensed" panose="020B0606030804020204" pitchFamily="34" charset="0"/>
+              </a:rPr>
+              <a:t>Nos outils</a:t>
+            </a:r>
+          </a:p>
+          <a:p>
+            <a:pPr marL="685800" lvl="1" indent="-228600">
+              <a:buFont typeface="+mj-lt"/>
+              <a:buAutoNum type="arabicPeriod"/>
+            </a:pPr>
+            <a:r>
+              <a:rPr lang="fr-FR" sz="1100" dirty="0">
+                <a:solidFill>
+                  <a:srgbClr val="FF0000"/>
+                </a:solidFill>
+                <a:latin typeface="DejaVu Sans Condensed" panose="020B0606030804020204" pitchFamily="34" charset="0"/>
+                <a:ea typeface="DejaVu Sans Condensed" panose="020B0606030804020204" pitchFamily="34" charset="0"/>
+                <a:cs typeface="DejaVu Sans Condensed" panose="020B0606030804020204" pitchFamily="34" charset="0"/>
+              </a:rPr>
+              <a:t>Retour sur la conception</a:t>
+            </a:r>
+          </a:p>
+          <a:p>
+            <a:pPr marL="1143000" lvl="2" indent="-228600">
+              <a:buFont typeface="+mj-lt"/>
+              <a:buAutoNum type="alphaLcParenR"/>
+            </a:pPr>
+            <a:r>
+              <a:rPr lang="fr-FR" sz="1100" dirty="0">
+                <a:solidFill>
+                  <a:srgbClr val="FF0000"/>
+                </a:solidFill>
+                <a:latin typeface="DejaVu Sans Condensed" panose="020B0606030804020204" pitchFamily="34" charset="0"/>
+                <a:ea typeface="DejaVu Sans Condensed" panose="020B0606030804020204" pitchFamily="34" charset="0"/>
+                <a:cs typeface="DejaVu Sans Condensed" panose="020B0606030804020204" pitchFamily="34" charset="0"/>
+              </a:rPr>
+              <a:t>La gestion des erreurs XML</a:t>
+            </a:r>
+          </a:p>
+          <a:p>
+            <a:pPr marL="1143000" lvl="2" indent="-228600">
+              <a:buFont typeface="+mj-lt"/>
+              <a:buAutoNum type="alphaLcParenR"/>
+            </a:pPr>
+            <a:r>
+              <a:rPr lang="fr-FR" sz="1100" dirty="0">
+                <a:latin typeface="DejaVu Sans Condensed" panose="020B0606030804020204" pitchFamily="34" charset="0"/>
+                <a:ea typeface="DejaVu Sans Condensed" panose="020B0606030804020204" pitchFamily="34" charset="0"/>
+                <a:cs typeface="DejaVu Sans Condensed" panose="020B0606030804020204" pitchFamily="34" charset="0"/>
+              </a:rPr>
+              <a:t>L’élément « Tableau »</a:t>
+            </a:r>
+          </a:p>
+          <a:p>
+            <a:pPr marL="285750" indent="-285750">
+              <a:buFont typeface="+mj-lt"/>
+              <a:buAutoNum type="romanUcPeriod"/>
+            </a:pPr>
+            <a:r>
+              <a:rPr lang="fr-FR" sz="1100" dirty="0">
+                <a:latin typeface="DejaVu Sans Condensed" panose="020B0606030804020204" pitchFamily="34" charset="0"/>
+                <a:ea typeface="DejaVu Sans Condensed" panose="020B0606030804020204" pitchFamily="34" charset="0"/>
+                <a:cs typeface="DejaVu Sans Condensed" panose="020B0606030804020204" pitchFamily="34" charset="0"/>
+              </a:rPr>
+              <a:t>Un projet professionnalisant</a:t>
+            </a:r>
+          </a:p>
+          <a:p>
+            <a:pPr marL="285750" indent="-285750">
+              <a:buFont typeface="+mj-lt"/>
+              <a:buAutoNum type="romanUcPeriod"/>
+            </a:pPr>
+            <a:r>
+              <a:rPr lang="fr-FR" sz="1100" dirty="0">
+                <a:latin typeface="DejaVu Sans Condensed" panose="020B0606030804020204" pitchFamily="34" charset="0"/>
+                <a:ea typeface="DejaVu Sans Condensed" panose="020B0606030804020204" pitchFamily="34" charset="0"/>
+                <a:cs typeface="DejaVu Sans Condensed" panose="020B0606030804020204" pitchFamily="34" charset="0"/>
+              </a:rPr>
+              <a:t>Une organisation naissante</a:t>
+            </a:r>
           </a:p>
         </p:txBody>
       </p:sp>
@@ -5532,13 +7250,6 @@
   <p:clrMapOvr>
     <a:masterClrMapping/>
   </p:clrMapOvr>
-  <p:timing>
-    <p:tnLst>
-      <p:par>
-        <p:cTn id="1" dur="indefinite" restart="never" nodeType="tmRoot"/>
-      </p:par>
-    </p:tnLst>
-  </p:timing>
 </p:sld>
 </file>
 
@@ -5564,7 +7275,7 @@
           <p:cNvPr id="8" name="Image 7" descr="Une image contenant capture d’écran&#10;&#10;Description générée avec un niveau de confiance très élevé">
             <a:extLst>
               <a:ext uri="{FF2B5EF4-FFF2-40B4-BE49-F238E27FC236}">
-                <a16:creationId xmlns="" xmlns:a16="http://schemas.microsoft.com/office/drawing/2014/main" id="{43D536B3-C1E9-4AFC-95FF-6E241146EF54}"/>
+                <a16:creationId xmlns:a16="http://schemas.microsoft.com/office/drawing/2014/main" id="{43D536B3-C1E9-4AFC-95FF-6E241146EF54}"/>
               </a:ext>
             </a:extLst>
           </p:cNvPr>
@@ -5587,8 +7298,8 @@
         </p:blipFill>
         <p:spPr>
           <a:xfrm>
-            <a:off x="6431420" y="1585504"/>
-            <a:ext cx="5289590" cy="4573595"/>
+            <a:off x="6447748" y="2650617"/>
+            <a:ext cx="4245166" cy="3670543"/>
           </a:xfrm>
           <a:prstGeom prst="rect">
             <a:avLst/>
@@ -5600,7 +7311,7 @@
           <p:cNvPr id="10" name="Image 9" descr="Une image contenant capture d’écran&#10;&#10;Description générée avec un niveau de confiance très élevé">
             <a:extLst>
               <a:ext uri="{FF2B5EF4-FFF2-40B4-BE49-F238E27FC236}">
-                <a16:creationId xmlns="" xmlns:a16="http://schemas.microsoft.com/office/drawing/2014/main" id="{B63FCBE2-8638-43C8-8105-F816A48B10B7}"/>
+                <a16:creationId xmlns:a16="http://schemas.microsoft.com/office/drawing/2014/main" id="{B63FCBE2-8638-43C8-8105-F816A48B10B7}"/>
               </a:ext>
             </a:extLst>
           </p:cNvPr>
@@ -5623,8 +7334,8 @@
         </p:blipFill>
         <p:spPr>
           <a:xfrm>
-            <a:off x="636814" y="2423029"/>
-            <a:ext cx="4927311" cy="3842205"/>
+            <a:off x="1460310" y="3065172"/>
+            <a:ext cx="4103815" cy="3200062"/>
           </a:xfrm>
           <a:prstGeom prst="rect">
             <a:avLst/>
@@ -5636,7 +7347,7 @@
           <p:cNvPr id="14" name="Image 13">
             <a:extLst>
               <a:ext uri="{FF2B5EF4-FFF2-40B4-BE49-F238E27FC236}">
-                <a16:creationId xmlns="" xmlns:a16="http://schemas.microsoft.com/office/drawing/2014/main" id="{32C9778D-4CAD-404C-AE6D-587A1C4D58B2}"/>
+                <a16:creationId xmlns:a16="http://schemas.microsoft.com/office/drawing/2014/main" id="{32C9778D-4CAD-404C-AE6D-587A1C4D58B2}"/>
               </a:ext>
             </a:extLst>
           </p:cNvPr>
@@ -5672,7 +7383,7 @@
           <p:cNvPr id="16" name="Image 15" descr="Une image contenant objet, horloge&#10;&#10;Description générée avec un niveau de confiance très élevé">
             <a:extLst>
               <a:ext uri="{FF2B5EF4-FFF2-40B4-BE49-F238E27FC236}">
-                <a16:creationId xmlns="" xmlns:a16="http://schemas.microsoft.com/office/drawing/2014/main" id="{64330055-D75F-4FB1-99BA-0849D5D26ED2}"/>
+                <a16:creationId xmlns:a16="http://schemas.microsoft.com/office/drawing/2014/main" id="{64330055-D75F-4FB1-99BA-0849D5D26ED2}"/>
               </a:ext>
             </a:extLst>
           </p:cNvPr>
@@ -5708,7 +7419,7 @@
           <p:cNvPr id="17" name="ZoneTexte 16">
             <a:extLst>
               <a:ext uri="{FF2B5EF4-FFF2-40B4-BE49-F238E27FC236}">
-                <a16:creationId xmlns="" xmlns:a16="http://schemas.microsoft.com/office/drawing/2014/main" id="{C2DE9D7D-C153-48A2-8956-F1985966A2FE}"/>
+                <a16:creationId xmlns:a16="http://schemas.microsoft.com/office/drawing/2014/main" id="{C2DE9D7D-C153-48A2-8956-F1985966A2FE}"/>
               </a:ext>
             </a:extLst>
           </p:cNvPr>
@@ -5733,17 +7444,17 @@
           <a:p>
             <a:r>
               <a:rPr lang="fr-FR" dirty="0"/>
-              <a:t>4/10</a:t>
-            </a:r>
-          </a:p>
-        </p:txBody>
-      </p:sp>
-      <p:sp>
-        <p:nvSpPr>
-          <p:cNvPr id="11" name="ZoneTexte 10">
+              <a:t>7/15</a:t>
+            </a:r>
+          </a:p>
+        </p:txBody>
+      </p:sp>
+      <p:sp>
+        <p:nvSpPr>
+          <p:cNvPr id="15" name="ZoneTexte 14">
             <a:extLst>
               <a:ext uri="{FF2B5EF4-FFF2-40B4-BE49-F238E27FC236}">
-                <a16:creationId xmlns="" xmlns:a16="http://schemas.microsoft.com/office/drawing/2014/main" id="{F3ADFA8B-9444-49C0-B723-BB0A8C5F043A}"/>
+                <a16:creationId xmlns:a16="http://schemas.microsoft.com/office/drawing/2014/main" id="{8630A28E-7049-4BB1-BDCE-9CDFA0BE5C53}"/>
               </a:ext>
             </a:extLst>
           </p:cNvPr>
@@ -5752,8 +7463,8 @@
         </p:nvSpPr>
         <p:spPr>
           <a:xfrm>
-            <a:off x="449035" y="574158"/>
-            <a:ext cx="2686051" cy="1107996"/>
+            <a:off x="4396355" y="536840"/>
+            <a:ext cx="5281301" cy="523220"/>
           </a:xfrm>
           <a:prstGeom prst="rect">
             <a:avLst/>
@@ -5766,12 +7477,83 @@
           </a:bodyPr>
           <a:lstStyle/>
           <a:p>
+            <a:pPr algn="ctr"/>
+            <a:r>
+              <a:rPr lang="fr-FR" sz="2800" b="1" cap="small" dirty="0">
+                <a:solidFill>
+                  <a:srgbClr val="EA0000"/>
+                </a:solidFill>
+              </a:rPr>
+              <a:t>L’élément « Tableau »</a:t>
+            </a:r>
+          </a:p>
+        </p:txBody>
+      </p:sp>
+      <p:sp>
+        <p:nvSpPr>
+          <p:cNvPr id="13" name="ZoneTexte 12">
+            <a:extLst>
+              <a:ext uri="{FF2B5EF4-FFF2-40B4-BE49-F238E27FC236}">
+                <a16:creationId xmlns:a16="http://schemas.microsoft.com/office/drawing/2014/main" id="{AAF3216B-6BF9-4769-85D5-C1D66C121629}"/>
+              </a:ext>
+            </a:extLst>
+          </p:cNvPr>
+          <p:cNvSpPr txBox="1"/>
+          <p:nvPr/>
+        </p:nvSpPr>
+        <p:spPr>
+          <a:xfrm>
+            <a:off x="551430" y="536840"/>
+            <a:ext cx="3051714" cy="1277273"/>
+          </a:xfrm>
+          <a:prstGeom prst="rect">
+            <a:avLst/>
+          </a:prstGeom>
+          <a:noFill/>
+        </p:spPr>
+        <p:txBody>
+          <a:bodyPr wrap="square" rtlCol="0">
+            <a:spAutoFit/>
+          </a:bodyPr>
+          <a:lstStyle/>
+          <a:p>
             <a:pPr marL="285750" indent="-285750">
               <a:buFont typeface="+mj-lt"/>
               <a:buAutoNum type="romanUcPeriod"/>
             </a:pPr>
             <a:r>
-              <a:rPr lang="fr-FR" sz="1100" dirty="0" err="1" smtClean="0">
+              <a:rPr lang="fr-FR" sz="1100" dirty="0">
+                <a:solidFill>
+                  <a:srgbClr val="EA0000"/>
+                </a:solidFill>
+                <a:latin typeface="DejaVu Sans Condensed" panose="020B0606030804020204" pitchFamily="34" charset="0"/>
+                <a:ea typeface="DejaVu Sans Condensed" panose="020B0606030804020204" pitchFamily="34" charset="0"/>
+                <a:cs typeface="DejaVu Sans Condensed" panose="020B0606030804020204" pitchFamily="34" charset="0"/>
+              </a:rPr>
+              <a:t>Une démarche bien huilé</a:t>
+            </a:r>
+          </a:p>
+          <a:p>
+            <a:pPr marL="685800" lvl="1" indent="-228600">
+              <a:buFont typeface="+mj-lt"/>
+              <a:buAutoNum type="arabicPeriod"/>
+            </a:pPr>
+            <a:r>
+              <a:rPr lang="fr-FR" sz="1100" dirty="0">
+                <a:latin typeface="DejaVu Sans Condensed" panose="020B0606030804020204" pitchFamily="34" charset="0"/>
+                <a:ea typeface="DejaVu Sans Condensed" panose="020B0606030804020204" pitchFamily="34" charset="0"/>
+                <a:cs typeface="DejaVu Sans Condensed" panose="020B0606030804020204" pitchFamily="34" charset="0"/>
+              </a:rPr>
+              <a:t>Nos outils</a:t>
+            </a:r>
+          </a:p>
+          <a:p>
+            <a:pPr marL="685800" lvl="1" indent="-228600">
+              <a:buFont typeface="+mj-lt"/>
+              <a:buAutoNum type="arabicPeriod"/>
+            </a:pPr>
+            <a:r>
+              <a:rPr lang="fr-FR" sz="1100" dirty="0">
                 <a:solidFill>
                   <a:srgbClr val="FF0000"/>
                 </a:solidFill>
@@ -5779,21 +7561,27 @@
                 <a:ea typeface="DejaVu Sans Condensed" panose="020B0606030804020204" pitchFamily="34" charset="0"/>
                 <a:cs typeface="DejaVu Sans Condensed" panose="020B0606030804020204" pitchFamily="34" charset="0"/>
               </a:rPr>
-              <a:t>Rétroconception</a:t>
-            </a:r>
-            <a:endParaRPr lang="fr-FR" sz="1100" dirty="0" smtClean="0">
-              <a:solidFill>
-                <a:srgbClr val="FF0000"/>
-              </a:solidFill>
-              <a:latin typeface="DejaVu Sans Condensed" panose="020B0606030804020204" pitchFamily="34" charset="0"/>
-              <a:ea typeface="DejaVu Sans Condensed" panose="020B0606030804020204" pitchFamily="34" charset="0"/>
-              <a:cs typeface="DejaVu Sans Condensed" panose="020B0606030804020204" pitchFamily="34" charset="0"/>
-            </a:endParaRPr>
-          </a:p>
-          <a:p>
-            <a:pPr marL="685800" lvl="1" indent="-228600">
-              <a:buFont typeface="+mj-lt"/>
-              <a:buAutoNum type="alphaLcPeriod"/>
+              <a:t>Retour sur la conception</a:t>
+            </a:r>
+          </a:p>
+          <a:p>
+            <a:pPr marL="1143000" lvl="2" indent="-228600">
+              <a:buFont typeface="+mj-lt"/>
+              <a:buAutoNum type="alphaLcParenR"/>
+            </a:pPr>
+            <a:r>
+              <a:rPr lang="fr-FR" sz="1100" dirty="0">
+                <a:latin typeface="DejaVu Sans Condensed" panose="020B0606030804020204" pitchFamily="34" charset="0"/>
+                <a:ea typeface="DejaVu Sans Condensed" panose="020B0606030804020204" pitchFamily="34" charset="0"/>
+                <a:cs typeface="DejaVu Sans Condensed" panose="020B0606030804020204" pitchFamily="34" charset="0"/>
+              </a:rPr>
+              <a:t>La gestion des erreurs XML</a:t>
+            </a:r>
+          </a:p>
+          <a:p>
+            <a:pPr marL="1143000" lvl="2" indent="-228600">
+              <a:buFont typeface="+mj-lt"/>
+              <a:buAutoNum type="alphaLcParenR"/>
             </a:pPr>
             <a:r>
               <a:rPr lang="fr-FR" sz="1100" dirty="0">
@@ -5804,30 +7592,8 @@
                 <a:ea typeface="DejaVu Sans Condensed" panose="020B0606030804020204" pitchFamily="34" charset="0"/>
                 <a:cs typeface="DejaVu Sans Condensed" panose="020B0606030804020204" pitchFamily="34" charset="0"/>
               </a:rPr>
-              <a:t>La gestion des erreurs XML</a:t>
-            </a:r>
-          </a:p>
-          <a:p>
-            <a:pPr marL="685800" lvl="1" indent="-228600">
-              <a:buFont typeface="+mj-lt"/>
-              <a:buAutoNum type="alphaLcPeriod"/>
-            </a:pPr>
-            <a:r>
-              <a:rPr lang="fr-FR" sz="1100" dirty="0" smtClean="0">
-                <a:latin typeface="DejaVu Sans Condensed" panose="020B0606030804020204" pitchFamily="34" charset="0"/>
-                <a:ea typeface="DejaVu Sans Condensed" panose="020B0606030804020204" pitchFamily="34" charset="0"/>
-                <a:cs typeface="DejaVu Sans Condensed" panose="020B0606030804020204" pitchFamily="34" charset="0"/>
-              </a:rPr>
               <a:t>L’élément « Tableau »</a:t>
             </a:r>
-            <a:endParaRPr lang="fr-FR" sz="1100" dirty="0">
-              <a:solidFill>
-                <a:srgbClr val="FF0000"/>
-              </a:solidFill>
-              <a:latin typeface="DejaVu Sans Condensed" panose="020B0606030804020204" pitchFamily="34" charset="0"/>
-              <a:ea typeface="DejaVu Sans Condensed" panose="020B0606030804020204" pitchFamily="34" charset="0"/>
-              <a:cs typeface="DejaVu Sans Condensed" panose="020B0606030804020204" pitchFamily="34" charset="0"/>
-            </a:endParaRPr>
           </a:p>
           <a:p>
             <a:pPr marL="285750" indent="-285750">
@@ -5835,20 +7601,12 @@
               <a:buAutoNum type="romanUcPeriod"/>
             </a:pPr>
             <a:r>
-              <a:rPr lang="fr-FR" sz="1100" dirty="0" smtClean="0">
-                <a:latin typeface="DejaVu Sans Condensed" panose="020B0606030804020204" pitchFamily="34" charset="0"/>
-                <a:ea typeface="DejaVu Sans Condensed" panose="020B0606030804020204" pitchFamily="34" charset="0"/>
-                <a:cs typeface="DejaVu Sans Condensed" panose="020B0606030804020204" pitchFamily="34" charset="0"/>
-              </a:rPr>
-              <a:t>Suivi </a:t>
-            </a:r>
-            <a:r>
-              <a:rPr lang="fr-FR" sz="1100" dirty="0">
-                <a:latin typeface="DejaVu Sans Condensed" panose="020B0606030804020204" pitchFamily="34" charset="0"/>
-                <a:ea typeface="DejaVu Sans Condensed" panose="020B0606030804020204" pitchFamily="34" charset="0"/>
-                <a:cs typeface="DejaVu Sans Condensed" panose="020B0606030804020204" pitchFamily="34" charset="0"/>
-              </a:rPr>
-              <a:t>du projet</a:t>
+              <a:rPr lang="fr-FR" sz="1100" dirty="0">
+                <a:latin typeface="DejaVu Sans Condensed" panose="020B0606030804020204" pitchFamily="34" charset="0"/>
+                <a:ea typeface="DejaVu Sans Condensed" panose="020B0606030804020204" pitchFamily="34" charset="0"/>
+                <a:cs typeface="DejaVu Sans Condensed" panose="020B0606030804020204" pitchFamily="34" charset="0"/>
+              </a:rPr>
+              <a:t>Un projet professionnalisant</a:t>
             </a:r>
           </a:p>
           <a:p>
@@ -5857,88 +7615,13 @@
               <a:buAutoNum type="romanUcPeriod"/>
             </a:pPr>
             <a:r>
-              <a:rPr lang="fr-FR" sz="1100" dirty="0" smtClean="0">
-                <a:latin typeface="DejaVu Sans Condensed" panose="020B0606030804020204" pitchFamily="34" charset="0"/>
-                <a:ea typeface="DejaVu Sans Condensed" panose="020B0606030804020204" pitchFamily="34" charset="0"/>
-                <a:cs typeface="DejaVu Sans Condensed" panose="020B0606030804020204" pitchFamily="34" charset="0"/>
-              </a:rPr>
-              <a:t>Apports </a:t>
-            </a:r>
-            <a:r>
-              <a:rPr lang="fr-FR" sz="1100" dirty="0">
-                <a:latin typeface="DejaVu Sans Condensed" panose="020B0606030804020204" pitchFamily="34" charset="0"/>
-                <a:ea typeface="DejaVu Sans Condensed" panose="020B0606030804020204" pitchFamily="34" charset="0"/>
-                <a:cs typeface="DejaVu Sans Condensed" panose="020B0606030804020204" pitchFamily="34" charset="0"/>
-              </a:rPr>
-              <a:t>du projets</a:t>
-            </a:r>
-          </a:p>
-          <a:p>
-            <a:pPr marL="285750" indent="-285750">
-              <a:buFont typeface="+mj-lt"/>
-              <a:buAutoNum type="romanUcPeriod"/>
-            </a:pPr>
-            <a:r>
-              <a:rPr lang="fr-FR" sz="1100" dirty="0" smtClean="0">
-                <a:latin typeface="DejaVu Sans Condensed" panose="020B0606030804020204" pitchFamily="34" charset="0"/>
-                <a:ea typeface="DejaVu Sans Condensed" panose="020B0606030804020204" pitchFamily="34" charset="0"/>
-                <a:cs typeface="DejaVu Sans Condensed" panose="020B0606030804020204" pitchFamily="34" charset="0"/>
-              </a:rPr>
-              <a:t>Difficultés </a:t>
-            </a:r>
-            <a:r>
-              <a:rPr lang="fr-FR" sz="1100" dirty="0">
-                <a:latin typeface="DejaVu Sans Condensed" panose="020B0606030804020204" pitchFamily="34" charset="0"/>
-                <a:ea typeface="DejaVu Sans Condensed" panose="020B0606030804020204" pitchFamily="34" charset="0"/>
-                <a:cs typeface="DejaVu Sans Condensed" panose="020B0606030804020204" pitchFamily="34" charset="0"/>
-              </a:rPr>
-              <a:t>rencontrés</a:t>
-            </a:r>
-          </a:p>
-        </p:txBody>
-      </p:sp>
-      <p:sp>
-        <p:nvSpPr>
-          <p:cNvPr id="15" name="ZoneTexte 14">
-            <a:extLst>
-              <a:ext uri="{FF2B5EF4-FFF2-40B4-BE49-F238E27FC236}">
-                <a16:creationId xmlns="" xmlns:a16="http://schemas.microsoft.com/office/drawing/2014/main" id="{8630A28E-7049-4BB1-BDCE-9CDFA0BE5C53}"/>
-              </a:ext>
-            </a:extLst>
-          </p:cNvPr>
-          <p:cNvSpPr txBox="1"/>
-          <p:nvPr/>
-        </p:nvSpPr>
-        <p:spPr>
-          <a:xfrm>
-            <a:off x="4396355" y="536840"/>
-            <a:ext cx="5281301" cy="523220"/>
-          </a:xfrm>
-          <a:prstGeom prst="rect">
-            <a:avLst/>
-          </a:prstGeom>
-          <a:noFill/>
-        </p:spPr>
-        <p:txBody>
-          <a:bodyPr wrap="square" rtlCol="0">
-            <a:spAutoFit/>
-          </a:bodyPr>
-          <a:lstStyle/>
-          <a:p>
-            <a:pPr algn="ctr"/>
-            <a:r>
-              <a:rPr lang="fr-FR" sz="2800" b="1" cap="small" dirty="0" smtClean="0">
-                <a:solidFill>
-                  <a:srgbClr val="EA0000"/>
-                </a:solidFill>
-              </a:rPr>
-              <a:t>L’élément « Tableau »</a:t>
-            </a:r>
-            <a:endParaRPr lang="fr-FR" sz="2800" b="1" cap="small" dirty="0">
-              <a:solidFill>
-                <a:srgbClr val="EA0000"/>
-              </a:solidFill>
-            </a:endParaRPr>
+              <a:rPr lang="fr-FR" sz="1100" dirty="0">
+                <a:latin typeface="DejaVu Sans Condensed" panose="020B0606030804020204" pitchFamily="34" charset="0"/>
+                <a:ea typeface="DejaVu Sans Condensed" panose="020B0606030804020204" pitchFamily="34" charset="0"/>
+                <a:cs typeface="DejaVu Sans Condensed" panose="020B0606030804020204" pitchFamily="34" charset="0"/>
+              </a:rPr>
+              <a:t>Une organisation naissante</a:t>
+            </a:r>
           </a:p>
         </p:txBody>
       </p:sp>
@@ -5952,13 +7635,6 @@
   <p:clrMapOvr>
     <a:masterClrMapping/>
   </p:clrMapOvr>
-  <p:timing>
-    <p:tnLst>
-      <p:par>
-        <p:cTn id="1" dur="indefinite" restart="never" nodeType="tmRoot"/>
-      </p:par>
-    </p:tnLst>
-  </p:timing>
 </p:sld>
 </file>
 
@@ -5981,10 +7657,10 @@
       </p:grpSpPr>
       <p:sp>
         <p:nvSpPr>
-          <p:cNvPr id="17" name="ZoneTexte 16">
+          <p:cNvPr id="3" name="ZoneTexte 2">
             <a:extLst>
               <a:ext uri="{FF2B5EF4-FFF2-40B4-BE49-F238E27FC236}">
-                <a16:creationId xmlns="" xmlns:a16="http://schemas.microsoft.com/office/drawing/2014/main" id="{C2DE9D7D-C153-48A2-8956-F1985966A2FE}"/>
+                <a16:creationId xmlns:a16="http://schemas.microsoft.com/office/drawing/2014/main" id="{3BCB5582-027F-40F1-AC4A-BB6D748B578A}"/>
               </a:ext>
             </a:extLst>
           </p:cNvPr>
@@ -5993,8 +7669,8 @@
         </p:nvSpPr>
         <p:spPr>
           <a:xfrm>
-            <a:off x="10858500" y="6429375"/>
-            <a:ext cx="685800" cy="369332"/>
+            <a:off x="371762" y="574158"/>
+            <a:ext cx="3208566" cy="1277273"/>
           </a:xfrm>
           <a:prstGeom prst="rect">
             <a:avLst/>
@@ -6007,19 +7683,119 @@
           </a:bodyPr>
           <a:lstStyle/>
           <a:p>
-            <a:r>
-              <a:rPr lang="fr-FR" dirty="0"/>
-              <a:t>4/10</a:t>
-            </a:r>
-          </a:p>
-        </p:txBody>
-      </p:sp>
-      <p:sp>
-        <p:nvSpPr>
-          <p:cNvPr id="11" name="ZoneTexte 10">
+            <a:pPr marL="285750" indent="-285750">
+              <a:buFont typeface="+mj-lt"/>
+              <a:buAutoNum type="romanUcPeriod"/>
+            </a:pPr>
+            <a:r>
+              <a:rPr lang="fr-FR" sz="1100" dirty="0">
+                <a:latin typeface="DejaVu Sans Condensed" panose="020B0606030804020204" pitchFamily="34" charset="0"/>
+                <a:ea typeface="DejaVu Sans Condensed" panose="020B0606030804020204" pitchFamily="34" charset="0"/>
+                <a:cs typeface="DejaVu Sans Condensed" panose="020B0606030804020204" pitchFamily="34" charset="0"/>
+              </a:rPr>
+              <a:t>Une démarche bien huilé</a:t>
+            </a:r>
+          </a:p>
+          <a:p>
+            <a:pPr marL="285750" indent="-285750">
+              <a:buFont typeface="+mj-lt"/>
+              <a:buAutoNum type="romanUcPeriod"/>
+            </a:pPr>
+            <a:r>
+              <a:rPr lang="fr-FR" sz="1100" dirty="0">
+                <a:solidFill>
+                  <a:srgbClr val="FF0000"/>
+                </a:solidFill>
+                <a:latin typeface="DejaVu Sans Condensed" panose="020B0606030804020204" pitchFamily="34" charset="0"/>
+                <a:ea typeface="DejaVu Sans Condensed" panose="020B0606030804020204" pitchFamily="34" charset="0"/>
+                <a:cs typeface="DejaVu Sans Condensed" panose="020B0606030804020204" pitchFamily="34" charset="0"/>
+              </a:rPr>
+              <a:t>Un projet professionnalisant</a:t>
+            </a:r>
+          </a:p>
+          <a:p>
+            <a:pPr marL="685800" lvl="1" indent="-228600">
+              <a:buFont typeface="+mj-lt"/>
+              <a:buAutoNum type="arabicPeriod"/>
+            </a:pPr>
+            <a:r>
+              <a:rPr lang="fr-FR" sz="1100" dirty="0">
+                <a:solidFill>
+                  <a:srgbClr val="FF0000"/>
+                </a:solidFill>
+                <a:latin typeface="DejaVu Sans Condensed" panose="020B0606030804020204" pitchFamily="34" charset="0"/>
+                <a:ea typeface="DejaVu Sans Condensed" panose="020B0606030804020204" pitchFamily="34" charset="0"/>
+                <a:cs typeface="DejaVu Sans Condensed" panose="020B0606030804020204" pitchFamily="34" charset="0"/>
+              </a:rPr>
+              <a:t> Nos premières rencontres professionnelles</a:t>
+            </a:r>
+          </a:p>
+          <a:p>
+            <a:pPr marL="685800" lvl="1" indent="-228600">
+              <a:buFont typeface="+mj-lt"/>
+              <a:buAutoNum type="arabicPeriod"/>
+            </a:pPr>
+            <a:r>
+              <a:rPr lang="fr-FR" sz="1100" dirty="0">
+                <a:latin typeface="DejaVu Sans Condensed" panose="020B0606030804020204" pitchFamily="34" charset="0"/>
+                <a:ea typeface="DejaVu Sans Condensed" panose="020B0606030804020204" pitchFamily="34" charset="0"/>
+                <a:cs typeface="DejaVu Sans Condensed" panose="020B0606030804020204" pitchFamily="34" charset="0"/>
+              </a:rPr>
+              <a:t>Notre premier cahier des charges</a:t>
+            </a:r>
+          </a:p>
+          <a:p>
+            <a:pPr marL="685800" lvl="1" indent="-228600">
+              <a:buFont typeface="+mj-lt"/>
+              <a:buAutoNum type="arabicPeriod"/>
+            </a:pPr>
+            <a:r>
+              <a:rPr lang="fr-FR" sz="1100" dirty="0">
+                <a:latin typeface="DejaVu Sans Condensed" panose="020B0606030804020204" pitchFamily="34" charset="0"/>
+                <a:ea typeface="DejaVu Sans Condensed" panose="020B0606030804020204" pitchFamily="34" charset="0"/>
+                <a:cs typeface="DejaVu Sans Condensed" panose="020B0606030804020204" pitchFamily="34" charset="0"/>
+              </a:rPr>
+              <a:t>Un programme « user-</a:t>
+            </a:r>
+            <a:r>
+              <a:rPr lang="fr-FR" sz="1100" dirty="0" err="1">
+                <a:latin typeface="DejaVu Sans Condensed" panose="020B0606030804020204" pitchFamily="34" charset="0"/>
+                <a:ea typeface="DejaVu Sans Condensed" panose="020B0606030804020204" pitchFamily="34" charset="0"/>
+                <a:cs typeface="DejaVu Sans Condensed" panose="020B0606030804020204" pitchFamily="34" charset="0"/>
+              </a:rPr>
+              <a:t>friendly</a:t>
+            </a:r>
+            <a:r>
+              <a:rPr lang="fr-FR" sz="1100" dirty="0">
+                <a:latin typeface="DejaVu Sans Condensed" panose="020B0606030804020204" pitchFamily="34" charset="0"/>
+                <a:ea typeface="DejaVu Sans Condensed" panose="020B0606030804020204" pitchFamily="34" charset="0"/>
+                <a:cs typeface="DejaVu Sans Condensed" panose="020B0606030804020204" pitchFamily="34" charset="0"/>
+              </a:rPr>
+              <a:t> »</a:t>
+            </a:r>
+          </a:p>
+          <a:p>
+            <a:pPr marL="285750" indent="-285750">
+              <a:buFont typeface="+mj-lt"/>
+              <a:buAutoNum type="romanUcPeriod"/>
+            </a:pPr>
+            <a:r>
+              <a:rPr lang="fr-FR" sz="1100" dirty="0">
+                <a:latin typeface="DejaVu Sans Condensed" panose="020B0606030804020204" pitchFamily="34" charset="0"/>
+                <a:ea typeface="DejaVu Sans Condensed" panose="020B0606030804020204" pitchFamily="34" charset="0"/>
+                <a:cs typeface="DejaVu Sans Condensed" panose="020B0606030804020204" pitchFamily="34" charset="0"/>
+              </a:rPr>
+              <a:t>Une organisation naissante</a:t>
+            </a:r>
+          </a:p>
+        </p:txBody>
+      </p:sp>
+      <p:sp>
+        <p:nvSpPr>
+          <p:cNvPr id="4" name="ZoneTexte 3">
             <a:extLst>
               <a:ext uri="{FF2B5EF4-FFF2-40B4-BE49-F238E27FC236}">
-                <a16:creationId xmlns="" xmlns:a16="http://schemas.microsoft.com/office/drawing/2014/main" id="{F3ADFA8B-9444-49C0-B723-BB0A8C5F043A}"/>
+                <a16:creationId xmlns:a16="http://schemas.microsoft.com/office/drawing/2014/main" id="{EBD68B8F-A501-4D1C-AE78-3EBAE2EC170A}"/>
               </a:ext>
             </a:extLst>
           </p:cNvPr>
@@ -6028,8 +7804,8 @@
         </p:nvSpPr>
         <p:spPr>
           <a:xfrm>
-            <a:off x="449035" y="574158"/>
-            <a:ext cx="2686051" cy="1107996"/>
+            <a:off x="4422112" y="382293"/>
+            <a:ext cx="5281301" cy="954107"/>
           </a:xfrm>
           <a:prstGeom prst="rect">
             <a:avLst/>
@@ -6042,143 +7818,24 @@
           </a:bodyPr>
           <a:lstStyle/>
           <a:p>
-            <a:pPr marL="285750" indent="-285750">
-              <a:buFont typeface="+mj-lt"/>
-              <a:buAutoNum type="romanUcPeriod"/>
-            </a:pPr>
-            <a:r>
-              <a:rPr lang="fr-FR" sz="1100" dirty="0" err="1" smtClean="0">
+            <a:pPr algn="ctr"/>
+            <a:r>
+              <a:rPr lang="fr-FR" sz="2800" b="1" cap="small" dirty="0">
                 <a:solidFill>
-                  <a:srgbClr val="FF0000"/>
+                  <a:srgbClr val="EA0000"/>
                 </a:solidFill>
-                <a:latin typeface="DejaVu Sans Condensed" panose="020B0606030804020204" pitchFamily="34" charset="0"/>
-                <a:ea typeface="DejaVu Sans Condensed" panose="020B0606030804020204" pitchFamily="34" charset="0"/>
-                <a:cs typeface="DejaVu Sans Condensed" panose="020B0606030804020204" pitchFamily="34" charset="0"/>
-              </a:rPr>
-              <a:t>Rétroconception</a:t>
-            </a:r>
-            <a:endParaRPr lang="fr-FR" sz="1100" dirty="0" smtClean="0">
-              <a:solidFill>
-                <a:srgbClr val="FF0000"/>
-              </a:solidFill>
-              <a:latin typeface="DejaVu Sans Condensed" panose="020B0606030804020204" pitchFamily="34" charset="0"/>
-              <a:ea typeface="DejaVu Sans Condensed" panose="020B0606030804020204" pitchFamily="34" charset="0"/>
-              <a:cs typeface="DejaVu Sans Condensed" panose="020B0606030804020204" pitchFamily="34" charset="0"/>
-            </a:endParaRPr>
-          </a:p>
-          <a:p>
-            <a:pPr marL="685800" lvl="1" indent="-228600">
-              <a:buFont typeface="+mj-lt"/>
-              <a:buAutoNum type="alphaLcPeriod"/>
-            </a:pPr>
-            <a:r>
-              <a:rPr lang="fr-FR" sz="1100" dirty="0">
-                <a:solidFill>
-                  <a:srgbClr val="FF0000"/>
-                </a:solidFill>
-                <a:latin typeface="DejaVu Sans Condensed" panose="020B0606030804020204" pitchFamily="34" charset="0"/>
-                <a:ea typeface="DejaVu Sans Condensed" panose="020B0606030804020204" pitchFamily="34" charset="0"/>
-                <a:cs typeface="DejaVu Sans Condensed" panose="020B0606030804020204" pitchFamily="34" charset="0"/>
-              </a:rPr>
-              <a:t>La gestion des erreurs XML</a:t>
-            </a:r>
-          </a:p>
-          <a:p>
-            <a:pPr marL="685800" lvl="1" indent="-228600">
-              <a:buFont typeface="+mj-lt"/>
-              <a:buAutoNum type="alphaLcPeriod"/>
-            </a:pPr>
-            <a:r>
-              <a:rPr lang="fr-FR" sz="1100" dirty="0" smtClean="0">
-                <a:latin typeface="DejaVu Sans Condensed" panose="020B0606030804020204" pitchFamily="34" charset="0"/>
-                <a:ea typeface="DejaVu Sans Condensed" panose="020B0606030804020204" pitchFamily="34" charset="0"/>
-                <a:cs typeface="DejaVu Sans Condensed" panose="020B0606030804020204" pitchFamily="34" charset="0"/>
-              </a:rPr>
-              <a:t>L’élément « Tableau »</a:t>
-            </a:r>
-            <a:endParaRPr lang="fr-FR" sz="1100" dirty="0">
-              <a:solidFill>
-                <a:srgbClr val="FF0000"/>
-              </a:solidFill>
-              <a:latin typeface="DejaVu Sans Condensed" panose="020B0606030804020204" pitchFamily="34" charset="0"/>
-              <a:ea typeface="DejaVu Sans Condensed" panose="020B0606030804020204" pitchFamily="34" charset="0"/>
-              <a:cs typeface="DejaVu Sans Condensed" panose="020B0606030804020204" pitchFamily="34" charset="0"/>
-            </a:endParaRPr>
-          </a:p>
-          <a:p>
-            <a:pPr marL="285750" indent="-285750">
-              <a:buFont typeface="+mj-lt"/>
-              <a:buAutoNum type="romanUcPeriod"/>
-            </a:pPr>
-            <a:r>
-              <a:rPr lang="fr-FR" sz="1100" dirty="0" smtClean="0">
-                <a:latin typeface="DejaVu Sans Condensed" panose="020B0606030804020204" pitchFamily="34" charset="0"/>
-                <a:ea typeface="DejaVu Sans Condensed" panose="020B0606030804020204" pitchFamily="34" charset="0"/>
-                <a:cs typeface="DejaVu Sans Condensed" panose="020B0606030804020204" pitchFamily="34" charset="0"/>
-              </a:rPr>
-              <a:t>Suivi </a:t>
-            </a:r>
-            <a:r>
-              <a:rPr lang="fr-FR" sz="1100" dirty="0">
-                <a:latin typeface="DejaVu Sans Condensed" panose="020B0606030804020204" pitchFamily="34" charset="0"/>
-                <a:ea typeface="DejaVu Sans Condensed" panose="020B0606030804020204" pitchFamily="34" charset="0"/>
-                <a:cs typeface="DejaVu Sans Condensed" panose="020B0606030804020204" pitchFamily="34" charset="0"/>
-              </a:rPr>
-              <a:t>du projet</a:t>
-            </a:r>
-          </a:p>
-          <a:p>
-            <a:pPr marL="285750" indent="-285750">
-              <a:buFont typeface="+mj-lt"/>
-              <a:buAutoNum type="romanUcPeriod"/>
-            </a:pPr>
-            <a:r>
-              <a:rPr lang="fr-FR" sz="1100" dirty="0" smtClean="0">
-                <a:latin typeface="DejaVu Sans Condensed" panose="020B0606030804020204" pitchFamily="34" charset="0"/>
-                <a:ea typeface="DejaVu Sans Condensed" panose="020B0606030804020204" pitchFamily="34" charset="0"/>
-                <a:cs typeface="DejaVu Sans Condensed" panose="020B0606030804020204" pitchFamily="34" charset="0"/>
-              </a:rPr>
-              <a:t>Apports </a:t>
-            </a:r>
-            <a:r>
-              <a:rPr lang="fr-FR" sz="1100" dirty="0">
-                <a:latin typeface="DejaVu Sans Condensed" panose="020B0606030804020204" pitchFamily="34" charset="0"/>
-                <a:ea typeface="DejaVu Sans Condensed" panose="020B0606030804020204" pitchFamily="34" charset="0"/>
-                <a:cs typeface="DejaVu Sans Condensed" panose="020B0606030804020204" pitchFamily="34" charset="0"/>
-              </a:rPr>
-              <a:t>du projets</a:t>
-            </a:r>
-          </a:p>
-          <a:p>
-            <a:pPr marL="285750" indent="-285750">
-              <a:buFont typeface="+mj-lt"/>
-              <a:buAutoNum type="romanUcPeriod"/>
-            </a:pPr>
-            <a:r>
-              <a:rPr lang="fr-FR" sz="1100" dirty="0" smtClean="0">
-                <a:latin typeface="DejaVu Sans Condensed" panose="020B0606030804020204" pitchFamily="34" charset="0"/>
-                <a:ea typeface="DejaVu Sans Condensed" panose="020B0606030804020204" pitchFamily="34" charset="0"/>
-                <a:cs typeface="DejaVu Sans Condensed" panose="020B0606030804020204" pitchFamily="34" charset="0"/>
-              </a:rPr>
-              <a:t>Difficultés </a:t>
-            </a:r>
-            <a:r>
-              <a:rPr lang="fr-FR" sz="1100" dirty="0">
-                <a:latin typeface="DejaVu Sans Condensed" panose="020B0606030804020204" pitchFamily="34" charset="0"/>
-                <a:ea typeface="DejaVu Sans Condensed" panose="020B0606030804020204" pitchFamily="34" charset="0"/>
-                <a:cs typeface="DejaVu Sans Condensed" panose="020B0606030804020204" pitchFamily="34" charset="0"/>
-              </a:rPr>
-              <a:t>rencontrés</a:t>
-            </a:r>
-          </a:p>
-        </p:txBody>
-      </p:sp>
-      <p:sp>
-        <p:nvSpPr>
-          <p:cNvPr id="12" name="ZoneTexte 11">
+              </a:rPr>
+              <a:t>Nos premières rencontres professionnelles</a:t>
+            </a:r>
+          </a:p>
+        </p:txBody>
+      </p:sp>
+      <p:sp>
+        <p:nvSpPr>
+          <p:cNvPr id="5" name="ZoneTexte 4">
             <a:extLst>
               <a:ext uri="{FF2B5EF4-FFF2-40B4-BE49-F238E27FC236}">
-                <a16:creationId xmlns="" xmlns:a16="http://schemas.microsoft.com/office/drawing/2014/main" id="{8630A28E-7049-4BB1-BDCE-9CDFA0BE5C53}"/>
+                <a16:creationId xmlns:a16="http://schemas.microsoft.com/office/drawing/2014/main" id="{22C75DDB-5EDB-4D99-9053-981CFADAEEED}"/>
               </a:ext>
             </a:extLst>
           </p:cNvPr>
@@ -6187,8 +7844,8 @@
         </p:nvSpPr>
         <p:spPr>
           <a:xfrm>
-            <a:off x="4393811" y="351393"/>
-            <a:ext cx="5281301" cy="954107"/>
+            <a:off x="10858500" y="6429375"/>
+            <a:ext cx="685800" cy="369332"/>
           </a:xfrm>
           <a:prstGeom prst="rect">
             <a:avLst/>
@@ -6201,80 +7858,9 @@
           </a:bodyPr>
           <a:lstStyle/>
           <a:p>
-            <a:pPr algn="ctr"/>
-            <a:r>
-              <a:rPr lang="fr-FR" sz="2800" b="1" cap="small" dirty="0" smtClean="0">
-                <a:solidFill>
-                  <a:srgbClr val="EA0000"/>
-                </a:solidFill>
-              </a:rPr>
-              <a:t>Une organisation encore plus poussée</a:t>
-            </a:r>
-            <a:endParaRPr lang="fr-FR" sz="2800" b="1" cap="small" dirty="0">
-              <a:solidFill>
-                <a:srgbClr val="EA0000"/>
-              </a:solidFill>
-            </a:endParaRPr>
-          </a:p>
-        </p:txBody>
-      </p:sp>
-      <p:pic>
-        <p:nvPicPr>
-          <p:cNvPr id="2" name="Image 1"/>
-          <p:cNvPicPr>
-            <a:picLocks noChangeAspect="1"/>
-          </p:cNvPicPr>
-          <p:nvPr/>
-        </p:nvPicPr>
-        <p:blipFill>
-          <a:blip r:embed="rId3"/>
-          <a:stretch>
-            <a:fillRect/>
-          </a:stretch>
-        </p:blipFill>
-        <p:spPr>
-          <a:xfrm>
-            <a:off x="3545826" y="1799617"/>
-            <a:ext cx="3283802" cy="4059645"/>
-          </a:xfrm>
-          <a:prstGeom prst="rect">
-            <a:avLst/>
-          </a:prstGeom>
-          <a:ln w="19050">
-            <a:solidFill>
-              <a:schemeClr val="tx1"/>
-            </a:solidFill>
-          </a:ln>
-        </p:spPr>
-      </p:pic>
-      <p:sp>
-        <p:nvSpPr>
-          <p:cNvPr id="3" name="ZoneTexte 2"/>
-          <p:cNvSpPr txBox="1"/>
-          <p:nvPr/>
-        </p:nvSpPr>
-        <p:spPr>
-          <a:xfrm>
-            <a:off x="6829628" y="1925449"/>
-            <a:ext cx="3659271" cy="461665"/>
-          </a:xfrm>
-          <a:prstGeom prst="rect">
-            <a:avLst/>
-          </a:prstGeom>
-          <a:noFill/>
-        </p:spPr>
-        <p:txBody>
-          <a:bodyPr wrap="none" rtlCol="0">
-            <a:spAutoFit/>
-          </a:bodyPr>
-          <a:lstStyle/>
-          <a:p>
-            <a:r>
-              <a:rPr lang="fr-FR" sz="2400" dirty="0" smtClean="0">
-                <a:ea typeface="DejaVu Sans Condensed" panose="020B0606030804020204" pitchFamily="34" charset="0"/>
-                <a:cs typeface="DejaVu Sans Condensed" panose="020B0606030804020204" pitchFamily="34" charset="0"/>
-              </a:rPr>
-              <a:t>  =   Difficile de s’y retrouver</a:t>
+            <a:r>
+              <a:rPr lang="fr-FR" dirty="0"/>
+              <a:t>8/15</a:t>
             </a:r>
           </a:p>
         </p:txBody>
@@ -6282,20 +7868,13 @@
     </p:spTree>
     <p:extLst>
       <p:ext uri="{BB962C8B-B14F-4D97-AF65-F5344CB8AC3E}">
-        <p14:creationId xmlns:p14="http://schemas.microsoft.com/office/powerpoint/2010/main" val="3747935093"/>
+        <p14:creationId xmlns:p14="http://schemas.microsoft.com/office/powerpoint/2010/main" val="3792137869"/>
       </p:ext>
     </p:extLst>
   </p:cSld>
   <p:clrMapOvr>
     <a:masterClrMapping/>
   </p:clrMapOvr>
-  <p:timing>
-    <p:tnLst>
-      <p:par>
-        <p:cTn id="1" dur="indefinite" restart="never" nodeType="tmRoot"/>
-      </p:par>
-    </p:tnLst>
-  </p:timing>
 </p:sld>
 </file>
 
@@ -6321,7 +7900,7 @@
           <p:cNvPr id="3" name="ZoneTexte 2">
             <a:extLst>
               <a:ext uri="{FF2B5EF4-FFF2-40B4-BE49-F238E27FC236}">
-                <a16:creationId xmlns="" xmlns:a16="http://schemas.microsoft.com/office/drawing/2014/main" id="{8630A28E-7049-4BB1-BDCE-9CDFA0BE5C53}"/>
+                <a16:creationId xmlns:a16="http://schemas.microsoft.com/office/drawing/2014/main" id="{2F4600B0-E6DB-4B35-A66E-7AE31B18787B}"/>
               </a:ext>
             </a:extLst>
           </p:cNvPr>
@@ -6330,8 +7909,8 @@
         </p:nvSpPr>
         <p:spPr>
           <a:xfrm>
-            <a:off x="3187581" y="544125"/>
-            <a:ext cx="5281301" cy="523220"/>
+            <a:off x="371762" y="574158"/>
+            <a:ext cx="3208566" cy="1277273"/>
           </a:xfrm>
           <a:prstGeom prst="rect">
             <a:avLst/>
@@ -6344,20 +7923,150 @@
           </a:bodyPr>
           <a:lstStyle/>
           <a:p>
+            <a:pPr marL="285750" indent="-285750">
+              <a:buFont typeface="+mj-lt"/>
+              <a:buAutoNum type="romanUcPeriod"/>
+            </a:pPr>
+            <a:r>
+              <a:rPr lang="fr-FR" sz="1100" dirty="0">
+                <a:latin typeface="DejaVu Sans Condensed" panose="020B0606030804020204" pitchFamily="34" charset="0"/>
+                <a:ea typeface="DejaVu Sans Condensed" panose="020B0606030804020204" pitchFamily="34" charset="0"/>
+                <a:cs typeface="DejaVu Sans Condensed" panose="020B0606030804020204" pitchFamily="34" charset="0"/>
+              </a:rPr>
+              <a:t>Une démarche bien huilé</a:t>
+            </a:r>
+          </a:p>
+          <a:p>
+            <a:pPr marL="285750" indent="-285750">
+              <a:buFont typeface="+mj-lt"/>
+              <a:buAutoNum type="romanUcPeriod"/>
+            </a:pPr>
+            <a:r>
+              <a:rPr lang="fr-FR" sz="1100" dirty="0">
+                <a:solidFill>
+                  <a:srgbClr val="FF0000"/>
+                </a:solidFill>
+                <a:latin typeface="DejaVu Sans Condensed" panose="020B0606030804020204" pitchFamily="34" charset="0"/>
+                <a:ea typeface="DejaVu Sans Condensed" panose="020B0606030804020204" pitchFamily="34" charset="0"/>
+                <a:cs typeface="DejaVu Sans Condensed" panose="020B0606030804020204" pitchFamily="34" charset="0"/>
+              </a:rPr>
+              <a:t>Un projet professionnalisant</a:t>
+            </a:r>
+          </a:p>
+          <a:p>
+            <a:pPr marL="685800" lvl="1" indent="-228600">
+              <a:buFont typeface="+mj-lt"/>
+              <a:buAutoNum type="arabicPeriod"/>
+            </a:pPr>
+            <a:r>
+              <a:rPr lang="fr-FR" sz="1100" dirty="0">
+                <a:latin typeface="DejaVu Sans Condensed" panose="020B0606030804020204" pitchFamily="34" charset="0"/>
+                <a:ea typeface="DejaVu Sans Condensed" panose="020B0606030804020204" pitchFamily="34" charset="0"/>
+                <a:cs typeface="DejaVu Sans Condensed" panose="020B0606030804020204" pitchFamily="34" charset="0"/>
+              </a:rPr>
+              <a:t> Nos premières rencontres professionnelles</a:t>
+            </a:r>
+          </a:p>
+          <a:p>
+            <a:pPr marL="685800" lvl="1" indent="-228600">
+              <a:buFont typeface="+mj-lt"/>
+              <a:buAutoNum type="arabicPeriod"/>
+            </a:pPr>
+            <a:r>
+              <a:rPr lang="fr-FR" sz="1100" dirty="0">
+                <a:solidFill>
+                  <a:srgbClr val="FF0000"/>
+                </a:solidFill>
+                <a:latin typeface="DejaVu Sans Condensed" panose="020B0606030804020204" pitchFamily="34" charset="0"/>
+                <a:ea typeface="DejaVu Sans Condensed" panose="020B0606030804020204" pitchFamily="34" charset="0"/>
+                <a:cs typeface="DejaVu Sans Condensed" panose="020B0606030804020204" pitchFamily="34" charset="0"/>
+              </a:rPr>
+              <a:t>Notre premier cahier des charges</a:t>
+            </a:r>
+          </a:p>
+          <a:p>
+            <a:pPr marL="685800" lvl="1" indent="-228600">
+              <a:buFont typeface="+mj-lt"/>
+              <a:buAutoNum type="arabicPeriod"/>
+            </a:pPr>
+            <a:r>
+              <a:rPr lang="fr-FR" sz="1100" dirty="0">
+                <a:latin typeface="DejaVu Sans Condensed" panose="020B0606030804020204" pitchFamily="34" charset="0"/>
+                <a:ea typeface="DejaVu Sans Condensed" panose="020B0606030804020204" pitchFamily="34" charset="0"/>
+                <a:cs typeface="DejaVu Sans Condensed" panose="020B0606030804020204" pitchFamily="34" charset="0"/>
+              </a:rPr>
+              <a:t>Un programme « user-</a:t>
+            </a:r>
+            <a:r>
+              <a:rPr lang="fr-FR" sz="1100" dirty="0" err="1">
+                <a:latin typeface="DejaVu Sans Condensed" panose="020B0606030804020204" pitchFamily="34" charset="0"/>
+                <a:ea typeface="DejaVu Sans Condensed" panose="020B0606030804020204" pitchFamily="34" charset="0"/>
+                <a:cs typeface="DejaVu Sans Condensed" panose="020B0606030804020204" pitchFamily="34" charset="0"/>
+              </a:rPr>
+              <a:t>friendly</a:t>
+            </a:r>
+            <a:r>
+              <a:rPr lang="fr-FR" sz="1100" dirty="0">
+                <a:latin typeface="DejaVu Sans Condensed" panose="020B0606030804020204" pitchFamily="34" charset="0"/>
+                <a:ea typeface="DejaVu Sans Condensed" panose="020B0606030804020204" pitchFamily="34" charset="0"/>
+                <a:cs typeface="DejaVu Sans Condensed" panose="020B0606030804020204" pitchFamily="34" charset="0"/>
+              </a:rPr>
+              <a:t> »</a:t>
+            </a:r>
+          </a:p>
+          <a:p>
+            <a:pPr marL="285750" indent="-285750">
+              <a:buFont typeface="+mj-lt"/>
+              <a:buAutoNum type="romanUcPeriod"/>
+            </a:pPr>
+            <a:r>
+              <a:rPr lang="fr-FR" sz="1100" dirty="0">
+                <a:latin typeface="DejaVu Sans Condensed" panose="020B0606030804020204" pitchFamily="34" charset="0"/>
+                <a:ea typeface="DejaVu Sans Condensed" panose="020B0606030804020204" pitchFamily="34" charset="0"/>
+                <a:cs typeface="DejaVu Sans Condensed" panose="020B0606030804020204" pitchFamily="34" charset="0"/>
+              </a:rPr>
+              <a:t>Une organisation naissante</a:t>
+            </a:r>
+          </a:p>
+        </p:txBody>
+      </p:sp>
+      <p:sp>
+        <p:nvSpPr>
+          <p:cNvPr id="4" name="ZoneTexte 3">
+            <a:extLst>
+              <a:ext uri="{FF2B5EF4-FFF2-40B4-BE49-F238E27FC236}">
+                <a16:creationId xmlns:a16="http://schemas.microsoft.com/office/drawing/2014/main" id="{79669904-B6A9-41A5-B698-CAF84454052D}"/>
+              </a:ext>
+            </a:extLst>
+          </p:cNvPr>
+          <p:cNvSpPr txBox="1"/>
+          <p:nvPr/>
+        </p:nvSpPr>
+        <p:spPr>
+          <a:xfrm>
+            <a:off x="4422112" y="574158"/>
+            <a:ext cx="5281301" cy="523220"/>
+          </a:xfrm>
+          <a:prstGeom prst="rect">
+            <a:avLst/>
+          </a:prstGeom>
+          <a:noFill/>
+        </p:spPr>
+        <p:txBody>
+          <a:bodyPr wrap="square" rtlCol="0">
+            <a:spAutoFit/>
+          </a:bodyPr>
+          <a:lstStyle/>
+          <a:p>
             <a:pPr algn="ctr"/>
             <a:r>
-              <a:rPr lang="fr-FR" sz="2800" b="1" cap="small" dirty="0" smtClean="0">
+              <a:rPr lang="fr-FR" sz="2800" b="1" cap="small" dirty="0">
                 <a:solidFill>
                   <a:srgbClr val="EA0000"/>
                 </a:solidFill>
               </a:rPr>
-              <a:t>Conclusion</a:t>
-            </a:r>
-            <a:endParaRPr lang="fr-FR" sz="2800" b="1" cap="small" dirty="0">
-              <a:solidFill>
-                <a:srgbClr val="EA0000"/>
-              </a:solidFill>
-            </a:endParaRPr>
+              <a:t>Notre premier cahier des charges</a:t>
+            </a:r>
           </a:p>
         </p:txBody>
       </p:sp>
@@ -6366,7 +8075,7 @@
           <p:cNvPr id="5" name="ZoneTexte 4">
             <a:extLst>
               <a:ext uri="{FF2B5EF4-FFF2-40B4-BE49-F238E27FC236}">
-                <a16:creationId xmlns="" xmlns:a16="http://schemas.microsoft.com/office/drawing/2014/main" id="{9EBD1055-AF6A-4F72-9530-A3095818B3CA}"/>
+                <a16:creationId xmlns:a16="http://schemas.microsoft.com/office/drawing/2014/main" id="{90B3E1D1-2A82-4896-903A-0F8229DCB7BE}"/>
               </a:ext>
             </a:extLst>
           </p:cNvPr>
@@ -6376,7 +8085,7 @@
         <p:spPr>
           <a:xfrm>
             <a:off x="10858500" y="6429375"/>
-            <a:ext cx="723900" cy="369332"/>
+            <a:ext cx="685800" cy="369332"/>
           </a:xfrm>
           <a:prstGeom prst="rect">
             <a:avLst/>
@@ -6391,7 +8100,7 @@
           <a:p>
             <a:r>
               <a:rPr lang="fr-FR" dirty="0"/>
-              <a:t>2/10</a:t>
+              <a:t>9/15</a:t>
             </a:r>
           </a:p>
         </p:txBody>
@@ -6399,20 +8108,13 @@
     </p:spTree>
     <p:extLst>
       <p:ext uri="{BB962C8B-B14F-4D97-AF65-F5344CB8AC3E}">
-        <p14:creationId xmlns:p14="http://schemas.microsoft.com/office/powerpoint/2010/main" val="1063936555"/>
+        <p14:creationId xmlns:p14="http://schemas.microsoft.com/office/powerpoint/2010/main" val="131146437"/>
       </p:ext>
     </p:extLst>
   </p:cSld>
   <p:clrMapOvr>
     <a:masterClrMapping/>
   </p:clrMapOvr>
-  <p:timing>
-    <p:tnLst>
-      <p:par>
-        <p:cTn id="1" dur="indefinite" restart="never" nodeType="tmRoot"/>
-      </p:par>
-    </p:tnLst>
-  </p:timing>
 </p:sld>
 </file>
 

--- a/text/Diaporama_Soutenance_projet_tutore_Bernouy_Deloison_Dewilde_Malet_Selle.pptx
+++ b/text/Diaporama_Soutenance_projet_tutore_Bernouy_Deloison_Dewilde_Malet_Selle.pptx
@@ -5,7 +5,7 @@
     <p:sldMasterId id="2147483648" r:id="rId1"/>
   </p:sldMasterIdLst>
   <p:notesMasterIdLst>
-    <p:notesMasterId r:id="rId11"/>
+    <p:notesMasterId r:id="rId13"/>
   </p:notesMasterIdLst>
   <p:sldIdLst>
     <p:sldId id="257" r:id="rId2"/>
@@ -15,8 +15,10 @@
     <p:sldId id="271" r:id="rId6"/>
     <p:sldId id="270" r:id="rId7"/>
     <p:sldId id="260" r:id="rId8"/>
-    <p:sldId id="269" r:id="rId9"/>
-    <p:sldId id="268" r:id="rId10"/>
+    <p:sldId id="272" r:id="rId9"/>
+    <p:sldId id="273" r:id="rId10"/>
+    <p:sldId id="269" r:id="rId11"/>
+    <p:sldId id="268" r:id="rId12"/>
   </p:sldIdLst>
   <p:sldSz cx="12192000" cy="6858000"/>
   <p:notesSz cx="6858000" cy="9144000"/>
@@ -1194,38 +1196,64 @@
           <a:p>
             <a:r>
               <a:rPr lang="fr-FR" dirty="0" smtClean="0"/>
-              <a:t>Un souci rencontré pendant les derniers jours du </a:t>
-            </a:r>
+              <a:t>Pas</a:t>
+            </a:r>
+            <a:r>
+              <a:rPr lang="fr-FR" baseline="0" dirty="0" smtClean="0"/>
+              <a:t> de difficultés pour coder ou pour s’organiser, mais au niveau technique :</a:t>
+            </a:r>
+            <a:endParaRPr lang="fr-FR" dirty="0" smtClean="0"/>
+          </a:p>
+          <a:p>
+            <a:endParaRPr lang="fr-FR" dirty="0" smtClean="0"/>
+          </a:p>
+          <a:p>
             <a:r>
               <a:rPr lang="fr-FR" dirty="0" smtClean="0"/>
-              <a:t>projet (Là ça va, mais à un moment donné =&gt;</a:t>
+              <a:t>Besoin d’une connexion personnelle</a:t>
             </a:r>
             <a:r>
               <a:rPr lang="fr-FR" baseline="0" dirty="0" smtClean="0"/>
-              <a:t> MASSE IMAGES)</a:t>
-            </a:r>
-            <a:endParaRPr lang="fr-FR" dirty="0" smtClean="0"/>
-          </a:p>
-          <a:p>
-            <a:pPr marL="628650" lvl="1" indent="-171450">
-              <a:buFont typeface="Calibri" panose="020F0502020204030204" pitchFamily="34" charset="0"/>
-              <a:buChar char="→"/>
+              <a:t> pour échanger des fichiers / avoir accès à la Javadoc</a:t>
+            </a:r>
+          </a:p>
+          <a:p>
+            <a:pPr marL="685800" lvl="1" indent="-228600">
+              <a:buFont typeface="Wingdings" panose="05000000000000000000" pitchFamily="2" charset="2"/>
+              <a:buChar char="Ø"/>
             </a:pPr>
             <a:r>
               <a:rPr lang="fr-FR" baseline="0" dirty="0" smtClean="0"/>
-              <a:t>Difficile de retrouver certains fichier</a:t>
-            </a:r>
-          </a:p>
-          <a:p>
-            <a:pPr marL="1085850" lvl="2" indent="-171450">
-              <a:buFont typeface="Calibri" panose="020F0502020204030204" pitchFamily="34" charset="0"/>
-              <a:buChar char="→"/>
-            </a:pPr>
+              <a:t>IMPOSSIBLE d’accéder aux réseaux Wi-Fi de l’université pendant la semaine</a:t>
+            </a:r>
+          </a:p>
+          <a:p>
+            <a:pPr marL="0" lvl="0" indent="0">
+              <a:buFont typeface="Wingdings" panose="05000000000000000000" pitchFamily="2" charset="2"/>
+              <a:buNone/>
+            </a:pPr>
+            <a:endParaRPr lang="fr-FR" baseline="0" dirty="0" smtClean="0"/>
+          </a:p>
+          <a:p>
+            <a:pPr marL="0" lvl="0" indent="0">
+              <a:buFont typeface="Wingdings" panose="05000000000000000000" pitchFamily="2" charset="2"/>
+              <a:buNone/>
+            </a:pPr>
+            <a:r>
+              <a:rPr lang="fr-FR" baseline="0" dirty="0" err="1" smtClean="0"/>
+              <a:t>ArgoUML</a:t>
+            </a:r>
             <a:r>
               <a:rPr lang="fr-FR" baseline="0" dirty="0" smtClean="0"/>
-              <a:t>Compléter l’arborescence pour séparer les documents écrits, etc... Pour que tout soit organisé</a:t>
-            </a:r>
-            <a:endParaRPr lang="fr-FR" dirty="0" smtClean="0"/>
+              <a:t> </a:t>
+            </a:r>
+            <a:r>
+              <a:rPr lang="fr-FR" baseline="0" dirty="0" smtClean="0">
+                <a:sym typeface="Wingdings" panose="05000000000000000000" pitchFamily="2" charset="2"/>
+              </a:rPr>
+              <a:t> Dû recommencer plusieurs fois le diagramme car EFFACER au pif</a:t>
+            </a:r>
+            <a:endParaRPr lang="fr-FR" baseline="0" dirty="0" smtClean="0"/>
           </a:p>
         </p:txBody>
       </p:sp>
@@ -1255,7 +1283,7 @@
     </p:spTree>
     <p:extLst>
       <p:ext uri="{BB962C8B-B14F-4D97-AF65-F5344CB8AC3E}">
-        <p14:creationId xmlns:p14="http://schemas.microsoft.com/office/powerpoint/2010/main" val="4294962232"/>
+        <p14:creationId xmlns:p14="http://schemas.microsoft.com/office/powerpoint/2010/main" val="2964283113"/>
       </p:ext>
     </p:extLst>
   </p:cSld>
@@ -1309,6 +1337,225 @@
           <a:bodyPr/>
           <a:lstStyle/>
           <a:p>
+            <a:r>
+              <a:rPr lang="fr-FR" dirty="0" smtClean="0"/>
+              <a:t>Nous nous</a:t>
+            </a:r>
+            <a:r>
+              <a:rPr lang="fr-FR" baseline="0" dirty="0" smtClean="0"/>
+              <a:t> connaissons et avons l’habitude de travailler ensemble, nous connaissons les points forts et les points faibles de chacun</a:t>
+            </a:r>
+          </a:p>
+          <a:p>
+            <a:r>
+              <a:rPr lang="fr-FR" baseline="0" dirty="0" smtClean="0"/>
+              <a:t>Martin s’occupe plutôt </a:t>
+            </a:r>
+            <a:r>
+              <a:rPr lang="fr-FR" baseline="0" smtClean="0"/>
+              <a:t>des documents</a:t>
+            </a:r>
+            <a:endParaRPr lang="fr-FR" dirty="0"/>
+          </a:p>
+        </p:txBody>
+      </p:sp>
+      <p:sp>
+        <p:nvSpPr>
+          <p:cNvPr id="4" name="Espace réservé du numéro de diapositive 3"/>
+          <p:cNvSpPr>
+            <a:spLocks noGrp="1"/>
+          </p:cNvSpPr>
+          <p:nvPr>
+            <p:ph type="sldNum" sz="quarter" idx="10"/>
+          </p:nvPr>
+        </p:nvSpPr>
+        <p:spPr/>
+        <p:txBody>
+          <a:bodyPr/>
+          <a:lstStyle/>
+          <a:p>
+            <a:fld id="{38BE3736-3490-47E8-A842-ABB51172A8C6}" type="slidenum">
+              <a:rPr lang="fr-FR" smtClean="0"/>
+              <a:t>9</a:t>
+            </a:fld>
+            <a:endParaRPr lang="fr-FR"/>
+          </a:p>
+        </p:txBody>
+      </p:sp>
+    </p:spTree>
+    <p:extLst>
+      <p:ext uri="{BB962C8B-B14F-4D97-AF65-F5344CB8AC3E}">
+        <p14:creationId xmlns:p14="http://schemas.microsoft.com/office/powerpoint/2010/main" val="602860002"/>
+      </p:ext>
+    </p:extLst>
+  </p:cSld>
+  <p:clrMapOvr>
+    <a:masterClrMapping/>
+  </p:clrMapOvr>
+</p:notes>
+</file>
+
+<file path=ppt/notesSlides/notesSlide7.xml><?xml version="1.0" encoding="utf-8"?>
+<p:notes xmlns:a="http://schemas.openxmlformats.org/drawingml/2006/main" xmlns:r="http://schemas.openxmlformats.org/officeDocument/2006/relationships" xmlns:p="http://schemas.openxmlformats.org/presentationml/2006/main">
+  <p:cSld>
+    <p:spTree>
+      <p:nvGrpSpPr>
+        <p:cNvPr id="1" name=""/>
+        <p:cNvGrpSpPr/>
+        <p:nvPr/>
+      </p:nvGrpSpPr>
+      <p:grpSpPr>
+        <a:xfrm>
+          <a:off x="0" y="0"/>
+          <a:ext cx="0" cy="0"/>
+          <a:chOff x="0" y="0"/>
+          <a:chExt cx="0" cy="0"/>
+        </a:xfrm>
+      </p:grpSpPr>
+      <p:sp>
+        <p:nvSpPr>
+          <p:cNvPr id="2" name="Espace réservé de l'image des diapositives 1"/>
+          <p:cNvSpPr>
+            <a:spLocks noGrp="1" noRot="1" noChangeAspect="1"/>
+          </p:cNvSpPr>
+          <p:nvPr>
+            <p:ph type="sldImg"/>
+          </p:nvPr>
+        </p:nvSpPr>
+        <p:spPr/>
+      </p:sp>
+      <p:sp>
+        <p:nvSpPr>
+          <p:cNvPr id="3" name="Espace réservé des commentaires 2"/>
+          <p:cNvSpPr>
+            <a:spLocks noGrp="1"/>
+          </p:cNvSpPr>
+          <p:nvPr>
+            <p:ph type="body" idx="1"/>
+          </p:nvPr>
+        </p:nvSpPr>
+        <p:spPr/>
+        <p:txBody>
+          <a:bodyPr/>
+          <a:lstStyle/>
+          <a:p>
+            <a:r>
+              <a:rPr lang="fr-FR" dirty="0" smtClean="0"/>
+              <a:t>Un souci rencontré pendant les derniers jours du </a:t>
+            </a:r>
+            <a:r>
+              <a:rPr lang="fr-FR" dirty="0" smtClean="0"/>
+              <a:t>projet (Là ça va, mais à un moment donné =&gt;</a:t>
+            </a:r>
+            <a:r>
+              <a:rPr lang="fr-FR" baseline="0" dirty="0" smtClean="0"/>
+              <a:t> MASSE IMAGES)</a:t>
+            </a:r>
+            <a:endParaRPr lang="fr-FR" dirty="0" smtClean="0"/>
+          </a:p>
+          <a:p>
+            <a:pPr marL="628650" lvl="1" indent="-171450">
+              <a:buFont typeface="Calibri" panose="020F0502020204030204" pitchFamily="34" charset="0"/>
+              <a:buChar char="→"/>
+            </a:pPr>
+            <a:r>
+              <a:rPr lang="fr-FR" baseline="0" dirty="0" smtClean="0"/>
+              <a:t>Difficile de retrouver certains fichier</a:t>
+            </a:r>
+          </a:p>
+          <a:p>
+            <a:pPr marL="1085850" lvl="2" indent="-171450">
+              <a:buFont typeface="Calibri" panose="020F0502020204030204" pitchFamily="34" charset="0"/>
+              <a:buChar char="→"/>
+            </a:pPr>
+            <a:r>
+              <a:rPr lang="fr-FR" baseline="0" dirty="0" smtClean="0"/>
+              <a:t>Compléter l’arborescence pour séparer les documents écrits, etc... Pour que tout soit organisé</a:t>
+            </a:r>
+            <a:endParaRPr lang="fr-FR" dirty="0" smtClean="0"/>
+          </a:p>
+        </p:txBody>
+      </p:sp>
+      <p:sp>
+        <p:nvSpPr>
+          <p:cNvPr id="4" name="Espace réservé du numéro de diapositive 3"/>
+          <p:cNvSpPr>
+            <a:spLocks noGrp="1"/>
+          </p:cNvSpPr>
+          <p:nvPr>
+            <p:ph type="sldNum" sz="quarter" idx="10"/>
+          </p:nvPr>
+        </p:nvSpPr>
+        <p:spPr/>
+        <p:txBody>
+          <a:bodyPr/>
+          <a:lstStyle/>
+          <a:p>
+            <a:fld id="{38BE3736-3490-47E8-A842-ABB51172A8C6}" type="slidenum">
+              <a:rPr lang="fr-FR" smtClean="0"/>
+              <a:t>10</a:t>
+            </a:fld>
+            <a:endParaRPr lang="fr-FR"/>
+          </a:p>
+        </p:txBody>
+      </p:sp>
+    </p:spTree>
+    <p:extLst>
+      <p:ext uri="{BB962C8B-B14F-4D97-AF65-F5344CB8AC3E}">
+        <p14:creationId xmlns:p14="http://schemas.microsoft.com/office/powerpoint/2010/main" val="4294962232"/>
+      </p:ext>
+    </p:extLst>
+  </p:cSld>
+  <p:clrMapOvr>
+    <a:masterClrMapping/>
+  </p:clrMapOvr>
+</p:notes>
+</file>
+
+<file path=ppt/notesSlides/notesSlide8.xml><?xml version="1.0" encoding="utf-8"?>
+<p:notes xmlns:a="http://schemas.openxmlformats.org/drawingml/2006/main" xmlns:r="http://schemas.openxmlformats.org/officeDocument/2006/relationships" xmlns:p="http://schemas.openxmlformats.org/presentationml/2006/main">
+  <p:cSld>
+    <p:spTree>
+      <p:nvGrpSpPr>
+        <p:cNvPr id="1" name=""/>
+        <p:cNvGrpSpPr/>
+        <p:nvPr/>
+      </p:nvGrpSpPr>
+      <p:grpSpPr>
+        <a:xfrm>
+          <a:off x="0" y="0"/>
+          <a:ext cx="0" cy="0"/>
+          <a:chOff x="0" y="0"/>
+          <a:chExt cx="0" cy="0"/>
+        </a:xfrm>
+      </p:grpSpPr>
+      <p:sp>
+        <p:nvSpPr>
+          <p:cNvPr id="2" name="Espace réservé de l'image des diapositives 1"/>
+          <p:cNvSpPr>
+            <a:spLocks noGrp="1" noRot="1" noChangeAspect="1"/>
+          </p:cNvSpPr>
+          <p:nvPr>
+            <p:ph type="sldImg"/>
+          </p:nvPr>
+        </p:nvSpPr>
+        <p:spPr/>
+      </p:sp>
+      <p:sp>
+        <p:nvSpPr>
+          <p:cNvPr id="3" name="Espace réservé des commentaires 2"/>
+          <p:cNvSpPr>
+            <a:spLocks noGrp="1"/>
+          </p:cNvSpPr>
+          <p:nvPr>
+            <p:ph type="body" idx="1"/>
+          </p:nvPr>
+        </p:nvSpPr>
+        <p:spPr/>
+        <p:txBody>
+          <a:bodyPr/>
+          <a:lstStyle/>
+          <a:p>
             <a:pPr marL="0" marR="0" lvl="1" indent="0" algn="l" defTabSz="914400" rtl="0" eaLnBrk="1" fontAlgn="auto" latinLnBrk="0" hangingPunct="1">
               <a:lnSpc>
                 <a:spcPct val="100000"/>
@@ -1354,7 +1601,7 @@
           <a:p>
             <a:fld id="{38BE3736-3490-47E8-A842-ABB51172A8C6}" type="slidenum">
               <a:rPr lang="fr-FR" smtClean="0"/>
-              <a:t>9</a:t>
+              <a:t>11</a:t>
             </a:fld>
             <a:endParaRPr lang="fr-FR"/>
           </a:p>
@@ -1390,114 +1637,6 @@
           <a:chExt cx="0" cy="0"/>
         </a:xfrm>
       </p:grpSpPr>
-      <p:sp>
-        <p:nvSpPr>
-          <p:cNvPr id="4" name="Espace réservé de la date 3">
-            <a:extLst>
-              <a:ext uri="{FF2B5EF4-FFF2-40B4-BE49-F238E27FC236}">
-                <a16:creationId xmlns="" xmlns:a16="http://schemas.microsoft.com/office/drawing/2014/main" id="{DFF81F03-D6B4-45DC-A179-F9E4A55E48E1}"/>
-              </a:ext>
-            </a:extLst>
-          </p:cNvPr>
-          <p:cNvSpPr>
-            <a:spLocks noGrp="1"/>
-          </p:cNvSpPr>
-          <p:nvPr>
-            <p:ph type="dt" sz="half" idx="10"/>
-          </p:nvPr>
-        </p:nvSpPr>
-        <p:spPr>
-          <a:xfrm>
-            <a:off x="838200" y="6364514"/>
-            <a:ext cx="2743200" cy="365125"/>
-          </a:xfrm>
-        </p:spPr>
-        <p:txBody>
-          <a:bodyPr/>
-          <a:lstStyle/>
-          <a:p>
-            <a:fld id="{D27128FD-9397-4560-942B-30F0B67550E6}" type="datetimeFigureOut">
-              <a:rPr lang="fr-FR" smtClean="0"/>
-              <a:t>17/01/2018</a:t>
-            </a:fld>
-            <a:endParaRPr lang="fr-FR" dirty="0"/>
-          </a:p>
-        </p:txBody>
-      </p:sp>
-      <p:sp>
-        <p:nvSpPr>
-          <p:cNvPr id="5" name="Espace réservé du pied de page 4">
-            <a:extLst>
-              <a:ext uri="{FF2B5EF4-FFF2-40B4-BE49-F238E27FC236}">
-                <a16:creationId xmlns="" xmlns:a16="http://schemas.microsoft.com/office/drawing/2014/main" id="{D84D890F-35B6-4D80-B050-081AC5B25D46}"/>
-              </a:ext>
-            </a:extLst>
-          </p:cNvPr>
-          <p:cNvSpPr>
-            <a:spLocks noGrp="1"/>
-          </p:cNvSpPr>
-          <p:nvPr>
-            <p:ph type="ftr" sz="quarter" idx="11"/>
-          </p:nvPr>
-        </p:nvSpPr>
-        <p:spPr>
-          <a:xfrm>
-            <a:off x="4038600" y="6372678"/>
-            <a:ext cx="4114800" cy="365125"/>
-          </a:xfrm>
-        </p:spPr>
-        <p:txBody>
-          <a:bodyPr/>
-          <a:lstStyle/>
-          <a:p>
-            <a:r>
-              <a:rPr lang="fr-FR" dirty="0"/>
-              <a:t>IUT LE HAVRE – Module M3302 – Groupe 1</a:t>
-            </a:r>
-          </a:p>
-          <a:p>
-            <a:endParaRPr lang="fr-FR" dirty="0"/>
-          </a:p>
-        </p:txBody>
-      </p:sp>
-      <p:sp>
-        <p:nvSpPr>
-          <p:cNvPr id="6" name="Espace réservé du numéro de diapositive 5">
-            <a:extLst>
-              <a:ext uri="{FF2B5EF4-FFF2-40B4-BE49-F238E27FC236}">
-                <a16:creationId xmlns="" xmlns:a16="http://schemas.microsoft.com/office/drawing/2014/main" id="{CE66E153-DF38-496A-8B90-86A64890DAF0}"/>
-              </a:ext>
-            </a:extLst>
-          </p:cNvPr>
-          <p:cNvSpPr>
-            <a:spLocks noGrp="1"/>
-          </p:cNvSpPr>
-          <p:nvPr>
-            <p:ph type="sldNum" sz="quarter" idx="12"/>
-          </p:nvPr>
-        </p:nvSpPr>
-        <p:spPr>
-          <a:xfrm>
-            <a:off x="8610600" y="6364514"/>
-            <a:ext cx="2743200" cy="365125"/>
-          </a:xfrm>
-          <a:prstGeom prst="rect">
-            <a:avLst/>
-          </a:prstGeom>
-        </p:spPr>
-        <p:txBody>
-          <a:bodyPr/>
-          <a:lstStyle/>
-          <a:p>
-            <a:fld id="{B01CE3B9-4A4F-4D9A-9D8C-C2C31E41FA3D}" type="slidenum">
-              <a:rPr lang="fr-FR" smtClean="0"/>
-              <a:pPr/>
-              <a:t>‹N°›</a:t>
-            </a:fld>
-            <a:endParaRPr lang="fr-FR" dirty="0"/>
-          </a:p>
-        </p:txBody>
-      </p:sp>
       <p:sp>
         <p:nvSpPr>
           <p:cNvPr id="7" name="Rectangle 6">
@@ -1679,114 +1818,6 @@
       </p:grpSpPr>
       <p:sp>
         <p:nvSpPr>
-          <p:cNvPr id="4" name="Espace réservé de la date 3">
-            <a:extLst>
-              <a:ext uri="{FF2B5EF4-FFF2-40B4-BE49-F238E27FC236}">
-                <a16:creationId xmlns="" xmlns:a16="http://schemas.microsoft.com/office/drawing/2014/main" id="{DFF81F03-D6B4-45DC-A179-F9E4A55E48E1}"/>
-              </a:ext>
-            </a:extLst>
-          </p:cNvPr>
-          <p:cNvSpPr>
-            <a:spLocks noGrp="1"/>
-          </p:cNvSpPr>
-          <p:nvPr>
-            <p:ph type="dt" sz="half" idx="10"/>
-          </p:nvPr>
-        </p:nvSpPr>
-        <p:spPr>
-          <a:xfrm>
-            <a:off x="838200" y="6364514"/>
-            <a:ext cx="2743200" cy="365125"/>
-          </a:xfrm>
-        </p:spPr>
-        <p:txBody>
-          <a:bodyPr/>
-          <a:lstStyle/>
-          <a:p>
-            <a:fld id="{D27128FD-9397-4560-942B-30F0B67550E6}" type="datetimeFigureOut">
-              <a:rPr lang="fr-FR" smtClean="0"/>
-              <a:t>17/01/2018</a:t>
-            </a:fld>
-            <a:endParaRPr lang="fr-FR" dirty="0"/>
-          </a:p>
-        </p:txBody>
-      </p:sp>
-      <p:sp>
-        <p:nvSpPr>
-          <p:cNvPr id="5" name="Espace réservé du pied de page 4">
-            <a:extLst>
-              <a:ext uri="{FF2B5EF4-FFF2-40B4-BE49-F238E27FC236}">
-                <a16:creationId xmlns="" xmlns:a16="http://schemas.microsoft.com/office/drawing/2014/main" id="{D84D890F-35B6-4D80-B050-081AC5B25D46}"/>
-              </a:ext>
-            </a:extLst>
-          </p:cNvPr>
-          <p:cNvSpPr>
-            <a:spLocks noGrp="1"/>
-          </p:cNvSpPr>
-          <p:nvPr>
-            <p:ph type="ftr" sz="quarter" idx="11"/>
-          </p:nvPr>
-        </p:nvSpPr>
-        <p:spPr>
-          <a:xfrm>
-            <a:off x="4038600" y="6372678"/>
-            <a:ext cx="4114800" cy="365125"/>
-          </a:xfrm>
-        </p:spPr>
-        <p:txBody>
-          <a:bodyPr/>
-          <a:lstStyle/>
-          <a:p>
-            <a:r>
-              <a:rPr lang="fr-FR" dirty="0"/>
-              <a:t>IUT LE HAVRE – Module M3302 – Groupe 1</a:t>
-            </a:r>
-          </a:p>
-          <a:p>
-            <a:endParaRPr lang="fr-FR" dirty="0"/>
-          </a:p>
-        </p:txBody>
-      </p:sp>
-      <p:sp>
-        <p:nvSpPr>
-          <p:cNvPr id="6" name="Espace réservé du numéro de diapositive 5">
-            <a:extLst>
-              <a:ext uri="{FF2B5EF4-FFF2-40B4-BE49-F238E27FC236}">
-                <a16:creationId xmlns="" xmlns:a16="http://schemas.microsoft.com/office/drawing/2014/main" id="{CE66E153-DF38-496A-8B90-86A64890DAF0}"/>
-              </a:ext>
-            </a:extLst>
-          </p:cNvPr>
-          <p:cNvSpPr>
-            <a:spLocks noGrp="1"/>
-          </p:cNvSpPr>
-          <p:nvPr>
-            <p:ph type="sldNum" sz="quarter" idx="12"/>
-          </p:nvPr>
-        </p:nvSpPr>
-        <p:spPr>
-          <a:xfrm>
-            <a:off x="8610600" y="6364514"/>
-            <a:ext cx="2743200" cy="365125"/>
-          </a:xfrm>
-          <a:prstGeom prst="rect">
-            <a:avLst/>
-          </a:prstGeom>
-        </p:spPr>
-        <p:txBody>
-          <a:bodyPr/>
-          <a:lstStyle/>
-          <a:p>
-            <a:fld id="{B01CE3B9-4A4F-4D9A-9D8C-C2C31E41FA3D}" type="slidenum">
-              <a:rPr lang="fr-FR" smtClean="0"/>
-              <a:pPr/>
-              <a:t>‹N°›</a:t>
-            </a:fld>
-            <a:endParaRPr lang="fr-FR" dirty="0"/>
-          </a:p>
-        </p:txBody>
-      </p:sp>
-      <p:sp>
-        <p:nvSpPr>
           <p:cNvPr id="7" name="Rectangle 6">
             <a:extLst>
               <a:ext uri="{FF2B5EF4-FFF2-40B4-BE49-F238E27FC236}">
@@ -2097,98 +2128,6 @@
           <a:chExt cx="0" cy="0"/>
         </a:xfrm>
       </p:grpSpPr>
-      <p:sp>
-        <p:nvSpPr>
-          <p:cNvPr id="3" name="Espace réservé de la date 2">
-            <a:extLst>
-              <a:ext uri="{FF2B5EF4-FFF2-40B4-BE49-F238E27FC236}">
-                <a16:creationId xmlns="" xmlns:a16="http://schemas.microsoft.com/office/drawing/2014/main" id="{8BB639F2-0AD5-488F-A94E-66AAF50B2935}"/>
-              </a:ext>
-            </a:extLst>
-          </p:cNvPr>
-          <p:cNvSpPr>
-            <a:spLocks noGrp="1"/>
-          </p:cNvSpPr>
-          <p:nvPr>
-            <p:ph type="dt" sz="half" idx="10"/>
-          </p:nvPr>
-        </p:nvSpPr>
-        <p:spPr/>
-        <p:txBody>
-          <a:bodyPr/>
-          <a:lstStyle/>
-          <a:p>
-            <a:fld id="{D27128FD-9397-4560-942B-30F0B67550E6}" type="datetimeFigureOut">
-              <a:rPr lang="fr-FR" smtClean="0"/>
-              <a:t>17/01/2018</a:t>
-            </a:fld>
-            <a:endParaRPr lang="fr-FR"/>
-          </a:p>
-        </p:txBody>
-      </p:sp>
-      <p:sp>
-        <p:nvSpPr>
-          <p:cNvPr id="4" name="Espace réservé du pied de page 3">
-            <a:extLst>
-              <a:ext uri="{FF2B5EF4-FFF2-40B4-BE49-F238E27FC236}">
-                <a16:creationId xmlns="" xmlns:a16="http://schemas.microsoft.com/office/drawing/2014/main" id="{16D6B8D5-423F-4F0E-AB5D-2EF97A52543D}"/>
-              </a:ext>
-            </a:extLst>
-          </p:cNvPr>
-          <p:cNvSpPr>
-            <a:spLocks noGrp="1"/>
-          </p:cNvSpPr>
-          <p:nvPr>
-            <p:ph type="ftr" sz="quarter" idx="11"/>
-          </p:nvPr>
-        </p:nvSpPr>
-        <p:spPr/>
-        <p:txBody>
-          <a:bodyPr/>
-          <a:lstStyle/>
-          <a:p>
-            <a:endParaRPr lang="fr-FR"/>
-          </a:p>
-        </p:txBody>
-      </p:sp>
-      <p:sp>
-        <p:nvSpPr>
-          <p:cNvPr id="5" name="Espace réservé du numéro de diapositive 4">
-            <a:extLst>
-              <a:ext uri="{FF2B5EF4-FFF2-40B4-BE49-F238E27FC236}">
-                <a16:creationId xmlns="" xmlns:a16="http://schemas.microsoft.com/office/drawing/2014/main" id="{4D078436-6953-474F-A27F-4AF18911DD63}"/>
-              </a:ext>
-            </a:extLst>
-          </p:cNvPr>
-          <p:cNvSpPr>
-            <a:spLocks noGrp="1"/>
-          </p:cNvSpPr>
-          <p:nvPr>
-            <p:ph type="sldNum" sz="quarter" idx="12"/>
-          </p:nvPr>
-        </p:nvSpPr>
-        <p:spPr>
-          <a:xfrm>
-            <a:off x="8610600" y="6356350"/>
-            <a:ext cx="2743200" cy="365125"/>
-          </a:xfrm>
-          <a:prstGeom prst="rect">
-            <a:avLst/>
-          </a:prstGeom>
-        </p:spPr>
-        <p:txBody>
-          <a:bodyPr/>
-          <a:lstStyle/>
-          <a:p>
-            <a:fld id="{8B8F3388-601E-4A38-9E1E-0313AE188FE4}" type="slidenum">
-              <a:rPr lang="fr-FR" smtClean="0"/>
-              <a:pPr/>
-              <a:t>‹N°›</a:t>
-            </a:fld>
-            <a:endParaRPr lang="fr-FR" dirty="0"/>
-          </a:p>
-        </p:txBody>
-      </p:sp>
     </p:spTree>
     <p:extLst>
       <p:ext uri="{BB962C8B-B14F-4D97-AF65-F5344CB8AC3E}">
@@ -2341,96 +2280,6 @@
       </p:sp>
       <p:sp>
         <p:nvSpPr>
-          <p:cNvPr id="4" name="Espace réservé de la date 3">
-            <a:extLst>
-              <a:ext uri="{FF2B5EF4-FFF2-40B4-BE49-F238E27FC236}">
-                <a16:creationId xmlns="" xmlns:a16="http://schemas.microsoft.com/office/drawing/2014/main" id="{3B5DEB9C-E26B-4EA6-BF6D-65414BACF12D}"/>
-              </a:ext>
-            </a:extLst>
-          </p:cNvPr>
-          <p:cNvSpPr>
-            <a:spLocks noGrp="1"/>
-          </p:cNvSpPr>
-          <p:nvPr>
-            <p:ph type="dt" sz="half" idx="2"/>
-          </p:nvPr>
-        </p:nvSpPr>
-        <p:spPr>
-          <a:xfrm>
-            <a:off x="838200" y="6356350"/>
-            <a:ext cx="2743200" cy="365125"/>
-          </a:xfrm>
-          <a:prstGeom prst="rect">
-            <a:avLst/>
-          </a:prstGeom>
-        </p:spPr>
-        <p:txBody>
-          <a:bodyPr vert="horz" lIns="91440" tIns="45720" rIns="91440" bIns="45720" rtlCol="0" anchor="ctr"/>
-          <a:lstStyle>
-            <a:lvl1pPr algn="l">
-              <a:defRPr sz="1200">
-                <a:solidFill>
-                  <a:schemeClr val="tx1"/>
-                </a:solidFill>
-              </a:defRPr>
-            </a:lvl1pPr>
-          </a:lstStyle>
-          <a:p>
-            <a:fld id="{D27128FD-9397-4560-942B-30F0B67550E6}" type="datetimeFigureOut">
-              <a:rPr lang="fr-FR" smtClean="0"/>
-              <a:pPr/>
-              <a:t>17/01/2018</a:t>
-            </a:fld>
-            <a:endParaRPr lang="fr-FR" dirty="0"/>
-          </a:p>
-        </p:txBody>
-      </p:sp>
-      <p:sp>
-        <p:nvSpPr>
-          <p:cNvPr id="5" name="Espace réservé du pied de page 4">
-            <a:extLst>
-              <a:ext uri="{FF2B5EF4-FFF2-40B4-BE49-F238E27FC236}">
-                <a16:creationId xmlns="" xmlns:a16="http://schemas.microsoft.com/office/drawing/2014/main" id="{7968CF05-988E-4322-985C-A2A352614E94}"/>
-              </a:ext>
-            </a:extLst>
-          </p:cNvPr>
-          <p:cNvSpPr>
-            <a:spLocks noGrp="1"/>
-          </p:cNvSpPr>
-          <p:nvPr>
-            <p:ph type="ftr" sz="quarter" idx="3"/>
-          </p:nvPr>
-        </p:nvSpPr>
-        <p:spPr>
-          <a:xfrm>
-            <a:off x="4038600" y="6356350"/>
-            <a:ext cx="4114800" cy="365125"/>
-          </a:xfrm>
-          <a:prstGeom prst="rect">
-            <a:avLst/>
-          </a:prstGeom>
-        </p:spPr>
-        <p:txBody>
-          <a:bodyPr vert="horz" lIns="91440" tIns="45720" rIns="91440" bIns="45720" rtlCol="0" anchor="ctr"/>
-          <a:lstStyle>
-            <a:lvl1pPr algn="ctr">
-              <a:defRPr sz="1200">
-                <a:solidFill>
-                  <a:schemeClr val="tx1"/>
-                </a:solidFill>
-              </a:defRPr>
-            </a:lvl1pPr>
-          </a:lstStyle>
-          <a:p>
-            <a:r>
-              <a:rPr lang="fr-FR" dirty="0"/>
-              <a:t>IUT LE HAVRE – Module M3302 – Groupe 1</a:t>
-            </a:r>
-          </a:p>
-        </p:txBody>
-      </p:sp>
-      <p:sp>
-        <p:nvSpPr>
           <p:cNvPr id="8" name="Rectangle 7">
             <a:extLst>
               <a:ext uri="{FF2B5EF4-FFF2-40B4-BE49-F238E27FC236}">
@@ -2531,8 +2380,8 @@
         </p:nvSpPr>
         <p:spPr>
           <a:xfrm>
-            <a:off x="1273758" y="1515426"/>
-            <a:ext cx="9545423" cy="1146077"/>
+            <a:off x="1273758" y="1515427"/>
+            <a:ext cx="9545423" cy="1284924"/>
           </a:xfrm>
           <a:prstGeom prst="rect">
             <a:avLst/>
@@ -2835,6 +2684,307 @@
           </a:prstGeom>
         </p:spPr>
       </p:pic>
+      <p:sp>
+        <p:nvSpPr>
+          <p:cNvPr id="15" name="Espace réservé du pied de page 4">
+            <a:extLst>
+              <a:ext uri="{FF2B5EF4-FFF2-40B4-BE49-F238E27FC236}">
+                <a16:creationId xmlns="" xmlns:a16="http://schemas.microsoft.com/office/drawing/2014/main" id="{7968CF05-988E-4322-985C-A2A352614E94}"/>
+              </a:ext>
+            </a:extLst>
+          </p:cNvPr>
+          <p:cNvSpPr txBox="1">
+            <a:spLocks/>
+          </p:cNvSpPr>
+          <p:nvPr userDrawn="1"/>
+        </p:nvSpPr>
+        <p:spPr>
+          <a:xfrm>
+            <a:off x="4132897" y="6356350"/>
+            <a:ext cx="4114800" cy="365125"/>
+          </a:xfrm>
+          <a:prstGeom prst="rect">
+            <a:avLst/>
+          </a:prstGeom>
+        </p:spPr>
+        <p:txBody>
+          <a:bodyPr vert="horz" lIns="91440" tIns="45720" rIns="91440" bIns="45720" rtlCol="0" anchor="ctr"/>
+          <a:lstStyle>
+            <a:defPPr>
+              <a:defRPr lang="fr-FR"/>
+            </a:defPPr>
+            <a:lvl1pPr marL="0" algn="ctr" defTabSz="914400" rtl="0" eaLnBrk="1" latinLnBrk="0" hangingPunct="1">
+              <a:defRPr sz="1200" kern="1200">
+                <a:solidFill>
+                  <a:schemeClr val="tx1"/>
+                </a:solidFill>
+                <a:latin typeface="+mn-lt"/>
+                <a:ea typeface="+mn-ea"/>
+                <a:cs typeface="+mn-cs"/>
+              </a:defRPr>
+            </a:lvl1pPr>
+            <a:lvl2pPr marL="457200" algn="l" defTabSz="914400" rtl="0" eaLnBrk="1" latinLnBrk="0" hangingPunct="1">
+              <a:defRPr sz="1800" kern="1200">
+                <a:solidFill>
+                  <a:schemeClr val="tx1"/>
+                </a:solidFill>
+                <a:latin typeface="+mn-lt"/>
+                <a:ea typeface="+mn-ea"/>
+                <a:cs typeface="+mn-cs"/>
+              </a:defRPr>
+            </a:lvl2pPr>
+            <a:lvl3pPr marL="914400" algn="l" defTabSz="914400" rtl="0" eaLnBrk="1" latinLnBrk="0" hangingPunct="1">
+              <a:defRPr sz="1800" kern="1200">
+                <a:solidFill>
+                  <a:schemeClr val="tx1"/>
+                </a:solidFill>
+                <a:latin typeface="+mn-lt"/>
+                <a:ea typeface="+mn-ea"/>
+                <a:cs typeface="+mn-cs"/>
+              </a:defRPr>
+            </a:lvl3pPr>
+            <a:lvl4pPr marL="1371600" algn="l" defTabSz="914400" rtl="0" eaLnBrk="1" latinLnBrk="0" hangingPunct="1">
+              <a:defRPr sz="1800" kern="1200">
+                <a:solidFill>
+                  <a:schemeClr val="tx1"/>
+                </a:solidFill>
+                <a:latin typeface="+mn-lt"/>
+                <a:ea typeface="+mn-ea"/>
+                <a:cs typeface="+mn-cs"/>
+              </a:defRPr>
+            </a:lvl4pPr>
+            <a:lvl5pPr marL="1828800" algn="l" defTabSz="914400" rtl="0" eaLnBrk="1" latinLnBrk="0" hangingPunct="1">
+              <a:defRPr sz="1800" kern="1200">
+                <a:solidFill>
+                  <a:schemeClr val="tx1"/>
+                </a:solidFill>
+                <a:latin typeface="+mn-lt"/>
+                <a:ea typeface="+mn-ea"/>
+                <a:cs typeface="+mn-cs"/>
+              </a:defRPr>
+            </a:lvl5pPr>
+            <a:lvl6pPr marL="2286000" algn="l" defTabSz="914400" rtl="0" eaLnBrk="1" latinLnBrk="0" hangingPunct="1">
+              <a:defRPr sz="1800" kern="1200">
+                <a:solidFill>
+                  <a:schemeClr val="tx1"/>
+                </a:solidFill>
+                <a:latin typeface="+mn-lt"/>
+                <a:ea typeface="+mn-ea"/>
+                <a:cs typeface="+mn-cs"/>
+              </a:defRPr>
+            </a:lvl6pPr>
+            <a:lvl7pPr marL="2743200" algn="l" defTabSz="914400" rtl="0" eaLnBrk="1" latinLnBrk="0" hangingPunct="1">
+              <a:defRPr sz="1800" kern="1200">
+                <a:solidFill>
+                  <a:schemeClr val="tx1"/>
+                </a:solidFill>
+                <a:latin typeface="+mn-lt"/>
+                <a:ea typeface="+mn-ea"/>
+                <a:cs typeface="+mn-cs"/>
+              </a:defRPr>
+            </a:lvl7pPr>
+            <a:lvl8pPr marL="3200400" algn="l" defTabSz="914400" rtl="0" eaLnBrk="1" latinLnBrk="0" hangingPunct="1">
+              <a:defRPr sz="1800" kern="1200">
+                <a:solidFill>
+                  <a:schemeClr val="tx1"/>
+                </a:solidFill>
+                <a:latin typeface="+mn-lt"/>
+                <a:ea typeface="+mn-ea"/>
+                <a:cs typeface="+mn-cs"/>
+              </a:defRPr>
+            </a:lvl8pPr>
+            <a:lvl9pPr marL="3657600" algn="l" defTabSz="914400" rtl="0" eaLnBrk="1" latinLnBrk="0" hangingPunct="1">
+              <a:defRPr sz="1800" kern="1200">
+                <a:solidFill>
+                  <a:schemeClr val="tx1"/>
+                </a:solidFill>
+                <a:latin typeface="+mn-lt"/>
+                <a:ea typeface="+mn-ea"/>
+                <a:cs typeface="+mn-cs"/>
+              </a:defRPr>
+            </a:lvl9pPr>
+          </a:lstStyle>
+          <a:p>
+            <a:r>
+              <a:rPr lang="fr-FR" dirty="0" smtClean="0"/>
+              <a:t>IUT LE HAVRE – Module M3302 – Groupe 1</a:t>
+            </a:r>
+            <a:endParaRPr lang="fr-FR" dirty="0"/>
+          </a:p>
+        </p:txBody>
+      </p:sp>
+      <p:sp>
+        <p:nvSpPr>
+          <p:cNvPr id="16" name="Espace réservé de la date 3">
+            <a:extLst>
+              <a:ext uri="{FF2B5EF4-FFF2-40B4-BE49-F238E27FC236}">
+                <a16:creationId xmlns="" xmlns:a16="http://schemas.microsoft.com/office/drawing/2014/main" id="{3B5DEB9C-E26B-4EA6-BF6D-65414BACF12D}"/>
+              </a:ext>
+            </a:extLst>
+          </p:cNvPr>
+          <p:cNvSpPr txBox="1">
+            <a:spLocks/>
+          </p:cNvSpPr>
+          <p:nvPr userDrawn="1"/>
+        </p:nvSpPr>
+        <p:spPr>
+          <a:xfrm>
+            <a:off x="974440" y="6355641"/>
+            <a:ext cx="2743200" cy="365125"/>
+          </a:xfrm>
+          <a:prstGeom prst="rect">
+            <a:avLst/>
+          </a:prstGeom>
+        </p:spPr>
+        <p:txBody>
+          <a:bodyPr vert="horz" lIns="91440" tIns="45720" rIns="91440" bIns="45720" rtlCol="0" anchor="ctr"/>
+          <a:lstStyle>
+            <a:defPPr>
+              <a:defRPr lang="fr-FR"/>
+            </a:defPPr>
+            <a:lvl1pPr marL="0" algn="l" defTabSz="914400" rtl="0" eaLnBrk="1" latinLnBrk="0" hangingPunct="1">
+              <a:defRPr sz="1200" kern="1200">
+                <a:solidFill>
+                  <a:schemeClr val="tx1"/>
+                </a:solidFill>
+                <a:latin typeface="+mn-lt"/>
+                <a:ea typeface="+mn-ea"/>
+                <a:cs typeface="+mn-cs"/>
+              </a:defRPr>
+            </a:lvl1pPr>
+            <a:lvl2pPr marL="457200" algn="l" defTabSz="914400" rtl="0" eaLnBrk="1" latinLnBrk="0" hangingPunct="1">
+              <a:defRPr sz="1800" kern="1200">
+                <a:solidFill>
+                  <a:schemeClr val="tx1"/>
+                </a:solidFill>
+                <a:latin typeface="+mn-lt"/>
+                <a:ea typeface="+mn-ea"/>
+                <a:cs typeface="+mn-cs"/>
+              </a:defRPr>
+            </a:lvl2pPr>
+            <a:lvl3pPr marL="914400" algn="l" defTabSz="914400" rtl="0" eaLnBrk="1" latinLnBrk="0" hangingPunct="1">
+              <a:defRPr sz="1800" kern="1200">
+                <a:solidFill>
+                  <a:schemeClr val="tx1"/>
+                </a:solidFill>
+                <a:latin typeface="+mn-lt"/>
+                <a:ea typeface="+mn-ea"/>
+                <a:cs typeface="+mn-cs"/>
+              </a:defRPr>
+            </a:lvl3pPr>
+            <a:lvl4pPr marL="1371600" algn="l" defTabSz="914400" rtl="0" eaLnBrk="1" latinLnBrk="0" hangingPunct="1">
+              <a:defRPr sz="1800" kern="1200">
+                <a:solidFill>
+                  <a:schemeClr val="tx1"/>
+                </a:solidFill>
+                <a:latin typeface="+mn-lt"/>
+                <a:ea typeface="+mn-ea"/>
+                <a:cs typeface="+mn-cs"/>
+              </a:defRPr>
+            </a:lvl4pPr>
+            <a:lvl5pPr marL="1828800" algn="l" defTabSz="914400" rtl="0" eaLnBrk="1" latinLnBrk="0" hangingPunct="1">
+              <a:defRPr sz="1800" kern="1200">
+                <a:solidFill>
+                  <a:schemeClr val="tx1"/>
+                </a:solidFill>
+                <a:latin typeface="+mn-lt"/>
+                <a:ea typeface="+mn-ea"/>
+                <a:cs typeface="+mn-cs"/>
+              </a:defRPr>
+            </a:lvl5pPr>
+            <a:lvl6pPr marL="2286000" algn="l" defTabSz="914400" rtl="0" eaLnBrk="1" latinLnBrk="0" hangingPunct="1">
+              <a:defRPr sz="1800" kern="1200">
+                <a:solidFill>
+                  <a:schemeClr val="tx1"/>
+                </a:solidFill>
+                <a:latin typeface="+mn-lt"/>
+                <a:ea typeface="+mn-ea"/>
+                <a:cs typeface="+mn-cs"/>
+              </a:defRPr>
+            </a:lvl6pPr>
+            <a:lvl7pPr marL="2743200" algn="l" defTabSz="914400" rtl="0" eaLnBrk="1" latinLnBrk="0" hangingPunct="1">
+              <a:defRPr sz="1800" kern="1200">
+                <a:solidFill>
+                  <a:schemeClr val="tx1"/>
+                </a:solidFill>
+                <a:latin typeface="+mn-lt"/>
+                <a:ea typeface="+mn-ea"/>
+                <a:cs typeface="+mn-cs"/>
+              </a:defRPr>
+            </a:lvl7pPr>
+            <a:lvl8pPr marL="3200400" algn="l" defTabSz="914400" rtl="0" eaLnBrk="1" latinLnBrk="0" hangingPunct="1">
+              <a:defRPr sz="1800" kern="1200">
+                <a:solidFill>
+                  <a:schemeClr val="tx1"/>
+                </a:solidFill>
+                <a:latin typeface="+mn-lt"/>
+                <a:ea typeface="+mn-ea"/>
+                <a:cs typeface="+mn-cs"/>
+              </a:defRPr>
+            </a:lvl8pPr>
+            <a:lvl9pPr marL="3657600" algn="l" defTabSz="914400" rtl="0" eaLnBrk="1" latinLnBrk="0" hangingPunct="1">
+              <a:defRPr sz="1800" kern="1200">
+                <a:solidFill>
+                  <a:schemeClr val="tx1"/>
+                </a:solidFill>
+                <a:latin typeface="+mn-lt"/>
+                <a:ea typeface="+mn-ea"/>
+                <a:cs typeface="+mn-cs"/>
+              </a:defRPr>
+            </a:lvl9pPr>
+          </a:lstStyle>
+          <a:p>
+            <a:fld id="{D27128FD-9397-4560-942B-30F0B67550E6}" type="datetimeFigureOut">
+              <a:rPr lang="fr-FR" smtClean="0"/>
+              <a:pPr/>
+              <a:t>17/01/2018</a:t>
+            </a:fld>
+            <a:endParaRPr lang="fr-FR" dirty="0"/>
+          </a:p>
+        </p:txBody>
+      </p:sp>
+      <p:sp>
+        <p:nvSpPr>
+          <p:cNvPr id="22" name="Espace réservé du numéro de diapositive 5">
+            <a:extLst>
+              <a:ext uri="{FF2B5EF4-FFF2-40B4-BE49-F238E27FC236}">
+                <a16:creationId xmlns="" xmlns:a16="http://schemas.microsoft.com/office/drawing/2014/main" id="{CE66E153-DF38-496A-8B90-86A64890DAF0}"/>
+              </a:ext>
+            </a:extLst>
+          </p:cNvPr>
+          <p:cNvSpPr>
+            <a:spLocks noGrp="1"/>
+          </p:cNvSpPr>
+          <p:nvPr>
+            <p:ph type="sldNum" sz="quarter" idx="4"/>
+          </p:nvPr>
+        </p:nvSpPr>
+        <p:spPr>
+          <a:xfrm>
+            <a:off x="8610600" y="6364514"/>
+            <a:ext cx="2743200" cy="365125"/>
+          </a:xfrm>
+          <a:prstGeom prst="rect">
+            <a:avLst/>
+          </a:prstGeom>
+        </p:spPr>
+        <p:txBody>
+          <a:bodyPr/>
+          <a:lstStyle>
+            <a:lvl1pPr>
+              <a:defRPr sz="1400"/>
+            </a:lvl1pPr>
+          </a:lstStyle>
+          <a:p>
+            <a:fld id="{B01CE3B9-4A4F-4D9A-9D8C-C2C31E41FA3D}" type="slidenum">
+              <a:rPr lang="fr-FR" smtClean="0"/>
+              <a:pPr/>
+              <a:t>‹N°›</a:t>
+            </a:fld>
+            <a:endParaRPr lang="fr-FR" dirty="0"/>
+          </a:p>
+        </p:txBody>
+      </p:sp>
     </p:spTree>
     <p:extLst>
       <p:ext uri="{BB962C8B-B14F-4D97-AF65-F5344CB8AC3E}">
@@ -2855,6 +3005,7 @@
       </p:par>
     </p:tnLst>
   </p:timing>
+  <p:hf sldNum="0" hdr="0" ftr="0" dt="0"/>
   <p:txStyles>
     <p:titleStyle>
       <a:lvl1pPr algn="l" defTabSz="914400" rtl="0" eaLnBrk="1" latinLnBrk="0" hangingPunct="1">
@@ -3157,10 +3308,10 @@
       </p:grpSpPr>
       <p:sp>
         <p:nvSpPr>
-          <p:cNvPr id="2" name="ZoneTexte 1">
+          <p:cNvPr id="4" name="ZoneTexte 3">
             <a:extLst>
               <a:ext uri="{FF2B5EF4-FFF2-40B4-BE49-F238E27FC236}">
-                <a16:creationId xmlns="" xmlns:a16="http://schemas.microsoft.com/office/drawing/2014/main" id="{D54B309A-EBEB-4278-B898-FCE884E8855E}"/>
+                <a16:creationId xmlns="" xmlns:a16="http://schemas.microsoft.com/office/drawing/2014/main" id="{9EBD1055-AF6A-4F72-9530-A3095818B3CA}"/>
               </a:ext>
             </a:extLst>
           </p:cNvPr>
@@ -3169,8 +3320,8 @@
         </p:nvSpPr>
         <p:spPr>
           <a:xfrm>
-            <a:off x="10858500" y="6429375"/>
-            <a:ext cx="657225" cy="369332"/>
+            <a:off x="10858500" y="6337042"/>
+            <a:ext cx="723900" cy="369332"/>
           </a:xfrm>
           <a:prstGeom prst="rect">
             <a:avLst/>
@@ -3185,8 +3336,13 @@
           <a:p>
             <a:r>
               <a:rPr lang="fr-FR" dirty="0"/>
-              <a:t>1/10</a:t>
-            </a:r>
+              <a:t>1</a:t>
+            </a:r>
+            <a:r>
+              <a:rPr lang="fr-FR" dirty="0" smtClean="0"/>
+              <a:t>/10</a:t>
+            </a:r>
+            <a:endParaRPr lang="fr-FR" dirty="0"/>
           </a:p>
         </p:txBody>
       </p:sp>
@@ -3194,6 +3350,460 @@
     <p:extLst>
       <p:ext uri="{BB962C8B-B14F-4D97-AF65-F5344CB8AC3E}">
         <p14:creationId xmlns:p14="http://schemas.microsoft.com/office/powerpoint/2010/main" val="930509600"/>
+      </p:ext>
+    </p:extLst>
+  </p:cSld>
+  <p:clrMapOvr>
+    <a:masterClrMapping/>
+  </p:clrMapOvr>
+  <p:timing>
+    <p:tnLst>
+      <p:par>
+        <p:cTn id="1" dur="indefinite" restart="never" nodeType="tmRoot"/>
+      </p:par>
+    </p:tnLst>
+  </p:timing>
+</p:sld>
+</file>
+
+<file path=ppt/slides/slide10.xml><?xml version="1.0" encoding="utf-8"?>
+<p:sld xmlns:a="http://schemas.openxmlformats.org/drawingml/2006/main" xmlns:r="http://schemas.openxmlformats.org/officeDocument/2006/relationships" xmlns:p="http://schemas.openxmlformats.org/presentationml/2006/main">
+  <p:cSld>
+    <p:spTree>
+      <p:nvGrpSpPr>
+        <p:cNvPr id="1" name=""/>
+        <p:cNvGrpSpPr/>
+        <p:nvPr/>
+      </p:nvGrpSpPr>
+      <p:grpSpPr>
+        <a:xfrm>
+          <a:off x="0" y="0"/>
+          <a:ext cx="0" cy="0"/>
+          <a:chOff x="0" y="0"/>
+          <a:chExt cx="0" cy="0"/>
+        </a:xfrm>
+      </p:grpSpPr>
+      <p:sp>
+        <p:nvSpPr>
+          <p:cNvPr id="17" name="ZoneTexte 16">
+            <a:extLst>
+              <a:ext uri="{FF2B5EF4-FFF2-40B4-BE49-F238E27FC236}">
+                <a16:creationId xmlns="" xmlns:a16="http://schemas.microsoft.com/office/drawing/2014/main" id="{C2DE9D7D-C153-48A2-8956-F1985966A2FE}"/>
+              </a:ext>
+            </a:extLst>
+          </p:cNvPr>
+          <p:cNvSpPr txBox="1"/>
+          <p:nvPr/>
+        </p:nvSpPr>
+        <p:spPr>
+          <a:xfrm>
+            <a:off x="10858500" y="6429375"/>
+            <a:ext cx="685800" cy="369332"/>
+          </a:xfrm>
+          <a:prstGeom prst="rect">
+            <a:avLst/>
+          </a:prstGeom>
+          <a:noFill/>
+        </p:spPr>
+        <p:txBody>
+          <a:bodyPr wrap="square" rtlCol="0">
+            <a:spAutoFit/>
+          </a:bodyPr>
+          <a:lstStyle/>
+          <a:p>
+            <a:r>
+              <a:rPr lang="fr-FR" dirty="0"/>
+              <a:t>4/10</a:t>
+            </a:r>
+          </a:p>
+        </p:txBody>
+      </p:sp>
+      <p:sp>
+        <p:nvSpPr>
+          <p:cNvPr id="11" name="ZoneTexte 10">
+            <a:extLst>
+              <a:ext uri="{FF2B5EF4-FFF2-40B4-BE49-F238E27FC236}">
+                <a16:creationId xmlns="" xmlns:a16="http://schemas.microsoft.com/office/drawing/2014/main" id="{F3ADFA8B-9444-49C0-B723-BB0A8C5F043A}"/>
+              </a:ext>
+            </a:extLst>
+          </p:cNvPr>
+          <p:cNvSpPr txBox="1"/>
+          <p:nvPr/>
+        </p:nvSpPr>
+        <p:spPr>
+          <a:xfrm>
+            <a:off x="449035" y="574158"/>
+            <a:ext cx="2686051" cy="1107996"/>
+          </a:xfrm>
+          <a:prstGeom prst="rect">
+            <a:avLst/>
+          </a:prstGeom>
+          <a:noFill/>
+        </p:spPr>
+        <p:txBody>
+          <a:bodyPr wrap="square" rtlCol="0">
+            <a:spAutoFit/>
+          </a:bodyPr>
+          <a:lstStyle/>
+          <a:p>
+            <a:pPr marL="285750" indent="-285750">
+              <a:buFont typeface="+mj-lt"/>
+              <a:buAutoNum type="romanUcPeriod"/>
+            </a:pPr>
+            <a:r>
+              <a:rPr lang="fr-FR" sz="1100" dirty="0" err="1" smtClean="0">
+                <a:solidFill>
+                  <a:srgbClr val="FF0000"/>
+                </a:solidFill>
+                <a:latin typeface="DejaVu Sans Condensed" panose="020B0606030804020204" pitchFamily="34" charset="0"/>
+                <a:ea typeface="DejaVu Sans Condensed" panose="020B0606030804020204" pitchFamily="34" charset="0"/>
+                <a:cs typeface="DejaVu Sans Condensed" panose="020B0606030804020204" pitchFamily="34" charset="0"/>
+              </a:rPr>
+              <a:t>Rétroconception</a:t>
+            </a:r>
+            <a:endParaRPr lang="fr-FR" sz="1100" dirty="0" smtClean="0">
+              <a:solidFill>
+                <a:srgbClr val="FF0000"/>
+              </a:solidFill>
+              <a:latin typeface="DejaVu Sans Condensed" panose="020B0606030804020204" pitchFamily="34" charset="0"/>
+              <a:ea typeface="DejaVu Sans Condensed" panose="020B0606030804020204" pitchFamily="34" charset="0"/>
+              <a:cs typeface="DejaVu Sans Condensed" panose="020B0606030804020204" pitchFamily="34" charset="0"/>
+            </a:endParaRPr>
+          </a:p>
+          <a:p>
+            <a:pPr marL="685800" lvl="1" indent="-228600">
+              <a:buFont typeface="+mj-lt"/>
+              <a:buAutoNum type="alphaLcPeriod"/>
+            </a:pPr>
+            <a:r>
+              <a:rPr lang="fr-FR" sz="1100" dirty="0">
+                <a:solidFill>
+                  <a:srgbClr val="FF0000"/>
+                </a:solidFill>
+                <a:latin typeface="DejaVu Sans Condensed" panose="020B0606030804020204" pitchFamily="34" charset="0"/>
+                <a:ea typeface="DejaVu Sans Condensed" panose="020B0606030804020204" pitchFamily="34" charset="0"/>
+                <a:cs typeface="DejaVu Sans Condensed" panose="020B0606030804020204" pitchFamily="34" charset="0"/>
+              </a:rPr>
+              <a:t>La gestion des erreurs XML</a:t>
+            </a:r>
+          </a:p>
+          <a:p>
+            <a:pPr marL="685800" lvl="1" indent="-228600">
+              <a:buFont typeface="+mj-lt"/>
+              <a:buAutoNum type="alphaLcPeriod"/>
+            </a:pPr>
+            <a:r>
+              <a:rPr lang="fr-FR" sz="1100" dirty="0" smtClean="0">
+                <a:latin typeface="DejaVu Sans Condensed" panose="020B0606030804020204" pitchFamily="34" charset="0"/>
+                <a:ea typeface="DejaVu Sans Condensed" panose="020B0606030804020204" pitchFamily="34" charset="0"/>
+                <a:cs typeface="DejaVu Sans Condensed" panose="020B0606030804020204" pitchFamily="34" charset="0"/>
+              </a:rPr>
+              <a:t>L’élément « Tableau »</a:t>
+            </a:r>
+            <a:endParaRPr lang="fr-FR" sz="1100" dirty="0">
+              <a:solidFill>
+                <a:srgbClr val="FF0000"/>
+              </a:solidFill>
+              <a:latin typeface="DejaVu Sans Condensed" panose="020B0606030804020204" pitchFamily="34" charset="0"/>
+              <a:ea typeface="DejaVu Sans Condensed" panose="020B0606030804020204" pitchFamily="34" charset="0"/>
+              <a:cs typeface="DejaVu Sans Condensed" panose="020B0606030804020204" pitchFamily="34" charset="0"/>
+            </a:endParaRPr>
+          </a:p>
+          <a:p>
+            <a:pPr marL="285750" indent="-285750">
+              <a:buFont typeface="+mj-lt"/>
+              <a:buAutoNum type="romanUcPeriod"/>
+            </a:pPr>
+            <a:r>
+              <a:rPr lang="fr-FR" sz="1100" dirty="0" smtClean="0">
+                <a:latin typeface="DejaVu Sans Condensed" panose="020B0606030804020204" pitchFamily="34" charset="0"/>
+                <a:ea typeface="DejaVu Sans Condensed" panose="020B0606030804020204" pitchFamily="34" charset="0"/>
+                <a:cs typeface="DejaVu Sans Condensed" panose="020B0606030804020204" pitchFamily="34" charset="0"/>
+              </a:rPr>
+              <a:t>Suivi </a:t>
+            </a:r>
+            <a:r>
+              <a:rPr lang="fr-FR" sz="1100" dirty="0">
+                <a:latin typeface="DejaVu Sans Condensed" panose="020B0606030804020204" pitchFamily="34" charset="0"/>
+                <a:ea typeface="DejaVu Sans Condensed" panose="020B0606030804020204" pitchFamily="34" charset="0"/>
+                <a:cs typeface="DejaVu Sans Condensed" panose="020B0606030804020204" pitchFamily="34" charset="0"/>
+              </a:rPr>
+              <a:t>du projet</a:t>
+            </a:r>
+          </a:p>
+          <a:p>
+            <a:pPr marL="285750" indent="-285750">
+              <a:buFont typeface="+mj-lt"/>
+              <a:buAutoNum type="romanUcPeriod"/>
+            </a:pPr>
+            <a:r>
+              <a:rPr lang="fr-FR" sz="1100" dirty="0" smtClean="0">
+                <a:latin typeface="DejaVu Sans Condensed" panose="020B0606030804020204" pitchFamily="34" charset="0"/>
+                <a:ea typeface="DejaVu Sans Condensed" panose="020B0606030804020204" pitchFamily="34" charset="0"/>
+                <a:cs typeface="DejaVu Sans Condensed" panose="020B0606030804020204" pitchFamily="34" charset="0"/>
+              </a:rPr>
+              <a:t>Apports </a:t>
+            </a:r>
+            <a:r>
+              <a:rPr lang="fr-FR" sz="1100" dirty="0">
+                <a:latin typeface="DejaVu Sans Condensed" panose="020B0606030804020204" pitchFamily="34" charset="0"/>
+                <a:ea typeface="DejaVu Sans Condensed" panose="020B0606030804020204" pitchFamily="34" charset="0"/>
+                <a:cs typeface="DejaVu Sans Condensed" panose="020B0606030804020204" pitchFamily="34" charset="0"/>
+              </a:rPr>
+              <a:t>du projets</a:t>
+            </a:r>
+          </a:p>
+          <a:p>
+            <a:pPr marL="285750" indent="-285750">
+              <a:buFont typeface="+mj-lt"/>
+              <a:buAutoNum type="romanUcPeriod"/>
+            </a:pPr>
+            <a:r>
+              <a:rPr lang="fr-FR" sz="1100" dirty="0" smtClean="0">
+                <a:latin typeface="DejaVu Sans Condensed" panose="020B0606030804020204" pitchFamily="34" charset="0"/>
+                <a:ea typeface="DejaVu Sans Condensed" panose="020B0606030804020204" pitchFamily="34" charset="0"/>
+                <a:cs typeface="DejaVu Sans Condensed" panose="020B0606030804020204" pitchFamily="34" charset="0"/>
+              </a:rPr>
+              <a:t>Difficultés </a:t>
+            </a:r>
+            <a:r>
+              <a:rPr lang="fr-FR" sz="1100" dirty="0">
+                <a:latin typeface="DejaVu Sans Condensed" panose="020B0606030804020204" pitchFamily="34" charset="0"/>
+                <a:ea typeface="DejaVu Sans Condensed" panose="020B0606030804020204" pitchFamily="34" charset="0"/>
+                <a:cs typeface="DejaVu Sans Condensed" panose="020B0606030804020204" pitchFamily="34" charset="0"/>
+              </a:rPr>
+              <a:t>rencontrés</a:t>
+            </a:r>
+          </a:p>
+        </p:txBody>
+      </p:sp>
+      <p:sp>
+        <p:nvSpPr>
+          <p:cNvPr id="12" name="ZoneTexte 11">
+            <a:extLst>
+              <a:ext uri="{FF2B5EF4-FFF2-40B4-BE49-F238E27FC236}">
+                <a16:creationId xmlns="" xmlns:a16="http://schemas.microsoft.com/office/drawing/2014/main" id="{8630A28E-7049-4BB1-BDCE-9CDFA0BE5C53}"/>
+              </a:ext>
+            </a:extLst>
+          </p:cNvPr>
+          <p:cNvSpPr txBox="1"/>
+          <p:nvPr/>
+        </p:nvSpPr>
+        <p:spPr>
+          <a:xfrm>
+            <a:off x="4393811" y="351393"/>
+            <a:ext cx="5281301" cy="954107"/>
+          </a:xfrm>
+          <a:prstGeom prst="rect">
+            <a:avLst/>
+          </a:prstGeom>
+          <a:noFill/>
+        </p:spPr>
+        <p:txBody>
+          <a:bodyPr wrap="square" rtlCol="0">
+            <a:spAutoFit/>
+          </a:bodyPr>
+          <a:lstStyle/>
+          <a:p>
+            <a:pPr algn="ctr"/>
+            <a:r>
+              <a:rPr lang="fr-FR" sz="2800" b="1" cap="small" dirty="0" smtClean="0">
+                <a:solidFill>
+                  <a:srgbClr val="EA0000"/>
+                </a:solidFill>
+              </a:rPr>
+              <a:t>Une organisation encore plus poussée</a:t>
+            </a:r>
+            <a:endParaRPr lang="fr-FR" sz="2800" b="1" cap="small" dirty="0">
+              <a:solidFill>
+                <a:srgbClr val="EA0000"/>
+              </a:solidFill>
+            </a:endParaRPr>
+          </a:p>
+        </p:txBody>
+      </p:sp>
+      <p:pic>
+        <p:nvPicPr>
+          <p:cNvPr id="2" name="Image 1"/>
+          <p:cNvPicPr>
+            <a:picLocks noChangeAspect="1"/>
+          </p:cNvPicPr>
+          <p:nvPr/>
+        </p:nvPicPr>
+        <p:blipFill>
+          <a:blip r:embed="rId3"/>
+          <a:stretch>
+            <a:fillRect/>
+          </a:stretch>
+        </p:blipFill>
+        <p:spPr>
+          <a:xfrm>
+            <a:off x="3545826" y="1799617"/>
+            <a:ext cx="3283802" cy="4059645"/>
+          </a:xfrm>
+          <a:prstGeom prst="rect">
+            <a:avLst/>
+          </a:prstGeom>
+          <a:ln w="19050">
+            <a:solidFill>
+              <a:schemeClr val="tx1"/>
+            </a:solidFill>
+          </a:ln>
+        </p:spPr>
+      </p:pic>
+      <p:sp>
+        <p:nvSpPr>
+          <p:cNvPr id="3" name="ZoneTexte 2"/>
+          <p:cNvSpPr txBox="1"/>
+          <p:nvPr/>
+        </p:nvSpPr>
+        <p:spPr>
+          <a:xfrm>
+            <a:off x="6829628" y="1925449"/>
+            <a:ext cx="3659271" cy="461665"/>
+          </a:xfrm>
+          <a:prstGeom prst="rect">
+            <a:avLst/>
+          </a:prstGeom>
+          <a:noFill/>
+        </p:spPr>
+        <p:txBody>
+          <a:bodyPr wrap="none" rtlCol="0">
+            <a:spAutoFit/>
+          </a:bodyPr>
+          <a:lstStyle/>
+          <a:p>
+            <a:r>
+              <a:rPr lang="fr-FR" sz="2400" dirty="0" smtClean="0">
+                <a:ea typeface="DejaVu Sans Condensed" panose="020B0606030804020204" pitchFamily="34" charset="0"/>
+                <a:cs typeface="DejaVu Sans Condensed" panose="020B0606030804020204" pitchFamily="34" charset="0"/>
+              </a:rPr>
+              <a:t>  =   Difficile de s’y retrouver</a:t>
+            </a:r>
+          </a:p>
+        </p:txBody>
+      </p:sp>
+    </p:spTree>
+    <p:extLst>
+      <p:ext uri="{BB962C8B-B14F-4D97-AF65-F5344CB8AC3E}">
+        <p14:creationId xmlns:p14="http://schemas.microsoft.com/office/powerpoint/2010/main" val="3747935093"/>
+      </p:ext>
+    </p:extLst>
+  </p:cSld>
+  <p:clrMapOvr>
+    <a:masterClrMapping/>
+  </p:clrMapOvr>
+  <p:timing>
+    <p:tnLst>
+      <p:par>
+        <p:cTn id="1" dur="indefinite" restart="never" nodeType="tmRoot"/>
+      </p:par>
+    </p:tnLst>
+  </p:timing>
+</p:sld>
+</file>
+
+<file path=ppt/slides/slide11.xml><?xml version="1.0" encoding="utf-8"?>
+<p:sld xmlns:a="http://schemas.openxmlformats.org/drawingml/2006/main" xmlns:r="http://schemas.openxmlformats.org/officeDocument/2006/relationships" xmlns:p="http://schemas.openxmlformats.org/presentationml/2006/main">
+  <p:cSld>
+    <p:spTree>
+      <p:nvGrpSpPr>
+        <p:cNvPr id="1" name=""/>
+        <p:cNvGrpSpPr/>
+        <p:nvPr/>
+      </p:nvGrpSpPr>
+      <p:grpSpPr>
+        <a:xfrm>
+          <a:off x="0" y="0"/>
+          <a:ext cx="0" cy="0"/>
+          <a:chOff x="0" y="0"/>
+          <a:chExt cx="0" cy="0"/>
+        </a:xfrm>
+      </p:grpSpPr>
+      <p:sp>
+        <p:nvSpPr>
+          <p:cNvPr id="3" name="ZoneTexte 2">
+            <a:extLst>
+              <a:ext uri="{FF2B5EF4-FFF2-40B4-BE49-F238E27FC236}">
+                <a16:creationId xmlns="" xmlns:a16="http://schemas.microsoft.com/office/drawing/2014/main" id="{8630A28E-7049-4BB1-BDCE-9CDFA0BE5C53}"/>
+              </a:ext>
+            </a:extLst>
+          </p:cNvPr>
+          <p:cNvSpPr txBox="1"/>
+          <p:nvPr/>
+        </p:nvSpPr>
+        <p:spPr>
+          <a:xfrm>
+            <a:off x="3187581" y="544125"/>
+            <a:ext cx="5281301" cy="523220"/>
+          </a:xfrm>
+          <a:prstGeom prst="rect">
+            <a:avLst/>
+          </a:prstGeom>
+          <a:noFill/>
+        </p:spPr>
+        <p:txBody>
+          <a:bodyPr wrap="square" rtlCol="0">
+            <a:spAutoFit/>
+          </a:bodyPr>
+          <a:lstStyle/>
+          <a:p>
+            <a:pPr algn="ctr"/>
+            <a:r>
+              <a:rPr lang="fr-FR" sz="2800" b="1" cap="small" dirty="0" smtClean="0">
+                <a:solidFill>
+                  <a:srgbClr val="EA0000"/>
+                </a:solidFill>
+              </a:rPr>
+              <a:t>Conclusion</a:t>
+            </a:r>
+            <a:endParaRPr lang="fr-FR" sz="2800" b="1" cap="small" dirty="0">
+              <a:solidFill>
+                <a:srgbClr val="EA0000"/>
+              </a:solidFill>
+            </a:endParaRPr>
+          </a:p>
+        </p:txBody>
+      </p:sp>
+      <p:sp>
+        <p:nvSpPr>
+          <p:cNvPr id="5" name="ZoneTexte 4">
+            <a:extLst>
+              <a:ext uri="{FF2B5EF4-FFF2-40B4-BE49-F238E27FC236}">
+                <a16:creationId xmlns="" xmlns:a16="http://schemas.microsoft.com/office/drawing/2014/main" id="{9EBD1055-AF6A-4F72-9530-A3095818B3CA}"/>
+              </a:ext>
+            </a:extLst>
+          </p:cNvPr>
+          <p:cNvSpPr txBox="1"/>
+          <p:nvPr/>
+        </p:nvSpPr>
+        <p:spPr>
+          <a:xfrm>
+            <a:off x="10858500" y="6429375"/>
+            <a:ext cx="723900" cy="369332"/>
+          </a:xfrm>
+          <a:prstGeom prst="rect">
+            <a:avLst/>
+          </a:prstGeom>
+          <a:noFill/>
+        </p:spPr>
+        <p:txBody>
+          <a:bodyPr wrap="square" rtlCol="0">
+            <a:spAutoFit/>
+          </a:bodyPr>
+          <a:lstStyle/>
+          <a:p>
+            <a:r>
+              <a:rPr lang="fr-FR" dirty="0"/>
+              <a:t>2/10</a:t>
+            </a:r>
+          </a:p>
+        </p:txBody>
+      </p:sp>
+    </p:spTree>
+    <p:extLst>
+      <p:ext uri="{BB962C8B-B14F-4D97-AF65-F5344CB8AC3E}">
+        <p14:creationId xmlns:p14="http://schemas.microsoft.com/office/powerpoint/2010/main" val="1063936555"/>
       </p:ext>
     </p:extLst>
   </p:cSld>
@@ -3535,7 +4145,7 @@
         </p:nvSpPr>
         <p:spPr>
           <a:xfrm>
-            <a:off x="10858500" y="6429375"/>
+            <a:off x="10858500" y="6337042"/>
             <a:ext cx="723900" cy="369332"/>
           </a:xfrm>
           <a:prstGeom prst="rect">
@@ -3633,41 +4243,6 @@
           </a:p>
         </p:txBody>
       </p:sp>
-      <p:sp>
-        <p:nvSpPr>
-          <p:cNvPr id="5" name="ZoneTexte 4">
-            <a:extLst>
-              <a:ext uri="{FF2B5EF4-FFF2-40B4-BE49-F238E27FC236}">
-                <a16:creationId xmlns="" xmlns:a16="http://schemas.microsoft.com/office/drawing/2014/main" id="{9EBD1055-AF6A-4F72-9530-A3095818B3CA}"/>
-              </a:ext>
-            </a:extLst>
-          </p:cNvPr>
-          <p:cNvSpPr txBox="1"/>
-          <p:nvPr/>
-        </p:nvSpPr>
-        <p:spPr>
-          <a:xfrm>
-            <a:off x="10858500" y="6429375"/>
-            <a:ext cx="723900" cy="369332"/>
-          </a:xfrm>
-          <a:prstGeom prst="rect">
-            <a:avLst/>
-          </a:prstGeom>
-          <a:noFill/>
-        </p:spPr>
-        <p:txBody>
-          <a:bodyPr wrap="square" rtlCol="0">
-            <a:spAutoFit/>
-          </a:bodyPr>
-          <a:lstStyle/>
-          <a:p>
-            <a:r>
-              <a:rPr lang="fr-FR" dirty="0"/>
-              <a:t>2/10</a:t>
-            </a:r>
-          </a:p>
-        </p:txBody>
-      </p:sp>
       <p:pic>
         <p:nvPicPr>
           <p:cNvPr id="2" name="Image 1"/>
@@ -4038,41 +4613,6 @@
       </p:sp>
       <p:sp>
         <p:nvSpPr>
-          <p:cNvPr id="9" name="ZoneTexte 8">
-            <a:extLst>
-              <a:ext uri="{FF2B5EF4-FFF2-40B4-BE49-F238E27FC236}">
-                <a16:creationId xmlns="" xmlns:a16="http://schemas.microsoft.com/office/drawing/2014/main" id="{727F412D-145E-41E0-96F7-64D3EB5C1222}"/>
-              </a:ext>
-            </a:extLst>
-          </p:cNvPr>
-          <p:cNvSpPr txBox="1"/>
-          <p:nvPr/>
-        </p:nvSpPr>
-        <p:spPr>
-          <a:xfrm>
-            <a:off x="10858500" y="6429375"/>
-            <a:ext cx="647700" cy="369332"/>
-          </a:xfrm>
-          <a:prstGeom prst="rect">
-            <a:avLst/>
-          </a:prstGeom>
-          <a:noFill/>
-        </p:spPr>
-        <p:txBody>
-          <a:bodyPr wrap="square" rtlCol="0">
-            <a:spAutoFit/>
-          </a:bodyPr>
-          <a:lstStyle/>
-          <a:p>
-            <a:r>
-              <a:rPr lang="fr-FR" dirty="0"/>
-              <a:t>3/10</a:t>
-            </a:r>
-          </a:p>
-        </p:txBody>
-      </p:sp>
-      <p:sp>
-        <p:nvSpPr>
           <p:cNvPr id="10" name="ZoneTexte 9">
             <a:extLst>
               <a:ext uri="{FF2B5EF4-FFF2-40B4-BE49-F238E27FC236}">
@@ -4319,7 +4859,7 @@
         </p:blipFill>
         <p:spPr bwMode="auto">
           <a:xfrm>
-            <a:off x="6496860" y="3928649"/>
+            <a:off x="6373384" y="3953595"/>
             <a:ext cx="1789322" cy="596441"/>
           </a:xfrm>
           <a:prstGeom prst="rect">
@@ -5041,8 +5581,8 @@
         </p:nvSpPr>
         <p:spPr>
           <a:xfrm>
-            <a:off x="7749154" y="3411842"/>
-            <a:ext cx="1770981" cy="707886"/>
+            <a:off x="6358099" y="2997866"/>
+            <a:ext cx="3758667" cy="1323439"/>
           </a:xfrm>
           <a:prstGeom prst="rect">
             <a:avLst/>
@@ -5055,15 +5595,35 @@
           </a:bodyPr>
           <a:lstStyle/>
           <a:p>
-            <a:pPr algn="ctr"/>
+            <a:pPr marL="342900" indent="-342900">
+              <a:buFont typeface="Wingdings" panose="05000000000000000000" pitchFamily="2" charset="2"/>
+              <a:buChar char="§"/>
+            </a:pPr>
             <a:r>
               <a:rPr lang="fr-FR" sz="2000" b="1" dirty="0" smtClean="0">
                 <a:ea typeface="DejaVu Sans Condensed" panose="020B0606030804020204" pitchFamily="34" charset="0"/>
                 <a:cs typeface="DejaVu Sans Condensed" panose="020B0606030804020204" pitchFamily="34" charset="0"/>
               </a:rPr>
-              <a:t>Les .bat, et le chat</a:t>
-            </a:r>
-            <a:endParaRPr lang="fr-FR" sz="2000" dirty="0" smtClean="0">
+              <a:t>Le chat réseau réalisé pour le projet de réseau </a:t>
+            </a:r>
+            <a:endParaRPr lang="fr-FR" sz="2000" dirty="0">
+              <a:ea typeface="DejaVu Sans Condensed" panose="020B0606030804020204" pitchFamily="34" charset="0"/>
+              <a:cs typeface="DejaVu Sans Condensed" panose="020B0606030804020204" pitchFamily="34" charset="0"/>
+            </a:endParaRPr>
+          </a:p>
+          <a:p>
+            <a:pPr marL="342900" indent="-342900">
+              <a:buFont typeface="Wingdings" panose="05000000000000000000" pitchFamily="2" charset="2"/>
+              <a:buChar char="§"/>
+            </a:pPr>
+            <a:r>
+              <a:rPr lang="fr-FR" sz="2000" b="1" dirty="0" smtClean="0">
+                <a:ea typeface="DejaVu Sans Condensed" panose="020B0606030804020204" pitchFamily="34" charset="0"/>
+                <a:cs typeface="DejaVu Sans Condensed" panose="020B0606030804020204" pitchFamily="34" charset="0"/>
+              </a:rPr>
+              <a:t>Des « .bat » pour compiler et exécuter</a:t>
+            </a:r>
+            <a:endParaRPr lang="fr-FR" sz="2000" b="1" dirty="0" smtClean="0">
               <a:ea typeface="DejaVu Sans Condensed" panose="020B0606030804020204" pitchFamily="34" charset="0"/>
               <a:cs typeface="DejaVu Sans Condensed" panose="020B0606030804020204" pitchFamily="34" charset="0"/>
             </a:endParaRPr>
@@ -5981,201 +6541,26 @@
       </p:grpSpPr>
       <p:sp>
         <p:nvSpPr>
-          <p:cNvPr id="17" name="ZoneTexte 16">
-            <a:extLst>
-              <a:ext uri="{FF2B5EF4-FFF2-40B4-BE49-F238E27FC236}">
-                <a16:creationId xmlns="" xmlns:a16="http://schemas.microsoft.com/office/drawing/2014/main" id="{C2DE9D7D-C153-48A2-8956-F1985966A2FE}"/>
-              </a:ext>
-            </a:extLst>
-          </p:cNvPr>
-          <p:cNvSpPr txBox="1"/>
-          <p:nvPr/>
-        </p:nvSpPr>
-        <p:spPr>
-          <a:xfrm>
-            <a:off x="10858500" y="6429375"/>
-            <a:ext cx="685800" cy="369332"/>
-          </a:xfrm>
-          <a:prstGeom prst="rect">
-            <a:avLst/>
-          </a:prstGeom>
-          <a:noFill/>
-        </p:spPr>
-        <p:txBody>
-          <a:bodyPr wrap="square" rtlCol="0">
-            <a:spAutoFit/>
-          </a:bodyPr>
+          <p:cNvPr id="2" name="Espace réservé du texte 1"/>
+          <p:cNvSpPr>
+            <a:spLocks noGrp="1"/>
+          </p:cNvSpPr>
+          <p:nvPr>
+            <p:ph type="body" sz="quarter" idx="13"/>
+          </p:nvPr>
+        </p:nvSpPr>
+        <p:spPr/>
+        <p:txBody>
+          <a:bodyPr/>
           <a:lstStyle/>
           <a:p>
-            <a:r>
-              <a:rPr lang="fr-FR" dirty="0"/>
-              <a:t>4/10</a:t>
-            </a:r>
-          </a:p>
-        </p:txBody>
-      </p:sp>
-      <p:sp>
-        <p:nvSpPr>
-          <p:cNvPr id="11" name="ZoneTexte 10">
-            <a:extLst>
-              <a:ext uri="{FF2B5EF4-FFF2-40B4-BE49-F238E27FC236}">
-                <a16:creationId xmlns="" xmlns:a16="http://schemas.microsoft.com/office/drawing/2014/main" id="{F3ADFA8B-9444-49C0-B723-BB0A8C5F043A}"/>
-              </a:ext>
-            </a:extLst>
-          </p:cNvPr>
-          <p:cNvSpPr txBox="1"/>
-          <p:nvPr/>
-        </p:nvSpPr>
-        <p:spPr>
-          <a:xfrm>
-            <a:off x="449035" y="574158"/>
-            <a:ext cx="2686051" cy="1107996"/>
-          </a:xfrm>
-          <a:prstGeom prst="rect">
-            <a:avLst/>
-          </a:prstGeom>
-          <a:noFill/>
-        </p:spPr>
-        <p:txBody>
-          <a:bodyPr wrap="square" rtlCol="0">
-            <a:spAutoFit/>
-          </a:bodyPr>
-          <a:lstStyle/>
-          <a:p>
-            <a:pPr marL="285750" indent="-285750">
-              <a:buFont typeface="+mj-lt"/>
-              <a:buAutoNum type="romanUcPeriod"/>
-            </a:pPr>
-            <a:r>
-              <a:rPr lang="fr-FR" sz="1100" dirty="0" err="1" smtClean="0">
-                <a:solidFill>
-                  <a:srgbClr val="FF0000"/>
-                </a:solidFill>
-                <a:latin typeface="DejaVu Sans Condensed" panose="020B0606030804020204" pitchFamily="34" charset="0"/>
-                <a:ea typeface="DejaVu Sans Condensed" panose="020B0606030804020204" pitchFamily="34" charset="0"/>
-                <a:cs typeface="DejaVu Sans Condensed" panose="020B0606030804020204" pitchFamily="34" charset="0"/>
-              </a:rPr>
-              <a:t>Rétroconception</a:t>
-            </a:r>
-            <a:endParaRPr lang="fr-FR" sz="1100" dirty="0" smtClean="0">
-              <a:solidFill>
-                <a:srgbClr val="FF0000"/>
-              </a:solidFill>
-              <a:latin typeface="DejaVu Sans Condensed" panose="020B0606030804020204" pitchFamily="34" charset="0"/>
-              <a:ea typeface="DejaVu Sans Condensed" panose="020B0606030804020204" pitchFamily="34" charset="0"/>
-              <a:cs typeface="DejaVu Sans Condensed" panose="020B0606030804020204" pitchFamily="34" charset="0"/>
-            </a:endParaRPr>
-          </a:p>
-          <a:p>
-            <a:pPr marL="685800" lvl="1" indent="-228600">
-              <a:buFont typeface="+mj-lt"/>
-              <a:buAutoNum type="alphaLcPeriod"/>
-            </a:pPr>
-            <a:r>
-              <a:rPr lang="fr-FR" sz="1100" dirty="0">
-                <a:solidFill>
-                  <a:srgbClr val="FF0000"/>
-                </a:solidFill>
-                <a:latin typeface="DejaVu Sans Condensed" panose="020B0606030804020204" pitchFamily="34" charset="0"/>
-                <a:ea typeface="DejaVu Sans Condensed" panose="020B0606030804020204" pitchFamily="34" charset="0"/>
-                <a:cs typeface="DejaVu Sans Condensed" panose="020B0606030804020204" pitchFamily="34" charset="0"/>
-              </a:rPr>
-              <a:t>La gestion des erreurs XML</a:t>
-            </a:r>
-          </a:p>
-          <a:p>
-            <a:pPr marL="685800" lvl="1" indent="-228600">
-              <a:buFont typeface="+mj-lt"/>
-              <a:buAutoNum type="alphaLcPeriod"/>
-            </a:pPr>
-            <a:r>
-              <a:rPr lang="fr-FR" sz="1100" dirty="0" smtClean="0">
-                <a:latin typeface="DejaVu Sans Condensed" panose="020B0606030804020204" pitchFamily="34" charset="0"/>
-                <a:ea typeface="DejaVu Sans Condensed" panose="020B0606030804020204" pitchFamily="34" charset="0"/>
-                <a:cs typeface="DejaVu Sans Condensed" panose="020B0606030804020204" pitchFamily="34" charset="0"/>
-              </a:rPr>
-              <a:t>L’élément « Tableau »</a:t>
-            </a:r>
-            <a:endParaRPr lang="fr-FR" sz="1100" dirty="0">
-              <a:solidFill>
-                <a:srgbClr val="FF0000"/>
-              </a:solidFill>
-              <a:latin typeface="DejaVu Sans Condensed" panose="020B0606030804020204" pitchFamily="34" charset="0"/>
-              <a:ea typeface="DejaVu Sans Condensed" panose="020B0606030804020204" pitchFamily="34" charset="0"/>
-              <a:cs typeface="DejaVu Sans Condensed" panose="020B0606030804020204" pitchFamily="34" charset="0"/>
-            </a:endParaRPr>
-          </a:p>
-          <a:p>
-            <a:pPr marL="285750" indent="-285750">
-              <a:buFont typeface="+mj-lt"/>
-              <a:buAutoNum type="romanUcPeriod"/>
-            </a:pPr>
-            <a:r>
-              <a:rPr lang="fr-FR" sz="1100" dirty="0" smtClean="0">
-                <a:latin typeface="DejaVu Sans Condensed" panose="020B0606030804020204" pitchFamily="34" charset="0"/>
-                <a:ea typeface="DejaVu Sans Condensed" panose="020B0606030804020204" pitchFamily="34" charset="0"/>
-                <a:cs typeface="DejaVu Sans Condensed" panose="020B0606030804020204" pitchFamily="34" charset="0"/>
-              </a:rPr>
-              <a:t>Suivi </a:t>
-            </a:r>
-            <a:r>
-              <a:rPr lang="fr-FR" sz="1100" dirty="0">
-                <a:latin typeface="DejaVu Sans Condensed" panose="020B0606030804020204" pitchFamily="34" charset="0"/>
-                <a:ea typeface="DejaVu Sans Condensed" panose="020B0606030804020204" pitchFamily="34" charset="0"/>
-                <a:cs typeface="DejaVu Sans Condensed" panose="020B0606030804020204" pitchFamily="34" charset="0"/>
-              </a:rPr>
-              <a:t>du projet</a:t>
-            </a:r>
-          </a:p>
-          <a:p>
-            <a:pPr marL="285750" indent="-285750">
-              <a:buFont typeface="+mj-lt"/>
-              <a:buAutoNum type="romanUcPeriod"/>
-            </a:pPr>
-            <a:r>
-              <a:rPr lang="fr-FR" sz="1100" dirty="0" smtClean="0">
-                <a:latin typeface="DejaVu Sans Condensed" panose="020B0606030804020204" pitchFamily="34" charset="0"/>
-                <a:ea typeface="DejaVu Sans Condensed" panose="020B0606030804020204" pitchFamily="34" charset="0"/>
-                <a:cs typeface="DejaVu Sans Condensed" panose="020B0606030804020204" pitchFamily="34" charset="0"/>
-              </a:rPr>
-              <a:t>Apports </a:t>
-            </a:r>
-            <a:r>
-              <a:rPr lang="fr-FR" sz="1100" dirty="0">
-                <a:latin typeface="DejaVu Sans Condensed" panose="020B0606030804020204" pitchFamily="34" charset="0"/>
-                <a:ea typeface="DejaVu Sans Condensed" panose="020B0606030804020204" pitchFamily="34" charset="0"/>
-                <a:cs typeface="DejaVu Sans Condensed" panose="020B0606030804020204" pitchFamily="34" charset="0"/>
-              </a:rPr>
-              <a:t>du projets</a:t>
-            </a:r>
-          </a:p>
-          <a:p>
-            <a:pPr marL="285750" indent="-285750">
-              <a:buFont typeface="+mj-lt"/>
-              <a:buAutoNum type="romanUcPeriod"/>
-            </a:pPr>
-            <a:r>
-              <a:rPr lang="fr-FR" sz="1100" dirty="0" smtClean="0">
-                <a:latin typeface="DejaVu Sans Condensed" panose="020B0606030804020204" pitchFamily="34" charset="0"/>
-                <a:ea typeface="DejaVu Sans Condensed" panose="020B0606030804020204" pitchFamily="34" charset="0"/>
-                <a:cs typeface="DejaVu Sans Condensed" panose="020B0606030804020204" pitchFamily="34" charset="0"/>
-              </a:rPr>
-              <a:t>Difficultés </a:t>
-            </a:r>
-            <a:r>
-              <a:rPr lang="fr-FR" sz="1100" dirty="0">
-                <a:latin typeface="DejaVu Sans Condensed" panose="020B0606030804020204" pitchFamily="34" charset="0"/>
-                <a:ea typeface="DejaVu Sans Condensed" panose="020B0606030804020204" pitchFamily="34" charset="0"/>
-                <a:cs typeface="DejaVu Sans Condensed" panose="020B0606030804020204" pitchFamily="34" charset="0"/>
-              </a:rPr>
-              <a:t>rencontrés</a:t>
-            </a:r>
-          </a:p>
-        </p:txBody>
-      </p:sp>
-      <p:sp>
-        <p:nvSpPr>
-          <p:cNvPr id="12" name="ZoneTexte 11">
+            <a:endParaRPr lang="fr-FR"/>
+          </a:p>
+        </p:txBody>
+      </p:sp>
+      <p:sp>
+        <p:nvSpPr>
+          <p:cNvPr id="3" name="ZoneTexte 2">
             <a:extLst>
               <a:ext uri="{FF2B5EF4-FFF2-40B4-BE49-F238E27FC236}">
                 <a16:creationId xmlns="" xmlns:a16="http://schemas.microsoft.com/office/drawing/2014/main" id="{8630A28E-7049-4BB1-BDCE-9CDFA0BE5C53}"/>
@@ -6187,8 +6572,8 @@
         </p:nvSpPr>
         <p:spPr>
           <a:xfrm>
-            <a:off x="4393811" y="351393"/>
-            <a:ext cx="5281301" cy="954107"/>
+            <a:off x="4396355" y="536840"/>
+            <a:ext cx="5281301" cy="523220"/>
           </a:xfrm>
           <a:prstGeom prst="rect">
             <a:avLst/>
@@ -6208,7 +6593,7 @@
                   <a:srgbClr val="EA0000"/>
                 </a:solidFill>
               </a:rPr>
-              <a:t>Une organisation encore plus poussée</a:t>
+              <a:t>Des difficultés peu impactantes</a:t>
             </a:r>
             <a:endParaRPr lang="fr-FR" sz="2800" b="1" cap="small" dirty="0">
               <a:solidFill>
@@ -6220,7 +6605,7 @@
       </p:sp>
       <p:pic>
         <p:nvPicPr>
-          <p:cNvPr id="2" name="Image 1"/>
+          <p:cNvPr id="4" name="Image 3"/>
           <p:cNvPicPr>
             <a:picLocks noChangeAspect="1"/>
           </p:cNvPicPr>
@@ -6234,29 +6619,24 @@
         </p:blipFill>
         <p:spPr>
           <a:xfrm>
-            <a:off x="3545826" y="1799617"/>
-            <a:ext cx="3283802" cy="4059645"/>
+            <a:off x="3595397" y="2623658"/>
+            <a:ext cx="5829340" cy="1965973"/>
           </a:xfrm>
           <a:prstGeom prst="rect">
             <a:avLst/>
           </a:prstGeom>
-          <a:ln w="19050">
-            <a:solidFill>
-              <a:schemeClr val="tx1"/>
-            </a:solidFill>
-          </a:ln>
         </p:spPr>
       </p:pic>
       <p:sp>
         <p:nvSpPr>
-          <p:cNvPr id="3" name="ZoneTexte 2"/>
+          <p:cNvPr id="5" name="ZoneTexte 4"/>
           <p:cNvSpPr txBox="1"/>
           <p:nvPr/>
         </p:nvSpPr>
         <p:spPr>
           <a:xfrm>
-            <a:off x="6829628" y="1925449"/>
-            <a:ext cx="3659271" cy="461665"/>
+            <a:off x="4491254" y="4597534"/>
+            <a:ext cx="4037626" cy="646331"/>
           </a:xfrm>
           <a:prstGeom prst="rect">
             <a:avLst/>
@@ -6264,38 +6644,70 @@
           <a:noFill/>
         </p:spPr>
         <p:txBody>
-          <a:bodyPr wrap="none" rtlCol="0">
+          <a:bodyPr wrap="square" rtlCol="0">
             <a:spAutoFit/>
           </a:bodyPr>
           <a:lstStyle/>
           <a:p>
-            <a:r>
-              <a:rPr lang="fr-FR" sz="2400" dirty="0" smtClean="0">
-                <a:ea typeface="DejaVu Sans Condensed" panose="020B0606030804020204" pitchFamily="34" charset="0"/>
-                <a:cs typeface="DejaVu Sans Condensed" panose="020B0606030804020204" pitchFamily="34" charset="0"/>
-              </a:rPr>
-              <a:t>  =   Difficile de s’y retrouver</a:t>
-            </a:r>
+            <a:pPr algn="ctr"/>
+            <a:r>
+              <a:rPr lang="fr-FR" b="1" dirty="0" smtClean="0">
+                <a:solidFill>
+                  <a:schemeClr val="bg1">
+                    <a:lumMod val="50000"/>
+                  </a:schemeClr>
+                </a:solidFill>
+                <a:ea typeface="DejaVu Sans Condensed" panose="020B0606030804020204" pitchFamily="34" charset="0"/>
+                <a:cs typeface="DejaVu Sans Condensed" panose="020B0606030804020204" pitchFamily="34" charset="0"/>
+              </a:rPr>
+              <a:t>Erreur de </a:t>
+            </a:r>
+            <a:r>
+              <a:rPr lang="fr-FR" b="1" dirty="0" err="1" smtClean="0">
+                <a:solidFill>
+                  <a:schemeClr val="bg1">
+                    <a:lumMod val="50000"/>
+                  </a:schemeClr>
+                </a:solidFill>
+                <a:ea typeface="DejaVu Sans Condensed" panose="020B0606030804020204" pitchFamily="34" charset="0"/>
+                <a:cs typeface="DejaVu Sans Condensed" panose="020B0606030804020204" pitchFamily="34" charset="0"/>
+              </a:rPr>
+              <a:t>GitHub</a:t>
+            </a:r>
+            <a:r>
+              <a:rPr lang="fr-FR" b="1" dirty="0" smtClean="0">
+                <a:solidFill>
+                  <a:schemeClr val="bg1">
+                    <a:lumMod val="50000"/>
+                  </a:schemeClr>
+                </a:solidFill>
+                <a:ea typeface="DejaVu Sans Condensed" panose="020B0606030804020204" pitchFamily="34" charset="0"/>
+                <a:cs typeface="DejaVu Sans Condensed" panose="020B0606030804020204" pitchFamily="34" charset="0"/>
+              </a:rPr>
+              <a:t> : impossible de nous envoyer les fichier</a:t>
+            </a:r>
+            <a:endParaRPr lang="fr-FR" dirty="0" smtClean="0">
+              <a:solidFill>
+                <a:schemeClr val="bg1">
+                  <a:lumMod val="50000"/>
+                </a:schemeClr>
+              </a:solidFill>
+              <a:ea typeface="DejaVu Sans Condensed" panose="020B0606030804020204" pitchFamily="34" charset="0"/>
+              <a:cs typeface="DejaVu Sans Condensed" panose="020B0606030804020204" pitchFamily="34" charset="0"/>
+            </a:endParaRPr>
           </a:p>
         </p:txBody>
       </p:sp>
     </p:spTree>
     <p:extLst>
       <p:ext uri="{BB962C8B-B14F-4D97-AF65-F5344CB8AC3E}">
-        <p14:creationId xmlns:p14="http://schemas.microsoft.com/office/powerpoint/2010/main" val="3747935093"/>
+        <p14:creationId xmlns:p14="http://schemas.microsoft.com/office/powerpoint/2010/main" val="579491026"/>
       </p:ext>
     </p:extLst>
   </p:cSld>
   <p:clrMapOvr>
     <a:masterClrMapping/>
   </p:clrMapOvr>
-  <p:timing>
-    <p:tnLst>
-      <p:par>
-        <p:cTn id="1" dur="indefinite" restart="never" nodeType="tmRoot"/>
-      </p:par>
-    </p:tnLst>
-  </p:timing>
 </p:sld>
 </file>
 
@@ -6318,6 +6730,25 @@
       </p:grpSpPr>
       <p:sp>
         <p:nvSpPr>
+          <p:cNvPr id="2" name="Espace réservé du texte 1"/>
+          <p:cNvSpPr>
+            <a:spLocks noGrp="1"/>
+          </p:cNvSpPr>
+          <p:nvPr>
+            <p:ph type="body" sz="quarter" idx="13"/>
+          </p:nvPr>
+        </p:nvSpPr>
+        <p:spPr/>
+        <p:txBody>
+          <a:bodyPr/>
+          <a:lstStyle/>
+          <a:p>
+            <a:endParaRPr lang="fr-FR"/>
+          </a:p>
+        </p:txBody>
+      </p:sp>
+      <p:sp>
+        <p:nvSpPr>
           <p:cNvPr id="3" name="ZoneTexte 2">
             <a:extLst>
               <a:ext uri="{FF2B5EF4-FFF2-40B4-BE49-F238E27FC236}">
@@ -6330,7 +6761,7 @@
         </p:nvSpPr>
         <p:spPr>
           <a:xfrm>
-            <a:off x="3187581" y="544125"/>
+            <a:off x="4396355" y="536840"/>
             <a:ext cx="5281301" cy="523220"/>
           </a:xfrm>
           <a:prstGeom prst="rect">
@@ -6351,7 +6782,7 @@
                   <a:srgbClr val="EA0000"/>
                 </a:solidFill>
               </a:rPr>
-              <a:t>Conclusion</a:t>
+              <a:t>Une équipe qui se connaît</a:t>
             </a:r>
             <a:endParaRPr lang="fr-FR" sz="2800" b="1" cap="small" dirty="0">
               <a:solidFill>
@@ -6361,58 +6792,16 @@
           </a:p>
         </p:txBody>
       </p:sp>
-      <p:sp>
-        <p:nvSpPr>
-          <p:cNvPr id="5" name="ZoneTexte 4">
-            <a:extLst>
-              <a:ext uri="{FF2B5EF4-FFF2-40B4-BE49-F238E27FC236}">
-                <a16:creationId xmlns="" xmlns:a16="http://schemas.microsoft.com/office/drawing/2014/main" id="{9EBD1055-AF6A-4F72-9530-A3095818B3CA}"/>
-              </a:ext>
-            </a:extLst>
-          </p:cNvPr>
-          <p:cNvSpPr txBox="1"/>
-          <p:nvPr/>
-        </p:nvSpPr>
-        <p:spPr>
-          <a:xfrm>
-            <a:off x="10858500" y="6429375"/>
-            <a:ext cx="723900" cy="369332"/>
-          </a:xfrm>
-          <a:prstGeom prst="rect">
-            <a:avLst/>
-          </a:prstGeom>
-          <a:noFill/>
-        </p:spPr>
-        <p:txBody>
-          <a:bodyPr wrap="square" rtlCol="0">
-            <a:spAutoFit/>
-          </a:bodyPr>
-          <a:lstStyle/>
-          <a:p>
-            <a:r>
-              <a:rPr lang="fr-FR" dirty="0"/>
-              <a:t>2/10</a:t>
-            </a:r>
-          </a:p>
-        </p:txBody>
-      </p:sp>
     </p:spTree>
     <p:extLst>
       <p:ext uri="{BB962C8B-B14F-4D97-AF65-F5344CB8AC3E}">
-        <p14:creationId xmlns:p14="http://schemas.microsoft.com/office/powerpoint/2010/main" val="1063936555"/>
+        <p14:creationId xmlns:p14="http://schemas.microsoft.com/office/powerpoint/2010/main" val="667991795"/>
       </p:ext>
     </p:extLst>
   </p:cSld>
   <p:clrMapOvr>
     <a:masterClrMapping/>
   </p:clrMapOvr>
-  <p:timing>
-    <p:tnLst>
-      <p:par>
-        <p:cTn id="1" dur="indefinite" restart="never" nodeType="tmRoot"/>
-      </p:par>
-    </p:tnLst>
-  </p:timing>
 </p:sld>
 </file>
 
